--- a/Защита/Презентация_кор.pptx
+++ b/Защита/Презентация_кор.pptx
@@ -5,27 +5,28 @@
     <p:sldMasterId id="2147483648" r:id="rId1"/>
   </p:sldMasterIdLst>
   <p:notesMasterIdLst>
-    <p:notesMasterId r:id="rId20"/>
+    <p:notesMasterId r:id="rId21"/>
   </p:notesMasterIdLst>
   <p:sldIdLst>
     <p:sldId id="256" r:id="rId2"/>
-    <p:sldId id="257" r:id="rId3"/>
-    <p:sldId id="258" r:id="rId4"/>
-    <p:sldId id="260" r:id="rId5"/>
-    <p:sldId id="259" r:id="rId6"/>
-    <p:sldId id="275" r:id="rId7"/>
-    <p:sldId id="265" r:id="rId8"/>
-    <p:sldId id="266" r:id="rId9"/>
-    <p:sldId id="270" r:id="rId10"/>
-    <p:sldId id="271" r:id="rId11"/>
-    <p:sldId id="273" r:id="rId12"/>
-    <p:sldId id="268" r:id="rId13"/>
-    <p:sldId id="272" r:id="rId14"/>
-    <p:sldId id="274" r:id="rId15"/>
-    <p:sldId id="277" r:id="rId16"/>
-    <p:sldId id="278" r:id="rId17"/>
-    <p:sldId id="279" r:id="rId18"/>
-    <p:sldId id="267" r:id="rId19"/>
+    <p:sldId id="280" r:id="rId3"/>
+    <p:sldId id="257" r:id="rId4"/>
+    <p:sldId id="258" r:id="rId5"/>
+    <p:sldId id="260" r:id="rId6"/>
+    <p:sldId id="259" r:id="rId7"/>
+    <p:sldId id="275" r:id="rId8"/>
+    <p:sldId id="265" r:id="rId9"/>
+    <p:sldId id="266" r:id="rId10"/>
+    <p:sldId id="270" r:id="rId11"/>
+    <p:sldId id="271" r:id="rId12"/>
+    <p:sldId id="273" r:id="rId13"/>
+    <p:sldId id="268" r:id="rId14"/>
+    <p:sldId id="272" r:id="rId15"/>
+    <p:sldId id="274" r:id="rId16"/>
+    <p:sldId id="277" r:id="rId17"/>
+    <p:sldId id="278" r:id="rId18"/>
+    <p:sldId id="279" r:id="rId19"/>
+    <p:sldId id="267" r:id="rId20"/>
   </p:sldIdLst>
   <p:sldSz cx="12192000" cy="6858000"/>
   <p:notesSz cx="6858000" cy="9144000"/>
@@ -237,7 +238,7 @@
           <a:p>
             <a:fld id="{BFF50CBD-59DF-4965-82D4-97E7AA9063A7}" type="datetimeFigureOut">
               <a:rPr lang="ru-RU" smtClean="0"/>
-              <a:t>сб 04.06.22</a:t>
+              <a:t>вс 05.06.22</a:t>
             </a:fld>
             <a:endParaRPr lang="ru-RU"/>
           </a:p>
@@ -651,7 +652,7 @@
           <a:p>
             <a:fld id="{3E0791DB-58A5-4090-9CF7-EA9E03E3015F}" type="datetime1">
               <a:rPr lang="ru-RU" smtClean="0"/>
-              <a:t>сб 04.06.22</a:t>
+              <a:t>вс 05.06.22</a:t>
             </a:fld>
             <a:endParaRPr lang="ru-RU"/>
           </a:p>
@@ -849,7 +850,7 @@
           <a:p>
             <a:fld id="{571E96F9-C5ED-4839-AE63-6DD1DB814A45}" type="datetime1">
               <a:rPr lang="ru-RU" smtClean="0"/>
-              <a:t>сб 04.06.22</a:t>
+              <a:t>вс 05.06.22</a:t>
             </a:fld>
             <a:endParaRPr lang="ru-RU"/>
           </a:p>
@@ -1057,7 +1058,7 @@
           <a:p>
             <a:fld id="{308B1B71-981E-4FE9-84DC-A2415D4CAD14}" type="datetime1">
               <a:rPr lang="ru-RU" smtClean="0"/>
-              <a:t>сб 04.06.22</a:t>
+              <a:t>вс 05.06.22</a:t>
             </a:fld>
             <a:endParaRPr lang="ru-RU"/>
           </a:p>
@@ -1255,7 +1256,7 @@
           <a:p>
             <a:fld id="{7EB85753-1063-4B28-84C1-E460FEE6A540}" type="datetime1">
               <a:rPr lang="ru-RU" smtClean="0"/>
-              <a:t>сб 04.06.22</a:t>
+              <a:t>вс 05.06.22</a:t>
             </a:fld>
             <a:endParaRPr lang="ru-RU"/>
           </a:p>
@@ -1530,7 +1531,7 @@
           <a:p>
             <a:fld id="{FFBA96B2-7C35-4E34-8CEC-C66BBA3094DE}" type="datetime1">
               <a:rPr lang="ru-RU" smtClean="0"/>
-              <a:t>сб 04.06.22</a:t>
+              <a:t>вс 05.06.22</a:t>
             </a:fld>
             <a:endParaRPr lang="ru-RU"/>
           </a:p>
@@ -1795,7 +1796,7 @@
           <a:p>
             <a:fld id="{A1F247BC-C6A3-4A16-B529-183190D9233C}" type="datetime1">
               <a:rPr lang="ru-RU" smtClean="0"/>
-              <a:t>сб 04.06.22</a:t>
+              <a:t>вс 05.06.22</a:t>
             </a:fld>
             <a:endParaRPr lang="ru-RU"/>
           </a:p>
@@ -2207,7 +2208,7 @@
           <a:p>
             <a:fld id="{368C37A2-6E6A-41D6-B4D9-5F4C8E0F2524}" type="datetime1">
               <a:rPr lang="ru-RU" smtClean="0"/>
-              <a:t>сб 04.06.22</a:t>
+              <a:t>вс 05.06.22</a:t>
             </a:fld>
             <a:endParaRPr lang="ru-RU"/>
           </a:p>
@@ -2348,7 +2349,7 @@
           <a:p>
             <a:fld id="{9D2B5484-B19E-45DA-92ED-2A77837E127D}" type="datetime1">
               <a:rPr lang="ru-RU" smtClean="0"/>
-              <a:t>сб 04.06.22</a:t>
+              <a:t>вс 05.06.22</a:t>
             </a:fld>
             <a:endParaRPr lang="ru-RU"/>
           </a:p>
@@ -2461,7 +2462,7 @@
           <a:p>
             <a:fld id="{BE663084-1FCD-4FB8-BD5D-89578943CAF6}" type="datetime1">
               <a:rPr lang="ru-RU" smtClean="0"/>
-              <a:t>сб 04.06.22</a:t>
+              <a:t>вс 05.06.22</a:t>
             </a:fld>
             <a:endParaRPr lang="ru-RU"/>
           </a:p>
@@ -2772,7 +2773,7 @@
           <a:p>
             <a:fld id="{6732622D-64B1-41FE-A40F-8F2461367E83}" type="datetime1">
               <a:rPr lang="ru-RU" smtClean="0"/>
-              <a:t>сб 04.06.22</a:t>
+              <a:t>вс 05.06.22</a:t>
             </a:fld>
             <a:endParaRPr lang="ru-RU"/>
           </a:p>
@@ -3060,7 +3061,7 @@
           <a:p>
             <a:fld id="{C8E3769E-E4F5-48B3-A373-F3FCEDFBC903}" type="datetime1">
               <a:rPr lang="ru-RU" smtClean="0"/>
-              <a:t>сб 04.06.22</a:t>
+              <a:t>вс 05.06.22</a:t>
             </a:fld>
             <a:endParaRPr lang="ru-RU"/>
           </a:p>
@@ -3301,7 +3302,7 @@
           <a:p>
             <a:fld id="{7A47B8F5-48C8-47E4-B573-3E1A44302230}" type="datetime1">
               <a:rPr lang="ru-RU" smtClean="0"/>
-              <a:t>сб 04.06.22</a:t>
+              <a:t>вс 05.06.22</a:t>
             </a:fld>
             <a:endParaRPr lang="ru-RU"/>
           </a:p>
@@ -4217,6 +4218,136 @@
 </file>
 
 <file path=ppt/slides/slide10.xml><?xml version="1.0" encoding="utf-8"?>
+<p:sld xmlns:a="http://schemas.openxmlformats.org/drawingml/2006/main" xmlns:r="http://schemas.openxmlformats.org/officeDocument/2006/relationships" xmlns:p="http://schemas.openxmlformats.org/presentationml/2006/main" show="0">
+  <p:cSld>
+    <p:spTree>
+      <p:nvGrpSpPr>
+        <p:cNvPr id="1" name=""/>
+        <p:cNvGrpSpPr/>
+        <p:nvPr/>
+      </p:nvGrpSpPr>
+      <p:grpSpPr>
+        <a:xfrm>
+          <a:off x="0" y="0"/>
+          <a:ext cx="0" cy="0"/>
+          <a:chOff x="0" y="0"/>
+          <a:chExt cx="0" cy="0"/>
+        </a:xfrm>
+      </p:grpSpPr>
+      <p:sp>
+        <p:nvSpPr>
+          <p:cNvPr id="2" name="Заголовок 1">
+            <a:extLst>
+              <a:ext uri="{FF2B5EF4-FFF2-40B4-BE49-F238E27FC236}">
+                <a16:creationId xmlns:a16="http://schemas.microsoft.com/office/drawing/2014/main" id="{97CB21AF-9156-3033-55BD-6B0D9FF7203E}"/>
+              </a:ext>
+            </a:extLst>
+          </p:cNvPr>
+          <p:cNvSpPr>
+            <a:spLocks noGrp="1"/>
+          </p:cNvSpPr>
+          <p:nvPr>
+            <p:ph type="title"/>
+          </p:nvPr>
+        </p:nvSpPr>
+        <p:spPr>
+          <a:xfrm>
+            <a:off x="431799" y="136525"/>
+            <a:ext cx="10965329" cy="1325563"/>
+          </a:xfrm>
+        </p:spPr>
+        <p:txBody>
+          <a:bodyPr>
+            <a:normAutofit/>
+          </a:bodyPr>
+          <a:lstStyle/>
+          <a:p>
+            <a:r>
+              <a:rPr lang="ru-RU" sz="3600" dirty="0"/>
+              <a:t>Предварительная обработка текста</a:t>
+            </a:r>
+          </a:p>
+        </p:txBody>
+      </p:sp>
+      <p:sp>
+        <p:nvSpPr>
+          <p:cNvPr id="4" name="Номер слайда 3">
+            <a:extLst>
+              <a:ext uri="{FF2B5EF4-FFF2-40B4-BE49-F238E27FC236}">
+                <a16:creationId xmlns:a16="http://schemas.microsoft.com/office/drawing/2014/main" id="{31B05029-E45D-2C85-12AA-63AD205035B8}"/>
+              </a:ext>
+            </a:extLst>
+          </p:cNvPr>
+          <p:cNvSpPr>
+            <a:spLocks noGrp="1"/>
+          </p:cNvSpPr>
+          <p:nvPr>
+            <p:ph type="sldNum" sz="quarter" idx="12"/>
+          </p:nvPr>
+        </p:nvSpPr>
+        <p:spPr/>
+        <p:txBody>
+          <a:bodyPr/>
+          <a:lstStyle/>
+          <a:p>
+            <a:fld id="{EB2452EA-49EB-437E-AEAF-228AB19C4ED2}" type="slidenum">
+              <a:rPr lang="ru-RU" smtClean="0"/>
+              <a:t>10</a:t>
+            </a:fld>
+            <a:endParaRPr lang="ru-RU"/>
+          </a:p>
+        </p:txBody>
+      </p:sp>
+      <p:pic>
+        <p:nvPicPr>
+          <p:cNvPr id="8" name="Рисунок 7">
+            <a:extLst>
+              <a:ext uri="{FF2B5EF4-FFF2-40B4-BE49-F238E27FC236}">
+                <a16:creationId xmlns:a16="http://schemas.microsoft.com/office/drawing/2014/main" id="{0DFE3245-0752-F447-7520-A03F23B5729F}"/>
+              </a:ext>
+            </a:extLst>
+          </p:cNvPr>
+          <p:cNvPicPr>
+            <a:picLocks noChangeAspect="1"/>
+          </p:cNvPicPr>
+          <p:nvPr/>
+        </p:nvPicPr>
+        <p:blipFill>
+          <a:blip r:embed="rId2">
+            <a:extLst>
+              <a:ext uri="{28A0092B-C50C-407E-A947-70E740481C1C}">
+                <a14:useLocalDpi xmlns:a14="http://schemas.microsoft.com/office/drawing/2010/main" val="0"/>
+              </a:ext>
+            </a:extLst>
+          </a:blip>
+          <a:stretch>
+            <a:fillRect/>
+          </a:stretch>
+        </p:blipFill>
+        <p:spPr>
+          <a:xfrm>
+            <a:off x="1327735" y="1088651"/>
+            <a:ext cx="9173456" cy="5632824"/>
+          </a:xfrm>
+          <a:prstGeom prst="rect">
+            <a:avLst/>
+          </a:prstGeom>
+        </p:spPr>
+      </p:pic>
+    </p:spTree>
+    <p:extLst>
+      <p:ext uri="{BB962C8B-B14F-4D97-AF65-F5344CB8AC3E}">
+        <p14:creationId xmlns:p14="http://schemas.microsoft.com/office/powerpoint/2010/main" val="2561295307"/>
+      </p:ext>
+    </p:extLst>
+  </p:cSld>
+  <p:clrMapOvr>
+    <a:masterClrMapping/>
+  </p:clrMapOvr>
+</p:sld>
+</file>
+
+<file path=ppt/slides/slide11.xml><?xml version="1.0" encoding="utf-8"?>
 <p:sld xmlns:a="http://schemas.openxmlformats.org/drawingml/2006/main" xmlns:r="http://schemas.openxmlformats.org/officeDocument/2006/relationships" xmlns:p="http://schemas.openxmlformats.org/presentationml/2006/main">
   <p:cSld>
     <p:spTree>
@@ -4325,7 +4456,7 @@
           <a:p>
             <a:fld id="{EB2452EA-49EB-437E-AEAF-228AB19C4ED2}" type="slidenum">
               <a:rPr lang="ru-RU" smtClean="0"/>
-              <a:t>10</a:t>
+              <a:t>11</a:t>
             </a:fld>
             <a:endParaRPr lang="ru-RU"/>
           </a:p>
@@ -4398,7 +4529,7 @@
 </p:sld>
 </file>
 
-<file path=ppt/slides/slide11.xml><?xml version="1.0" encoding="utf-8"?>
+<file path=ppt/slides/slide12.xml><?xml version="1.0" encoding="utf-8"?>
 <p:sld xmlns:a="http://schemas.openxmlformats.org/drawingml/2006/main" xmlns:r="http://schemas.openxmlformats.org/officeDocument/2006/relationships" xmlns:p="http://schemas.openxmlformats.org/presentationml/2006/main">
   <p:cSld>
     <p:spTree>
@@ -4466,7 +4597,7 @@
           <a:p>
             <a:fld id="{EB2452EA-49EB-437E-AEAF-228AB19C4ED2}" type="slidenum">
               <a:rPr lang="ru-RU" smtClean="0"/>
-              <a:t>11</a:t>
+              <a:t>12</a:t>
             </a:fld>
             <a:endParaRPr lang="ru-RU"/>
           </a:p>
@@ -4602,194 +4733,6 @@
 </p:sld>
 </file>
 
-<file path=ppt/slides/slide12.xml><?xml version="1.0" encoding="utf-8"?>
-<p:sld xmlns:a="http://schemas.openxmlformats.org/drawingml/2006/main" xmlns:r="http://schemas.openxmlformats.org/officeDocument/2006/relationships" xmlns:p="http://schemas.openxmlformats.org/presentationml/2006/main">
-  <p:cSld>
-    <p:spTree>
-      <p:nvGrpSpPr>
-        <p:cNvPr id="1" name=""/>
-        <p:cNvGrpSpPr/>
-        <p:nvPr/>
-      </p:nvGrpSpPr>
-      <p:grpSpPr>
-        <a:xfrm>
-          <a:off x="0" y="0"/>
-          <a:ext cx="0" cy="0"/>
-          <a:chOff x="0" y="0"/>
-          <a:chExt cx="0" cy="0"/>
-        </a:xfrm>
-      </p:grpSpPr>
-      <p:sp>
-        <p:nvSpPr>
-          <p:cNvPr id="2" name="Заголовок 1">
-            <a:extLst>
-              <a:ext uri="{FF2B5EF4-FFF2-40B4-BE49-F238E27FC236}">
-                <a16:creationId xmlns:a16="http://schemas.microsoft.com/office/drawing/2014/main" id="{18E61C09-41FB-EDEF-8772-01403898B058}"/>
-              </a:ext>
-            </a:extLst>
-          </p:cNvPr>
-          <p:cNvSpPr>
-            <a:spLocks noGrp="1"/>
-          </p:cNvSpPr>
-          <p:nvPr>
-            <p:ph type="title"/>
-          </p:nvPr>
-        </p:nvSpPr>
-        <p:spPr>
-          <a:xfrm>
-            <a:off x="650310" y="286512"/>
-            <a:ext cx="10515600" cy="887478"/>
-          </a:xfrm>
-        </p:spPr>
-        <p:txBody>
-          <a:bodyPr/>
-          <a:lstStyle/>
-          <a:p>
-            <a:r>
-              <a:rPr lang="ru-RU" dirty="0"/>
-              <a:t>Архитектура ПО</a:t>
-            </a:r>
-          </a:p>
-        </p:txBody>
-      </p:sp>
-      <p:pic>
-        <p:nvPicPr>
-          <p:cNvPr id="6" name="Объект 5">
-            <a:extLst>
-              <a:ext uri="{FF2B5EF4-FFF2-40B4-BE49-F238E27FC236}">
-                <a16:creationId xmlns:a16="http://schemas.microsoft.com/office/drawing/2014/main" id="{5E69109B-47CD-BBEA-259E-6CC514E30E12}"/>
-              </a:ext>
-            </a:extLst>
-          </p:cNvPr>
-          <p:cNvPicPr>
-            <a:picLocks noGrp="1" noChangeAspect="1"/>
-          </p:cNvPicPr>
-          <p:nvPr>
-            <p:ph idx="1"/>
-          </p:nvPr>
-        </p:nvPicPr>
-        <p:blipFill>
-          <a:blip r:embed="rId2">
-            <a:extLst>
-              <a:ext uri="{28A0092B-C50C-407E-A947-70E740481C1C}">
-                <a14:useLocalDpi xmlns:a14="http://schemas.microsoft.com/office/drawing/2010/main" val="0"/>
-              </a:ext>
-            </a:extLst>
-          </a:blip>
-          <a:stretch>
-            <a:fillRect/>
-          </a:stretch>
-        </p:blipFill>
-        <p:spPr>
-          <a:xfrm>
-            <a:off x="650310" y="1491685"/>
-            <a:ext cx="7355074" cy="4546969"/>
-          </a:xfrm>
-        </p:spPr>
-      </p:pic>
-      <p:sp>
-        <p:nvSpPr>
-          <p:cNvPr id="3" name="Номер слайда 2">
-            <a:extLst>
-              <a:ext uri="{FF2B5EF4-FFF2-40B4-BE49-F238E27FC236}">
-                <a16:creationId xmlns:a16="http://schemas.microsoft.com/office/drawing/2014/main" id="{1AF9E109-AC00-A52F-F359-158934ADEA13}"/>
-              </a:ext>
-            </a:extLst>
-          </p:cNvPr>
-          <p:cNvSpPr>
-            <a:spLocks noGrp="1"/>
-          </p:cNvSpPr>
-          <p:nvPr>
-            <p:ph type="sldNum" sz="quarter" idx="12"/>
-          </p:nvPr>
-        </p:nvSpPr>
-        <p:spPr/>
-        <p:txBody>
-          <a:bodyPr/>
-          <a:lstStyle/>
-          <a:p>
-            <a:fld id="{EB2452EA-49EB-437E-AEAF-228AB19C4ED2}" type="slidenum">
-              <a:rPr lang="ru-RU" smtClean="0"/>
-              <a:t>12</a:t>
-            </a:fld>
-            <a:endParaRPr lang="ru-RU"/>
-          </a:p>
-        </p:txBody>
-      </p:sp>
-      <p:sp>
-        <p:nvSpPr>
-          <p:cNvPr id="4" name="TextBox 3">
-            <a:extLst>
-              <a:ext uri="{FF2B5EF4-FFF2-40B4-BE49-F238E27FC236}">
-                <a16:creationId xmlns:a16="http://schemas.microsoft.com/office/drawing/2014/main" id="{3D9F6196-D7B8-CE77-D9D7-36B43237D4DA}"/>
-              </a:ext>
-            </a:extLst>
-          </p:cNvPr>
-          <p:cNvSpPr txBox="1"/>
-          <p:nvPr/>
-        </p:nvSpPr>
-        <p:spPr>
-          <a:xfrm>
-            <a:off x="8281423" y="4407438"/>
-            <a:ext cx="3494762" cy="1631216"/>
-          </a:xfrm>
-          <a:prstGeom prst="rect">
-            <a:avLst/>
-          </a:prstGeom>
-          <a:noFill/>
-        </p:spPr>
-        <p:txBody>
-          <a:bodyPr wrap="square" rtlCol="0">
-            <a:spAutoFit/>
-          </a:bodyPr>
-          <a:lstStyle/>
-          <a:p>
-            <a:r>
-              <a:rPr lang="ru-RU" sz="2000" dirty="0">
-                <a:latin typeface="+mj-lt"/>
-              </a:rPr>
-              <a:t>Примечание: При проектировании использовался шаблон  </a:t>
-            </a:r>
-            <a:r>
-              <a:rPr lang="en-US" sz="2000" dirty="0">
-                <a:latin typeface="+mj-lt"/>
-              </a:rPr>
-              <a:t>MVC – </a:t>
-            </a:r>
-            <a:r>
-              <a:rPr lang="ru-RU" sz="2000" dirty="0">
-                <a:latin typeface="+mj-lt"/>
-              </a:rPr>
-              <a:t>модель-представление</a:t>
-            </a:r>
-            <a:r>
-              <a:rPr lang="en-US" sz="2000" dirty="0">
-                <a:latin typeface="+mj-lt"/>
-              </a:rPr>
-              <a:t>-</a:t>
-            </a:r>
-            <a:r>
-              <a:rPr lang="ru-RU" sz="2000" dirty="0">
-                <a:latin typeface="+mj-lt"/>
-              </a:rPr>
-              <a:t>контролер</a:t>
-            </a:r>
-          </a:p>
-        </p:txBody>
-      </p:sp>
-    </p:spTree>
-    <p:extLst>
-      <p:ext uri="{BB962C8B-B14F-4D97-AF65-F5344CB8AC3E}">
-        <p14:creationId xmlns:p14="http://schemas.microsoft.com/office/powerpoint/2010/main" val="278425043"/>
-      </p:ext>
-    </p:extLst>
-  </p:cSld>
-  <p:clrMapOvr>
-    <a:masterClrMapping/>
-  </p:clrMapOvr>
-</p:sld>
-</file>
-
 <file path=ppt/slides/slide13.xml><?xml version="1.0" encoding="utf-8"?>
 <p:sld xmlns:a="http://schemas.openxmlformats.org/drawingml/2006/main" xmlns:r="http://schemas.openxmlformats.org/officeDocument/2006/relationships" xmlns:p="http://schemas.openxmlformats.org/presentationml/2006/main">
   <p:cSld>
@@ -4812,6 +4755,194 @@
           <p:cNvPr id="2" name="Заголовок 1">
             <a:extLst>
               <a:ext uri="{FF2B5EF4-FFF2-40B4-BE49-F238E27FC236}">
+                <a16:creationId xmlns:a16="http://schemas.microsoft.com/office/drawing/2014/main" id="{18E61C09-41FB-EDEF-8772-01403898B058}"/>
+              </a:ext>
+            </a:extLst>
+          </p:cNvPr>
+          <p:cNvSpPr>
+            <a:spLocks noGrp="1"/>
+          </p:cNvSpPr>
+          <p:nvPr>
+            <p:ph type="title"/>
+          </p:nvPr>
+        </p:nvSpPr>
+        <p:spPr>
+          <a:xfrm>
+            <a:off x="650310" y="286512"/>
+            <a:ext cx="10515600" cy="887478"/>
+          </a:xfrm>
+        </p:spPr>
+        <p:txBody>
+          <a:bodyPr/>
+          <a:lstStyle/>
+          <a:p>
+            <a:r>
+              <a:rPr lang="ru-RU" dirty="0"/>
+              <a:t>Структура ПО</a:t>
+            </a:r>
+          </a:p>
+        </p:txBody>
+      </p:sp>
+      <p:pic>
+        <p:nvPicPr>
+          <p:cNvPr id="6" name="Объект 5">
+            <a:extLst>
+              <a:ext uri="{FF2B5EF4-FFF2-40B4-BE49-F238E27FC236}">
+                <a16:creationId xmlns:a16="http://schemas.microsoft.com/office/drawing/2014/main" id="{5E69109B-47CD-BBEA-259E-6CC514E30E12}"/>
+              </a:ext>
+            </a:extLst>
+          </p:cNvPr>
+          <p:cNvPicPr>
+            <a:picLocks noGrp="1" noChangeAspect="1"/>
+          </p:cNvPicPr>
+          <p:nvPr>
+            <p:ph idx="1"/>
+          </p:nvPr>
+        </p:nvPicPr>
+        <p:blipFill>
+          <a:blip r:embed="rId2">
+            <a:extLst>
+              <a:ext uri="{28A0092B-C50C-407E-A947-70E740481C1C}">
+                <a14:useLocalDpi xmlns:a14="http://schemas.microsoft.com/office/drawing/2010/main" val="0"/>
+              </a:ext>
+            </a:extLst>
+          </a:blip>
+          <a:stretch>
+            <a:fillRect/>
+          </a:stretch>
+        </p:blipFill>
+        <p:spPr>
+          <a:xfrm>
+            <a:off x="650310" y="1491685"/>
+            <a:ext cx="7355074" cy="4546969"/>
+          </a:xfrm>
+        </p:spPr>
+      </p:pic>
+      <p:sp>
+        <p:nvSpPr>
+          <p:cNvPr id="3" name="Номер слайда 2">
+            <a:extLst>
+              <a:ext uri="{FF2B5EF4-FFF2-40B4-BE49-F238E27FC236}">
+                <a16:creationId xmlns:a16="http://schemas.microsoft.com/office/drawing/2014/main" id="{1AF9E109-AC00-A52F-F359-158934ADEA13}"/>
+              </a:ext>
+            </a:extLst>
+          </p:cNvPr>
+          <p:cNvSpPr>
+            <a:spLocks noGrp="1"/>
+          </p:cNvSpPr>
+          <p:nvPr>
+            <p:ph type="sldNum" sz="quarter" idx="12"/>
+          </p:nvPr>
+        </p:nvSpPr>
+        <p:spPr/>
+        <p:txBody>
+          <a:bodyPr/>
+          <a:lstStyle/>
+          <a:p>
+            <a:fld id="{EB2452EA-49EB-437E-AEAF-228AB19C4ED2}" type="slidenum">
+              <a:rPr lang="ru-RU" smtClean="0"/>
+              <a:t>13</a:t>
+            </a:fld>
+            <a:endParaRPr lang="ru-RU"/>
+          </a:p>
+        </p:txBody>
+      </p:sp>
+      <p:sp>
+        <p:nvSpPr>
+          <p:cNvPr id="4" name="TextBox 3">
+            <a:extLst>
+              <a:ext uri="{FF2B5EF4-FFF2-40B4-BE49-F238E27FC236}">
+                <a16:creationId xmlns:a16="http://schemas.microsoft.com/office/drawing/2014/main" id="{3D9F6196-D7B8-CE77-D9D7-36B43237D4DA}"/>
+              </a:ext>
+            </a:extLst>
+          </p:cNvPr>
+          <p:cNvSpPr txBox="1"/>
+          <p:nvPr/>
+        </p:nvSpPr>
+        <p:spPr>
+          <a:xfrm>
+            <a:off x="8281423" y="4407438"/>
+            <a:ext cx="3494762" cy="1631216"/>
+          </a:xfrm>
+          <a:prstGeom prst="rect">
+            <a:avLst/>
+          </a:prstGeom>
+          <a:noFill/>
+        </p:spPr>
+        <p:txBody>
+          <a:bodyPr wrap="square" rtlCol="0">
+            <a:spAutoFit/>
+          </a:bodyPr>
+          <a:lstStyle/>
+          <a:p>
+            <a:r>
+              <a:rPr lang="ru-RU" sz="2000" dirty="0">
+                <a:latin typeface="+mj-lt"/>
+              </a:rPr>
+              <a:t>Примечание: При проектировании использовался шаблон  </a:t>
+            </a:r>
+            <a:r>
+              <a:rPr lang="en-US" sz="2000" dirty="0">
+                <a:latin typeface="+mj-lt"/>
+              </a:rPr>
+              <a:t>MVC – </a:t>
+            </a:r>
+            <a:r>
+              <a:rPr lang="ru-RU" sz="2000" dirty="0">
+                <a:latin typeface="+mj-lt"/>
+              </a:rPr>
+              <a:t>модель-представление</a:t>
+            </a:r>
+            <a:r>
+              <a:rPr lang="en-US" sz="2000" dirty="0">
+                <a:latin typeface="+mj-lt"/>
+              </a:rPr>
+              <a:t>-</a:t>
+            </a:r>
+            <a:r>
+              <a:rPr lang="ru-RU" sz="2000" dirty="0">
+                <a:latin typeface="+mj-lt"/>
+              </a:rPr>
+              <a:t>контролер</a:t>
+            </a:r>
+          </a:p>
+        </p:txBody>
+      </p:sp>
+    </p:spTree>
+    <p:extLst>
+      <p:ext uri="{BB962C8B-B14F-4D97-AF65-F5344CB8AC3E}">
+        <p14:creationId xmlns:p14="http://schemas.microsoft.com/office/powerpoint/2010/main" val="278425043"/>
+      </p:ext>
+    </p:extLst>
+  </p:cSld>
+  <p:clrMapOvr>
+    <a:masterClrMapping/>
+  </p:clrMapOvr>
+</p:sld>
+</file>
+
+<file path=ppt/slides/slide14.xml><?xml version="1.0" encoding="utf-8"?>
+<p:sld xmlns:a="http://schemas.openxmlformats.org/drawingml/2006/main" xmlns:r="http://schemas.openxmlformats.org/officeDocument/2006/relationships" xmlns:p="http://schemas.openxmlformats.org/presentationml/2006/main">
+  <p:cSld>
+    <p:spTree>
+      <p:nvGrpSpPr>
+        <p:cNvPr id="1" name=""/>
+        <p:cNvGrpSpPr/>
+        <p:nvPr/>
+      </p:nvGrpSpPr>
+      <p:grpSpPr>
+        <a:xfrm>
+          <a:off x="0" y="0"/>
+          <a:ext cx="0" cy="0"/>
+          <a:chOff x="0" y="0"/>
+          <a:chExt cx="0" cy="0"/>
+        </a:xfrm>
+      </p:grpSpPr>
+      <p:sp>
+        <p:nvSpPr>
+          <p:cNvPr id="2" name="Заголовок 1">
+            <a:extLst>
+              <a:ext uri="{FF2B5EF4-FFF2-40B4-BE49-F238E27FC236}">
                 <a16:creationId xmlns:a16="http://schemas.microsoft.com/office/drawing/2014/main" id="{8EC2828D-B112-33D2-D748-6696FAEFD065}"/>
               </a:ext>
             </a:extLst>
@@ -4965,8 +5096,8 @@
           </a:p>
         </p:txBody>
       </p:sp>
-      <mc:AlternateContent xmlns:mc="http://schemas.openxmlformats.org/markup-compatibility/2006">
-        <mc:Choice xmlns:a14="http://schemas.microsoft.com/office/drawing/2010/main" Requires="a14">
+      <mc:AlternateContent xmlns:mc="http://schemas.openxmlformats.org/markup-compatibility/2006" xmlns:a14="http://schemas.microsoft.com/office/drawing/2010/main">
+        <mc:Choice Requires="a14">
           <p:sp>
             <p:nvSpPr>
               <p:cNvPr id="11" name="Объект 10">
@@ -5507,7 +5638,7 @@
             </p:txBody>
           </p:sp>
         </mc:Choice>
-        <mc:Fallback>
+        <mc:Fallback xmlns="">
           <p:sp>
             <p:nvSpPr>
               <p:cNvPr id="11" name="Объект 10">
@@ -5570,7 +5701,7 @@
           <a:p>
             <a:fld id="{EB2452EA-49EB-437E-AEAF-228AB19C4ED2}" type="slidenum">
               <a:rPr lang="ru-RU" smtClean="0"/>
-              <a:t>13</a:t>
+              <a:t>14</a:t>
             </a:fld>
             <a:endParaRPr lang="ru-RU"/>
           </a:p>
@@ -5580,134 +5711,6 @@
     <p:extLst>
       <p:ext uri="{BB962C8B-B14F-4D97-AF65-F5344CB8AC3E}">
         <p14:creationId xmlns:p14="http://schemas.microsoft.com/office/powerpoint/2010/main" val="1769878857"/>
-      </p:ext>
-    </p:extLst>
-  </p:cSld>
-  <p:clrMapOvr>
-    <a:masterClrMapping/>
-  </p:clrMapOvr>
-</p:sld>
-</file>
-
-<file path=ppt/slides/slide14.xml><?xml version="1.0" encoding="utf-8"?>
-<p:sld xmlns:a="http://schemas.openxmlformats.org/drawingml/2006/main" xmlns:r="http://schemas.openxmlformats.org/officeDocument/2006/relationships" xmlns:p="http://schemas.openxmlformats.org/presentationml/2006/main">
-  <p:cSld>
-    <p:spTree>
-      <p:nvGrpSpPr>
-        <p:cNvPr id="1" name=""/>
-        <p:cNvGrpSpPr/>
-        <p:nvPr/>
-      </p:nvGrpSpPr>
-      <p:grpSpPr>
-        <a:xfrm>
-          <a:off x="0" y="0"/>
-          <a:ext cx="0" cy="0"/>
-          <a:chOff x="0" y="0"/>
-          <a:chExt cx="0" cy="0"/>
-        </a:xfrm>
-      </p:grpSpPr>
-      <p:pic>
-        <p:nvPicPr>
-          <p:cNvPr id="8" name="Рисунок 7">
-            <a:extLst>
-              <a:ext uri="{FF2B5EF4-FFF2-40B4-BE49-F238E27FC236}">
-                <a16:creationId xmlns:a16="http://schemas.microsoft.com/office/drawing/2014/main" id="{8AB99809-5DB6-34BC-7441-041B3EBD6A77}"/>
-              </a:ext>
-            </a:extLst>
-          </p:cNvPr>
-          <p:cNvPicPr>
-            <a:picLocks noChangeAspect="1"/>
-          </p:cNvPicPr>
-          <p:nvPr/>
-        </p:nvPicPr>
-        <p:blipFill>
-          <a:blip r:embed="rId2">
-            <a:extLst>
-              <a:ext uri="{28A0092B-C50C-407E-A947-70E740481C1C}">
-                <a14:useLocalDpi xmlns:a14="http://schemas.microsoft.com/office/drawing/2010/main" val="0"/>
-              </a:ext>
-            </a:extLst>
-          </a:blip>
-          <a:stretch>
-            <a:fillRect/>
-          </a:stretch>
-        </p:blipFill>
-        <p:spPr>
-          <a:xfrm>
-            <a:off x="1221039" y="1355968"/>
-            <a:ext cx="9644186" cy="5502032"/>
-          </a:xfrm>
-          <a:prstGeom prst="rect">
-            <a:avLst/>
-          </a:prstGeom>
-        </p:spPr>
-      </p:pic>
-      <p:sp>
-        <p:nvSpPr>
-          <p:cNvPr id="2" name="Заголовок 1">
-            <a:extLst>
-              <a:ext uri="{FF2B5EF4-FFF2-40B4-BE49-F238E27FC236}">
-                <a16:creationId xmlns:a16="http://schemas.microsoft.com/office/drawing/2014/main" id="{907AFC14-9E51-17E9-5B21-C771F4039419}"/>
-              </a:ext>
-            </a:extLst>
-          </p:cNvPr>
-          <p:cNvSpPr>
-            <a:spLocks noGrp="1"/>
-          </p:cNvSpPr>
-          <p:nvPr>
-            <p:ph type="title"/>
-          </p:nvPr>
-        </p:nvSpPr>
-        <p:spPr>
-          <a:xfrm>
-            <a:off x="838200" y="245596"/>
-            <a:ext cx="10515600" cy="1325563"/>
-          </a:xfrm>
-        </p:spPr>
-        <p:txBody>
-          <a:bodyPr/>
-          <a:lstStyle/>
-          <a:p>
-            <a:r>
-              <a:rPr lang="ru-RU" dirty="0"/>
-              <a:t>Сравнение с другими алгоритмами</a:t>
-            </a:r>
-          </a:p>
-        </p:txBody>
-      </p:sp>
-      <p:sp>
-        <p:nvSpPr>
-          <p:cNvPr id="4" name="Номер слайда 3">
-            <a:extLst>
-              <a:ext uri="{FF2B5EF4-FFF2-40B4-BE49-F238E27FC236}">
-                <a16:creationId xmlns:a16="http://schemas.microsoft.com/office/drawing/2014/main" id="{DC4A8792-F28C-21D1-4A2D-0FB1D7A26912}"/>
-              </a:ext>
-            </a:extLst>
-          </p:cNvPr>
-          <p:cNvSpPr>
-            <a:spLocks noGrp="1"/>
-          </p:cNvSpPr>
-          <p:nvPr>
-            <p:ph type="sldNum" sz="quarter" idx="12"/>
-          </p:nvPr>
-        </p:nvSpPr>
-        <p:spPr/>
-        <p:txBody>
-          <a:bodyPr/>
-          <a:lstStyle/>
-          <a:p>
-            <a:fld id="{EB2452EA-49EB-437E-AEAF-228AB19C4ED2}" type="slidenum">
-              <a:rPr lang="ru-RU" smtClean="0"/>
-              <a:t>14</a:t>
-            </a:fld>
-            <a:endParaRPr lang="ru-RU"/>
-          </a:p>
-        </p:txBody>
-      </p:sp>
-    </p:spTree>
-    <p:extLst>
-      <p:ext uri="{BB962C8B-B14F-4D97-AF65-F5344CB8AC3E}">
-        <p14:creationId xmlns:p14="http://schemas.microsoft.com/office/powerpoint/2010/main" val="540495309"/>
       </p:ext>
     </p:extLst>
   </p:cSld>
@@ -5734,12 +5737,48 @@
           <a:chExt cx="0" cy="0"/>
         </a:xfrm>
       </p:grpSpPr>
+      <p:pic>
+        <p:nvPicPr>
+          <p:cNvPr id="8" name="Рисунок 7">
+            <a:extLst>
+              <a:ext uri="{FF2B5EF4-FFF2-40B4-BE49-F238E27FC236}">
+                <a16:creationId xmlns:a16="http://schemas.microsoft.com/office/drawing/2014/main" id="{8AB99809-5DB6-34BC-7441-041B3EBD6A77}"/>
+              </a:ext>
+            </a:extLst>
+          </p:cNvPr>
+          <p:cNvPicPr>
+            <a:picLocks noChangeAspect="1"/>
+          </p:cNvPicPr>
+          <p:nvPr/>
+        </p:nvPicPr>
+        <p:blipFill>
+          <a:blip r:embed="rId2">
+            <a:extLst>
+              <a:ext uri="{28A0092B-C50C-407E-A947-70E740481C1C}">
+                <a14:useLocalDpi xmlns:a14="http://schemas.microsoft.com/office/drawing/2010/main" val="0"/>
+              </a:ext>
+            </a:extLst>
+          </a:blip>
+          <a:stretch>
+            <a:fillRect/>
+          </a:stretch>
+        </p:blipFill>
+        <p:spPr>
+          <a:xfrm>
+            <a:off x="1221039" y="1383677"/>
+            <a:ext cx="9644186" cy="5502032"/>
+          </a:xfrm>
+          <a:prstGeom prst="rect">
+            <a:avLst/>
+          </a:prstGeom>
+        </p:spPr>
+      </p:pic>
       <p:sp>
         <p:nvSpPr>
           <p:cNvPr id="2" name="Заголовок 1">
             <a:extLst>
               <a:ext uri="{FF2B5EF4-FFF2-40B4-BE49-F238E27FC236}">
-                <a16:creationId xmlns:a16="http://schemas.microsoft.com/office/drawing/2014/main" id="{1A58A737-B8F5-A4B0-1353-CDB7B59ABE89}"/>
+                <a16:creationId xmlns:a16="http://schemas.microsoft.com/office/drawing/2014/main" id="{907AFC14-9E51-17E9-5B21-C771F4039419}"/>
               </a:ext>
             </a:extLst>
           </p:cNvPr>
@@ -5750,14 +5789,19 @@
             <p:ph type="title"/>
           </p:nvPr>
         </p:nvSpPr>
-        <p:spPr/>
+        <p:spPr>
+          <a:xfrm>
+            <a:off x="838200" y="245596"/>
+            <a:ext cx="10515600" cy="1325563"/>
+          </a:xfrm>
+        </p:spPr>
         <p:txBody>
           <a:bodyPr/>
           <a:lstStyle/>
           <a:p>
             <a:r>
               <a:rPr lang="ru-RU" dirty="0"/>
-              <a:t>Результаты сравнения методов</a:t>
+              <a:t>Сравнение с другими алгоритмами</a:t>
             </a:r>
           </a:p>
         </p:txBody>
@@ -5767,7 +5811,7 @@
           <p:cNvPr id="4" name="Номер слайда 3">
             <a:extLst>
               <a:ext uri="{FF2B5EF4-FFF2-40B4-BE49-F238E27FC236}">
-                <a16:creationId xmlns:a16="http://schemas.microsoft.com/office/drawing/2014/main" id="{CBD0CAF0-D958-6CDD-0935-9125F802FC24}"/>
+                <a16:creationId xmlns:a16="http://schemas.microsoft.com/office/drawing/2014/main" id="{DC4A8792-F28C-21D1-4A2D-0FB1D7A26912}"/>
               </a:ext>
             </a:extLst>
           </p:cNvPr>
@@ -5786,6 +5830,93 @@
             <a:fld id="{EB2452EA-49EB-437E-AEAF-228AB19C4ED2}" type="slidenum">
               <a:rPr lang="ru-RU" smtClean="0"/>
               <a:t>15</a:t>
+            </a:fld>
+            <a:endParaRPr lang="ru-RU"/>
+          </a:p>
+        </p:txBody>
+      </p:sp>
+    </p:spTree>
+    <p:extLst>
+      <p:ext uri="{BB962C8B-B14F-4D97-AF65-F5344CB8AC3E}">
+        <p14:creationId xmlns:p14="http://schemas.microsoft.com/office/powerpoint/2010/main" val="540495309"/>
+      </p:ext>
+    </p:extLst>
+  </p:cSld>
+  <p:clrMapOvr>
+    <a:masterClrMapping/>
+  </p:clrMapOvr>
+</p:sld>
+</file>
+
+<file path=ppt/slides/slide16.xml><?xml version="1.0" encoding="utf-8"?>
+<p:sld xmlns:a="http://schemas.openxmlformats.org/drawingml/2006/main" xmlns:r="http://schemas.openxmlformats.org/officeDocument/2006/relationships" xmlns:p="http://schemas.openxmlformats.org/presentationml/2006/main">
+  <p:cSld>
+    <p:spTree>
+      <p:nvGrpSpPr>
+        <p:cNvPr id="1" name=""/>
+        <p:cNvGrpSpPr/>
+        <p:nvPr/>
+      </p:nvGrpSpPr>
+      <p:grpSpPr>
+        <a:xfrm>
+          <a:off x="0" y="0"/>
+          <a:ext cx="0" cy="0"/>
+          <a:chOff x="0" y="0"/>
+          <a:chExt cx="0" cy="0"/>
+        </a:xfrm>
+      </p:grpSpPr>
+      <p:sp>
+        <p:nvSpPr>
+          <p:cNvPr id="2" name="Заголовок 1">
+            <a:extLst>
+              <a:ext uri="{FF2B5EF4-FFF2-40B4-BE49-F238E27FC236}">
+                <a16:creationId xmlns:a16="http://schemas.microsoft.com/office/drawing/2014/main" id="{1A58A737-B8F5-A4B0-1353-CDB7B59ABE89}"/>
+              </a:ext>
+            </a:extLst>
+          </p:cNvPr>
+          <p:cNvSpPr>
+            <a:spLocks noGrp="1"/>
+          </p:cNvSpPr>
+          <p:nvPr>
+            <p:ph type="title"/>
+          </p:nvPr>
+        </p:nvSpPr>
+        <p:spPr/>
+        <p:txBody>
+          <a:bodyPr/>
+          <a:lstStyle/>
+          <a:p>
+            <a:r>
+              <a:rPr lang="ru-RU" dirty="0"/>
+              <a:t>Результаты сравнения методов</a:t>
+            </a:r>
+          </a:p>
+        </p:txBody>
+      </p:sp>
+      <p:sp>
+        <p:nvSpPr>
+          <p:cNvPr id="4" name="Номер слайда 3">
+            <a:extLst>
+              <a:ext uri="{FF2B5EF4-FFF2-40B4-BE49-F238E27FC236}">
+                <a16:creationId xmlns:a16="http://schemas.microsoft.com/office/drawing/2014/main" id="{CBD0CAF0-D958-6CDD-0935-9125F802FC24}"/>
+              </a:ext>
+            </a:extLst>
+          </p:cNvPr>
+          <p:cNvSpPr>
+            <a:spLocks noGrp="1"/>
+          </p:cNvSpPr>
+          <p:nvPr>
+            <p:ph type="sldNum" sz="quarter" idx="12"/>
+          </p:nvPr>
+        </p:nvSpPr>
+        <p:spPr/>
+        <p:txBody>
+          <a:bodyPr/>
+          <a:lstStyle/>
+          <a:p>
+            <a:fld id="{EB2452EA-49EB-437E-AEAF-228AB19C4ED2}" type="slidenum">
+              <a:rPr lang="ru-RU" smtClean="0"/>
+              <a:t>16</a:t>
             </a:fld>
             <a:endParaRPr lang="ru-RU"/>
           </a:p>
@@ -6199,222 +6330,6 @@
 </p:sld>
 </file>
 
-<file path=ppt/slides/slide16.xml><?xml version="1.0" encoding="utf-8"?>
-<p:sld xmlns:a="http://schemas.openxmlformats.org/drawingml/2006/main" xmlns:r="http://schemas.openxmlformats.org/officeDocument/2006/relationships" xmlns:p="http://schemas.openxmlformats.org/presentationml/2006/main">
-  <p:cSld>
-    <p:spTree>
-      <p:nvGrpSpPr>
-        <p:cNvPr id="1" name=""/>
-        <p:cNvGrpSpPr/>
-        <p:nvPr/>
-      </p:nvGrpSpPr>
-      <p:grpSpPr>
-        <a:xfrm>
-          <a:off x="0" y="0"/>
-          <a:ext cx="0" cy="0"/>
-          <a:chOff x="0" y="0"/>
-          <a:chExt cx="0" cy="0"/>
-        </a:xfrm>
-      </p:grpSpPr>
-      <p:sp>
-        <p:nvSpPr>
-          <p:cNvPr id="2" name="Заголовок 1">
-            <a:extLst>
-              <a:ext uri="{FF2B5EF4-FFF2-40B4-BE49-F238E27FC236}">
-                <a16:creationId xmlns:a16="http://schemas.microsoft.com/office/drawing/2014/main" id="{7BE03E72-BAFC-F454-5B33-34DE962C4C5F}"/>
-              </a:ext>
-            </a:extLst>
-          </p:cNvPr>
-          <p:cNvSpPr>
-            <a:spLocks noGrp="1"/>
-          </p:cNvSpPr>
-          <p:nvPr>
-            <p:ph type="title"/>
-          </p:nvPr>
-        </p:nvSpPr>
-        <p:spPr/>
-        <p:txBody>
-          <a:bodyPr/>
-          <a:lstStyle/>
-          <a:p>
-            <a:r>
-              <a:rPr lang="ru-RU" dirty="0"/>
-              <a:t>Исследование влияния </a:t>
-            </a:r>
-            <a:r>
-              <a:rPr lang="en-US" dirty="0"/>
-              <a:t>n-</a:t>
-            </a:r>
-            <a:r>
-              <a:rPr lang="ru-RU" dirty="0"/>
-              <a:t>грамм на </a:t>
-            </a:r>
-            <a:r>
-              <a:rPr lang="ru-RU" dirty="0" err="1"/>
-              <a:t>результ</a:t>
-            </a:r>
-            <a:r>
-              <a:rPr lang="ru-RU" dirty="0"/>
-              <a:t> работы метода</a:t>
-            </a:r>
-          </a:p>
-        </p:txBody>
-      </p:sp>
-      <p:sp>
-        <p:nvSpPr>
-          <p:cNvPr id="3" name="Объект 2">
-            <a:extLst>
-              <a:ext uri="{FF2B5EF4-FFF2-40B4-BE49-F238E27FC236}">
-                <a16:creationId xmlns:a16="http://schemas.microsoft.com/office/drawing/2014/main" id="{F0C20C32-EEF7-DF2A-4A9A-5F76FA2FB909}"/>
-              </a:ext>
-            </a:extLst>
-          </p:cNvPr>
-          <p:cNvSpPr>
-            <a:spLocks noGrp="1"/>
-          </p:cNvSpPr>
-          <p:nvPr>
-            <p:ph idx="1"/>
-          </p:nvPr>
-        </p:nvSpPr>
-        <p:spPr>
-          <a:xfrm>
-            <a:off x="838200" y="1847850"/>
-            <a:ext cx="10515600" cy="4351338"/>
-          </a:xfrm>
-        </p:spPr>
-        <p:txBody>
-          <a:bodyPr>
-            <a:normAutofit lnSpcReduction="10000"/>
-          </a:bodyPr>
-          <a:lstStyle/>
-          <a:p>
-            <a:pPr marL="0" indent="0">
-              <a:buNone/>
-            </a:pPr>
-            <a:r>
-              <a:rPr lang="ru-RU" b="1" dirty="0">
-                <a:latin typeface="+mj-lt"/>
-              </a:rPr>
-              <a:t>Документ</a:t>
-            </a:r>
-            <a:r>
-              <a:rPr lang="ru-RU" dirty="0">
-                <a:latin typeface="+mj-lt"/>
-              </a:rPr>
-              <a:t>: Идентификация личности по фрактальной размерности отпечатков пальцев и системы контроля и управления доступом</a:t>
-            </a:r>
-            <a:endParaRPr lang="en-US" dirty="0">
-              <a:latin typeface="+mj-lt"/>
-            </a:endParaRPr>
-          </a:p>
-          <a:p>
-            <a:pPr marL="0" indent="0">
-              <a:buNone/>
-            </a:pPr>
-            <a:r>
-              <a:rPr lang="ru-RU" dirty="0">
-                <a:latin typeface="+mj-lt"/>
-              </a:rPr>
-              <a:t> </a:t>
-            </a:r>
-          </a:p>
-          <a:p>
-            <a:pPr marL="0" indent="0">
-              <a:buNone/>
-            </a:pPr>
-            <a:r>
-              <a:rPr lang="ru-RU" b="1" dirty="0">
-                <a:latin typeface="+mj-lt"/>
-              </a:rPr>
-              <a:t>Ссылка на документ</a:t>
-            </a:r>
-            <a:r>
-              <a:rPr lang="ru-RU" dirty="0">
-                <a:latin typeface="+mj-lt"/>
-              </a:rPr>
-              <a:t>: </a:t>
-            </a:r>
-            <a:r>
-              <a:rPr lang="en-US" dirty="0">
-                <a:latin typeface="+mj-lt"/>
-                <a:hlinkClick r:id="rId2"/>
-              </a:rPr>
-              <a:t>https://cyberleninka.ru/article/n/identifikatsiya-lichnosti-po-fraktalnoy-razmernosti-otpechatkov-paltsev-i-sistemy-kontrolya-i-upravleniya-dostupom.pdf</a:t>
-            </a:r>
-            <a:endParaRPr lang="en-US" dirty="0">
-              <a:latin typeface="+mj-lt"/>
-            </a:endParaRPr>
-          </a:p>
-          <a:p>
-            <a:pPr marL="0" indent="0">
-              <a:buNone/>
-            </a:pPr>
-            <a:endParaRPr lang="en-US" dirty="0">
-              <a:latin typeface="+mj-lt"/>
-            </a:endParaRPr>
-          </a:p>
-          <a:p>
-            <a:pPr marL="0" indent="0">
-              <a:buNone/>
-            </a:pPr>
-            <a:r>
-              <a:rPr lang="ru-RU" dirty="0">
-                <a:latin typeface="+mj-lt"/>
-              </a:rPr>
-              <a:t>Ключевые слова выделенные автором: биометрия, отпечаток пальца, фрактал, фрактальная размерность, идентификация и аутентификация личности, СКУД</a:t>
-            </a:r>
-            <a:r>
-              <a:rPr lang="ru-RU" dirty="0"/>
-              <a:t>.</a:t>
-            </a:r>
-            <a:endParaRPr lang="ru-RU" dirty="0">
-              <a:latin typeface="+mj-lt"/>
-            </a:endParaRPr>
-          </a:p>
-        </p:txBody>
-      </p:sp>
-      <p:sp>
-        <p:nvSpPr>
-          <p:cNvPr id="4" name="Номер слайда 3">
-            <a:extLst>
-              <a:ext uri="{FF2B5EF4-FFF2-40B4-BE49-F238E27FC236}">
-                <a16:creationId xmlns:a16="http://schemas.microsoft.com/office/drawing/2014/main" id="{A09B5D25-03A3-D7F2-D005-CAFAE126F18C}"/>
-              </a:ext>
-            </a:extLst>
-          </p:cNvPr>
-          <p:cNvSpPr>
-            <a:spLocks noGrp="1"/>
-          </p:cNvSpPr>
-          <p:nvPr>
-            <p:ph type="sldNum" sz="quarter" idx="12"/>
-          </p:nvPr>
-        </p:nvSpPr>
-        <p:spPr/>
-        <p:txBody>
-          <a:bodyPr/>
-          <a:lstStyle/>
-          <a:p>
-            <a:fld id="{EB2452EA-49EB-437E-AEAF-228AB19C4ED2}" type="slidenum">
-              <a:rPr lang="ru-RU" smtClean="0"/>
-              <a:t>16</a:t>
-            </a:fld>
-            <a:endParaRPr lang="ru-RU"/>
-          </a:p>
-        </p:txBody>
-      </p:sp>
-    </p:spTree>
-    <p:extLst>
-      <p:ext uri="{BB962C8B-B14F-4D97-AF65-F5344CB8AC3E}">
-        <p14:creationId xmlns:p14="http://schemas.microsoft.com/office/powerpoint/2010/main" val="1344736449"/>
-      </p:ext>
-    </p:extLst>
-  </p:cSld>
-  <p:clrMapOvr>
-    <a:masterClrMapping/>
-  </p:clrMapOvr>
-</p:sld>
-</file>
-
 <file path=ppt/slides/slide17.xml><?xml version="1.0" encoding="utf-8"?>
 <p:sld xmlns:a="http://schemas.openxmlformats.org/drawingml/2006/main" xmlns:r="http://schemas.openxmlformats.org/officeDocument/2006/relationships" xmlns:p="http://schemas.openxmlformats.org/presentationml/2006/main">
   <p:cSld>
@@ -6437,6 +6352,222 @@
           <p:cNvPr id="2" name="Заголовок 1">
             <a:extLst>
               <a:ext uri="{FF2B5EF4-FFF2-40B4-BE49-F238E27FC236}">
+                <a16:creationId xmlns:a16="http://schemas.microsoft.com/office/drawing/2014/main" id="{7BE03E72-BAFC-F454-5B33-34DE962C4C5F}"/>
+              </a:ext>
+            </a:extLst>
+          </p:cNvPr>
+          <p:cNvSpPr>
+            <a:spLocks noGrp="1"/>
+          </p:cNvSpPr>
+          <p:nvPr>
+            <p:ph type="title"/>
+          </p:nvPr>
+        </p:nvSpPr>
+        <p:spPr/>
+        <p:txBody>
+          <a:bodyPr/>
+          <a:lstStyle/>
+          <a:p>
+            <a:r>
+              <a:rPr lang="ru-RU" dirty="0"/>
+              <a:t>Исследование влияния </a:t>
+            </a:r>
+            <a:r>
+              <a:rPr lang="en-US" dirty="0"/>
+              <a:t>n-</a:t>
+            </a:r>
+            <a:r>
+              <a:rPr lang="ru-RU" dirty="0"/>
+              <a:t>грамм на </a:t>
+            </a:r>
+            <a:r>
+              <a:rPr lang="ru-RU" dirty="0" err="1"/>
+              <a:t>результ</a:t>
+            </a:r>
+            <a:r>
+              <a:rPr lang="ru-RU" dirty="0"/>
+              <a:t> работы метода</a:t>
+            </a:r>
+          </a:p>
+        </p:txBody>
+      </p:sp>
+      <p:sp>
+        <p:nvSpPr>
+          <p:cNvPr id="3" name="Объект 2">
+            <a:extLst>
+              <a:ext uri="{FF2B5EF4-FFF2-40B4-BE49-F238E27FC236}">
+                <a16:creationId xmlns:a16="http://schemas.microsoft.com/office/drawing/2014/main" id="{F0C20C32-EEF7-DF2A-4A9A-5F76FA2FB909}"/>
+              </a:ext>
+            </a:extLst>
+          </p:cNvPr>
+          <p:cNvSpPr>
+            <a:spLocks noGrp="1"/>
+          </p:cNvSpPr>
+          <p:nvPr>
+            <p:ph idx="1"/>
+          </p:nvPr>
+        </p:nvSpPr>
+        <p:spPr>
+          <a:xfrm>
+            <a:off x="838200" y="1847850"/>
+            <a:ext cx="10515600" cy="4351338"/>
+          </a:xfrm>
+        </p:spPr>
+        <p:txBody>
+          <a:bodyPr>
+            <a:normAutofit lnSpcReduction="10000"/>
+          </a:bodyPr>
+          <a:lstStyle/>
+          <a:p>
+            <a:pPr marL="0" indent="0">
+              <a:buNone/>
+            </a:pPr>
+            <a:r>
+              <a:rPr lang="ru-RU" b="1" dirty="0">
+                <a:latin typeface="+mj-lt"/>
+              </a:rPr>
+              <a:t>Документ</a:t>
+            </a:r>
+            <a:r>
+              <a:rPr lang="ru-RU" dirty="0">
+                <a:latin typeface="+mj-lt"/>
+              </a:rPr>
+              <a:t>: Идентификация личности по фрактальной размерности отпечатков пальцев и системы контроля и управления доступом</a:t>
+            </a:r>
+            <a:endParaRPr lang="en-US" dirty="0">
+              <a:latin typeface="+mj-lt"/>
+            </a:endParaRPr>
+          </a:p>
+          <a:p>
+            <a:pPr marL="0" indent="0">
+              <a:buNone/>
+            </a:pPr>
+            <a:r>
+              <a:rPr lang="ru-RU" dirty="0">
+                <a:latin typeface="+mj-lt"/>
+              </a:rPr>
+              <a:t> </a:t>
+            </a:r>
+          </a:p>
+          <a:p>
+            <a:pPr marL="0" indent="0">
+              <a:buNone/>
+            </a:pPr>
+            <a:r>
+              <a:rPr lang="ru-RU" b="1" dirty="0">
+                <a:latin typeface="+mj-lt"/>
+              </a:rPr>
+              <a:t>Ссылка на документ</a:t>
+            </a:r>
+            <a:r>
+              <a:rPr lang="ru-RU" dirty="0">
+                <a:latin typeface="+mj-lt"/>
+              </a:rPr>
+              <a:t>: </a:t>
+            </a:r>
+            <a:r>
+              <a:rPr lang="en-US" dirty="0">
+                <a:latin typeface="+mj-lt"/>
+                <a:hlinkClick r:id="rId2"/>
+              </a:rPr>
+              <a:t>https://cyberleninka.ru/article/n/identifikatsiya-lichnosti-po-fraktalnoy-razmernosti-otpechatkov-paltsev-i-sistemy-kontrolya-i-upravleniya-dostupom.pdf</a:t>
+            </a:r>
+            <a:endParaRPr lang="en-US" dirty="0">
+              <a:latin typeface="+mj-lt"/>
+            </a:endParaRPr>
+          </a:p>
+          <a:p>
+            <a:pPr marL="0" indent="0">
+              <a:buNone/>
+            </a:pPr>
+            <a:endParaRPr lang="en-US" dirty="0">
+              <a:latin typeface="+mj-lt"/>
+            </a:endParaRPr>
+          </a:p>
+          <a:p>
+            <a:pPr marL="0" indent="0">
+              <a:buNone/>
+            </a:pPr>
+            <a:r>
+              <a:rPr lang="ru-RU" dirty="0">
+                <a:latin typeface="+mj-lt"/>
+              </a:rPr>
+              <a:t>Ключевые слова выделенные автором: биометрия, отпечаток пальца, фрактал, фрактальная размерность, идентификация и аутентификация личности, СКУД</a:t>
+            </a:r>
+            <a:r>
+              <a:rPr lang="ru-RU" dirty="0"/>
+              <a:t>.</a:t>
+            </a:r>
+            <a:endParaRPr lang="ru-RU" dirty="0">
+              <a:latin typeface="+mj-lt"/>
+            </a:endParaRPr>
+          </a:p>
+        </p:txBody>
+      </p:sp>
+      <p:sp>
+        <p:nvSpPr>
+          <p:cNvPr id="4" name="Номер слайда 3">
+            <a:extLst>
+              <a:ext uri="{FF2B5EF4-FFF2-40B4-BE49-F238E27FC236}">
+                <a16:creationId xmlns:a16="http://schemas.microsoft.com/office/drawing/2014/main" id="{A09B5D25-03A3-D7F2-D005-CAFAE126F18C}"/>
+              </a:ext>
+            </a:extLst>
+          </p:cNvPr>
+          <p:cNvSpPr>
+            <a:spLocks noGrp="1"/>
+          </p:cNvSpPr>
+          <p:nvPr>
+            <p:ph type="sldNum" sz="quarter" idx="12"/>
+          </p:nvPr>
+        </p:nvSpPr>
+        <p:spPr/>
+        <p:txBody>
+          <a:bodyPr/>
+          <a:lstStyle/>
+          <a:p>
+            <a:fld id="{EB2452EA-49EB-437E-AEAF-228AB19C4ED2}" type="slidenum">
+              <a:rPr lang="ru-RU" smtClean="0"/>
+              <a:t>17</a:t>
+            </a:fld>
+            <a:endParaRPr lang="ru-RU"/>
+          </a:p>
+        </p:txBody>
+      </p:sp>
+    </p:spTree>
+    <p:extLst>
+      <p:ext uri="{BB962C8B-B14F-4D97-AF65-F5344CB8AC3E}">
+        <p14:creationId xmlns:p14="http://schemas.microsoft.com/office/powerpoint/2010/main" val="1344736449"/>
+      </p:ext>
+    </p:extLst>
+  </p:cSld>
+  <p:clrMapOvr>
+    <a:masterClrMapping/>
+  </p:clrMapOvr>
+</p:sld>
+</file>
+
+<file path=ppt/slides/slide18.xml><?xml version="1.0" encoding="utf-8"?>
+<p:sld xmlns:a="http://schemas.openxmlformats.org/drawingml/2006/main" xmlns:r="http://schemas.openxmlformats.org/officeDocument/2006/relationships" xmlns:p="http://schemas.openxmlformats.org/presentationml/2006/main">
+  <p:cSld>
+    <p:spTree>
+      <p:nvGrpSpPr>
+        <p:cNvPr id="1" name=""/>
+        <p:cNvGrpSpPr/>
+        <p:nvPr/>
+      </p:nvGrpSpPr>
+      <p:grpSpPr>
+        <a:xfrm>
+          <a:off x="0" y="0"/>
+          <a:ext cx="0" cy="0"/>
+          <a:chOff x="0" y="0"/>
+          <a:chExt cx="0" cy="0"/>
+        </a:xfrm>
+      </p:grpSpPr>
+      <p:sp>
+        <p:nvSpPr>
+          <p:cNvPr id="2" name="Заголовок 1">
+            <a:extLst>
+              <a:ext uri="{FF2B5EF4-FFF2-40B4-BE49-F238E27FC236}">
                 <a16:creationId xmlns:a16="http://schemas.microsoft.com/office/drawing/2014/main" id="{66178A0F-B661-5B45-34D2-566CD5683002}"/>
               </a:ext>
             </a:extLst>
@@ -6503,7 +6634,7 @@
           <a:p>
             <a:fld id="{EB2452EA-49EB-437E-AEAF-228AB19C4ED2}" type="slidenum">
               <a:rPr lang="ru-RU" smtClean="0"/>
-              <a:t>17</a:t>
+              <a:t>18</a:t>
             </a:fld>
             <a:endParaRPr lang="ru-RU" dirty="0"/>
           </a:p>
@@ -6629,7 +6760,7 @@
 </p:sld>
 </file>
 
-<file path=ppt/slides/slide18.xml><?xml version="1.0" encoding="utf-8"?>
+<file path=ppt/slides/slide19.xml><?xml version="1.0" encoding="utf-8"?>
 <p:sld xmlns:a="http://schemas.openxmlformats.org/drawingml/2006/main" xmlns:r="http://schemas.openxmlformats.org/officeDocument/2006/relationships" xmlns:p="http://schemas.openxmlformats.org/presentationml/2006/main">
   <p:cSld>
     <p:spTree>
@@ -6819,7 +6950,7 @@
           <a:p>
             <a:fld id="{EB2452EA-49EB-437E-AEAF-228AB19C4ED2}" type="slidenum">
               <a:rPr lang="ru-RU" smtClean="0"/>
-              <a:t>18</a:t>
+              <a:t>19</a:t>
             </a:fld>
             <a:endParaRPr lang="ru-RU"/>
           </a:p>
@@ -7137,6 +7268,93 @@
       </p:grpSpPr>
       <p:sp>
         <p:nvSpPr>
+          <p:cNvPr id="2" name="Заголовок 1">
+            <a:extLst>
+              <a:ext uri="{FF2B5EF4-FFF2-40B4-BE49-F238E27FC236}">
+                <a16:creationId xmlns:a16="http://schemas.microsoft.com/office/drawing/2014/main" id="{70C6CBA9-7595-AF9B-AD7E-E90827F6F0FE}"/>
+              </a:ext>
+            </a:extLst>
+          </p:cNvPr>
+          <p:cNvSpPr>
+            <a:spLocks noGrp="1"/>
+          </p:cNvSpPr>
+          <p:nvPr>
+            <p:ph type="title"/>
+          </p:nvPr>
+        </p:nvSpPr>
+        <p:spPr/>
+        <p:txBody>
+          <a:bodyPr/>
+          <a:lstStyle/>
+          <a:p>
+            <a:r>
+              <a:rPr lang="ru-RU" dirty="0"/>
+              <a:t>Значимость темы</a:t>
+            </a:r>
+          </a:p>
+        </p:txBody>
+      </p:sp>
+      <p:sp>
+        <p:nvSpPr>
+          <p:cNvPr id="4" name="Номер слайда 3">
+            <a:extLst>
+              <a:ext uri="{FF2B5EF4-FFF2-40B4-BE49-F238E27FC236}">
+                <a16:creationId xmlns:a16="http://schemas.microsoft.com/office/drawing/2014/main" id="{94E18092-A527-8797-9E41-3E3AB4816EA3}"/>
+              </a:ext>
+            </a:extLst>
+          </p:cNvPr>
+          <p:cNvSpPr>
+            <a:spLocks noGrp="1"/>
+          </p:cNvSpPr>
+          <p:nvPr>
+            <p:ph type="sldNum" sz="quarter" idx="12"/>
+          </p:nvPr>
+        </p:nvSpPr>
+        <p:spPr/>
+        <p:txBody>
+          <a:bodyPr/>
+          <a:lstStyle/>
+          <a:p>
+            <a:fld id="{EB2452EA-49EB-437E-AEAF-228AB19C4ED2}" type="slidenum">
+              <a:rPr lang="ru-RU" smtClean="0"/>
+              <a:t>2</a:t>
+            </a:fld>
+            <a:endParaRPr lang="ru-RU"/>
+          </a:p>
+        </p:txBody>
+      </p:sp>
+    </p:spTree>
+    <p:extLst>
+      <p:ext uri="{BB962C8B-B14F-4D97-AF65-F5344CB8AC3E}">
+        <p14:creationId xmlns:p14="http://schemas.microsoft.com/office/powerpoint/2010/main" val="1486641308"/>
+      </p:ext>
+    </p:extLst>
+  </p:cSld>
+  <p:clrMapOvr>
+    <a:masterClrMapping/>
+  </p:clrMapOvr>
+</p:sld>
+</file>
+
+<file path=ppt/slides/slide3.xml><?xml version="1.0" encoding="utf-8"?>
+<p:sld xmlns:a="http://schemas.openxmlformats.org/drawingml/2006/main" xmlns:r="http://schemas.openxmlformats.org/officeDocument/2006/relationships" xmlns:p="http://schemas.openxmlformats.org/presentationml/2006/main">
+  <p:cSld>
+    <p:spTree>
+      <p:nvGrpSpPr>
+        <p:cNvPr id="1" name=""/>
+        <p:cNvGrpSpPr/>
+        <p:nvPr/>
+      </p:nvGrpSpPr>
+      <p:grpSpPr>
+        <a:xfrm>
+          <a:off x="0" y="0"/>
+          <a:ext cx="0" cy="0"/>
+          <a:chOff x="0" y="0"/>
+          <a:chExt cx="0" cy="0"/>
+        </a:xfrm>
+      </p:grpSpPr>
+      <p:sp>
+        <p:nvSpPr>
           <p:cNvPr id="3" name="Объект 2">
             <a:extLst>
               <a:ext uri="{FF2B5EF4-FFF2-40B4-BE49-F238E27FC236}">
@@ -7169,7 +7387,7 @@
                 <a:latin typeface="Times New Roman" panose="02020603050405020304" pitchFamily="18" charset="0"/>
                 <a:cs typeface="Times New Roman" panose="02020603050405020304" pitchFamily="18" charset="0"/>
               </a:rPr>
-              <a:t>Разработка программного обеспечения для извлечения ключевых слов (КС) и словосочетаний из электронного документа на русском языке.</a:t>
+              <a:t>Разработка метода извлечения ключевых слов (КС) и словосочетаний из электронного документа на русском языке.</a:t>
             </a:r>
           </a:p>
           <a:p>
@@ -7311,7 +7529,7 @@
           <a:p>
             <a:fld id="{EB2452EA-49EB-437E-AEAF-228AB19C4ED2}" type="slidenum">
               <a:rPr lang="ru-RU" smtClean="0"/>
-              <a:t>2</a:t>
+              <a:t>3</a:t>
             </a:fld>
             <a:endParaRPr lang="ru-RU"/>
           </a:p>
@@ -7330,7 +7548,7 @@
 </p:sld>
 </file>
 
-<file path=ppt/slides/slide3.xml><?xml version="1.0" encoding="utf-8"?>
+<file path=ppt/slides/slide4.xml><?xml version="1.0" encoding="utf-8"?>
 <p:sld xmlns:a="http://schemas.openxmlformats.org/drawingml/2006/main" xmlns:r="http://schemas.openxmlformats.org/officeDocument/2006/relationships" xmlns:p="http://schemas.openxmlformats.org/presentationml/2006/main">
   <p:cSld>
     <p:spTree>
@@ -7900,7 +8118,7 @@
           <a:p>
             <a:fld id="{EB2452EA-49EB-437E-AEAF-228AB19C4ED2}" type="slidenum">
               <a:rPr lang="ru-RU" smtClean="0"/>
-              <a:t>3</a:t>
+              <a:t>4</a:t>
             </a:fld>
             <a:endParaRPr lang="ru-RU"/>
           </a:p>
@@ -7919,7 +8137,7 @@
 </p:sld>
 </file>
 
-<file path=ppt/slides/slide4.xml><?xml version="1.0" encoding="utf-8"?>
+<file path=ppt/slides/slide5.xml><?xml version="1.0" encoding="utf-8"?>
 <p:sld xmlns:a="http://schemas.openxmlformats.org/drawingml/2006/main" xmlns:r="http://schemas.openxmlformats.org/officeDocument/2006/relationships" xmlns:p="http://schemas.openxmlformats.org/presentationml/2006/main">
   <p:cSld>
     <p:spTree>
@@ -7998,7 +8216,7 @@
                 <a:latin typeface="Times New Roman" panose="02020603050405020304" pitchFamily="18" charset="0"/>
                 <a:cs typeface="Times New Roman" panose="02020603050405020304" pitchFamily="18" charset="0"/>
               </a:rPr>
-              <a:t>4</a:t>
+              <a:t>5</a:t>
             </a:fld>
             <a:endParaRPr lang="ru-RU">
               <a:latin typeface="Times New Roman" panose="02020603050405020304" pitchFamily="18" charset="0"/>
@@ -8563,8 +8781,8 @@
 </p:sld>
 </file>
 
-<file path=ppt/slides/slide5.xml><?xml version="1.0" encoding="utf-8"?>
-<p:sld xmlns:a="http://schemas.openxmlformats.org/drawingml/2006/main" xmlns:r="http://schemas.openxmlformats.org/officeDocument/2006/relationships" xmlns:p="http://schemas.openxmlformats.org/presentationml/2006/main">
+<file path=ppt/slides/slide6.xml><?xml version="1.0" encoding="utf-8"?>
+<p:sld xmlns:a="http://schemas.openxmlformats.org/drawingml/2006/main" xmlns:r="http://schemas.openxmlformats.org/officeDocument/2006/relationships" xmlns:p="http://schemas.openxmlformats.org/presentationml/2006/main" show="0">
   <p:cSld>
     <p:spTree>
       <p:nvGrpSpPr>
@@ -8791,7 +9009,7 @@
                 <a:latin typeface="Times New Roman" panose="02020603050405020304" pitchFamily="18" charset="0"/>
                 <a:cs typeface="Times New Roman" panose="02020603050405020304" pitchFamily="18" charset="0"/>
               </a:rPr>
-              <a:t>5</a:t>
+              <a:t>6</a:t>
             </a:fld>
             <a:endParaRPr lang="ru-RU">
               <a:latin typeface="Times New Roman" panose="02020603050405020304" pitchFamily="18" charset="0"/>
@@ -8851,374 +9069,6 @@
     <p:extLst>
       <p:ext uri="{BB962C8B-B14F-4D97-AF65-F5344CB8AC3E}">
         <p14:creationId xmlns:p14="http://schemas.microsoft.com/office/powerpoint/2010/main" val="3345915418"/>
-      </p:ext>
-    </p:extLst>
-  </p:cSld>
-  <p:clrMapOvr>
-    <a:masterClrMapping/>
-  </p:clrMapOvr>
-</p:sld>
-</file>
-
-<file path=ppt/slides/slide6.xml><?xml version="1.0" encoding="utf-8"?>
-<p:sld xmlns:a="http://schemas.openxmlformats.org/drawingml/2006/main" xmlns:r="http://schemas.openxmlformats.org/officeDocument/2006/relationships" xmlns:p="http://schemas.openxmlformats.org/presentationml/2006/main">
-  <p:cSld>
-    <p:spTree>
-      <p:nvGrpSpPr>
-        <p:cNvPr id="1" name=""/>
-        <p:cNvGrpSpPr/>
-        <p:nvPr/>
-      </p:nvGrpSpPr>
-      <p:grpSpPr>
-        <a:xfrm>
-          <a:off x="0" y="0"/>
-          <a:ext cx="0" cy="0"/>
-          <a:chOff x="0" y="0"/>
-          <a:chExt cx="0" cy="0"/>
-        </a:xfrm>
-      </p:grpSpPr>
-      <p:sp>
-        <p:nvSpPr>
-          <p:cNvPr id="2" name="Заголовок 1">
-            <a:extLst>
-              <a:ext uri="{FF2B5EF4-FFF2-40B4-BE49-F238E27FC236}">
-                <a16:creationId xmlns:a16="http://schemas.microsoft.com/office/drawing/2014/main" id="{774E1D64-C66F-B66F-3BC4-CA32A02F5D75}"/>
-              </a:ext>
-            </a:extLst>
-          </p:cNvPr>
-          <p:cNvSpPr>
-            <a:spLocks noGrp="1"/>
-          </p:cNvSpPr>
-          <p:nvPr>
-            <p:ph type="title"/>
-          </p:nvPr>
-        </p:nvSpPr>
-        <p:spPr>
-          <a:xfrm>
-            <a:off x="838200" y="365125"/>
-            <a:ext cx="10515600" cy="579157"/>
-          </a:xfrm>
-        </p:spPr>
-        <p:txBody>
-          <a:bodyPr>
-            <a:normAutofit fontScale="90000"/>
-          </a:bodyPr>
-          <a:lstStyle/>
-          <a:p>
-            <a:r>
-              <a:rPr lang="en-US" dirty="0"/>
-              <a:t>N</a:t>
-            </a:r>
-            <a:r>
-              <a:rPr lang="ru-RU" dirty="0"/>
-              <a:t>-граммы</a:t>
-            </a:r>
-          </a:p>
-        </p:txBody>
-      </p:sp>
-      <p:sp>
-        <p:nvSpPr>
-          <p:cNvPr id="3" name="Объект 2">
-            <a:extLst>
-              <a:ext uri="{FF2B5EF4-FFF2-40B4-BE49-F238E27FC236}">
-                <a16:creationId xmlns:a16="http://schemas.microsoft.com/office/drawing/2014/main" id="{8CCEED8B-3177-F4D6-13A9-FD9B08C07A92}"/>
-              </a:ext>
-            </a:extLst>
-          </p:cNvPr>
-          <p:cNvSpPr>
-            <a:spLocks noGrp="1"/>
-          </p:cNvSpPr>
-          <p:nvPr>
-            <p:ph idx="1"/>
-          </p:nvPr>
-        </p:nvSpPr>
-        <p:spPr>
-          <a:xfrm>
-            <a:off x="838200" y="1253331"/>
-            <a:ext cx="10515600" cy="838434"/>
-          </a:xfrm>
-        </p:spPr>
-        <p:txBody>
-          <a:bodyPr>
-            <a:normAutofit/>
-          </a:bodyPr>
-          <a:lstStyle/>
-          <a:p>
-            <a:pPr marL="0" indent="0">
-              <a:buNone/>
-            </a:pPr>
-            <a:r>
-              <a:rPr lang="ru-RU" sz="2400" dirty="0">
-                <a:latin typeface="+mj-lt"/>
-              </a:rPr>
-              <a:t>Н-</a:t>
-            </a:r>
-            <a:r>
-              <a:rPr lang="ru-RU" sz="2400" dirty="0" err="1">
-                <a:latin typeface="+mj-lt"/>
-              </a:rPr>
-              <a:t>граммой</a:t>
-            </a:r>
-            <a:r>
-              <a:rPr lang="ru-RU" sz="2400" dirty="0">
-                <a:latin typeface="+mj-lt"/>
-              </a:rPr>
-              <a:t> на алфавите </a:t>
-            </a:r>
-            <a:r>
-              <a:rPr lang="en-US" sz="2400" dirty="0">
-                <a:latin typeface="+mj-lt"/>
-              </a:rPr>
-              <a:t>V </a:t>
-            </a:r>
-            <a:r>
-              <a:rPr lang="ru-RU" sz="2400" dirty="0">
-                <a:latin typeface="+mj-lt"/>
-              </a:rPr>
-              <a:t>называют произвольную цепочку длинной </a:t>
-            </a:r>
-            <a:r>
-              <a:rPr lang="en-US" sz="2400" dirty="0">
-                <a:latin typeface="+mj-lt"/>
-              </a:rPr>
-              <a:t>N</a:t>
-            </a:r>
-            <a:r>
-              <a:rPr lang="ru-RU" sz="2400" dirty="0">
-                <a:latin typeface="+mj-lt"/>
-              </a:rPr>
-              <a:t>, например  последовательность из слов или словосочетаний</a:t>
-            </a:r>
-          </a:p>
-        </p:txBody>
-      </p:sp>
-      <p:sp>
-        <p:nvSpPr>
-          <p:cNvPr id="4" name="Номер слайда 3">
-            <a:extLst>
-              <a:ext uri="{FF2B5EF4-FFF2-40B4-BE49-F238E27FC236}">
-                <a16:creationId xmlns:a16="http://schemas.microsoft.com/office/drawing/2014/main" id="{918DB5A7-761E-59C7-4021-D0E9B34CBA68}"/>
-              </a:ext>
-            </a:extLst>
-          </p:cNvPr>
-          <p:cNvSpPr>
-            <a:spLocks noGrp="1"/>
-          </p:cNvSpPr>
-          <p:nvPr>
-            <p:ph type="sldNum" sz="quarter" idx="12"/>
-          </p:nvPr>
-        </p:nvSpPr>
-        <p:spPr/>
-        <p:txBody>
-          <a:bodyPr/>
-          <a:lstStyle/>
-          <a:p>
-            <a:fld id="{EB2452EA-49EB-437E-AEAF-228AB19C4ED2}" type="slidenum">
-              <a:rPr lang="ru-RU" smtClean="0"/>
-              <a:t>6</a:t>
-            </a:fld>
-            <a:endParaRPr lang="ru-RU"/>
-          </a:p>
-        </p:txBody>
-      </p:sp>
-      <p:sp>
-        <p:nvSpPr>
-          <p:cNvPr id="30" name="TextBox 29">
-            <a:extLst>
-              <a:ext uri="{FF2B5EF4-FFF2-40B4-BE49-F238E27FC236}">
-                <a16:creationId xmlns:a16="http://schemas.microsoft.com/office/drawing/2014/main" id="{B0FFA308-DA99-F5F1-17BD-A4A32BF14D96}"/>
-              </a:ext>
-            </a:extLst>
-          </p:cNvPr>
-          <p:cNvSpPr txBox="1"/>
-          <p:nvPr/>
-        </p:nvSpPr>
-        <p:spPr>
-          <a:xfrm>
-            <a:off x="724791" y="2197160"/>
-            <a:ext cx="10403541" cy="4616648"/>
-          </a:xfrm>
-          <a:prstGeom prst="rect">
-            <a:avLst/>
-          </a:prstGeom>
-          <a:noFill/>
-        </p:spPr>
-        <p:txBody>
-          <a:bodyPr wrap="square" rtlCol="0">
-            <a:spAutoFit/>
-          </a:bodyPr>
-          <a:lstStyle/>
-          <a:p>
-            <a:r>
-              <a:rPr lang="ru-RU" sz="2400" dirty="0">
-                <a:latin typeface="+mj-lt"/>
-              </a:rPr>
-              <a:t>Исходный текст: Автоматическое извлечение ключевых слов</a:t>
-            </a:r>
-          </a:p>
-          <a:p>
-            <a:endParaRPr lang="ru-RU" sz="2400" dirty="0">
-              <a:latin typeface="+mj-lt"/>
-            </a:endParaRPr>
-          </a:p>
-          <a:p>
-            <a:r>
-              <a:rPr lang="ru-RU" sz="2400" dirty="0">
-                <a:latin typeface="+mj-lt"/>
-              </a:rPr>
-              <a:t>Примеры </a:t>
-            </a:r>
-            <a:r>
-              <a:rPr lang="en-US" sz="2400" dirty="0">
-                <a:latin typeface="+mj-lt"/>
-              </a:rPr>
-              <a:t>N</a:t>
-            </a:r>
-            <a:r>
-              <a:rPr lang="ru-RU" sz="2400" dirty="0">
-                <a:latin typeface="+mj-lt"/>
-              </a:rPr>
-              <a:t>-грамм:</a:t>
-            </a:r>
-          </a:p>
-          <a:p>
-            <a:endParaRPr lang="ru-RU" sz="1200" dirty="0">
-              <a:latin typeface="+mj-lt"/>
-            </a:endParaRPr>
-          </a:p>
-          <a:p>
-            <a:pPr marL="285750" indent="-285750">
-              <a:buFont typeface="Arial" panose="020B0604020202020204" pitchFamily="34" charset="0"/>
-              <a:buChar char="•"/>
-            </a:pPr>
-            <a:r>
-              <a:rPr lang="ru-RU" sz="2400" dirty="0" err="1">
-                <a:latin typeface="+mj-lt"/>
-              </a:rPr>
-              <a:t>Униграмма</a:t>
-            </a:r>
-            <a:r>
-              <a:rPr lang="ru-RU" sz="2400" dirty="0">
-                <a:latin typeface="+mj-lt"/>
-              </a:rPr>
-              <a:t>: </a:t>
-            </a:r>
-            <a:endParaRPr lang="en-US" sz="2400" dirty="0">
-              <a:latin typeface="+mj-lt"/>
-            </a:endParaRPr>
-          </a:p>
-          <a:p>
-            <a:pPr lvl="1"/>
-            <a:r>
-              <a:rPr lang="ru-RU" sz="2400" dirty="0">
-                <a:latin typeface="+mj-lt"/>
-              </a:rPr>
-              <a:t>Автоматическое</a:t>
-            </a:r>
-            <a:r>
-              <a:rPr lang="en-US" sz="2400" dirty="0">
-                <a:latin typeface="+mj-lt"/>
-              </a:rPr>
-              <a:t>, </a:t>
-            </a:r>
-            <a:r>
-              <a:rPr lang="ru-RU" sz="2400" dirty="0">
-                <a:latin typeface="+mj-lt"/>
-              </a:rPr>
-              <a:t>извлечение, ключевых, слов;</a:t>
-            </a:r>
-          </a:p>
-          <a:p>
-            <a:pPr marL="285750" indent="-285750">
-              <a:buFont typeface="Arial" panose="020B0604020202020204" pitchFamily="34" charset="0"/>
-              <a:buChar char="•"/>
-            </a:pPr>
-            <a:r>
-              <a:rPr lang="ru-RU" sz="2400" dirty="0">
-                <a:latin typeface="+mj-lt"/>
-              </a:rPr>
-              <a:t>Биграмма:</a:t>
-            </a:r>
-          </a:p>
-          <a:p>
-            <a:pPr lvl="1"/>
-            <a:r>
-              <a:rPr lang="ru-RU" sz="2400" dirty="0">
-                <a:latin typeface="+mj-lt"/>
-              </a:rPr>
-              <a:t>Автоматическое извлечение, извлечение ключевых, ключевых слов;</a:t>
-            </a:r>
-          </a:p>
-          <a:p>
-            <a:pPr marL="285750" indent="-285750">
-              <a:buFont typeface="Arial" panose="020B0604020202020204" pitchFamily="34" charset="0"/>
-              <a:buChar char="•"/>
-            </a:pPr>
-            <a:r>
-              <a:rPr lang="ru-RU" sz="2400" dirty="0">
-                <a:latin typeface="+mj-lt"/>
-              </a:rPr>
-              <a:t>Триграммы:</a:t>
-            </a:r>
-          </a:p>
-          <a:p>
-            <a:pPr lvl="1"/>
-            <a:r>
-              <a:rPr lang="ru-RU" sz="2400" dirty="0">
-                <a:latin typeface="+mj-lt"/>
-              </a:rPr>
-              <a:t>Автоматическое извлечение ключевых, извлечение ключевых слов;</a:t>
-            </a:r>
-          </a:p>
-          <a:p>
-            <a:pPr marL="285750" indent="-285750">
-              <a:buFont typeface="Arial" panose="020B0604020202020204" pitchFamily="34" charset="0"/>
-              <a:buChar char="•"/>
-            </a:pPr>
-            <a:r>
-              <a:rPr lang="en-US" sz="2400" dirty="0">
-                <a:latin typeface="+mj-lt"/>
-              </a:rPr>
-              <a:t>N</a:t>
-            </a:r>
-            <a:r>
-              <a:rPr lang="ru-RU" sz="2400" dirty="0">
-                <a:latin typeface="+mj-lt"/>
-              </a:rPr>
-              <a:t> – грамма (</a:t>
-            </a:r>
-            <a:r>
-              <a:rPr lang="en-US" sz="2400" dirty="0">
-                <a:latin typeface="+mj-lt"/>
-              </a:rPr>
-              <a:t>n</a:t>
-            </a:r>
-            <a:r>
-              <a:rPr lang="ru-RU" sz="2400" dirty="0">
-                <a:latin typeface="+mj-lt"/>
-              </a:rPr>
-              <a:t> = 4)</a:t>
-            </a:r>
-          </a:p>
-          <a:p>
-            <a:pPr lvl="1"/>
-            <a:r>
-              <a:rPr lang="ru-RU" sz="2400" dirty="0">
-                <a:latin typeface="+mj-lt"/>
-              </a:rPr>
-              <a:t>Автоматическое извлечение ключевых слов.</a:t>
-            </a:r>
-            <a:endParaRPr lang="en-US" dirty="0"/>
-          </a:p>
-          <a:p>
-            <a:endParaRPr lang="ru-RU" dirty="0"/>
-          </a:p>
-        </p:txBody>
-      </p:sp>
-    </p:spTree>
-    <p:extLst>
-      <p:ext uri="{BB962C8B-B14F-4D97-AF65-F5344CB8AC3E}">
-        <p14:creationId xmlns:p14="http://schemas.microsoft.com/office/powerpoint/2010/main" val="2092734810"/>
       </p:ext>
     </p:extLst>
   </p:cSld>
@@ -9245,62 +9095,65 @@
           <a:chExt cx="0" cy="0"/>
         </a:xfrm>
       </p:grpSpPr>
-      <p:pic>
-        <p:nvPicPr>
-          <p:cNvPr id="5" name="Рисунок 4">
-            <a:extLst>
-              <a:ext uri="{FF2B5EF4-FFF2-40B4-BE49-F238E27FC236}">
-                <a16:creationId xmlns:a16="http://schemas.microsoft.com/office/drawing/2014/main" id="{20208BF2-5752-159B-FDA7-C22107030CF1}"/>
-              </a:ext>
-            </a:extLst>
-          </p:cNvPr>
-          <p:cNvPicPr>
-            <a:picLocks noChangeAspect="1"/>
-          </p:cNvPicPr>
-          <p:nvPr/>
-        </p:nvPicPr>
-        <p:blipFill>
-          <a:blip r:embed="rId2">
-            <a:extLst>
-              <a:ext uri="{28A0092B-C50C-407E-A947-70E740481C1C}">
-                <a14:useLocalDpi xmlns:a14="http://schemas.microsoft.com/office/drawing/2010/main" val="0"/>
-              </a:ext>
-            </a:extLst>
-          </a:blip>
-          <a:stretch>
-            <a:fillRect/>
-          </a:stretch>
-        </p:blipFill>
+      <p:sp>
+        <p:nvSpPr>
+          <p:cNvPr id="2" name="Заголовок 1">
+            <a:extLst>
+              <a:ext uri="{FF2B5EF4-FFF2-40B4-BE49-F238E27FC236}">
+                <a16:creationId xmlns:a16="http://schemas.microsoft.com/office/drawing/2014/main" id="{774E1D64-C66F-B66F-3BC4-CA32A02F5D75}"/>
+              </a:ext>
+            </a:extLst>
+          </p:cNvPr>
+          <p:cNvSpPr>
+            <a:spLocks noGrp="1"/>
+          </p:cNvSpPr>
+          <p:nvPr>
+            <p:ph type="title"/>
+          </p:nvPr>
+        </p:nvSpPr>
         <p:spPr>
           <a:xfrm>
-            <a:off x="2623648" y="0"/>
-            <a:ext cx="7267432" cy="6858000"/>
+            <a:off x="838200" y="365125"/>
+            <a:ext cx="10515600" cy="579157"/>
           </a:xfrm>
-          <a:prstGeom prst="rect">
-            <a:avLst/>
-          </a:prstGeom>
         </p:spPr>
-      </p:pic>
-      <p:sp>
-        <p:nvSpPr>
-          <p:cNvPr id="2" name="Заголовок 1">
-            <a:extLst>
-              <a:ext uri="{FF2B5EF4-FFF2-40B4-BE49-F238E27FC236}">
-                <a16:creationId xmlns:a16="http://schemas.microsoft.com/office/drawing/2014/main" id="{44AF3655-DA27-6BE8-55EF-5C2BCFAC39B3}"/>
-              </a:ext>
-            </a:extLst>
-          </p:cNvPr>
-          <p:cNvSpPr>
-            <a:spLocks noGrp="1"/>
-          </p:cNvSpPr>
-          <p:nvPr>
-            <p:ph type="title"/>
+        <p:txBody>
+          <a:bodyPr>
+            <a:normAutofit fontScale="90000"/>
+          </a:bodyPr>
+          <a:lstStyle/>
+          <a:p>
+            <a:r>
+              <a:rPr lang="en-US" dirty="0"/>
+              <a:t>N</a:t>
+            </a:r>
+            <a:r>
+              <a:rPr lang="ru-RU" dirty="0"/>
+              <a:t>-граммы</a:t>
+            </a:r>
+          </a:p>
+        </p:txBody>
+      </p:sp>
+      <p:sp>
+        <p:nvSpPr>
+          <p:cNvPr id="3" name="Объект 2">
+            <a:extLst>
+              <a:ext uri="{FF2B5EF4-FFF2-40B4-BE49-F238E27FC236}">
+                <a16:creationId xmlns:a16="http://schemas.microsoft.com/office/drawing/2014/main" id="{8CCEED8B-3177-F4D6-13A9-FD9B08C07A92}"/>
+              </a:ext>
+            </a:extLst>
+          </p:cNvPr>
+          <p:cNvSpPr>
+            <a:spLocks noGrp="1"/>
+          </p:cNvSpPr>
+          <p:nvPr>
+            <p:ph idx="1"/>
           </p:nvPr>
         </p:nvSpPr>
         <p:spPr>
           <a:xfrm>
-            <a:off x="288365" y="245007"/>
-            <a:ext cx="3682652" cy="1325563"/>
+            <a:off x="838200" y="1253331"/>
+            <a:ext cx="10515600" cy="838434"/>
           </a:xfrm>
         </p:spPr>
         <p:txBody>
@@ -9309,19 +9162,95 @@
           </a:bodyPr>
           <a:lstStyle/>
           <a:p>
-            <a:r>
-              <a:rPr lang="ru-RU" dirty="0"/>
-              <a:t>Постановка задачи</a:t>
-            </a:r>
-          </a:p>
-        </p:txBody>
-      </p:sp>
-      <p:sp>
-        <p:nvSpPr>
-          <p:cNvPr id="8" name="TextBox 7">
-            <a:extLst>
-              <a:ext uri="{FF2B5EF4-FFF2-40B4-BE49-F238E27FC236}">
-                <a16:creationId xmlns:a16="http://schemas.microsoft.com/office/drawing/2014/main" id="{5DEFC0A3-F005-C8EB-CEA2-5A4805B7F1F0}"/>
+            <a:pPr marL="0" indent="0">
+              <a:buNone/>
+            </a:pPr>
+            <a:r>
+              <a:rPr lang="en-US" sz="2400" dirty="0">
+                <a:latin typeface="+mj-lt"/>
+              </a:rPr>
+              <a:t>N</a:t>
+            </a:r>
+            <a:r>
+              <a:rPr lang="ru-RU" sz="2400" dirty="0">
+                <a:latin typeface="+mj-lt"/>
+              </a:rPr>
+              <a:t>-</a:t>
+            </a:r>
+            <a:r>
+              <a:rPr lang="ru-RU" sz="2400" dirty="0" err="1">
+                <a:latin typeface="+mj-lt"/>
+              </a:rPr>
+              <a:t>граммой</a:t>
+            </a:r>
+            <a:r>
+              <a:rPr lang="ru-RU" sz="2400" dirty="0">
+                <a:latin typeface="+mj-lt"/>
+              </a:rPr>
+              <a:t> на алфавите </a:t>
+            </a:r>
+            <a:r>
+              <a:rPr lang="en-US" sz="2400" dirty="0">
+                <a:latin typeface="+mj-lt"/>
+              </a:rPr>
+              <a:t>V </a:t>
+            </a:r>
+            <a:r>
+              <a:rPr lang="ru-RU" sz="2400" dirty="0">
+                <a:latin typeface="+mj-lt"/>
+              </a:rPr>
+              <a:t>называют произвольную цепочку длинной </a:t>
+            </a:r>
+            <a:r>
+              <a:rPr lang="en-US" sz="2400" dirty="0">
+                <a:latin typeface="+mj-lt"/>
+              </a:rPr>
+              <a:t>N</a:t>
+            </a:r>
+            <a:r>
+              <a:rPr lang="ru-RU" sz="2400" dirty="0">
+                <a:latin typeface="+mj-lt"/>
+              </a:rPr>
+              <a:t>, например  последовательность из слов или словосочетаний</a:t>
+            </a:r>
+          </a:p>
+        </p:txBody>
+      </p:sp>
+      <p:sp>
+        <p:nvSpPr>
+          <p:cNvPr id="4" name="Номер слайда 3">
+            <a:extLst>
+              <a:ext uri="{FF2B5EF4-FFF2-40B4-BE49-F238E27FC236}">
+                <a16:creationId xmlns:a16="http://schemas.microsoft.com/office/drawing/2014/main" id="{918DB5A7-761E-59C7-4021-D0E9B34CBA68}"/>
+              </a:ext>
+            </a:extLst>
+          </p:cNvPr>
+          <p:cNvSpPr>
+            <a:spLocks noGrp="1"/>
+          </p:cNvSpPr>
+          <p:nvPr>
+            <p:ph type="sldNum" sz="quarter" idx="12"/>
+          </p:nvPr>
+        </p:nvSpPr>
+        <p:spPr/>
+        <p:txBody>
+          <a:bodyPr/>
+          <a:lstStyle/>
+          <a:p>
+            <a:fld id="{EB2452EA-49EB-437E-AEAF-228AB19C4ED2}" type="slidenum">
+              <a:rPr lang="ru-RU" smtClean="0"/>
+              <a:t>7</a:t>
+            </a:fld>
+            <a:endParaRPr lang="ru-RU"/>
+          </a:p>
+        </p:txBody>
+      </p:sp>
+      <p:sp>
+        <p:nvSpPr>
+          <p:cNvPr id="30" name="TextBox 29">
+            <a:extLst>
+              <a:ext uri="{FF2B5EF4-FFF2-40B4-BE49-F238E27FC236}">
+                <a16:creationId xmlns:a16="http://schemas.microsoft.com/office/drawing/2014/main" id="{B0FFA308-DA99-F5F1-17BD-A4A32BF14D96}"/>
               </a:ext>
             </a:extLst>
           </p:cNvPr>
@@ -9330,8 +9259,8 @@
         </p:nvSpPr>
         <p:spPr>
           <a:xfrm>
-            <a:off x="288365" y="3926942"/>
-            <a:ext cx="3542553" cy="1631216"/>
+            <a:off x="724791" y="2197160"/>
+            <a:ext cx="10403541" cy="4616648"/>
           </a:xfrm>
           <a:prstGeom prst="rect">
             <a:avLst/>
@@ -9345,11 +9274,41 @@
           <a:lstStyle/>
           <a:p>
             <a:r>
-              <a:rPr lang="ru-RU" sz="2000" dirty="0">
+              <a:rPr lang="ru-RU" sz="2400" dirty="0">
                 <a:latin typeface="+mj-lt"/>
               </a:rPr>
-              <a:t>Ограничения:</a:t>
-            </a:r>
+              <a:t>Исходный текст: Автоматическое извлечение ключевых слов</a:t>
+            </a:r>
+          </a:p>
+          <a:p>
+            <a:endParaRPr lang="ru-RU" sz="2400" dirty="0">
+              <a:latin typeface="+mj-lt"/>
+            </a:endParaRPr>
+          </a:p>
+          <a:p>
+            <a:r>
+              <a:rPr lang="ru-RU" sz="2400" dirty="0">
+                <a:latin typeface="+mj-lt"/>
+              </a:rPr>
+              <a:t>Примеры </a:t>
+            </a:r>
+            <a:r>
+              <a:rPr lang="en-US" sz="2400" dirty="0">
+                <a:latin typeface="+mj-lt"/>
+              </a:rPr>
+              <a:t>N</a:t>
+            </a:r>
+            <a:r>
+              <a:rPr lang="ru-RU" sz="2400" dirty="0">
+                <a:latin typeface="+mj-lt"/>
+              </a:rPr>
+              <a:t>-грамм:</a:t>
+            </a:r>
+          </a:p>
+          <a:p>
+            <a:endParaRPr lang="ru-RU" sz="1200" dirty="0">
+              <a:latin typeface="+mj-lt"/>
+            </a:endParaRPr>
           </a:p>
           <a:p>
             <a:pPr marL="285750" indent="-285750">
@@ -9357,14 +9316,41 @@
               <a:buChar char="•"/>
             </a:pPr>
             <a:r>
-              <a:rPr lang="ru-RU" sz="2000" dirty="0">
+              <a:rPr lang="ru-RU" sz="2400" dirty="0" err="1">
                 <a:latin typeface="+mj-lt"/>
               </a:rPr>
-              <a:t>Минимальный размер теста не менее 50 слов.</a:t>
-            </a:r>
-            <a:endParaRPr lang="en-US" sz="2000" dirty="0">
+              <a:t>Униграмма</a:t>
+            </a:r>
+            <a:r>
+              <a:rPr lang="ru-RU" sz="2400" dirty="0">
+                <a:latin typeface="+mj-lt"/>
+              </a:rPr>
+              <a:t>: </a:t>
+            </a:r>
+            <a:endParaRPr lang="en-US" sz="2400" dirty="0">
               <a:latin typeface="+mj-lt"/>
             </a:endParaRPr>
+          </a:p>
+          <a:p>
+            <a:pPr lvl="1"/>
+            <a:r>
+              <a:rPr lang="ru-RU" sz="2400" dirty="0">
+                <a:latin typeface="+mj-lt"/>
+              </a:rPr>
+              <a:t>Автоматическое</a:t>
+            </a:r>
+            <a:r>
+              <a:rPr lang="en-US" sz="2400" dirty="0">
+                <a:latin typeface="+mj-lt"/>
+              </a:rPr>
+              <a:t>, </a:t>
+            </a:r>
+            <a:r>
+              <a:rPr lang="ru-RU" sz="2400" dirty="0">
+                <a:latin typeface="+mj-lt"/>
+              </a:rPr>
+              <a:t>извлечение, ключевых, слов;</a:t>
+            </a:r>
           </a:p>
           <a:p>
             <a:pPr marL="285750" indent="-285750">
@@ -9372,59 +9358,91 @@
               <a:buChar char="•"/>
             </a:pPr>
             <a:r>
-              <a:rPr lang="ru-RU" sz="2000" dirty="0">
+              <a:rPr lang="ru-RU" sz="2400" dirty="0">
                 <a:latin typeface="+mj-lt"/>
               </a:rPr>
-              <a:t>Текст </a:t>
-            </a:r>
-            <a:r>
-              <a:rPr lang="ru-RU" sz="2000" dirty="0" err="1">
+              <a:t>Биграмма:</a:t>
+            </a:r>
+          </a:p>
+          <a:p>
+            <a:pPr lvl="1"/>
+            <a:r>
+              <a:rPr lang="ru-RU" sz="2400" dirty="0">
                 <a:latin typeface="+mj-lt"/>
               </a:rPr>
-              <a:t>принадлежить</a:t>
-            </a:r>
-            <a:r>
-              <a:rPr lang="ru-RU" sz="2000" dirty="0">
+              <a:t>Автоматическое извлечение, извлечение ключевых, ключевых слов;</a:t>
+            </a:r>
+          </a:p>
+          <a:p>
+            <a:pPr marL="285750" indent="-285750">
+              <a:buFont typeface="Arial" panose="020B0604020202020204" pitchFamily="34" charset="0"/>
+              <a:buChar char="•"/>
+            </a:pPr>
+            <a:r>
+              <a:rPr lang="ru-RU" sz="2400" dirty="0">
                 <a:latin typeface="+mj-lt"/>
               </a:rPr>
-              <a:t> одному источнику (статье)</a:t>
-            </a:r>
-          </a:p>
-        </p:txBody>
-      </p:sp>
-      <p:sp>
-        <p:nvSpPr>
-          <p:cNvPr id="3" name="Номер слайда 2">
-            <a:extLst>
-              <a:ext uri="{FF2B5EF4-FFF2-40B4-BE49-F238E27FC236}">
-                <a16:creationId xmlns:a16="http://schemas.microsoft.com/office/drawing/2014/main" id="{AA88E569-1089-BC22-F584-22F564BEF316}"/>
-              </a:ext>
-            </a:extLst>
-          </p:cNvPr>
-          <p:cNvSpPr>
-            <a:spLocks noGrp="1"/>
-          </p:cNvSpPr>
-          <p:nvPr>
-            <p:ph type="sldNum" sz="quarter" idx="12"/>
-          </p:nvPr>
-        </p:nvSpPr>
-        <p:spPr/>
-        <p:txBody>
-          <a:bodyPr/>
-          <a:lstStyle/>
-          <a:p>
-            <a:fld id="{EB2452EA-49EB-437E-AEAF-228AB19C4ED2}" type="slidenum">
-              <a:rPr lang="ru-RU" smtClean="0"/>
-              <a:t>7</a:t>
-            </a:fld>
-            <a:endParaRPr lang="ru-RU"/>
+              <a:t>Триграммы:</a:t>
+            </a:r>
+          </a:p>
+          <a:p>
+            <a:pPr lvl="1"/>
+            <a:r>
+              <a:rPr lang="ru-RU" sz="2400" dirty="0">
+                <a:latin typeface="+mj-lt"/>
+              </a:rPr>
+              <a:t>Автоматическое извлечение ключевых, извлечение ключевых слов;</a:t>
+            </a:r>
+          </a:p>
+          <a:p>
+            <a:pPr marL="285750" indent="-285750">
+              <a:buFont typeface="Arial" panose="020B0604020202020204" pitchFamily="34" charset="0"/>
+              <a:buChar char="•"/>
+            </a:pPr>
+            <a:r>
+              <a:rPr lang="en-US" sz="2400" dirty="0">
+                <a:latin typeface="+mj-lt"/>
+              </a:rPr>
+              <a:t>N</a:t>
+            </a:r>
+            <a:r>
+              <a:rPr lang="ru-RU" sz="2400" dirty="0">
+                <a:latin typeface="+mj-lt"/>
+              </a:rPr>
+              <a:t> – грамма (</a:t>
+            </a:r>
+            <a:r>
+              <a:rPr lang="en-US" sz="2400" dirty="0">
+                <a:latin typeface="+mj-lt"/>
+              </a:rPr>
+              <a:t>n</a:t>
+            </a:r>
+            <a:r>
+              <a:rPr lang="ru-RU" sz="2400" dirty="0">
+                <a:latin typeface="+mj-lt"/>
+              </a:rPr>
+              <a:t> = 4)</a:t>
+            </a:r>
+          </a:p>
+          <a:p>
+            <a:pPr lvl="1"/>
+            <a:r>
+              <a:rPr lang="ru-RU" sz="2400" dirty="0">
+                <a:latin typeface="+mj-lt"/>
+              </a:rPr>
+              <a:t>Автоматическое извлечение ключевых слов.</a:t>
+            </a:r>
+            <a:endParaRPr lang="en-US" dirty="0"/>
+          </a:p>
+          <a:p>
+            <a:endParaRPr lang="ru-RU" dirty="0"/>
           </a:p>
         </p:txBody>
       </p:sp>
     </p:spTree>
     <p:extLst>
       <p:ext uri="{BB962C8B-B14F-4D97-AF65-F5344CB8AC3E}">
-        <p14:creationId xmlns:p14="http://schemas.microsoft.com/office/powerpoint/2010/main" val="1676049502"/>
+        <p14:creationId xmlns:p14="http://schemas.microsoft.com/office/powerpoint/2010/main" val="2092734810"/>
       </p:ext>
     </p:extLst>
   </p:cSld>
@@ -9451,6 +9469,235 @@
           <a:chExt cx="0" cy="0"/>
         </a:xfrm>
       </p:grpSpPr>
+      <p:pic>
+        <p:nvPicPr>
+          <p:cNvPr id="5" name="Рисунок 4">
+            <a:extLst>
+              <a:ext uri="{FF2B5EF4-FFF2-40B4-BE49-F238E27FC236}">
+                <a16:creationId xmlns:a16="http://schemas.microsoft.com/office/drawing/2014/main" id="{20208BF2-5752-159B-FDA7-C22107030CF1}"/>
+              </a:ext>
+            </a:extLst>
+          </p:cNvPr>
+          <p:cNvPicPr>
+            <a:picLocks noChangeAspect="1"/>
+          </p:cNvPicPr>
+          <p:nvPr/>
+        </p:nvPicPr>
+        <p:blipFill>
+          <a:blip r:embed="rId2">
+            <a:extLst>
+              <a:ext uri="{28A0092B-C50C-407E-A947-70E740481C1C}">
+                <a14:useLocalDpi xmlns:a14="http://schemas.microsoft.com/office/drawing/2010/main" val="0"/>
+              </a:ext>
+            </a:extLst>
+          </a:blip>
+          <a:stretch>
+            <a:fillRect/>
+          </a:stretch>
+        </p:blipFill>
+        <p:spPr>
+          <a:xfrm>
+            <a:off x="4727368" y="-16164"/>
+            <a:ext cx="7267432" cy="6858000"/>
+          </a:xfrm>
+          <a:prstGeom prst="rect">
+            <a:avLst/>
+          </a:prstGeom>
+        </p:spPr>
+      </p:pic>
+      <p:sp>
+        <p:nvSpPr>
+          <p:cNvPr id="2" name="Заголовок 1">
+            <a:extLst>
+              <a:ext uri="{FF2B5EF4-FFF2-40B4-BE49-F238E27FC236}">
+                <a16:creationId xmlns:a16="http://schemas.microsoft.com/office/drawing/2014/main" id="{44AF3655-DA27-6BE8-55EF-5C2BCFAC39B3}"/>
+              </a:ext>
+            </a:extLst>
+          </p:cNvPr>
+          <p:cNvSpPr>
+            <a:spLocks noGrp="1"/>
+          </p:cNvSpPr>
+          <p:nvPr>
+            <p:ph type="title"/>
+          </p:nvPr>
+        </p:nvSpPr>
+        <p:spPr>
+          <a:xfrm>
+            <a:off x="288365" y="245007"/>
+            <a:ext cx="3682652" cy="1325563"/>
+          </a:xfrm>
+        </p:spPr>
+        <p:txBody>
+          <a:bodyPr>
+            <a:normAutofit/>
+          </a:bodyPr>
+          <a:lstStyle/>
+          <a:p>
+            <a:r>
+              <a:rPr lang="ru-RU" dirty="0"/>
+              <a:t>Постановка задачи</a:t>
+            </a:r>
+          </a:p>
+        </p:txBody>
+      </p:sp>
+      <p:sp>
+        <p:nvSpPr>
+          <p:cNvPr id="8" name="TextBox 7">
+            <a:extLst>
+              <a:ext uri="{FF2B5EF4-FFF2-40B4-BE49-F238E27FC236}">
+                <a16:creationId xmlns:a16="http://schemas.microsoft.com/office/drawing/2014/main" id="{5DEFC0A3-F005-C8EB-CEA2-5A4805B7F1F0}"/>
+              </a:ext>
+            </a:extLst>
+          </p:cNvPr>
+          <p:cNvSpPr txBox="1"/>
+          <p:nvPr/>
+        </p:nvSpPr>
+        <p:spPr>
+          <a:xfrm>
+            <a:off x="288365" y="2236687"/>
+            <a:ext cx="3682652" cy="1631216"/>
+          </a:xfrm>
+          <a:prstGeom prst="rect">
+            <a:avLst/>
+          </a:prstGeom>
+          <a:noFill/>
+        </p:spPr>
+        <p:txBody>
+          <a:bodyPr wrap="square" rtlCol="0">
+            <a:spAutoFit/>
+          </a:bodyPr>
+          <a:lstStyle/>
+          <a:p>
+            <a:r>
+              <a:rPr lang="ru-RU" sz="2000" dirty="0">
+                <a:latin typeface="+mj-lt"/>
+              </a:rPr>
+              <a:t>Ограничения:</a:t>
+            </a:r>
+          </a:p>
+          <a:p>
+            <a:pPr marL="285750" indent="-285750">
+              <a:buFont typeface="Arial" panose="020B0604020202020204" pitchFamily="34" charset="0"/>
+              <a:buChar char="•"/>
+            </a:pPr>
+            <a:r>
+              <a:rPr lang="ru-RU" sz="2000" dirty="0">
+                <a:latin typeface="+mj-lt"/>
+              </a:rPr>
+              <a:t>Минимальный размер теста не менее 50 слов.</a:t>
+            </a:r>
+            <a:endParaRPr lang="en-US" sz="2000" dirty="0">
+              <a:latin typeface="+mj-lt"/>
+            </a:endParaRPr>
+          </a:p>
+          <a:p>
+            <a:pPr marL="285750" indent="-285750">
+              <a:buFont typeface="Arial" panose="020B0604020202020204" pitchFamily="34" charset="0"/>
+              <a:buChar char="•"/>
+            </a:pPr>
+            <a:r>
+              <a:rPr lang="ru-RU" sz="2000" dirty="0">
+                <a:latin typeface="+mj-lt"/>
+              </a:rPr>
+              <a:t>Текст принадлежит одному источнику (статье)</a:t>
+            </a:r>
+          </a:p>
+        </p:txBody>
+      </p:sp>
+      <p:sp>
+        <p:nvSpPr>
+          <p:cNvPr id="3" name="Номер слайда 2">
+            <a:extLst>
+              <a:ext uri="{FF2B5EF4-FFF2-40B4-BE49-F238E27FC236}">
+                <a16:creationId xmlns:a16="http://schemas.microsoft.com/office/drawing/2014/main" id="{AA88E569-1089-BC22-F584-22F564BEF316}"/>
+              </a:ext>
+            </a:extLst>
+          </p:cNvPr>
+          <p:cNvSpPr>
+            <a:spLocks noGrp="1"/>
+          </p:cNvSpPr>
+          <p:nvPr>
+            <p:ph type="sldNum" sz="quarter" idx="12"/>
+          </p:nvPr>
+        </p:nvSpPr>
+        <p:spPr/>
+        <p:txBody>
+          <a:bodyPr/>
+          <a:lstStyle/>
+          <a:p>
+            <a:fld id="{EB2452EA-49EB-437E-AEAF-228AB19C4ED2}" type="slidenum">
+              <a:rPr lang="ru-RU" smtClean="0"/>
+              <a:t>8</a:t>
+            </a:fld>
+            <a:endParaRPr lang="ru-RU"/>
+          </a:p>
+        </p:txBody>
+      </p:sp>
+      <p:sp>
+        <p:nvSpPr>
+          <p:cNvPr id="4" name="TextBox 3">
+            <a:extLst>
+              <a:ext uri="{FF2B5EF4-FFF2-40B4-BE49-F238E27FC236}">
+                <a16:creationId xmlns:a16="http://schemas.microsoft.com/office/drawing/2014/main" id="{7A4A855E-7B40-DCA8-7D24-2DEF3583C2B1}"/>
+              </a:ext>
+            </a:extLst>
+          </p:cNvPr>
+          <p:cNvSpPr txBox="1"/>
+          <p:nvPr/>
+        </p:nvSpPr>
+        <p:spPr>
+          <a:xfrm>
+            <a:off x="822036" y="4701309"/>
+            <a:ext cx="3148981" cy="646331"/>
+          </a:xfrm>
+          <a:prstGeom prst="rect">
+            <a:avLst/>
+          </a:prstGeom>
+          <a:noFill/>
+        </p:spPr>
+        <p:txBody>
+          <a:bodyPr wrap="square" rtlCol="0">
+            <a:spAutoFit/>
+          </a:bodyPr>
+          <a:lstStyle/>
+          <a:p>
+            <a:r>
+              <a:rPr lang="ru-RU" dirty="0"/>
+              <a:t>А0 крупнее (блока и шрифт в нем)</a:t>
+            </a:r>
+          </a:p>
+        </p:txBody>
+      </p:sp>
+    </p:spTree>
+    <p:extLst>
+      <p:ext uri="{BB962C8B-B14F-4D97-AF65-F5344CB8AC3E}">
+        <p14:creationId xmlns:p14="http://schemas.microsoft.com/office/powerpoint/2010/main" val="1676049502"/>
+      </p:ext>
+    </p:extLst>
+  </p:cSld>
+  <p:clrMapOvr>
+    <a:masterClrMapping/>
+  </p:clrMapOvr>
+</p:sld>
+</file>
+
+<file path=ppt/slides/slide9.xml><?xml version="1.0" encoding="utf-8"?>
+<p:sld xmlns:a="http://schemas.openxmlformats.org/drawingml/2006/main" xmlns:r="http://schemas.openxmlformats.org/officeDocument/2006/relationships" xmlns:p="http://schemas.openxmlformats.org/presentationml/2006/main">
+  <p:cSld>
+    <p:spTree>
+      <p:nvGrpSpPr>
+        <p:cNvPr id="1" name=""/>
+        <p:cNvGrpSpPr/>
+        <p:nvPr/>
+      </p:nvGrpSpPr>
+      <p:grpSpPr>
+        <a:xfrm>
+          <a:off x="0" y="0"/>
+          <a:ext cx="0" cy="0"/>
+          <a:chOff x="0" y="0"/>
+          <a:chExt cx="0" cy="0"/>
+        </a:xfrm>
+      </p:grpSpPr>
       <p:sp>
         <p:nvSpPr>
           <p:cNvPr id="2" name="Заголовок 1">
@@ -9507,7 +9754,7 @@
           <a:p>
             <a:fld id="{EB2452EA-49EB-437E-AEAF-228AB19C4ED2}" type="slidenum">
               <a:rPr lang="ru-RU" smtClean="0"/>
-              <a:t>8</a:t>
+              <a:t>9</a:t>
             </a:fld>
             <a:endParaRPr lang="ru-RU"/>
           </a:p>
@@ -9611,136 +9858,6 @@
     <p:extLst>
       <p:ext uri="{BB962C8B-B14F-4D97-AF65-F5344CB8AC3E}">
         <p14:creationId xmlns:p14="http://schemas.microsoft.com/office/powerpoint/2010/main" val="2182106132"/>
-      </p:ext>
-    </p:extLst>
-  </p:cSld>
-  <p:clrMapOvr>
-    <a:masterClrMapping/>
-  </p:clrMapOvr>
-</p:sld>
-</file>
-
-<file path=ppt/slides/slide9.xml><?xml version="1.0" encoding="utf-8"?>
-<p:sld xmlns:a="http://schemas.openxmlformats.org/drawingml/2006/main" xmlns:r="http://schemas.openxmlformats.org/officeDocument/2006/relationships" xmlns:p="http://schemas.openxmlformats.org/presentationml/2006/main">
-  <p:cSld>
-    <p:spTree>
-      <p:nvGrpSpPr>
-        <p:cNvPr id="1" name=""/>
-        <p:cNvGrpSpPr/>
-        <p:nvPr/>
-      </p:nvGrpSpPr>
-      <p:grpSpPr>
-        <a:xfrm>
-          <a:off x="0" y="0"/>
-          <a:ext cx="0" cy="0"/>
-          <a:chOff x="0" y="0"/>
-          <a:chExt cx="0" cy="0"/>
-        </a:xfrm>
-      </p:grpSpPr>
-      <p:sp>
-        <p:nvSpPr>
-          <p:cNvPr id="2" name="Заголовок 1">
-            <a:extLst>
-              <a:ext uri="{FF2B5EF4-FFF2-40B4-BE49-F238E27FC236}">
-                <a16:creationId xmlns:a16="http://schemas.microsoft.com/office/drawing/2014/main" id="{97CB21AF-9156-3033-55BD-6B0D9FF7203E}"/>
-              </a:ext>
-            </a:extLst>
-          </p:cNvPr>
-          <p:cNvSpPr>
-            <a:spLocks noGrp="1"/>
-          </p:cNvSpPr>
-          <p:nvPr>
-            <p:ph type="title"/>
-          </p:nvPr>
-        </p:nvSpPr>
-        <p:spPr>
-          <a:xfrm>
-            <a:off x="431799" y="136525"/>
-            <a:ext cx="10965329" cy="1325563"/>
-          </a:xfrm>
-        </p:spPr>
-        <p:txBody>
-          <a:bodyPr>
-            <a:normAutofit/>
-          </a:bodyPr>
-          <a:lstStyle/>
-          <a:p>
-            <a:r>
-              <a:rPr lang="ru-RU" sz="3600" dirty="0"/>
-              <a:t>Предварительная обработка текста</a:t>
-            </a:r>
-          </a:p>
-        </p:txBody>
-      </p:sp>
-      <p:sp>
-        <p:nvSpPr>
-          <p:cNvPr id="4" name="Номер слайда 3">
-            <a:extLst>
-              <a:ext uri="{FF2B5EF4-FFF2-40B4-BE49-F238E27FC236}">
-                <a16:creationId xmlns:a16="http://schemas.microsoft.com/office/drawing/2014/main" id="{31B05029-E45D-2C85-12AA-63AD205035B8}"/>
-              </a:ext>
-            </a:extLst>
-          </p:cNvPr>
-          <p:cNvSpPr>
-            <a:spLocks noGrp="1"/>
-          </p:cNvSpPr>
-          <p:nvPr>
-            <p:ph type="sldNum" sz="quarter" idx="12"/>
-          </p:nvPr>
-        </p:nvSpPr>
-        <p:spPr/>
-        <p:txBody>
-          <a:bodyPr/>
-          <a:lstStyle/>
-          <a:p>
-            <a:fld id="{EB2452EA-49EB-437E-AEAF-228AB19C4ED2}" type="slidenum">
-              <a:rPr lang="ru-RU" smtClean="0"/>
-              <a:t>9</a:t>
-            </a:fld>
-            <a:endParaRPr lang="ru-RU"/>
-          </a:p>
-        </p:txBody>
-      </p:sp>
-      <p:pic>
-        <p:nvPicPr>
-          <p:cNvPr id="8" name="Рисунок 7">
-            <a:extLst>
-              <a:ext uri="{FF2B5EF4-FFF2-40B4-BE49-F238E27FC236}">
-                <a16:creationId xmlns:a16="http://schemas.microsoft.com/office/drawing/2014/main" id="{0DFE3245-0752-F447-7520-A03F23B5729F}"/>
-              </a:ext>
-            </a:extLst>
-          </p:cNvPr>
-          <p:cNvPicPr>
-            <a:picLocks noChangeAspect="1"/>
-          </p:cNvPicPr>
-          <p:nvPr/>
-        </p:nvPicPr>
-        <p:blipFill>
-          <a:blip r:embed="rId2">
-            <a:extLst>
-              <a:ext uri="{28A0092B-C50C-407E-A947-70E740481C1C}">
-                <a14:useLocalDpi xmlns:a14="http://schemas.microsoft.com/office/drawing/2010/main" val="0"/>
-              </a:ext>
-            </a:extLst>
-          </a:blip>
-          <a:stretch>
-            <a:fillRect/>
-          </a:stretch>
-        </p:blipFill>
-        <p:spPr>
-          <a:xfrm>
-            <a:off x="1327735" y="1088651"/>
-            <a:ext cx="9173456" cy="5632824"/>
-          </a:xfrm>
-          <a:prstGeom prst="rect">
-            <a:avLst/>
-          </a:prstGeom>
-        </p:spPr>
-      </p:pic>
-    </p:spTree>
-    <p:extLst>
-      <p:ext uri="{BB962C8B-B14F-4D97-AF65-F5344CB8AC3E}">
-        <p14:creationId xmlns:p14="http://schemas.microsoft.com/office/powerpoint/2010/main" val="2561295307"/>
       </p:ext>
     </p:extLst>
   </p:cSld>

--- a/Защита/Презентация_кор.pptx
+++ b/Защита/Презентация_кор.pptx
@@ -1,11 +1,11 @@
 
 <file path=ppt/presentation.xml><?xml version="1.0" encoding="utf-8"?>
-<p:presentation xmlns:a="http://schemas.openxmlformats.org/drawingml/2006/main" xmlns:r="http://schemas.openxmlformats.org/officeDocument/2006/relationships" xmlns:p="http://schemas.openxmlformats.org/presentationml/2006/main" saveSubsetFonts="1">
+<p:presentation xmlns:a="http://schemas.openxmlformats.org/drawingml/2006/main" xmlns:r="http://schemas.openxmlformats.org/officeDocument/2006/relationships" xmlns:p="http://schemas.openxmlformats.org/presentationml/2006/main" showSpecialPlsOnTitleSld="0" saveSubsetFonts="1">
   <p:sldMasterIdLst>
     <p:sldMasterId id="2147483648" r:id="rId1"/>
   </p:sldMasterIdLst>
   <p:notesMasterIdLst>
-    <p:notesMasterId r:id="rId21"/>
+    <p:notesMasterId r:id="rId18"/>
   </p:notesMasterIdLst>
   <p:sldIdLst>
     <p:sldId id="256" r:id="rId2"/>
@@ -13,20 +13,17 @@
     <p:sldId id="257" r:id="rId4"/>
     <p:sldId id="258" r:id="rId5"/>
     <p:sldId id="260" r:id="rId6"/>
-    <p:sldId id="259" r:id="rId7"/>
-    <p:sldId id="275" r:id="rId8"/>
-    <p:sldId id="265" r:id="rId9"/>
-    <p:sldId id="266" r:id="rId10"/>
-    <p:sldId id="270" r:id="rId11"/>
-    <p:sldId id="271" r:id="rId12"/>
-    <p:sldId id="273" r:id="rId13"/>
-    <p:sldId id="268" r:id="rId14"/>
-    <p:sldId id="272" r:id="rId15"/>
-    <p:sldId id="274" r:id="rId16"/>
-    <p:sldId id="277" r:id="rId17"/>
-    <p:sldId id="278" r:id="rId18"/>
-    <p:sldId id="279" r:id="rId19"/>
-    <p:sldId id="267" r:id="rId20"/>
+    <p:sldId id="275" r:id="rId7"/>
+    <p:sldId id="265" r:id="rId8"/>
+    <p:sldId id="266" r:id="rId9"/>
+    <p:sldId id="271" r:id="rId10"/>
+    <p:sldId id="268" r:id="rId11"/>
+    <p:sldId id="272" r:id="rId12"/>
+    <p:sldId id="274" r:id="rId13"/>
+    <p:sldId id="281" r:id="rId14"/>
+    <p:sldId id="278" r:id="rId15"/>
+    <p:sldId id="279" r:id="rId16"/>
+    <p:sldId id="267" r:id="rId17"/>
   </p:sldIdLst>
   <p:sldSz cx="12192000" cy="6858000"/>
   <p:notesSz cx="6858000" cy="9144000"/>
@@ -156,6 +153,1497 @@
 </p:cmAuthorLst>
 </file>
 
+<file path=ppt/charts/chart1.xml><?xml version="1.0" encoding="utf-8"?>
+<c:chartSpace xmlns:c="http://schemas.openxmlformats.org/drawingml/2006/chart" xmlns:a="http://schemas.openxmlformats.org/drawingml/2006/main" xmlns:r="http://schemas.openxmlformats.org/officeDocument/2006/relationships" xmlns:c16r2="http://schemas.microsoft.com/office/drawing/2015/06/chart">
+  <c:date1904 val="0"/>
+  <c:lang val="ru-RU"/>
+  <c:roundedCorners val="0"/>
+  <mc:AlternateContent xmlns:mc="http://schemas.openxmlformats.org/markup-compatibility/2006">
+    <mc:Choice xmlns:c14="http://schemas.microsoft.com/office/drawing/2007/8/2/chart" Requires="c14">
+      <c14:style val="102"/>
+    </mc:Choice>
+    <mc:Fallback>
+      <c:style val="2"/>
+    </mc:Fallback>
+  </mc:AlternateContent>
+  <c:chart>
+    <c:title>
+      <c:tx>
+        <c:rich>
+          <a:bodyPr rot="0" spcFirstLastPara="1" vertOverflow="ellipsis" vert="horz" wrap="square" anchor="ctr" anchorCtr="1"/>
+          <a:lstStyle/>
+          <a:p>
+            <a:pPr>
+              <a:defRPr sz="1862" b="0" i="0" u="none" strike="noStrike" kern="1200" spc="0" baseline="0">
+                <a:solidFill>
+                  <a:schemeClr val="tx1">
+                    <a:lumMod val="65000"/>
+                    <a:lumOff val="35000"/>
+                  </a:schemeClr>
+                </a:solidFill>
+                <a:latin typeface="+mn-lt"/>
+                <a:ea typeface="+mn-ea"/>
+                <a:cs typeface="+mn-cs"/>
+              </a:defRPr>
+            </a:pPr>
+            <a:r>
+              <a:rPr lang="ru-RU" dirty="0"/>
+              <a:t>Статистика</a:t>
+            </a:r>
+            <a:r>
+              <a:rPr lang="ru-RU" baseline="0" dirty="0"/>
+              <a:t> статей в </a:t>
+            </a:r>
+            <a:r>
+              <a:rPr lang="en-US" baseline="0" dirty="0"/>
+              <a:t>Scopus</a:t>
+            </a:r>
+            <a:endParaRPr lang="ru-RU" dirty="0"/>
+          </a:p>
+        </c:rich>
+      </c:tx>
+      <c:overlay val="0"/>
+      <c:spPr>
+        <a:noFill/>
+        <a:ln>
+          <a:noFill/>
+        </a:ln>
+        <a:effectLst/>
+      </c:spPr>
+      <c:txPr>
+        <a:bodyPr rot="0" spcFirstLastPara="1" vertOverflow="ellipsis" vert="horz" wrap="square" anchor="ctr" anchorCtr="1"/>
+        <a:lstStyle/>
+        <a:p>
+          <a:pPr>
+            <a:defRPr sz="1862" b="0" i="0" u="none" strike="noStrike" kern="1200" spc="0" baseline="0">
+              <a:solidFill>
+                <a:schemeClr val="tx1">
+                  <a:lumMod val="65000"/>
+                  <a:lumOff val="35000"/>
+                </a:schemeClr>
+              </a:solidFill>
+              <a:latin typeface="+mn-lt"/>
+              <a:ea typeface="+mn-ea"/>
+              <a:cs typeface="+mn-cs"/>
+            </a:defRPr>
+          </a:pPr>
+          <a:endParaRPr lang="ru-RU"/>
+        </a:p>
+      </c:txPr>
+    </c:title>
+    <c:autoTitleDeleted val="0"/>
+    <c:plotArea>
+      <c:layout>
+        <c:manualLayout>
+          <c:layoutTarget val="inner"/>
+          <c:xMode val="edge"/>
+          <c:yMode val="edge"/>
+          <c:x val="0.14542482775590551"/>
+          <c:y val="6.9861440951197645E-2"/>
+          <c:w val="0.82806447677433126"/>
+          <c:h val="0.72290765613450148"/>
+        </c:manualLayout>
+      </c:layout>
+      <c:lineChart>
+        <c:grouping val="standard"/>
+        <c:varyColors val="0"/>
+        <c:ser>
+          <c:idx val="0"/>
+          <c:order val="0"/>
+          <c:tx>
+            <c:strRef>
+              <c:f>Лист1!$B$1</c:f>
+              <c:strCache>
+                <c:ptCount val="1"/>
+                <c:pt idx="0">
+                  <c:v>Росссийская федерация</c:v>
+                </c:pt>
+              </c:strCache>
+            </c:strRef>
+          </c:tx>
+          <c:spPr>
+            <a:ln w="28575" cap="rnd">
+              <a:solidFill>
+                <a:schemeClr val="accent1"/>
+              </a:solidFill>
+              <a:round/>
+            </a:ln>
+            <a:effectLst/>
+          </c:spPr>
+          <c:marker>
+            <c:symbol val="none"/>
+          </c:marker>
+          <c:cat>
+            <c:numRef>
+              <c:f>Лист1!$A$2:$A$10</c:f>
+              <c:numCache>
+                <c:formatCode>General</c:formatCode>
+                <c:ptCount val="9"/>
+                <c:pt idx="0">
+                  <c:v>2010</c:v>
+                </c:pt>
+                <c:pt idx="1">
+                  <c:v>2011</c:v>
+                </c:pt>
+                <c:pt idx="2">
+                  <c:v>2012</c:v>
+                </c:pt>
+                <c:pt idx="3">
+                  <c:v>2013</c:v>
+                </c:pt>
+                <c:pt idx="4">
+                  <c:v>2014</c:v>
+                </c:pt>
+                <c:pt idx="5">
+                  <c:v>2015</c:v>
+                </c:pt>
+                <c:pt idx="6">
+                  <c:v>2016</c:v>
+                </c:pt>
+                <c:pt idx="7">
+                  <c:v>2017</c:v>
+                </c:pt>
+                <c:pt idx="8">
+                  <c:v>2018</c:v>
+                </c:pt>
+              </c:numCache>
+            </c:numRef>
+          </c:cat>
+          <c:val>
+            <c:numRef>
+              <c:f>Лист1!$B$2:$B$10</c:f>
+              <c:numCache>
+                <c:formatCode>General</c:formatCode>
+                <c:ptCount val="9"/>
+                <c:pt idx="0">
+                  <c:v>40000</c:v>
+                </c:pt>
+                <c:pt idx="1">
+                  <c:v>43000</c:v>
+                </c:pt>
+                <c:pt idx="2">
+                  <c:v>43700</c:v>
+                </c:pt>
+                <c:pt idx="3">
+                  <c:v>45000</c:v>
+                </c:pt>
+                <c:pt idx="4">
+                  <c:v>51000</c:v>
+                </c:pt>
+                <c:pt idx="5">
+                  <c:v>61000</c:v>
+                </c:pt>
+                <c:pt idx="6">
+                  <c:v>75000</c:v>
+                </c:pt>
+                <c:pt idx="7">
+                  <c:v>81000</c:v>
+                </c:pt>
+                <c:pt idx="8">
+                  <c:v>78000</c:v>
+                </c:pt>
+              </c:numCache>
+            </c:numRef>
+          </c:val>
+          <c:smooth val="0"/>
+          <c:extLst>
+            <c:ext xmlns:c16="http://schemas.microsoft.com/office/drawing/2014/chart" uri="{C3380CC4-5D6E-409C-BE32-E72D297353CC}">
+              <c16:uniqueId val="{00000000-3E17-474F-A149-E7117D0E1F55}"/>
+            </c:ext>
+          </c:extLst>
+        </c:ser>
+        <c:ser>
+          <c:idx val="1"/>
+          <c:order val="1"/>
+          <c:tx>
+            <c:strRef>
+              <c:f>Лист1!$C$1</c:f>
+              <c:strCache>
+                <c:ptCount val="1"/>
+                <c:pt idx="0">
+                  <c:v>Австралия</c:v>
+                </c:pt>
+              </c:strCache>
+            </c:strRef>
+          </c:tx>
+          <c:spPr>
+            <a:ln w="28575" cap="rnd">
+              <a:solidFill>
+                <a:schemeClr val="accent2"/>
+              </a:solidFill>
+              <a:round/>
+            </a:ln>
+            <a:effectLst/>
+          </c:spPr>
+          <c:marker>
+            <c:symbol val="none"/>
+          </c:marker>
+          <c:cat>
+            <c:numRef>
+              <c:f>Лист1!$A$2:$A$10</c:f>
+              <c:numCache>
+                <c:formatCode>General</c:formatCode>
+                <c:ptCount val="9"/>
+                <c:pt idx="0">
+                  <c:v>2010</c:v>
+                </c:pt>
+                <c:pt idx="1">
+                  <c:v>2011</c:v>
+                </c:pt>
+                <c:pt idx="2">
+                  <c:v>2012</c:v>
+                </c:pt>
+                <c:pt idx="3">
+                  <c:v>2013</c:v>
+                </c:pt>
+                <c:pt idx="4">
+                  <c:v>2014</c:v>
+                </c:pt>
+                <c:pt idx="5">
+                  <c:v>2015</c:v>
+                </c:pt>
+                <c:pt idx="6">
+                  <c:v>2016</c:v>
+                </c:pt>
+                <c:pt idx="7">
+                  <c:v>2017</c:v>
+                </c:pt>
+                <c:pt idx="8">
+                  <c:v>2018</c:v>
+                </c:pt>
+              </c:numCache>
+            </c:numRef>
+          </c:cat>
+          <c:val>
+            <c:numRef>
+              <c:f>Лист1!$C$2:$C$10</c:f>
+              <c:numCache>
+                <c:formatCode>General</c:formatCode>
+                <c:ptCount val="9"/>
+                <c:pt idx="0">
+                  <c:v>70000</c:v>
+                </c:pt>
+                <c:pt idx="1">
+                  <c:v>77000</c:v>
+                </c:pt>
+                <c:pt idx="2">
+                  <c:v>81000</c:v>
+                </c:pt>
+                <c:pt idx="3">
+                  <c:v>84000</c:v>
+                </c:pt>
+                <c:pt idx="4">
+                  <c:v>86600</c:v>
+                </c:pt>
+                <c:pt idx="5">
+                  <c:v>90000</c:v>
+                </c:pt>
+                <c:pt idx="6">
+                  <c:v>92000</c:v>
+                </c:pt>
+                <c:pt idx="7">
+                  <c:v>95000</c:v>
+                </c:pt>
+                <c:pt idx="8">
+                  <c:v>100000</c:v>
+                </c:pt>
+              </c:numCache>
+            </c:numRef>
+          </c:val>
+          <c:smooth val="0"/>
+          <c:extLst>
+            <c:ext xmlns:c16="http://schemas.microsoft.com/office/drawing/2014/chart" uri="{C3380CC4-5D6E-409C-BE32-E72D297353CC}">
+              <c16:uniqueId val="{00000001-3E17-474F-A149-E7117D0E1F55}"/>
+            </c:ext>
+          </c:extLst>
+        </c:ser>
+        <c:ser>
+          <c:idx val="2"/>
+          <c:order val="2"/>
+          <c:tx>
+            <c:strRef>
+              <c:f>Лист1!$D$1</c:f>
+              <c:strCache>
+                <c:ptCount val="1"/>
+                <c:pt idx="0">
+                  <c:v>Иран</c:v>
+                </c:pt>
+              </c:strCache>
+            </c:strRef>
+          </c:tx>
+          <c:spPr>
+            <a:ln w="28575" cap="rnd">
+              <a:solidFill>
+                <a:schemeClr val="accent3"/>
+              </a:solidFill>
+              <a:round/>
+            </a:ln>
+            <a:effectLst/>
+          </c:spPr>
+          <c:marker>
+            <c:symbol val="none"/>
+          </c:marker>
+          <c:cat>
+            <c:numRef>
+              <c:f>Лист1!$A$2:$A$10</c:f>
+              <c:numCache>
+                <c:formatCode>General</c:formatCode>
+                <c:ptCount val="9"/>
+                <c:pt idx="0">
+                  <c:v>2010</c:v>
+                </c:pt>
+                <c:pt idx="1">
+                  <c:v>2011</c:v>
+                </c:pt>
+                <c:pt idx="2">
+                  <c:v>2012</c:v>
+                </c:pt>
+                <c:pt idx="3">
+                  <c:v>2013</c:v>
+                </c:pt>
+                <c:pt idx="4">
+                  <c:v>2014</c:v>
+                </c:pt>
+                <c:pt idx="5">
+                  <c:v>2015</c:v>
+                </c:pt>
+                <c:pt idx="6">
+                  <c:v>2016</c:v>
+                </c:pt>
+                <c:pt idx="7">
+                  <c:v>2017</c:v>
+                </c:pt>
+                <c:pt idx="8">
+                  <c:v>2018</c:v>
+                </c:pt>
+              </c:numCache>
+            </c:numRef>
+          </c:cat>
+          <c:val>
+            <c:numRef>
+              <c:f>Лист1!$D$2:$D$10</c:f>
+              <c:numCache>
+                <c:formatCode>General</c:formatCode>
+                <c:ptCount val="9"/>
+                <c:pt idx="0">
+                  <c:v>30000</c:v>
+                </c:pt>
+                <c:pt idx="1">
+                  <c:v>39000</c:v>
+                </c:pt>
+                <c:pt idx="2">
+                  <c:v>39900</c:v>
+                </c:pt>
+                <c:pt idx="3">
+                  <c:v>41000</c:v>
+                </c:pt>
+                <c:pt idx="4">
+                  <c:v>41020</c:v>
+                </c:pt>
+                <c:pt idx="5">
+                  <c:v>41002</c:v>
+                </c:pt>
+                <c:pt idx="6">
+                  <c:v>48000</c:v>
+                </c:pt>
+                <c:pt idx="7">
+                  <c:v>51000</c:v>
+                </c:pt>
+                <c:pt idx="8">
+                  <c:v>56000</c:v>
+                </c:pt>
+              </c:numCache>
+            </c:numRef>
+          </c:val>
+          <c:smooth val="0"/>
+          <c:extLst>
+            <c:ext xmlns:c16="http://schemas.microsoft.com/office/drawing/2014/chart" uri="{C3380CC4-5D6E-409C-BE32-E72D297353CC}">
+              <c16:uniqueId val="{00000002-3E17-474F-A149-E7117D0E1F55}"/>
+            </c:ext>
+          </c:extLst>
+        </c:ser>
+        <c:ser>
+          <c:idx val="3"/>
+          <c:order val="3"/>
+          <c:tx>
+            <c:strRef>
+              <c:f>Лист1!$E$1</c:f>
+              <c:strCache>
+                <c:ptCount val="1"/>
+                <c:pt idx="0">
+                  <c:v>Южная корея</c:v>
+                </c:pt>
+              </c:strCache>
+            </c:strRef>
+          </c:tx>
+          <c:spPr>
+            <a:ln w="28575" cap="rnd">
+              <a:solidFill>
+                <a:schemeClr val="accent4"/>
+              </a:solidFill>
+              <a:round/>
+            </a:ln>
+            <a:effectLst/>
+          </c:spPr>
+          <c:marker>
+            <c:symbol val="none"/>
+          </c:marker>
+          <c:cat>
+            <c:numRef>
+              <c:f>Лист1!$A$2:$A$10</c:f>
+              <c:numCache>
+                <c:formatCode>General</c:formatCode>
+                <c:ptCount val="9"/>
+                <c:pt idx="0">
+                  <c:v>2010</c:v>
+                </c:pt>
+                <c:pt idx="1">
+                  <c:v>2011</c:v>
+                </c:pt>
+                <c:pt idx="2">
+                  <c:v>2012</c:v>
+                </c:pt>
+                <c:pt idx="3">
+                  <c:v>2013</c:v>
+                </c:pt>
+                <c:pt idx="4">
+                  <c:v>2014</c:v>
+                </c:pt>
+                <c:pt idx="5">
+                  <c:v>2015</c:v>
+                </c:pt>
+                <c:pt idx="6">
+                  <c:v>2016</c:v>
+                </c:pt>
+                <c:pt idx="7">
+                  <c:v>2017</c:v>
+                </c:pt>
+                <c:pt idx="8">
+                  <c:v>2018</c:v>
+                </c:pt>
+              </c:numCache>
+            </c:numRef>
+          </c:cat>
+          <c:val>
+            <c:numRef>
+              <c:f>Лист1!$E$2:$E$10</c:f>
+              <c:numCache>
+                <c:formatCode>General</c:formatCode>
+                <c:ptCount val="9"/>
+                <c:pt idx="0">
+                  <c:v>61000</c:v>
+                </c:pt>
+                <c:pt idx="1">
+                  <c:v>65000</c:v>
+                </c:pt>
+                <c:pt idx="2">
+                  <c:v>70000</c:v>
+                </c:pt>
+                <c:pt idx="3">
+                  <c:v>71000</c:v>
+                </c:pt>
+                <c:pt idx="4">
+                  <c:v>75000</c:v>
+                </c:pt>
+                <c:pt idx="5">
+                  <c:v>78000</c:v>
+                </c:pt>
+                <c:pt idx="6">
+                  <c:v>78500</c:v>
+                </c:pt>
+                <c:pt idx="7">
+                  <c:v>78900</c:v>
+                </c:pt>
+                <c:pt idx="8">
+                  <c:v>77900</c:v>
+                </c:pt>
+              </c:numCache>
+            </c:numRef>
+          </c:val>
+          <c:smooth val="0"/>
+          <c:extLst>
+            <c:ext xmlns:c16="http://schemas.microsoft.com/office/drawing/2014/chart" uri="{C3380CC4-5D6E-409C-BE32-E72D297353CC}">
+              <c16:uniqueId val="{00000003-3E17-474F-A149-E7117D0E1F55}"/>
+            </c:ext>
+          </c:extLst>
+        </c:ser>
+        <c:ser>
+          <c:idx val="4"/>
+          <c:order val="4"/>
+          <c:tx>
+            <c:strRef>
+              <c:f>Лист1!$F$1</c:f>
+              <c:strCache>
+                <c:ptCount val="1"/>
+                <c:pt idx="0">
+                  <c:v>Испания</c:v>
+                </c:pt>
+              </c:strCache>
+            </c:strRef>
+          </c:tx>
+          <c:spPr>
+            <a:ln w="28575" cap="rnd">
+              <a:solidFill>
+                <a:schemeClr val="accent5"/>
+              </a:solidFill>
+              <a:round/>
+            </a:ln>
+            <a:effectLst/>
+          </c:spPr>
+          <c:marker>
+            <c:symbol val="none"/>
+          </c:marker>
+          <c:cat>
+            <c:numRef>
+              <c:f>Лист1!$A$2:$A$10</c:f>
+              <c:numCache>
+                <c:formatCode>General</c:formatCode>
+                <c:ptCount val="9"/>
+                <c:pt idx="0">
+                  <c:v>2010</c:v>
+                </c:pt>
+                <c:pt idx="1">
+                  <c:v>2011</c:v>
+                </c:pt>
+                <c:pt idx="2">
+                  <c:v>2012</c:v>
+                </c:pt>
+                <c:pt idx="3">
+                  <c:v>2013</c:v>
+                </c:pt>
+                <c:pt idx="4">
+                  <c:v>2014</c:v>
+                </c:pt>
+                <c:pt idx="5">
+                  <c:v>2015</c:v>
+                </c:pt>
+                <c:pt idx="6">
+                  <c:v>2016</c:v>
+                </c:pt>
+                <c:pt idx="7">
+                  <c:v>2017</c:v>
+                </c:pt>
+                <c:pt idx="8">
+                  <c:v>2018</c:v>
+                </c:pt>
+              </c:numCache>
+            </c:numRef>
+          </c:cat>
+          <c:val>
+            <c:numRef>
+              <c:f>Лист1!$F$2:$F$10</c:f>
+              <c:numCache>
+                <c:formatCode>General</c:formatCode>
+                <c:ptCount val="9"/>
+                <c:pt idx="0">
+                  <c:v>72000</c:v>
+                </c:pt>
+                <c:pt idx="1">
+                  <c:v>78000</c:v>
+                </c:pt>
+                <c:pt idx="2">
+                  <c:v>82000</c:v>
+                </c:pt>
+                <c:pt idx="3">
+                  <c:v>83000</c:v>
+                </c:pt>
+                <c:pt idx="4">
+                  <c:v>86000</c:v>
+                </c:pt>
+                <c:pt idx="5">
+                  <c:v>84000</c:v>
+                </c:pt>
+                <c:pt idx="6">
+                  <c:v>87000</c:v>
+                </c:pt>
+                <c:pt idx="7">
+                  <c:v>91000</c:v>
+                </c:pt>
+                <c:pt idx="8">
+                  <c:v>92000</c:v>
+                </c:pt>
+              </c:numCache>
+            </c:numRef>
+          </c:val>
+          <c:smooth val="0"/>
+          <c:extLst>
+            <c:ext xmlns:c16="http://schemas.microsoft.com/office/drawing/2014/chart" uri="{C3380CC4-5D6E-409C-BE32-E72D297353CC}">
+              <c16:uniqueId val="{00000004-3E17-474F-A149-E7117D0E1F55}"/>
+            </c:ext>
+          </c:extLst>
+        </c:ser>
+        <c:dLbls>
+          <c:showLegendKey val="0"/>
+          <c:showVal val="0"/>
+          <c:showCatName val="0"/>
+          <c:showSerName val="0"/>
+          <c:showPercent val="0"/>
+          <c:showBubbleSize val="0"/>
+        </c:dLbls>
+        <c:smooth val="0"/>
+        <c:axId val="1011078672"/>
+        <c:axId val="1011076592"/>
+      </c:lineChart>
+      <c:catAx>
+        <c:axId val="1011078672"/>
+        <c:scaling>
+          <c:orientation val="minMax"/>
+        </c:scaling>
+        <c:delete val="0"/>
+        <c:axPos val="b"/>
+        <c:title>
+          <c:tx>
+            <c:rich>
+              <a:bodyPr rot="0" spcFirstLastPara="1" vertOverflow="ellipsis" vert="horz" wrap="square" anchor="ctr" anchorCtr="1"/>
+              <a:lstStyle/>
+              <a:p>
+                <a:pPr>
+                  <a:defRPr sz="1330" b="0" i="0" u="none" strike="noStrike" kern="1200" baseline="0">
+                    <a:solidFill>
+                      <a:schemeClr val="tx1">
+                        <a:lumMod val="65000"/>
+                        <a:lumOff val="35000"/>
+                      </a:schemeClr>
+                    </a:solidFill>
+                    <a:latin typeface="+mn-lt"/>
+                    <a:ea typeface="+mn-ea"/>
+                    <a:cs typeface="+mn-cs"/>
+                  </a:defRPr>
+                </a:pPr>
+                <a:r>
+                  <a:rPr lang="ru-RU" dirty="0"/>
+                  <a:t>Год</a:t>
+                </a:r>
+              </a:p>
+              <a:p>
+                <a:pPr>
+                  <a:defRPr/>
+                </a:pPr>
+                <a:endParaRPr lang="ru-RU" dirty="0"/>
+              </a:p>
+            </c:rich>
+          </c:tx>
+          <c:overlay val="0"/>
+          <c:spPr>
+            <a:noFill/>
+            <a:ln>
+              <a:noFill/>
+            </a:ln>
+            <a:effectLst/>
+          </c:spPr>
+          <c:txPr>
+            <a:bodyPr rot="0" spcFirstLastPara="1" vertOverflow="ellipsis" vert="horz" wrap="square" anchor="ctr" anchorCtr="1"/>
+            <a:lstStyle/>
+            <a:p>
+              <a:pPr>
+                <a:defRPr sz="1330" b="0" i="0" u="none" strike="noStrike" kern="1200" baseline="0">
+                  <a:solidFill>
+                    <a:schemeClr val="tx1">
+                      <a:lumMod val="65000"/>
+                      <a:lumOff val="35000"/>
+                    </a:schemeClr>
+                  </a:solidFill>
+                  <a:latin typeface="+mn-lt"/>
+                  <a:ea typeface="+mn-ea"/>
+                  <a:cs typeface="+mn-cs"/>
+                </a:defRPr>
+              </a:pPr>
+              <a:endParaRPr lang="ru-RU"/>
+            </a:p>
+          </c:txPr>
+        </c:title>
+        <c:numFmt formatCode="General" sourceLinked="1"/>
+        <c:majorTickMark val="none"/>
+        <c:minorTickMark val="none"/>
+        <c:tickLblPos val="nextTo"/>
+        <c:spPr>
+          <a:noFill/>
+          <a:ln w="9525" cap="flat" cmpd="sng" algn="ctr">
+            <a:solidFill>
+              <a:schemeClr val="tx1">
+                <a:lumMod val="15000"/>
+                <a:lumOff val="85000"/>
+              </a:schemeClr>
+            </a:solidFill>
+            <a:round/>
+          </a:ln>
+          <a:effectLst/>
+        </c:spPr>
+        <c:txPr>
+          <a:bodyPr rot="-60000000" spcFirstLastPara="1" vertOverflow="ellipsis" vert="horz" wrap="square" anchor="ctr" anchorCtr="1"/>
+          <a:lstStyle/>
+          <a:p>
+            <a:pPr>
+              <a:defRPr sz="1197" b="0" i="0" u="none" strike="noStrike" kern="1200" baseline="0">
+                <a:solidFill>
+                  <a:schemeClr val="tx1">
+                    <a:lumMod val="65000"/>
+                    <a:lumOff val="35000"/>
+                  </a:schemeClr>
+                </a:solidFill>
+                <a:latin typeface="+mn-lt"/>
+                <a:ea typeface="+mn-ea"/>
+                <a:cs typeface="+mn-cs"/>
+              </a:defRPr>
+            </a:pPr>
+            <a:endParaRPr lang="ru-RU"/>
+          </a:p>
+        </c:txPr>
+        <c:crossAx val="1011076592"/>
+        <c:crosses val="autoZero"/>
+        <c:auto val="1"/>
+        <c:lblAlgn val="ctr"/>
+        <c:lblOffset val="100"/>
+        <c:noMultiLvlLbl val="0"/>
+      </c:catAx>
+      <c:valAx>
+        <c:axId val="1011076592"/>
+        <c:scaling>
+          <c:orientation val="minMax"/>
+        </c:scaling>
+        <c:delete val="0"/>
+        <c:axPos val="l"/>
+        <c:majorGridlines>
+          <c:spPr>
+            <a:ln w="9525" cap="flat" cmpd="sng" algn="ctr">
+              <a:solidFill>
+                <a:schemeClr val="tx1">
+                  <a:lumMod val="15000"/>
+                  <a:lumOff val="85000"/>
+                </a:schemeClr>
+              </a:solidFill>
+              <a:round/>
+            </a:ln>
+            <a:effectLst/>
+          </c:spPr>
+        </c:majorGridlines>
+        <c:title>
+          <c:tx>
+            <c:rich>
+              <a:bodyPr rot="-5400000" spcFirstLastPara="1" vertOverflow="ellipsis" vert="horz" wrap="square" anchor="ctr" anchorCtr="1"/>
+              <a:lstStyle/>
+              <a:p>
+                <a:pPr>
+                  <a:defRPr sz="1330" b="0" i="0" u="none" strike="noStrike" kern="1200" baseline="0">
+                    <a:solidFill>
+                      <a:schemeClr val="tx1">
+                        <a:lumMod val="65000"/>
+                        <a:lumOff val="35000"/>
+                      </a:schemeClr>
+                    </a:solidFill>
+                    <a:latin typeface="+mn-lt"/>
+                    <a:ea typeface="+mn-ea"/>
+                    <a:cs typeface="+mn-cs"/>
+                  </a:defRPr>
+                </a:pPr>
+                <a:r>
+                  <a:rPr lang="ru-RU" dirty="0"/>
+                  <a:t>Количество статей</a:t>
+                </a:r>
+              </a:p>
+            </c:rich>
+          </c:tx>
+          <c:layout>
+            <c:manualLayout>
+              <c:xMode val="edge"/>
+              <c:yMode val="edge"/>
+              <c:x val="2.6101500984251968E-2"/>
+              <c:y val="0.37480306503426025"/>
+            </c:manualLayout>
+          </c:layout>
+          <c:overlay val="0"/>
+          <c:spPr>
+            <a:noFill/>
+            <a:ln>
+              <a:noFill/>
+            </a:ln>
+            <a:effectLst/>
+          </c:spPr>
+          <c:txPr>
+            <a:bodyPr rot="-5400000" spcFirstLastPara="1" vertOverflow="ellipsis" vert="horz" wrap="square" anchor="ctr" anchorCtr="1"/>
+            <a:lstStyle/>
+            <a:p>
+              <a:pPr>
+                <a:defRPr sz="1330" b="0" i="0" u="none" strike="noStrike" kern="1200" baseline="0">
+                  <a:solidFill>
+                    <a:schemeClr val="tx1">
+                      <a:lumMod val="65000"/>
+                      <a:lumOff val="35000"/>
+                    </a:schemeClr>
+                  </a:solidFill>
+                  <a:latin typeface="+mn-lt"/>
+                  <a:ea typeface="+mn-ea"/>
+                  <a:cs typeface="+mn-cs"/>
+                </a:defRPr>
+              </a:pPr>
+              <a:endParaRPr lang="ru-RU"/>
+            </a:p>
+          </c:txPr>
+        </c:title>
+        <c:numFmt formatCode="General" sourceLinked="1"/>
+        <c:majorTickMark val="none"/>
+        <c:minorTickMark val="none"/>
+        <c:tickLblPos val="nextTo"/>
+        <c:spPr>
+          <a:noFill/>
+          <a:ln>
+            <a:noFill/>
+          </a:ln>
+          <a:effectLst/>
+        </c:spPr>
+        <c:txPr>
+          <a:bodyPr rot="-60000000" spcFirstLastPara="1" vertOverflow="ellipsis" vert="horz" wrap="square" anchor="ctr" anchorCtr="1"/>
+          <a:lstStyle/>
+          <a:p>
+            <a:pPr>
+              <a:defRPr sz="1197" b="0" i="0" u="none" strike="noStrike" kern="1200" baseline="0">
+                <a:solidFill>
+                  <a:schemeClr val="tx1">
+                    <a:lumMod val="65000"/>
+                    <a:lumOff val="35000"/>
+                  </a:schemeClr>
+                </a:solidFill>
+                <a:latin typeface="+mn-lt"/>
+                <a:ea typeface="+mn-ea"/>
+                <a:cs typeface="+mn-cs"/>
+              </a:defRPr>
+            </a:pPr>
+            <a:endParaRPr lang="ru-RU"/>
+          </a:p>
+        </c:txPr>
+        <c:crossAx val="1011078672"/>
+        <c:crosses val="autoZero"/>
+        <c:crossBetween val="between"/>
+      </c:valAx>
+      <c:spPr>
+        <a:noFill/>
+        <a:ln>
+          <a:noFill/>
+        </a:ln>
+        <a:effectLst/>
+      </c:spPr>
+    </c:plotArea>
+    <c:legend>
+      <c:legendPos val="b"/>
+      <c:overlay val="0"/>
+      <c:spPr>
+        <a:noFill/>
+        <a:ln>
+          <a:noFill/>
+        </a:ln>
+        <a:effectLst/>
+      </c:spPr>
+      <c:txPr>
+        <a:bodyPr rot="0" spcFirstLastPara="1" vertOverflow="ellipsis" vert="horz" wrap="square" anchor="ctr" anchorCtr="1"/>
+        <a:lstStyle/>
+        <a:p>
+          <a:pPr>
+            <a:defRPr sz="1197" b="0" i="0" u="none" strike="noStrike" kern="1200" baseline="0">
+              <a:solidFill>
+                <a:schemeClr val="tx1">
+                  <a:lumMod val="65000"/>
+                  <a:lumOff val="35000"/>
+                </a:schemeClr>
+              </a:solidFill>
+              <a:latin typeface="+mn-lt"/>
+              <a:ea typeface="+mn-ea"/>
+              <a:cs typeface="+mn-cs"/>
+            </a:defRPr>
+          </a:pPr>
+          <a:endParaRPr lang="ru-RU"/>
+        </a:p>
+      </c:txPr>
+    </c:legend>
+    <c:plotVisOnly val="1"/>
+    <c:dispBlanksAs val="gap"/>
+    <c:extLst>
+      <c:ext xmlns:c16r3="http://schemas.microsoft.com/office/drawing/2017/03/chart" uri="{56B9EC1D-385E-4148-901F-78D8002777C0}">
+        <c16r3:dataDisplayOptions16>
+          <c16r3:dispNaAsBlank val="1"/>
+        </c16r3:dataDisplayOptions16>
+      </c:ext>
+    </c:extLst>
+    <c:showDLblsOverMax val="0"/>
+  </c:chart>
+  <c:spPr>
+    <a:noFill/>
+    <a:ln>
+      <a:noFill/>
+    </a:ln>
+    <a:effectLst/>
+  </c:spPr>
+  <c:txPr>
+    <a:bodyPr/>
+    <a:lstStyle/>
+    <a:p>
+      <a:pPr>
+        <a:defRPr/>
+      </a:pPr>
+      <a:endParaRPr lang="ru-RU"/>
+    </a:p>
+  </c:txPr>
+  <c:externalData r:id="rId3">
+    <c:autoUpdate val="0"/>
+  </c:externalData>
+</c:chartSpace>
+</file>
+
+<file path=ppt/charts/colors1.xml><?xml version="1.0" encoding="utf-8"?>
+<cs:colorStyle xmlns:cs="http://schemas.microsoft.com/office/drawing/2012/chartStyle" xmlns:a="http://schemas.openxmlformats.org/drawingml/2006/main" meth="cycle" id="10">
+  <a:schemeClr val="accent1"/>
+  <a:schemeClr val="accent2"/>
+  <a:schemeClr val="accent3"/>
+  <a:schemeClr val="accent4"/>
+  <a:schemeClr val="accent5"/>
+  <a:schemeClr val="accent6"/>
+  <cs:variation/>
+  <cs:variation>
+    <a:lumMod val="60000"/>
+  </cs:variation>
+  <cs:variation>
+    <a:lumMod val="80000"/>
+    <a:lumOff val="20000"/>
+  </cs:variation>
+  <cs:variation>
+    <a:lumMod val="80000"/>
+  </cs:variation>
+  <cs:variation>
+    <a:lumMod val="60000"/>
+    <a:lumOff val="40000"/>
+  </cs:variation>
+  <cs:variation>
+    <a:lumMod val="50000"/>
+  </cs:variation>
+  <cs:variation>
+    <a:lumMod val="70000"/>
+    <a:lumOff val="30000"/>
+  </cs:variation>
+  <cs:variation>
+    <a:lumMod val="70000"/>
+  </cs:variation>
+  <cs:variation>
+    <a:lumMod val="50000"/>
+    <a:lumOff val="50000"/>
+  </cs:variation>
+</cs:colorStyle>
+</file>
+
+<file path=ppt/charts/style1.xml><?xml version="1.0" encoding="utf-8"?>
+<cs:chartStyle xmlns:cs="http://schemas.microsoft.com/office/drawing/2012/chartStyle" xmlns:a="http://schemas.openxmlformats.org/drawingml/2006/main" id="227">
+  <cs:axisTitle>
+    <cs:lnRef idx="0"/>
+    <cs:fillRef idx="0"/>
+    <cs:effectRef idx="0"/>
+    <cs:fontRef idx="minor">
+      <a:schemeClr val="tx1">
+        <a:lumMod val="65000"/>
+        <a:lumOff val="35000"/>
+      </a:schemeClr>
+    </cs:fontRef>
+    <cs:defRPr sz="1330" kern="1200"/>
+  </cs:axisTitle>
+  <cs:categoryAxis>
+    <cs:lnRef idx="0"/>
+    <cs:fillRef idx="0"/>
+    <cs:effectRef idx="0"/>
+    <cs:fontRef idx="minor">
+      <a:schemeClr val="tx1">
+        <a:lumMod val="65000"/>
+        <a:lumOff val="35000"/>
+      </a:schemeClr>
+    </cs:fontRef>
+    <cs:spPr>
+      <a:ln w="9525" cap="flat" cmpd="sng" algn="ctr">
+        <a:solidFill>
+          <a:schemeClr val="tx1">
+            <a:lumMod val="15000"/>
+            <a:lumOff val="85000"/>
+          </a:schemeClr>
+        </a:solidFill>
+        <a:round/>
+      </a:ln>
+    </cs:spPr>
+    <cs:defRPr sz="1197" kern="1200"/>
+  </cs:categoryAxis>
+  <cs:chartArea mods="allowNoFillOverride allowNoLineOverride">
+    <cs:lnRef idx="0"/>
+    <cs:fillRef idx="0"/>
+    <cs:effectRef idx="0"/>
+    <cs:fontRef idx="minor">
+      <a:schemeClr val="tx1"/>
+    </cs:fontRef>
+    <cs:spPr>
+      <a:solidFill>
+        <a:schemeClr val="bg1"/>
+      </a:solidFill>
+      <a:ln w="9525" cap="flat" cmpd="sng" algn="ctr">
+        <a:solidFill>
+          <a:schemeClr val="tx1">
+            <a:lumMod val="15000"/>
+            <a:lumOff val="85000"/>
+          </a:schemeClr>
+        </a:solidFill>
+        <a:round/>
+      </a:ln>
+    </cs:spPr>
+    <cs:defRPr sz="1330" kern="1200"/>
+  </cs:chartArea>
+  <cs:dataLabel>
+    <cs:lnRef idx="0"/>
+    <cs:fillRef idx="0"/>
+    <cs:effectRef idx="0"/>
+    <cs:fontRef idx="minor">
+      <a:schemeClr val="tx1">
+        <a:lumMod val="75000"/>
+        <a:lumOff val="25000"/>
+      </a:schemeClr>
+    </cs:fontRef>
+    <cs:defRPr sz="1197" kern="1200"/>
+  </cs:dataLabel>
+  <cs:dataLabelCallout>
+    <cs:lnRef idx="0"/>
+    <cs:fillRef idx="0"/>
+    <cs:effectRef idx="0"/>
+    <cs:fontRef idx="minor">
+      <a:schemeClr val="dk1">
+        <a:lumMod val="65000"/>
+        <a:lumOff val="35000"/>
+      </a:schemeClr>
+    </cs:fontRef>
+    <cs:spPr>
+      <a:solidFill>
+        <a:schemeClr val="lt1"/>
+      </a:solidFill>
+      <a:ln>
+        <a:solidFill>
+          <a:schemeClr val="dk1">
+            <a:lumMod val="25000"/>
+            <a:lumOff val="75000"/>
+          </a:schemeClr>
+        </a:solidFill>
+      </a:ln>
+    </cs:spPr>
+    <cs:defRPr sz="1197" kern="1200"/>
+    <cs:bodyPr rot="0" spcFirstLastPara="1" vertOverflow="clip" horzOverflow="clip" vert="horz" wrap="square" lIns="36576" tIns="18288" rIns="36576" bIns="18288" anchor="ctr" anchorCtr="1">
+      <a:spAutoFit/>
+    </cs:bodyPr>
+  </cs:dataLabelCallout>
+  <cs:dataPoint>
+    <cs:lnRef idx="0"/>
+    <cs:fillRef idx="1">
+      <cs:styleClr val="auto"/>
+    </cs:fillRef>
+    <cs:effectRef idx="0"/>
+    <cs:fontRef idx="minor">
+      <a:schemeClr val="tx1"/>
+    </cs:fontRef>
+    <cs:spPr>
+      <a:solidFill>
+        <a:schemeClr val="phClr"/>
+      </a:solidFill>
+    </cs:spPr>
+  </cs:dataPoint>
+  <cs:dataPoint3D>
+    <cs:lnRef idx="0"/>
+    <cs:fillRef idx="1">
+      <cs:styleClr val="auto"/>
+    </cs:fillRef>
+    <cs:effectRef idx="0"/>
+    <cs:fontRef idx="minor">
+      <a:schemeClr val="tx1"/>
+    </cs:fontRef>
+    <cs:spPr>
+      <a:solidFill>
+        <a:schemeClr val="phClr"/>
+      </a:solidFill>
+    </cs:spPr>
+  </cs:dataPoint3D>
+  <cs:dataPointLine>
+    <cs:lnRef idx="0">
+      <cs:styleClr val="auto"/>
+    </cs:lnRef>
+    <cs:fillRef idx="1"/>
+    <cs:effectRef idx="0"/>
+    <cs:fontRef idx="minor">
+      <a:schemeClr val="tx1"/>
+    </cs:fontRef>
+    <cs:spPr>
+      <a:ln w="28575" cap="rnd">
+        <a:solidFill>
+          <a:schemeClr val="phClr"/>
+        </a:solidFill>
+        <a:round/>
+      </a:ln>
+    </cs:spPr>
+  </cs:dataPointLine>
+  <cs:dataPointMarker>
+    <cs:lnRef idx="0">
+      <cs:styleClr val="auto"/>
+    </cs:lnRef>
+    <cs:fillRef idx="1">
+      <cs:styleClr val="auto"/>
+    </cs:fillRef>
+    <cs:effectRef idx="0"/>
+    <cs:fontRef idx="minor">
+      <a:schemeClr val="tx1"/>
+    </cs:fontRef>
+    <cs:spPr>
+      <a:solidFill>
+        <a:schemeClr val="phClr"/>
+      </a:solidFill>
+      <a:ln w="9525">
+        <a:solidFill>
+          <a:schemeClr val="phClr"/>
+        </a:solidFill>
+      </a:ln>
+    </cs:spPr>
+  </cs:dataPointMarker>
+  <cs:dataPointMarkerLayout symbol="circle" size="5"/>
+  <cs:dataPointWireframe>
+    <cs:lnRef idx="0">
+      <cs:styleClr val="auto"/>
+    </cs:lnRef>
+    <cs:fillRef idx="1"/>
+    <cs:effectRef idx="0"/>
+    <cs:fontRef idx="minor">
+      <a:schemeClr val="tx1"/>
+    </cs:fontRef>
+    <cs:spPr>
+      <a:ln w="9525" cap="rnd">
+        <a:solidFill>
+          <a:schemeClr val="phClr"/>
+        </a:solidFill>
+        <a:round/>
+      </a:ln>
+    </cs:spPr>
+  </cs:dataPointWireframe>
+  <cs:dataTable>
+    <cs:lnRef idx="0"/>
+    <cs:fillRef idx="0"/>
+    <cs:effectRef idx="0"/>
+    <cs:fontRef idx="minor">
+      <a:schemeClr val="tx1">
+        <a:lumMod val="65000"/>
+        <a:lumOff val="35000"/>
+      </a:schemeClr>
+    </cs:fontRef>
+    <cs:spPr>
+      <a:noFill/>
+      <a:ln w="9525" cap="flat" cmpd="sng" algn="ctr">
+        <a:solidFill>
+          <a:schemeClr val="tx1">
+            <a:lumMod val="15000"/>
+            <a:lumOff val="85000"/>
+          </a:schemeClr>
+        </a:solidFill>
+        <a:round/>
+      </a:ln>
+    </cs:spPr>
+    <cs:defRPr sz="1197" kern="1200"/>
+  </cs:dataTable>
+  <cs:downBar>
+    <cs:lnRef idx="0"/>
+    <cs:fillRef idx="0"/>
+    <cs:effectRef idx="0"/>
+    <cs:fontRef idx="minor">
+      <a:schemeClr val="dk1"/>
+    </cs:fontRef>
+    <cs:spPr>
+      <a:solidFill>
+        <a:schemeClr val="dk1">
+          <a:lumMod val="65000"/>
+          <a:lumOff val="35000"/>
+        </a:schemeClr>
+      </a:solidFill>
+      <a:ln w="9525">
+        <a:solidFill>
+          <a:schemeClr val="tx1">
+            <a:lumMod val="65000"/>
+            <a:lumOff val="35000"/>
+          </a:schemeClr>
+        </a:solidFill>
+      </a:ln>
+    </cs:spPr>
+  </cs:downBar>
+  <cs:dropLine>
+    <cs:lnRef idx="0"/>
+    <cs:fillRef idx="0"/>
+    <cs:effectRef idx="0"/>
+    <cs:fontRef idx="minor">
+      <a:schemeClr val="tx1"/>
+    </cs:fontRef>
+    <cs:spPr>
+      <a:ln w="9525" cap="flat" cmpd="sng" algn="ctr">
+        <a:solidFill>
+          <a:schemeClr val="tx1">
+            <a:lumMod val="35000"/>
+            <a:lumOff val="65000"/>
+          </a:schemeClr>
+        </a:solidFill>
+        <a:round/>
+      </a:ln>
+    </cs:spPr>
+  </cs:dropLine>
+  <cs:errorBar>
+    <cs:lnRef idx="0"/>
+    <cs:fillRef idx="0"/>
+    <cs:effectRef idx="0"/>
+    <cs:fontRef idx="minor">
+      <a:schemeClr val="tx1"/>
+    </cs:fontRef>
+    <cs:spPr>
+      <a:ln w="9525" cap="flat" cmpd="sng" algn="ctr">
+        <a:solidFill>
+          <a:schemeClr val="tx1">
+            <a:lumMod val="65000"/>
+            <a:lumOff val="35000"/>
+          </a:schemeClr>
+        </a:solidFill>
+        <a:round/>
+      </a:ln>
+    </cs:spPr>
+  </cs:errorBar>
+  <cs:floor>
+    <cs:lnRef idx="0"/>
+    <cs:fillRef idx="0"/>
+    <cs:effectRef idx="0"/>
+    <cs:fontRef idx="minor">
+      <a:schemeClr val="tx1"/>
+    </cs:fontRef>
+    <cs:spPr>
+      <a:noFill/>
+      <a:ln>
+        <a:noFill/>
+      </a:ln>
+    </cs:spPr>
+  </cs:floor>
+  <cs:gridlineMajor>
+    <cs:lnRef idx="0"/>
+    <cs:fillRef idx="0"/>
+    <cs:effectRef idx="0"/>
+    <cs:fontRef idx="minor">
+      <a:schemeClr val="tx1"/>
+    </cs:fontRef>
+    <cs:spPr>
+      <a:ln w="9525" cap="flat" cmpd="sng" algn="ctr">
+        <a:solidFill>
+          <a:schemeClr val="tx1">
+            <a:lumMod val="15000"/>
+            <a:lumOff val="85000"/>
+          </a:schemeClr>
+        </a:solidFill>
+        <a:round/>
+      </a:ln>
+    </cs:spPr>
+  </cs:gridlineMajor>
+  <cs:gridlineMinor>
+    <cs:lnRef idx="0"/>
+    <cs:fillRef idx="0"/>
+    <cs:effectRef idx="0"/>
+    <cs:fontRef idx="minor">
+      <a:schemeClr val="tx1"/>
+    </cs:fontRef>
+    <cs:spPr>
+      <a:ln w="9525" cap="flat" cmpd="sng" algn="ctr">
+        <a:solidFill>
+          <a:schemeClr val="tx1">
+            <a:lumMod val="5000"/>
+            <a:lumOff val="95000"/>
+          </a:schemeClr>
+        </a:solidFill>
+        <a:round/>
+      </a:ln>
+    </cs:spPr>
+  </cs:gridlineMinor>
+  <cs:hiLoLine>
+    <cs:lnRef idx="0"/>
+    <cs:fillRef idx="0"/>
+    <cs:effectRef idx="0"/>
+    <cs:fontRef idx="minor">
+      <a:schemeClr val="tx1"/>
+    </cs:fontRef>
+    <cs:spPr>
+      <a:ln w="9525" cap="flat" cmpd="sng" algn="ctr">
+        <a:solidFill>
+          <a:schemeClr val="tx1">
+            <a:lumMod val="75000"/>
+            <a:lumOff val="25000"/>
+          </a:schemeClr>
+        </a:solidFill>
+        <a:round/>
+      </a:ln>
+    </cs:spPr>
+  </cs:hiLoLine>
+  <cs:leaderLine>
+    <cs:lnRef idx="0"/>
+    <cs:fillRef idx="0"/>
+    <cs:effectRef idx="0"/>
+    <cs:fontRef idx="minor">
+      <a:schemeClr val="tx1"/>
+    </cs:fontRef>
+    <cs:spPr>
+      <a:ln w="9525" cap="flat" cmpd="sng" algn="ctr">
+        <a:solidFill>
+          <a:schemeClr val="tx1">
+            <a:lumMod val="35000"/>
+            <a:lumOff val="65000"/>
+          </a:schemeClr>
+        </a:solidFill>
+        <a:round/>
+      </a:ln>
+    </cs:spPr>
+  </cs:leaderLine>
+  <cs:legend>
+    <cs:lnRef idx="0"/>
+    <cs:fillRef idx="0"/>
+    <cs:effectRef idx="0"/>
+    <cs:fontRef idx="minor">
+      <a:schemeClr val="tx1">
+        <a:lumMod val="65000"/>
+        <a:lumOff val="35000"/>
+      </a:schemeClr>
+    </cs:fontRef>
+    <cs:defRPr sz="1197" kern="1200"/>
+  </cs:legend>
+  <cs:plotArea mods="allowNoFillOverride allowNoLineOverride">
+    <cs:lnRef idx="0"/>
+    <cs:fillRef idx="0"/>
+    <cs:effectRef idx="0"/>
+    <cs:fontRef idx="minor">
+      <a:schemeClr val="tx1"/>
+    </cs:fontRef>
+  </cs:plotArea>
+  <cs:plotArea3D mods="allowNoFillOverride allowNoLineOverride">
+    <cs:lnRef idx="0"/>
+    <cs:fillRef idx="0"/>
+    <cs:effectRef idx="0"/>
+    <cs:fontRef idx="minor">
+      <a:schemeClr val="tx1"/>
+    </cs:fontRef>
+  </cs:plotArea3D>
+  <cs:seriesAxis>
+    <cs:lnRef idx="0"/>
+    <cs:fillRef idx="0"/>
+    <cs:effectRef idx="0"/>
+    <cs:fontRef idx="minor">
+      <a:schemeClr val="tx1">
+        <a:lumMod val="65000"/>
+        <a:lumOff val="35000"/>
+      </a:schemeClr>
+    </cs:fontRef>
+    <cs:defRPr sz="1197" kern="1200"/>
+  </cs:seriesAxis>
+  <cs:seriesLine>
+    <cs:lnRef idx="0"/>
+    <cs:fillRef idx="0"/>
+    <cs:effectRef idx="0"/>
+    <cs:fontRef idx="minor">
+      <a:schemeClr val="tx1"/>
+    </cs:fontRef>
+    <cs:spPr>
+      <a:ln w="9525" cap="flat" cmpd="sng" algn="ctr">
+        <a:solidFill>
+          <a:schemeClr val="tx1">
+            <a:lumMod val="35000"/>
+            <a:lumOff val="65000"/>
+          </a:schemeClr>
+        </a:solidFill>
+        <a:round/>
+      </a:ln>
+    </cs:spPr>
+  </cs:seriesLine>
+  <cs:title>
+    <cs:lnRef idx="0"/>
+    <cs:fillRef idx="0"/>
+    <cs:effectRef idx="0"/>
+    <cs:fontRef idx="minor">
+      <a:schemeClr val="tx1">
+        <a:lumMod val="65000"/>
+        <a:lumOff val="35000"/>
+      </a:schemeClr>
+    </cs:fontRef>
+    <cs:defRPr sz="1862" b="0" kern="1200" spc="0" baseline="0"/>
+  </cs:title>
+  <cs:trendline>
+    <cs:lnRef idx="0">
+      <cs:styleClr val="auto"/>
+    </cs:lnRef>
+    <cs:fillRef idx="0"/>
+    <cs:effectRef idx="0"/>
+    <cs:fontRef idx="minor">
+      <a:schemeClr val="tx1"/>
+    </cs:fontRef>
+    <cs:spPr>
+      <a:ln w="19050" cap="rnd">
+        <a:solidFill>
+          <a:schemeClr val="phClr"/>
+        </a:solidFill>
+        <a:prstDash val="sysDot"/>
+      </a:ln>
+    </cs:spPr>
+  </cs:trendline>
+  <cs:trendlineLabel>
+    <cs:lnRef idx="0"/>
+    <cs:fillRef idx="0"/>
+    <cs:effectRef idx="0"/>
+    <cs:fontRef idx="minor">
+      <a:schemeClr val="tx1">
+        <a:lumMod val="65000"/>
+        <a:lumOff val="35000"/>
+      </a:schemeClr>
+    </cs:fontRef>
+    <cs:defRPr sz="1197" kern="1200"/>
+  </cs:trendlineLabel>
+  <cs:upBar>
+    <cs:lnRef idx="0"/>
+    <cs:fillRef idx="0"/>
+    <cs:effectRef idx="0"/>
+    <cs:fontRef idx="minor">
+      <a:schemeClr val="dk1"/>
+    </cs:fontRef>
+    <cs:spPr>
+      <a:solidFill>
+        <a:schemeClr val="lt1"/>
+      </a:solidFill>
+      <a:ln w="9525">
+        <a:solidFill>
+          <a:schemeClr val="tx1">
+            <a:lumMod val="15000"/>
+            <a:lumOff val="85000"/>
+          </a:schemeClr>
+        </a:solidFill>
+      </a:ln>
+    </cs:spPr>
+  </cs:upBar>
+  <cs:valueAxis>
+    <cs:lnRef idx="0"/>
+    <cs:fillRef idx="0"/>
+    <cs:effectRef idx="0"/>
+    <cs:fontRef idx="minor">
+      <a:schemeClr val="tx1">
+        <a:lumMod val="65000"/>
+        <a:lumOff val="35000"/>
+      </a:schemeClr>
+    </cs:fontRef>
+    <cs:defRPr sz="1197" kern="1200"/>
+  </cs:valueAxis>
+  <cs:wall>
+    <cs:lnRef idx="0"/>
+    <cs:fillRef idx="0"/>
+    <cs:effectRef idx="0"/>
+    <cs:fontRef idx="minor">
+      <a:schemeClr val="tx1"/>
+    </cs:fontRef>
+    <cs:spPr>
+      <a:noFill/>
+      <a:ln>
+        <a:noFill/>
+      </a:ln>
+    </cs:spPr>
+  </cs:wall>
+</cs:chartStyle>
+</file>
+
 <file path=ppt/notesMasters/notesMaster1.xml><?xml version="1.0" encoding="utf-8"?>
 <p:notesMaster xmlns:a="http://schemas.openxmlformats.org/drawingml/2006/main" xmlns:r="http://schemas.openxmlformats.org/officeDocument/2006/relationships" xmlns:p="http://schemas.openxmlformats.org/presentationml/2006/main">
   <p:cSld>
@@ -238,7 +1726,7 @@
           <a:p>
             <a:fld id="{BFF50CBD-59DF-4965-82D4-97E7AA9063A7}" type="datetimeFigureOut">
               <a:rPr lang="ru-RU" smtClean="0"/>
-              <a:t>вс 05.06.22</a:t>
+              <a:t>пн 06.06.22</a:t>
             </a:fld>
             <a:endParaRPr lang="ru-RU"/>
           </a:p>
@@ -650,9 +2138,9 @@
           <a:bodyPr/>
           <a:lstStyle/>
           <a:p>
-            <a:fld id="{3E0791DB-58A5-4090-9CF7-EA9E03E3015F}" type="datetime1">
+            <a:fld id="{86406447-33D9-43BA-8812-963B289AAA69}" type="datetime1">
               <a:rPr lang="ru-RU" smtClean="0"/>
-              <a:t>вс 05.06.22</a:t>
+              <a:t>пн 06.06.22</a:t>
             </a:fld>
             <a:endParaRPr lang="ru-RU"/>
           </a:p>
@@ -848,9 +2336,9 @@
           <a:bodyPr/>
           <a:lstStyle/>
           <a:p>
-            <a:fld id="{571E96F9-C5ED-4839-AE63-6DD1DB814A45}" type="datetime1">
+            <a:fld id="{1CC39781-452D-4914-A31C-489C3FEC9FCD}" type="datetime1">
               <a:rPr lang="ru-RU" smtClean="0"/>
-              <a:t>вс 05.06.22</a:t>
+              <a:t>пн 06.06.22</a:t>
             </a:fld>
             <a:endParaRPr lang="ru-RU"/>
           </a:p>
@@ -1056,9 +2544,9 @@
           <a:bodyPr/>
           <a:lstStyle/>
           <a:p>
-            <a:fld id="{308B1B71-981E-4FE9-84DC-A2415D4CAD14}" type="datetime1">
+            <a:fld id="{5178D802-1927-46A4-9EC0-496A4DA6296E}" type="datetime1">
               <a:rPr lang="ru-RU" smtClean="0"/>
-              <a:t>вс 05.06.22</a:t>
+              <a:t>пн 06.06.22</a:t>
             </a:fld>
             <a:endParaRPr lang="ru-RU"/>
           </a:p>
@@ -1254,9 +2742,9 @@
           <a:bodyPr/>
           <a:lstStyle/>
           <a:p>
-            <a:fld id="{7EB85753-1063-4B28-84C1-E460FEE6A540}" type="datetime1">
+            <a:fld id="{B8ADBCC3-4E69-4B9A-A33A-AD485C4C484D}" type="datetime1">
               <a:rPr lang="ru-RU" smtClean="0"/>
-              <a:t>вс 05.06.22</a:t>
+              <a:t>пн 06.06.22</a:t>
             </a:fld>
             <a:endParaRPr lang="ru-RU"/>
           </a:p>
@@ -1303,16 +2791,28 @@
             <p:ph type="sldNum" sz="quarter" idx="12"/>
           </p:nvPr>
         </p:nvSpPr>
-        <p:spPr/>
+        <p:spPr>
+          <a:xfrm>
+            <a:off x="9317181" y="6360391"/>
+            <a:ext cx="2743200" cy="365125"/>
+          </a:xfrm>
+        </p:spPr>
         <p:txBody>
           <a:bodyPr/>
-          <a:lstStyle/>
+          <a:lstStyle>
+            <a:lvl1pPr>
+              <a:defRPr sz="2400">
+                <a:latin typeface="+mj-lt"/>
+              </a:defRPr>
+            </a:lvl1pPr>
+          </a:lstStyle>
           <a:p>
             <a:fld id="{EB2452EA-49EB-437E-AEAF-228AB19C4ED2}" type="slidenum">
               <a:rPr lang="ru-RU" smtClean="0"/>
+              <a:pPr/>
               <a:t>‹#›</a:t>
             </a:fld>
-            <a:endParaRPr lang="ru-RU"/>
+            <a:endParaRPr lang="ru-RU" dirty="0"/>
           </a:p>
         </p:txBody>
       </p:sp>
@@ -1529,9 +3029,9 @@
           <a:bodyPr/>
           <a:lstStyle/>
           <a:p>
-            <a:fld id="{FFBA96B2-7C35-4E34-8CEC-C66BBA3094DE}" type="datetime1">
+            <a:fld id="{AA5D85FB-F35F-401B-8E5F-E8265F4A1FF6}" type="datetime1">
               <a:rPr lang="ru-RU" smtClean="0"/>
-              <a:t>вс 05.06.22</a:t>
+              <a:t>пн 06.06.22</a:t>
             </a:fld>
             <a:endParaRPr lang="ru-RU"/>
           </a:p>
@@ -1794,9 +3294,9 @@
           <a:bodyPr/>
           <a:lstStyle/>
           <a:p>
-            <a:fld id="{A1F247BC-C6A3-4A16-B529-183190D9233C}" type="datetime1">
+            <a:fld id="{9B9B4315-D048-43CA-9237-0FBF06AEAF52}" type="datetime1">
               <a:rPr lang="ru-RU" smtClean="0"/>
-              <a:t>вс 05.06.22</a:t>
+              <a:t>пн 06.06.22</a:t>
             </a:fld>
             <a:endParaRPr lang="ru-RU"/>
           </a:p>
@@ -2206,9 +3706,9 @@
           <a:bodyPr/>
           <a:lstStyle/>
           <a:p>
-            <a:fld id="{368C37A2-6E6A-41D6-B4D9-5F4C8E0F2524}" type="datetime1">
+            <a:fld id="{A50C7B90-59B3-4FC1-9EAD-10F91E759C8B}" type="datetime1">
               <a:rPr lang="ru-RU" smtClean="0"/>
-              <a:t>вс 05.06.22</a:t>
+              <a:t>пн 06.06.22</a:t>
             </a:fld>
             <a:endParaRPr lang="ru-RU"/>
           </a:p>
@@ -2347,9 +3847,9 @@
           <a:bodyPr/>
           <a:lstStyle/>
           <a:p>
-            <a:fld id="{9D2B5484-B19E-45DA-92ED-2A77837E127D}" type="datetime1">
+            <a:fld id="{A7B895AD-B604-40CB-88FD-ABBB0A12245A}" type="datetime1">
               <a:rPr lang="ru-RU" smtClean="0"/>
-              <a:t>вс 05.06.22</a:t>
+              <a:t>пн 06.06.22</a:t>
             </a:fld>
             <a:endParaRPr lang="ru-RU"/>
           </a:p>
@@ -2460,9 +3960,9 @@
           <a:bodyPr/>
           <a:lstStyle/>
           <a:p>
-            <a:fld id="{BE663084-1FCD-4FB8-BD5D-89578943CAF6}" type="datetime1">
+            <a:fld id="{B92221C0-6B30-44D2-89C2-EBDF09C0970E}" type="datetime1">
               <a:rPr lang="ru-RU" smtClean="0"/>
-              <a:t>вс 05.06.22</a:t>
+              <a:t>пн 06.06.22</a:t>
             </a:fld>
             <a:endParaRPr lang="ru-RU"/>
           </a:p>
@@ -2771,9 +4271,9 @@
           <a:bodyPr/>
           <a:lstStyle/>
           <a:p>
-            <a:fld id="{6732622D-64B1-41FE-A40F-8F2461367E83}" type="datetime1">
+            <a:fld id="{E76D26D4-E9DA-4D4E-A9A4-B33075BBE495}" type="datetime1">
               <a:rPr lang="ru-RU" smtClean="0"/>
-              <a:t>вс 05.06.22</a:t>
+              <a:t>пн 06.06.22</a:t>
             </a:fld>
             <a:endParaRPr lang="ru-RU"/>
           </a:p>
@@ -3059,9 +4559,9 @@
           <a:bodyPr/>
           <a:lstStyle/>
           <a:p>
-            <a:fld id="{C8E3769E-E4F5-48B3-A373-F3FCEDFBC903}" type="datetime1">
+            <a:fld id="{59347B70-D38F-4FE4-A6C3-17A29106FF9B}" type="datetime1">
               <a:rPr lang="ru-RU" smtClean="0"/>
-              <a:t>вс 05.06.22</a:t>
+              <a:t>пн 06.06.22</a:t>
             </a:fld>
             <a:endParaRPr lang="ru-RU"/>
           </a:p>
@@ -3300,9 +4800,9 @@
             </a:lvl1pPr>
           </a:lstStyle>
           <a:p>
-            <a:fld id="{7A47B8F5-48C8-47E4-B573-3E1A44302230}" type="datetime1">
+            <a:fld id="{D7617F29-2433-4530-BA59-C6D6F582F490}" type="datetime1">
               <a:rPr lang="ru-RU" smtClean="0"/>
-              <a:t>вс 05.06.22</a:t>
+              <a:t>пн 06.06.22</a:t>
             </a:fld>
             <a:endParaRPr lang="ru-RU"/>
           </a:p>
@@ -4218,7 +5718,7 @@
 </file>
 
 <file path=ppt/slides/slide10.xml><?xml version="1.0" encoding="utf-8"?>
-<p:sld xmlns:a="http://schemas.openxmlformats.org/drawingml/2006/main" xmlns:r="http://schemas.openxmlformats.org/officeDocument/2006/relationships" xmlns:p="http://schemas.openxmlformats.org/presentationml/2006/main" show="0">
+<p:sld xmlns:a="http://schemas.openxmlformats.org/drawingml/2006/main" xmlns:r="http://schemas.openxmlformats.org/officeDocument/2006/relationships" xmlns:p="http://schemas.openxmlformats.org/presentationml/2006/main">
   <p:cSld>
     <p:spTree>
       <p:nvGrpSpPr>
@@ -4239,7 +5739,7 @@
           <p:cNvPr id="2" name="Заголовок 1">
             <a:extLst>
               <a:ext uri="{FF2B5EF4-FFF2-40B4-BE49-F238E27FC236}">
-                <a16:creationId xmlns:a16="http://schemas.microsoft.com/office/drawing/2014/main" id="{97CB21AF-9156-3033-55BD-6B0D9FF7203E}"/>
+                <a16:creationId xmlns:a16="http://schemas.microsoft.com/office/drawing/2014/main" id="{18E61C09-41FB-EDEF-8772-01403898B058}"/>
               </a:ext>
             </a:extLst>
           </p:cNvPr>
@@ -4252,65 +5752,36 @@
         </p:nvSpPr>
         <p:spPr>
           <a:xfrm>
-            <a:off x="431799" y="136525"/>
-            <a:ext cx="10965329" cy="1325563"/>
+            <a:off x="650310" y="286512"/>
+            <a:ext cx="10515600" cy="887478"/>
           </a:xfrm>
         </p:spPr>
         <p:txBody>
-          <a:bodyPr>
-            <a:normAutofit/>
-          </a:bodyPr>
-          <a:lstStyle/>
-          <a:p>
-            <a:r>
-              <a:rPr lang="ru-RU" sz="3600" dirty="0"/>
-              <a:t>Предварительная обработка текста</a:t>
-            </a:r>
-          </a:p>
-        </p:txBody>
-      </p:sp>
-      <p:sp>
-        <p:nvSpPr>
-          <p:cNvPr id="4" name="Номер слайда 3">
-            <a:extLst>
-              <a:ext uri="{FF2B5EF4-FFF2-40B4-BE49-F238E27FC236}">
-                <a16:creationId xmlns:a16="http://schemas.microsoft.com/office/drawing/2014/main" id="{31B05029-E45D-2C85-12AA-63AD205035B8}"/>
-              </a:ext>
-            </a:extLst>
-          </p:cNvPr>
-          <p:cNvSpPr>
-            <a:spLocks noGrp="1"/>
-          </p:cNvSpPr>
-          <p:nvPr>
-            <p:ph type="sldNum" sz="quarter" idx="12"/>
-          </p:nvPr>
-        </p:nvSpPr>
-        <p:spPr/>
-        <p:txBody>
           <a:bodyPr/>
           <a:lstStyle/>
           <a:p>
-            <a:fld id="{EB2452EA-49EB-437E-AEAF-228AB19C4ED2}" type="slidenum">
-              <a:rPr lang="ru-RU" smtClean="0"/>
-              <a:t>10</a:t>
-            </a:fld>
-            <a:endParaRPr lang="ru-RU"/>
+            <a:r>
+              <a:rPr lang="ru-RU" dirty="0"/>
+              <a:t>Структура ПО</a:t>
+            </a:r>
           </a:p>
         </p:txBody>
       </p:sp>
       <p:pic>
         <p:nvPicPr>
-          <p:cNvPr id="8" name="Рисунок 7">
-            <a:extLst>
-              <a:ext uri="{FF2B5EF4-FFF2-40B4-BE49-F238E27FC236}">
-                <a16:creationId xmlns:a16="http://schemas.microsoft.com/office/drawing/2014/main" id="{0DFE3245-0752-F447-7520-A03F23B5729F}"/>
+          <p:cNvPr id="6" name="Объект 5">
+            <a:extLst>
+              <a:ext uri="{FF2B5EF4-FFF2-40B4-BE49-F238E27FC236}">
+                <a16:creationId xmlns:a16="http://schemas.microsoft.com/office/drawing/2014/main" id="{5E69109B-47CD-BBEA-259E-6CC514E30E12}"/>
               </a:ext>
             </a:extLst>
           </p:cNvPr>
           <p:cNvPicPr>
-            <a:picLocks noChangeAspect="1"/>
+            <a:picLocks noGrp="1" noChangeAspect="1"/>
           </p:cNvPicPr>
-          <p:nvPr/>
+          <p:nvPr>
+            <p:ph idx="1"/>
+          </p:nvPr>
         </p:nvPicPr>
         <p:blipFill>
           <a:blip r:embed="rId2">
@@ -4326,18 +5797,105 @@
         </p:blipFill>
         <p:spPr>
           <a:xfrm>
-            <a:off x="1327735" y="1088651"/>
-            <a:ext cx="9173456" cy="5632824"/>
+            <a:off x="650310" y="1491685"/>
+            <a:ext cx="7355074" cy="4546969"/>
+          </a:xfrm>
+        </p:spPr>
+      </p:pic>
+      <p:sp>
+        <p:nvSpPr>
+          <p:cNvPr id="3" name="Номер слайда 2">
+            <a:extLst>
+              <a:ext uri="{FF2B5EF4-FFF2-40B4-BE49-F238E27FC236}">
+                <a16:creationId xmlns:a16="http://schemas.microsoft.com/office/drawing/2014/main" id="{1AF9E109-AC00-A52F-F359-158934ADEA13}"/>
+              </a:ext>
+            </a:extLst>
+          </p:cNvPr>
+          <p:cNvSpPr>
+            <a:spLocks noGrp="1"/>
+          </p:cNvSpPr>
+          <p:nvPr>
+            <p:ph type="sldNum" sz="quarter" idx="12"/>
+          </p:nvPr>
+        </p:nvSpPr>
+        <p:spPr/>
+        <p:txBody>
+          <a:bodyPr/>
+          <a:lstStyle/>
+          <a:p>
+            <a:fld id="{EB2452EA-49EB-437E-AEAF-228AB19C4ED2}" type="slidenum">
+              <a:rPr lang="ru-RU" smtClean="0"/>
+              <a:t>10</a:t>
+            </a:fld>
+            <a:endParaRPr lang="ru-RU"/>
+          </a:p>
+        </p:txBody>
+      </p:sp>
+      <p:sp>
+        <p:nvSpPr>
+          <p:cNvPr id="4" name="TextBox 3">
+            <a:extLst>
+              <a:ext uri="{FF2B5EF4-FFF2-40B4-BE49-F238E27FC236}">
+                <a16:creationId xmlns:a16="http://schemas.microsoft.com/office/drawing/2014/main" id="{3D9F6196-D7B8-CE77-D9D7-36B43237D4DA}"/>
+              </a:ext>
+            </a:extLst>
+          </p:cNvPr>
+          <p:cNvSpPr txBox="1"/>
+          <p:nvPr/>
+        </p:nvSpPr>
+        <p:spPr>
+          <a:xfrm>
+            <a:off x="8281423" y="4407438"/>
+            <a:ext cx="3494762" cy="1631216"/>
           </a:xfrm>
           <a:prstGeom prst="rect">
             <a:avLst/>
           </a:prstGeom>
+          <a:noFill/>
         </p:spPr>
-      </p:pic>
+        <p:txBody>
+          <a:bodyPr wrap="square" rtlCol="0">
+            <a:spAutoFit/>
+          </a:bodyPr>
+          <a:lstStyle/>
+          <a:p>
+            <a:r>
+              <a:rPr lang="ru-RU" sz="2000" dirty="0">
+                <a:latin typeface="+mj-lt"/>
+              </a:rPr>
+              <a:t>Примечание: При проектировании использовался шаблон  </a:t>
+            </a:r>
+            <a:r>
+              <a:rPr lang="en-US" sz="2000" dirty="0">
+                <a:latin typeface="+mj-lt"/>
+              </a:rPr>
+              <a:t>MVC – </a:t>
+            </a:r>
+            <a:r>
+              <a:rPr lang="ru-RU" sz="2000" dirty="0">
+                <a:latin typeface="+mj-lt"/>
+              </a:rPr>
+              <a:t>модель-представление</a:t>
+            </a:r>
+            <a:r>
+              <a:rPr lang="en-US" sz="2000" dirty="0">
+                <a:latin typeface="+mj-lt"/>
+              </a:rPr>
+              <a:t>-</a:t>
+            </a:r>
+            <a:r>
+              <a:rPr lang="ru-RU" sz="2000" dirty="0">
+                <a:latin typeface="+mj-lt"/>
+              </a:rPr>
+              <a:t>контролер</a:t>
+            </a:r>
+          </a:p>
+        </p:txBody>
+      </p:sp>
     </p:spTree>
     <p:extLst>
       <p:ext uri="{BB962C8B-B14F-4D97-AF65-F5344CB8AC3E}">
-        <p14:creationId xmlns:p14="http://schemas.microsoft.com/office/powerpoint/2010/main" val="2561295307"/>
+        <p14:creationId xmlns:p14="http://schemas.microsoft.com/office/powerpoint/2010/main" val="278425043"/>
       </p:ext>
     </p:extLst>
   </p:cSld>
@@ -4364,48 +5922,12 @@
           <a:chExt cx="0" cy="0"/>
         </a:xfrm>
       </p:grpSpPr>
-      <p:pic>
-        <p:nvPicPr>
-          <p:cNvPr id="9" name="Рисунок 8">
-            <a:extLst>
-              <a:ext uri="{FF2B5EF4-FFF2-40B4-BE49-F238E27FC236}">
-                <a16:creationId xmlns:a16="http://schemas.microsoft.com/office/drawing/2014/main" id="{D6B5FFAD-DA25-D0D0-B57F-BC74BD985FF6}"/>
-              </a:ext>
-            </a:extLst>
-          </p:cNvPr>
-          <p:cNvPicPr>
-            <a:picLocks noChangeAspect="1"/>
-          </p:cNvPicPr>
-          <p:nvPr/>
-        </p:nvPicPr>
-        <p:blipFill>
-          <a:blip r:embed="rId2">
-            <a:extLst>
-              <a:ext uri="{28A0092B-C50C-407E-A947-70E740481C1C}">
-                <a14:useLocalDpi xmlns:a14="http://schemas.microsoft.com/office/drawing/2010/main" val="0"/>
-              </a:ext>
-            </a:extLst>
-          </a:blip>
-          <a:stretch>
-            <a:fillRect/>
-          </a:stretch>
-        </p:blipFill>
-        <p:spPr>
-          <a:xfrm>
-            <a:off x="887448" y="1106462"/>
-            <a:ext cx="8522389" cy="5506502"/>
-          </a:xfrm>
-          <a:prstGeom prst="rect">
-            <a:avLst/>
-          </a:prstGeom>
-        </p:spPr>
-      </p:pic>
       <p:sp>
         <p:nvSpPr>
           <p:cNvPr id="2" name="Заголовок 1">
             <a:extLst>
               <a:ext uri="{FF2B5EF4-FFF2-40B4-BE49-F238E27FC236}">
-                <a16:creationId xmlns:a16="http://schemas.microsoft.com/office/drawing/2014/main" id="{160DA3B1-32A7-077F-36CC-640F0BAC647E}"/>
+                <a16:creationId xmlns:a16="http://schemas.microsoft.com/office/drawing/2014/main" id="{8EC2828D-B112-33D2-D748-6696FAEFD065}"/>
               </a:ext>
             </a:extLst>
           </p:cNvPr>
@@ -4416,29 +5938,699 @@
             <p:ph type="title"/>
           </p:nvPr>
         </p:nvSpPr>
+        <p:spPr/>
+        <p:txBody>
+          <a:bodyPr/>
+          <a:lstStyle/>
+          <a:p>
+            <a:r>
+              <a:rPr lang="ru-RU" dirty="0"/>
+              <a:t>Исследование характеристик метода</a:t>
+            </a:r>
+          </a:p>
+        </p:txBody>
+      </p:sp>
+      <p:sp>
+        <p:nvSpPr>
+          <p:cNvPr id="7" name="Объект 6">
+            <a:extLst>
+              <a:ext uri="{FF2B5EF4-FFF2-40B4-BE49-F238E27FC236}">
+                <a16:creationId xmlns:a16="http://schemas.microsoft.com/office/drawing/2014/main" id="{0FFD8056-94AB-11F4-C167-C983F333EBC9}"/>
+              </a:ext>
+            </a:extLst>
+          </p:cNvPr>
+          <p:cNvSpPr>
+            <a:spLocks noGrp="1"/>
+          </p:cNvSpPr>
+          <p:nvPr>
+            <p:ph sz="half" idx="1"/>
+          </p:nvPr>
+        </p:nvSpPr>
         <p:spPr>
           <a:xfrm>
-            <a:off x="788952" y="136525"/>
-            <a:ext cx="10515600" cy="1325563"/>
+            <a:off x="838199" y="1558636"/>
+            <a:ext cx="5472546" cy="5127913"/>
           </a:xfrm>
         </p:spPr>
         <p:txBody>
-          <a:bodyPr/>
+          <a:bodyPr>
+            <a:normAutofit fontScale="92500" lnSpcReduction="10000"/>
+          </a:bodyPr>
           <a:lstStyle/>
           <a:p>
             <a:r>
-              <a:rPr lang="ru-RU" dirty="0"/>
-              <a:t>Подсчет оценки термина</a:t>
-            </a:r>
-          </a:p>
-        </p:txBody>
-      </p:sp>
+              <a:rPr lang="ru-RU" sz="2400" dirty="0">
+                <a:latin typeface="+mj-lt"/>
+              </a:rPr>
+              <a:t>Выборка:</a:t>
+            </a:r>
+          </a:p>
+          <a:p>
+            <a:pPr lvl="1"/>
+            <a:r>
+              <a:rPr lang="ru-RU" sz="2000" dirty="0">
+                <a:latin typeface="+mj-lt"/>
+              </a:rPr>
+              <a:t>30 электронных документов</a:t>
+            </a:r>
+          </a:p>
+          <a:p>
+            <a:pPr marL="457200" lvl="1" indent="0">
+              <a:buNone/>
+            </a:pPr>
+            <a:endParaRPr lang="ru-RU" sz="2000" dirty="0">
+              <a:latin typeface="+mj-lt"/>
+            </a:endParaRPr>
+          </a:p>
+          <a:p>
+            <a:r>
+              <a:rPr lang="ru-RU" dirty="0">
+                <a:latin typeface="+mj-lt"/>
+              </a:rPr>
+              <a:t>Критерии оценки</a:t>
+            </a:r>
+          </a:p>
+          <a:p>
+            <a:pPr lvl="1"/>
+            <a:r>
+              <a:rPr lang="ru-RU" sz="2000" dirty="0">
+                <a:latin typeface="+mj-lt"/>
+              </a:rPr>
+              <a:t>% ключевых слов попавших в пересечение с КС выделенными автором от количества выделенных</a:t>
+            </a:r>
+            <a:r>
+              <a:rPr lang="en-US" sz="2000" dirty="0">
+                <a:latin typeface="+mj-lt"/>
+              </a:rPr>
+              <a:t> (1)</a:t>
+            </a:r>
+            <a:endParaRPr lang="ru-RU" sz="2000" dirty="0">
+              <a:latin typeface="+mj-lt"/>
+            </a:endParaRPr>
+          </a:p>
+          <a:p>
+            <a:pPr lvl="1"/>
+            <a:r>
+              <a:rPr lang="ru-RU" sz="2000" dirty="0">
+                <a:latin typeface="+mj-lt"/>
+              </a:rPr>
+              <a:t>% ключевых слов не попавших в пересечение от количества выделенных</a:t>
+            </a:r>
+            <a:r>
+              <a:rPr lang="en-US" sz="2000" dirty="0">
+                <a:latin typeface="+mj-lt"/>
+              </a:rPr>
+              <a:t> (2)</a:t>
+            </a:r>
+            <a:endParaRPr lang="ru-RU" sz="2000" dirty="0">
+              <a:latin typeface="+mj-lt"/>
+            </a:endParaRPr>
+          </a:p>
+          <a:p>
+            <a:pPr marL="457200" lvl="1" indent="0">
+              <a:buNone/>
+            </a:pPr>
+            <a:endParaRPr lang="ru-RU" sz="2000" dirty="0">
+              <a:latin typeface="+mj-lt"/>
+            </a:endParaRPr>
+          </a:p>
+          <a:p>
+            <a:r>
+              <a:rPr lang="ru-RU" sz="2400" dirty="0">
+                <a:latin typeface="+mj-lt"/>
+              </a:rPr>
+              <a:t>Ограничения:</a:t>
+            </a:r>
+          </a:p>
+          <a:p>
+            <a:pPr lvl="1"/>
+            <a:r>
+              <a:rPr lang="ru-RU" sz="2000" dirty="0">
+                <a:latin typeface="+mj-lt"/>
+              </a:rPr>
+              <a:t>Текст документа содержит в себе только одну тему</a:t>
+            </a:r>
+          </a:p>
+          <a:p>
+            <a:pPr lvl="1"/>
+            <a:r>
+              <a:rPr lang="ru-RU" sz="2000" dirty="0">
+                <a:latin typeface="+mj-lt"/>
+              </a:rPr>
+              <a:t>Документ написан на русском языке</a:t>
+            </a:r>
+          </a:p>
+          <a:p>
+            <a:pPr lvl="1"/>
+            <a:r>
+              <a:rPr lang="ru-RU" sz="2000" dirty="0">
+                <a:latin typeface="+mj-lt"/>
+              </a:rPr>
+              <a:t>Документ формата </a:t>
+            </a:r>
+            <a:r>
+              <a:rPr lang="en-US" sz="2000" dirty="0">
+                <a:latin typeface="+mj-lt"/>
+              </a:rPr>
+              <a:t>PDF</a:t>
+            </a:r>
+            <a:endParaRPr lang="ru-RU" sz="2000" dirty="0">
+              <a:latin typeface="+mj-lt"/>
+            </a:endParaRPr>
+          </a:p>
+          <a:p>
+            <a:pPr lvl="1"/>
+            <a:r>
+              <a:rPr lang="ru-RU" sz="2000" dirty="0">
+                <a:latin typeface="+mj-lt"/>
+              </a:rPr>
+              <a:t>Текст должен содержать не менее 50 слов</a:t>
+            </a:r>
+          </a:p>
+          <a:p>
+            <a:pPr lvl="1"/>
+            <a:endParaRPr lang="ru-RU" sz="2000" dirty="0">
+              <a:latin typeface="+mj-lt"/>
+            </a:endParaRPr>
+          </a:p>
+        </p:txBody>
+      </p:sp>
+      <mc:AlternateContent xmlns:mc="http://schemas.openxmlformats.org/markup-compatibility/2006">
+        <mc:Choice xmlns:a14="http://schemas.microsoft.com/office/drawing/2010/main" Requires="a14">
+          <p:sp>
+            <p:nvSpPr>
+              <p:cNvPr id="11" name="Объект 10">
+                <a:extLst>
+                  <a:ext uri="{FF2B5EF4-FFF2-40B4-BE49-F238E27FC236}">
+                    <a16:creationId xmlns:a16="http://schemas.microsoft.com/office/drawing/2014/main" id="{D3F6C295-938F-1598-404E-BB93341AB3AC}"/>
+                  </a:ext>
+                </a:extLst>
+              </p:cNvPr>
+              <p:cNvSpPr>
+                <a:spLocks noGrp="1"/>
+              </p:cNvSpPr>
+              <p:nvPr>
+                <p:ph sz="half" idx="2"/>
+              </p:nvPr>
+            </p:nvSpPr>
+            <p:spPr>
+              <a:xfrm>
+                <a:off x="6560128" y="1950315"/>
+                <a:ext cx="5181600" cy="3868594"/>
+              </a:xfrm>
+            </p:spPr>
+            <p:txBody>
+              <a:bodyPr>
+                <a:normAutofit fontScale="92500" lnSpcReduction="10000"/>
+              </a:bodyPr>
+              <a:lstStyle/>
+              <a:p>
+                <a:pPr marL="0" indent="0">
+                  <a:buNone/>
+                </a:pPr>
+                <a14:m>
+                  <m:oMath xmlns:m="http://schemas.openxmlformats.org/officeDocument/2006/math">
+                    <m:sSub>
+                      <m:sSubPr>
+                        <m:ctrlPr>
+                          <a:rPr lang="en-US" b="0" i="1" smtClean="0">
+                            <a:latin typeface="+mj-lt"/>
+                          </a:rPr>
+                        </m:ctrlPr>
+                      </m:sSubPr>
+                      <m:e>
+                        <m:r>
+                          <a:rPr lang="en-US" b="0" i="1" smtClean="0">
+                            <a:latin typeface="+mj-lt"/>
+                          </a:rPr>
+                          <m:t>𝑅</m:t>
+                        </m:r>
+                      </m:e>
+                      <m:sub>
+                        <m:r>
+                          <a:rPr lang="en-US" b="0" i="1" smtClean="0">
+                            <a:latin typeface="+mj-lt"/>
+                          </a:rPr>
+                          <m:t>𝑡𝑟𝑢𝑒</m:t>
+                        </m:r>
+                      </m:sub>
+                    </m:sSub>
+                    <m:r>
+                      <a:rPr lang="en-US" b="0" i="1" smtClean="0">
+                        <a:latin typeface="+mj-lt"/>
+                      </a:rPr>
+                      <m:t>= </m:t>
+                    </m:r>
+                    <m:f>
+                      <m:fPr>
+                        <m:ctrlPr>
+                          <a:rPr lang="en-US" b="0" i="1" smtClean="0">
+                            <a:latin typeface="+mj-lt"/>
+                          </a:rPr>
+                        </m:ctrlPr>
+                      </m:fPr>
+                      <m:num>
+                        <m:sSub>
+                          <m:sSubPr>
+                            <m:ctrlPr>
+                              <a:rPr lang="en-US" b="0" i="1" smtClean="0">
+                                <a:latin typeface="+mj-lt"/>
+                              </a:rPr>
+                            </m:ctrlPr>
+                          </m:sSubPr>
+                          <m:e>
+                            <m:r>
+                              <a:rPr lang="en-US" b="0" i="1" smtClean="0">
+                                <a:latin typeface="+mj-lt"/>
+                              </a:rPr>
+                              <m:t>𝑁</m:t>
+                            </m:r>
+                          </m:e>
+                          <m:sub>
+                            <m:r>
+                              <a:rPr lang="en-US" b="0" i="1" smtClean="0">
+                                <a:latin typeface="+mj-lt"/>
+                              </a:rPr>
+                              <m:t>𝑟𝑒𝑠</m:t>
+                            </m:r>
+                          </m:sub>
+                        </m:sSub>
+                      </m:num>
+                      <m:den>
+                        <m:sSub>
+                          <m:sSubPr>
+                            <m:ctrlPr>
+                              <a:rPr lang="en-US" b="0" i="1" smtClean="0">
+                                <a:latin typeface="+mj-lt"/>
+                              </a:rPr>
+                            </m:ctrlPr>
+                          </m:sSubPr>
+                          <m:e>
+                            <m:r>
+                              <a:rPr lang="en-US" b="0" i="1" smtClean="0">
+                                <a:latin typeface="+mj-lt"/>
+                              </a:rPr>
+                              <m:t>𝑁</m:t>
+                            </m:r>
+                          </m:e>
+                          <m:sub>
+                            <m:r>
+                              <a:rPr lang="en-US" b="0" i="1" smtClean="0">
+                                <a:latin typeface="+mj-lt"/>
+                              </a:rPr>
+                              <m:t>𝑚𝑒𝑡h𝑜𝑑</m:t>
+                            </m:r>
+                          </m:sub>
+                        </m:sSub>
+                      </m:den>
+                    </m:f>
+                  </m:oMath>
+                </a14:m>
+                <a:r>
+                  <a:rPr lang="en-US" dirty="0">
+                    <a:latin typeface="+mj-lt"/>
+                  </a:rPr>
+                  <a:t> </a:t>
+                </a:r>
+                <a:r>
+                  <a:rPr lang="ru-RU" dirty="0">
+                    <a:latin typeface="+mj-lt"/>
+                  </a:rPr>
+                  <a:t>  (1)</a:t>
+                </a:r>
+                <a:endParaRPr lang="en-US" dirty="0">
+                  <a:latin typeface="+mj-lt"/>
+                </a:endParaRPr>
+              </a:p>
+              <a:p>
+                <a:pPr marL="0" indent="0">
+                  <a:buNone/>
+                </a:pPr>
+                <a:endParaRPr lang="en-US" dirty="0">
+                  <a:latin typeface="+mj-lt"/>
+                </a:endParaRPr>
+              </a:p>
+              <a:p>
+                <a:pPr marL="0" indent="0">
+                  <a:buNone/>
+                </a:pPr>
+                <a14:m>
+                  <m:oMath xmlns:m="http://schemas.openxmlformats.org/officeDocument/2006/math">
+                    <m:sSub>
+                      <m:sSubPr>
+                        <m:ctrlPr>
+                          <a:rPr lang="en-US" i="1" smtClean="0">
+                            <a:latin typeface="Cambria Math" panose="02040503050406030204" pitchFamily="18" charset="0"/>
+                          </a:rPr>
+                        </m:ctrlPr>
+                      </m:sSubPr>
+                      <m:e>
+                        <m:r>
+                          <a:rPr lang="en-US" i="1" smtClean="0">
+                            <a:latin typeface="Cambria Math" panose="02040503050406030204" pitchFamily="18" charset="0"/>
+                          </a:rPr>
+                          <m:t>𝑅</m:t>
+                        </m:r>
+                      </m:e>
+                      <m:sub>
+                        <m:r>
+                          <a:rPr lang="en-US" b="0" i="1" smtClean="0">
+                            <a:latin typeface="Cambria Math" panose="02040503050406030204" pitchFamily="18" charset="0"/>
+                          </a:rPr>
+                          <m:t>𝑓𝑎𝑙𝑠𝑒</m:t>
+                        </m:r>
+                      </m:sub>
+                    </m:sSub>
+                    <m:r>
+                      <a:rPr lang="en-US" i="1" smtClean="0">
+                        <a:latin typeface="Cambria Math" panose="02040503050406030204" pitchFamily="18" charset="0"/>
+                      </a:rPr>
+                      <m:t>= </m:t>
+                    </m:r>
+                    <m:f>
+                      <m:fPr>
+                        <m:ctrlPr>
+                          <a:rPr lang="en-US" i="1" smtClean="0">
+                            <a:latin typeface="Cambria Math" panose="02040503050406030204" pitchFamily="18" charset="0"/>
+                          </a:rPr>
+                        </m:ctrlPr>
+                      </m:fPr>
+                      <m:num>
+                        <m:sSub>
+                          <m:sSubPr>
+                            <m:ctrlPr>
+                              <a:rPr lang="en-US" i="1" smtClean="0">
+                                <a:latin typeface="Cambria Math" panose="02040503050406030204" pitchFamily="18" charset="0"/>
+                              </a:rPr>
+                            </m:ctrlPr>
+                          </m:sSubPr>
+                          <m:e>
+                            <m:r>
+                              <a:rPr lang="en-US" i="1" smtClean="0">
+                                <a:latin typeface="Cambria Math" panose="02040503050406030204" pitchFamily="18" charset="0"/>
+                              </a:rPr>
+                              <m:t>𝑁</m:t>
+                            </m:r>
+                          </m:e>
+                          <m:sub>
+                            <m:r>
+                              <a:rPr lang="en-US" b="0" i="1" smtClean="0">
+                                <a:latin typeface="Cambria Math" panose="02040503050406030204" pitchFamily="18" charset="0"/>
+                              </a:rPr>
+                              <m:t>𝑚𝑒𝑡h𝑜𝑑</m:t>
+                            </m:r>
+                            <m:r>
+                              <a:rPr lang="en-US" b="0" i="1" smtClean="0">
+                                <a:latin typeface="Cambria Math" panose="02040503050406030204" pitchFamily="18" charset="0"/>
+                              </a:rPr>
+                              <m:t> </m:t>
+                            </m:r>
+                          </m:sub>
+                        </m:sSub>
+                        <m:r>
+                          <a:rPr lang="en-US" b="0" i="1" smtClean="0">
+                            <a:latin typeface="Cambria Math" panose="02040503050406030204" pitchFamily="18" charset="0"/>
+                          </a:rPr>
+                          <m:t>− </m:t>
+                        </m:r>
+                        <m:sSub>
+                          <m:sSubPr>
+                            <m:ctrlPr>
+                              <a:rPr lang="en-US" b="0" i="1" smtClean="0">
+                                <a:latin typeface="Cambria Math" panose="02040503050406030204" pitchFamily="18" charset="0"/>
+                              </a:rPr>
+                            </m:ctrlPr>
+                          </m:sSubPr>
+                          <m:e>
+                            <m:r>
+                              <a:rPr lang="en-US" b="0" i="1" smtClean="0">
+                                <a:latin typeface="Cambria Math" panose="02040503050406030204" pitchFamily="18" charset="0"/>
+                              </a:rPr>
+                              <m:t>𝑁</m:t>
+                            </m:r>
+                          </m:e>
+                          <m:sub>
+                            <m:r>
+                              <a:rPr lang="en-US" b="0" i="1" smtClean="0">
+                                <a:latin typeface="Cambria Math" panose="02040503050406030204" pitchFamily="18" charset="0"/>
+                              </a:rPr>
+                              <m:t>𝑟𝑒𝑠</m:t>
+                            </m:r>
+                          </m:sub>
+                        </m:sSub>
+                      </m:num>
+                      <m:den>
+                        <m:sSub>
+                          <m:sSubPr>
+                            <m:ctrlPr>
+                              <a:rPr lang="en-US" i="1" smtClean="0">
+                                <a:latin typeface="Cambria Math" panose="02040503050406030204" pitchFamily="18" charset="0"/>
+                              </a:rPr>
+                            </m:ctrlPr>
+                          </m:sSubPr>
+                          <m:e>
+                            <m:r>
+                              <a:rPr lang="en-US" i="1" smtClean="0">
+                                <a:latin typeface="Cambria Math" panose="02040503050406030204" pitchFamily="18" charset="0"/>
+                              </a:rPr>
+                              <m:t>𝑁</m:t>
+                            </m:r>
+                          </m:e>
+                          <m:sub>
+                            <m:r>
+                              <a:rPr lang="en-US" i="1" smtClean="0">
+                                <a:latin typeface="Cambria Math" panose="02040503050406030204" pitchFamily="18" charset="0"/>
+                              </a:rPr>
+                              <m:t>𝑚𝑒𝑡h𝑜𝑑</m:t>
+                            </m:r>
+                          </m:sub>
+                        </m:sSub>
+                      </m:den>
+                    </m:f>
+                  </m:oMath>
+                </a14:m>
+                <a:r>
+                  <a:rPr lang="en-US" dirty="0">
+                    <a:latin typeface="+mj-lt"/>
+                  </a:rPr>
+                  <a:t> </a:t>
+                </a:r>
+                <a:r>
+                  <a:rPr lang="ru-RU" dirty="0">
+                    <a:latin typeface="+mj-lt"/>
+                  </a:rPr>
+                  <a:t>  (</a:t>
+                </a:r>
+                <a:r>
+                  <a:rPr lang="en-US" dirty="0">
+                    <a:latin typeface="+mj-lt"/>
+                  </a:rPr>
+                  <a:t>2</a:t>
+                </a:r>
+                <a:r>
+                  <a:rPr lang="ru-RU" dirty="0">
+                    <a:latin typeface="+mj-lt"/>
+                  </a:rPr>
+                  <a:t>)</a:t>
+                </a:r>
+              </a:p>
+              <a:p>
+                <a:pPr marL="0" indent="0">
+                  <a:buNone/>
+                </a:pPr>
+                <a:endParaRPr lang="ru-RU" dirty="0">
+                  <a:latin typeface="+mj-lt"/>
+                </a:endParaRPr>
+              </a:p>
+              <a:p>
+                <a:pPr marL="0" indent="0">
+                  <a:buNone/>
+                </a:pPr>
+                <a:r>
+                  <a:rPr lang="ru-RU" sz="1500" dirty="0">
+                    <a:latin typeface="+mj-lt"/>
+                  </a:rPr>
+                  <a:t>где  </a:t>
+                </a:r>
+                <a14:m>
+                  <m:oMath xmlns:m="http://schemas.openxmlformats.org/officeDocument/2006/math">
+                    <m:sSub>
+                      <m:sSubPr>
+                        <m:ctrlPr>
+                          <a:rPr lang="ru-RU" sz="1500" i="1" smtClean="0">
+                            <a:latin typeface="Cambria Math" panose="02040503050406030204" pitchFamily="18" charset="0"/>
+                          </a:rPr>
+                        </m:ctrlPr>
+                      </m:sSubPr>
+                      <m:e>
+                        <m:r>
+                          <a:rPr lang="en-US" sz="1500" b="0" i="1" smtClean="0">
+                            <a:latin typeface="Cambria Math" panose="02040503050406030204" pitchFamily="18" charset="0"/>
+                          </a:rPr>
+                          <m:t>𝑁</m:t>
+                        </m:r>
+                      </m:e>
+                      <m:sub>
+                        <m:r>
+                          <a:rPr lang="en-US" sz="1500" b="0" i="1" smtClean="0">
+                            <a:latin typeface="Cambria Math" panose="02040503050406030204" pitchFamily="18" charset="0"/>
+                          </a:rPr>
+                          <m:t>𝑟𝑒𝑠</m:t>
+                        </m:r>
+                      </m:sub>
+                    </m:sSub>
+                  </m:oMath>
+                </a14:m>
+                <a:r>
+                  <a:rPr lang="en-US" sz="1500" dirty="0">
+                    <a:latin typeface="+mj-lt"/>
+                  </a:rPr>
+                  <a:t> - </a:t>
+                </a:r>
+                <a:r>
+                  <a:rPr lang="ru-RU" sz="1500" dirty="0">
+                    <a:latin typeface="+mj-lt"/>
+                  </a:rPr>
+                  <a:t>количество слов из метода попавших в пересечение</a:t>
+                </a:r>
+                <a:r>
+                  <a:rPr lang="en-US" sz="1500" dirty="0">
+                    <a:latin typeface="+mj-lt"/>
+                  </a:rPr>
+                  <a:t>;</a:t>
+                </a:r>
+                <a:endParaRPr lang="ru-RU" sz="1500" dirty="0">
+                  <a:latin typeface="+mj-lt"/>
+                </a:endParaRPr>
+              </a:p>
+              <a:p>
+                <a:pPr marL="0" indent="0">
+                  <a:buNone/>
+                </a:pPr>
+                <a14:m>
+                  <m:oMath xmlns:m="http://schemas.openxmlformats.org/officeDocument/2006/math">
+                    <m:sSub>
+                      <m:sSubPr>
+                        <m:ctrlPr>
+                          <a:rPr lang="en-US" sz="1500" i="1" smtClean="0">
+                            <a:latin typeface="Cambria Math" panose="02040503050406030204" pitchFamily="18" charset="0"/>
+                          </a:rPr>
+                        </m:ctrlPr>
+                      </m:sSubPr>
+                      <m:e>
+                        <m:r>
+                          <a:rPr lang="en-US" sz="1500" b="0" i="1" smtClean="0">
+                            <a:latin typeface="Cambria Math" panose="02040503050406030204" pitchFamily="18" charset="0"/>
+                          </a:rPr>
+                          <m:t>𝑁</m:t>
+                        </m:r>
+                      </m:e>
+                      <m:sub>
+                        <m:r>
+                          <a:rPr lang="en-US" sz="1500" b="0" i="1" smtClean="0">
+                            <a:latin typeface="Cambria Math" panose="02040503050406030204" pitchFamily="18" charset="0"/>
+                          </a:rPr>
+                          <m:t>𝑚𝑒𝑡h𝑜𝑑</m:t>
+                        </m:r>
+                      </m:sub>
+                    </m:sSub>
+                  </m:oMath>
+                </a14:m>
+                <a:r>
+                  <a:rPr lang="ru-RU" sz="1500" dirty="0">
+                    <a:latin typeface="+mj-lt"/>
+                  </a:rPr>
+                  <a:t> - размеры выборки</a:t>
+                </a:r>
+                <a:endParaRPr lang="en-US" sz="1500" dirty="0">
+                  <a:latin typeface="+mj-lt"/>
+                </a:endParaRPr>
+              </a:p>
+              <a:p>
+                <a:pPr marL="0" indent="0">
+                  <a:buNone/>
+                </a:pPr>
+                <a:endParaRPr lang="en-US" b="0" i="1" dirty="0">
+                  <a:latin typeface="+mj-lt"/>
+                </a:endParaRPr>
+              </a:p>
+              <a:p>
+                <a:pPr marL="0" indent="0">
+                  <a:buNone/>
+                </a:pPr>
+                <a:endParaRPr lang="en-US" b="0" i="1" dirty="0">
+                  <a:latin typeface="+mj-lt"/>
+                </a:endParaRPr>
+              </a:p>
+              <a:p>
+                <a:pPr marL="0" indent="0">
+                  <a:buNone/>
+                </a:pPr>
+                <a:endParaRPr lang="en-US" dirty="0">
+                  <a:latin typeface="+mj-lt"/>
+                </a:endParaRPr>
+              </a:p>
+              <a:p>
+                <a:pPr marL="0" indent="0">
+                  <a:buNone/>
+                </a:pPr>
+                <a:endParaRPr lang="ru-RU" dirty="0">
+                  <a:latin typeface="+mj-lt"/>
+                </a:endParaRPr>
+              </a:p>
+            </p:txBody>
+          </p:sp>
+        </mc:Choice>
+        <mc:Fallback>
+          <p:sp>
+            <p:nvSpPr>
+              <p:cNvPr id="11" name="Объект 10">
+                <a:extLst>
+                  <a:ext uri="{FF2B5EF4-FFF2-40B4-BE49-F238E27FC236}">
+                    <a16:creationId xmlns:a16="http://schemas.microsoft.com/office/drawing/2014/main" id="{D3F6C295-938F-1598-404E-BB93341AB3AC}"/>
+                  </a:ext>
+                </a:extLst>
+              </p:cNvPr>
+              <p:cNvSpPr>
+                <a:spLocks noGrp="1" noRot="1" noChangeAspect="1" noMove="1" noResize="1" noEditPoints="1" noAdjustHandles="1" noChangeArrowheads="1" noChangeShapeType="1" noTextEdit="1"/>
+              </p:cNvSpPr>
+              <p:nvPr>
+                <p:ph sz="half" idx="2"/>
+              </p:nvPr>
+            </p:nvSpPr>
+            <p:spPr>
+              <a:xfrm>
+                <a:off x="6560128" y="1950315"/>
+                <a:ext cx="5181600" cy="3868594"/>
+              </a:xfrm>
+              <a:blipFill>
+                <a:blip r:embed="rId2"/>
+                <a:stretch>
+                  <a:fillRect l="-353" t="-1575"/>
+                </a:stretch>
+              </a:blipFill>
+            </p:spPr>
+            <p:txBody>
+              <a:bodyPr/>
+              <a:lstStyle/>
+              <a:p>
+                <a:r>
+                  <a:rPr lang="ru-RU">
+                    <a:noFill/>
+                  </a:rPr>
+                  <a:t> </a:t>
+                </a:r>
+              </a:p>
+            </p:txBody>
+          </p:sp>
+        </mc:Fallback>
+      </mc:AlternateContent>
       <p:sp>
         <p:nvSpPr>
           <p:cNvPr id="4" name="Номер слайда 3">
             <a:extLst>
               <a:ext uri="{FF2B5EF4-FFF2-40B4-BE49-F238E27FC236}">
-                <a16:creationId xmlns:a16="http://schemas.microsoft.com/office/drawing/2014/main" id="{C3EFF87C-ED1A-4179-CD1D-76F7F8862445}"/>
+                <a16:creationId xmlns:a16="http://schemas.microsoft.com/office/drawing/2014/main" id="{FCB5AC71-C139-A6A7-460B-BBFD968B9736}"/>
               </a:ext>
             </a:extLst>
           </p:cNvPr>
@@ -4449,69 +6641,24 @@
             <p:ph type="sldNum" sz="quarter" idx="12"/>
           </p:nvPr>
         </p:nvSpPr>
-        <p:spPr/>
+        <p:spPr>
+          <a:xfrm>
+            <a:off x="9150928" y="6321424"/>
+            <a:ext cx="2743200" cy="365125"/>
+          </a:xfrm>
+        </p:spPr>
         <p:txBody>
           <a:bodyPr/>
           <a:lstStyle/>
           <a:p>
             <a:fld id="{EB2452EA-49EB-437E-AEAF-228AB19C4ED2}" type="slidenum">
-              <a:rPr lang="ru-RU" smtClean="0"/>
+              <a:rPr lang="ru-RU" sz="1800" smtClean="0">
+                <a:latin typeface="+mj-lt"/>
+              </a:rPr>
               <a:t>11</a:t>
             </a:fld>
-            <a:endParaRPr lang="ru-RU"/>
-          </a:p>
-        </p:txBody>
-      </p:sp>
-      <p:sp>
-        <p:nvSpPr>
-          <p:cNvPr id="10" name="Прямоугольник 9">
-            <a:extLst>
-              <a:ext uri="{FF2B5EF4-FFF2-40B4-BE49-F238E27FC236}">
-                <a16:creationId xmlns:a16="http://schemas.microsoft.com/office/drawing/2014/main" id="{4A3C6A9A-7A20-0419-280A-C0B1A2487DE7}"/>
-              </a:ext>
-            </a:extLst>
-          </p:cNvPr>
-          <p:cNvSpPr/>
-          <p:nvPr/>
-        </p:nvSpPr>
-        <p:spPr>
-          <a:xfrm>
-            <a:off x="6890871" y="1106462"/>
-            <a:ext cx="3059953" cy="5506502"/>
-          </a:xfrm>
-          <a:prstGeom prst="rect">
-            <a:avLst/>
-          </a:prstGeom>
-          <a:noFill/>
-          <a:ln w="28575"/>
-        </p:spPr>
-        <p:style>
-          <a:lnRef idx="2">
-            <a:schemeClr val="accent1">
-              <a:shade val="50000"/>
-            </a:schemeClr>
-          </a:lnRef>
-          <a:fillRef idx="1">
-            <a:schemeClr val="accent1"/>
-          </a:fillRef>
-          <a:effectRef idx="0">
-            <a:schemeClr val="accent1"/>
-          </a:effectRef>
-          <a:fontRef idx="minor">
-            <a:schemeClr val="lt1"/>
-          </a:fontRef>
-        </p:style>
-        <p:txBody>
-          <a:bodyPr rtlCol="0" anchor="ctr"/>
-          <a:lstStyle/>
-          <a:p>
-            <a:pPr algn="ctr"/>
-            <a:endParaRPr lang="ru-RU">
-              <a:ln w="28575">
-                <a:solidFill>
-                  <a:schemeClr val="tx1"/>
-                </a:solidFill>
-              </a:ln>
+            <a:endParaRPr lang="ru-RU" sz="1800" dirty="0">
+              <a:latin typeface="+mj-lt"/>
             </a:endParaRPr>
           </a:p>
         </p:txBody>
@@ -4519,7 +6666,7 @@
     </p:spTree>
     <p:extLst>
       <p:ext uri="{BB962C8B-B14F-4D97-AF65-F5344CB8AC3E}">
-        <p14:creationId xmlns:p14="http://schemas.microsoft.com/office/powerpoint/2010/main" val="3140787192"/>
+        <p14:creationId xmlns:p14="http://schemas.microsoft.com/office/powerpoint/2010/main" val="1769878857"/>
       </p:ext>
     </p:extLst>
   </p:cSld>
@@ -4551,7 +6698,7 @@
           <p:cNvPr id="2" name="Заголовок 1">
             <a:extLst>
               <a:ext uri="{FF2B5EF4-FFF2-40B4-BE49-F238E27FC236}">
-                <a16:creationId xmlns:a16="http://schemas.microsoft.com/office/drawing/2014/main" id="{55E249E9-DBF4-D0C3-C0B4-38F85F550C06}"/>
+                <a16:creationId xmlns:a16="http://schemas.microsoft.com/office/drawing/2014/main" id="{907AFC14-9E51-17E9-5B21-C771F4039419}"/>
               </a:ext>
             </a:extLst>
           </p:cNvPr>
@@ -4562,14 +6709,19 @@
             <p:ph type="title"/>
           </p:nvPr>
         </p:nvSpPr>
-        <p:spPr/>
+        <p:spPr>
+          <a:xfrm>
+            <a:off x="583343" y="-79145"/>
+            <a:ext cx="10515600" cy="1325563"/>
+          </a:xfrm>
+        </p:spPr>
         <p:txBody>
           <a:bodyPr/>
           <a:lstStyle/>
           <a:p>
             <a:r>
               <a:rPr lang="ru-RU" dirty="0"/>
-              <a:t>Вычисление н-грамм</a:t>
+              <a:t>Визуализация эксперимента</a:t>
             </a:r>
           </a:p>
         </p:txBody>
@@ -4579,7 +6731,7 @@
           <p:cNvPr id="4" name="Номер слайда 3">
             <a:extLst>
               <a:ext uri="{FF2B5EF4-FFF2-40B4-BE49-F238E27FC236}">
-                <a16:creationId xmlns:a16="http://schemas.microsoft.com/office/drawing/2014/main" id="{8534C013-3DB0-B0AD-7318-55B4B1243281}"/>
+                <a16:creationId xmlns:a16="http://schemas.microsoft.com/office/drawing/2014/main" id="{DC4A8792-F28C-21D1-4A2D-0FB1D7A26912}"/>
               </a:ext>
             </a:extLst>
           </p:cNvPr>
@@ -4603,55 +6755,19 @@
           </a:p>
         </p:txBody>
       </p:sp>
-      <p:sp>
-        <p:nvSpPr>
-          <p:cNvPr id="8" name="TextBox 7">
-            <a:extLst>
-              <a:ext uri="{FF2B5EF4-FFF2-40B4-BE49-F238E27FC236}">
-                <a16:creationId xmlns:a16="http://schemas.microsoft.com/office/drawing/2014/main" id="{2657F1BA-4F2A-A02A-1D7E-54DAE9D657F0}"/>
-              </a:ext>
-            </a:extLst>
-          </p:cNvPr>
-          <p:cNvSpPr txBox="1"/>
-          <p:nvPr/>
-        </p:nvSpPr>
-        <p:spPr>
-          <a:xfrm>
-            <a:off x="1816847" y="3364753"/>
-            <a:ext cx="184731" cy="369332"/>
-          </a:xfrm>
-          <a:prstGeom prst="rect">
-            <a:avLst/>
-          </a:prstGeom>
-          <a:noFill/>
-        </p:spPr>
-        <p:txBody>
-          <a:bodyPr wrap="none" rtlCol="0">
-            <a:spAutoFit/>
-          </a:bodyPr>
-          <a:lstStyle/>
-          <a:p>
-            <a:endParaRPr lang="ru-RU" dirty="0">
-              <a:latin typeface="+mj-lt"/>
-            </a:endParaRPr>
-          </a:p>
-        </p:txBody>
-      </p:sp>
       <p:pic>
         <p:nvPicPr>
-          <p:cNvPr id="10" name="Объект 9">
-            <a:extLst>
-              <a:ext uri="{FF2B5EF4-FFF2-40B4-BE49-F238E27FC236}">
-                <a16:creationId xmlns:a16="http://schemas.microsoft.com/office/drawing/2014/main" id="{1D4D5507-BB16-7DEF-7DD6-5471E6196B1E}"/>
+          <p:cNvPr id="5" name="Рисунок 4">
+            <a:extLst>
+              <a:ext uri="{FF2B5EF4-FFF2-40B4-BE49-F238E27FC236}">
+                <a16:creationId xmlns:a16="http://schemas.microsoft.com/office/drawing/2014/main" id="{B0936854-2711-92CF-677F-0A6FDF7DDADF}"/>
               </a:ext>
             </a:extLst>
           </p:cNvPr>
           <p:cNvPicPr>
-            <a:picLocks noGrp="1" noChangeAspect="1"/>
+            <a:picLocks noChangeAspect="1"/>
           </p:cNvPicPr>
-          <p:nvPr>
-            <p:ph idx="1"/>
-          </p:nvPr>
+          <p:nvPr/>
         </p:nvPicPr>
         <p:blipFill>
           <a:blip r:embed="rId2">
@@ -4667,63 +6783,90 @@
         </p:blipFill>
         <p:spPr>
           <a:xfrm>
-            <a:off x="3323972" y="1690688"/>
-            <a:ext cx="4958361" cy="4351338"/>
-          </a:xfrm>
-        </p:spPr>
-      </p:pic>
-      <p:sp>
-        <p:nvSpPr>
-          <p:cNvPr id="11" name="Прямоугольник 10">
-            <a:extLst>
-              <a:ext uri="{FF2B5EF4-FFF2-40B4-BE49-F238E27FC236}">
-                <a16:creationId xmlns:a16="http://schemas.microsoft.com/office/drawing/2014/main" id="{154F365C-605C-766A-8ADF-033874EA699A}"/>
-              </a:ext>
-            </a:extLst>
-          </p:cNvPr>
-          <p:cNvSpPr/>
-          <p:nvPr/>
-        </p:nvSpPr>
-        <p:spPr>
-          <a:xfrm>
-            <a:off x="3173506" y="1380565"/>
-            <a:ext cx="5611906" cy="5020235"/>
+            <a:off x="3713246" y="4010025"/>
+            <a:ext cx="4765508" cy="2715491"/>
           </a:xfrm>
           <a:prstGeom prst="rect">
             <a:avLst/>
           </a:prstGeom>
-          <a:noFill/>
-          <a:ln w="28575"/>
         </p:spPr>
-        <p:style>
-          <a:lnRef idx="2">
-            <a:schemeClr val="accent1">
-              <a:shade val="50000"/>
-            </a:schemeClr>
-          </a:lnRef>
-          <a:fillRef idx="1">
-            <a:schemeClr val="accent1"/>
-          </a:fillRef>
-          <a:effectRef idx="0">
-            <a:schemeClr val="accent1"/>
-          </a:effectRef>
-          <a:fontRef idx="minor">
-            <a:schemeClr val="lt1"/>
-          </a:fontRef>
-        </p:style>
-        <p:txBody>
-          <a:bodyPr rtlCol="0" anchor="ctr"/>
-          <a:lstStyle/>
-          <a:p>
-            <a:pPr algn="ctr"/>
-            <a:endParaRPr lang="ru-RU"/>
-          </a:p>
-        </p:txBody>
-      </p:sp>
+      </p:pic>
+      <p:pic>
+        <p:nvPicPr>
+          <p:cNvPr id="7" name="Рисунок 6">
+            <a:extLst>
+              <a:ext uri="{FF2B5EF4-FFF2-40B4-BE49-F238E27FC236}">
+                <a16:creationId xmlns:a16="http://schemas.microsoft.com/office/drawing/2014/main" id="{CA19D24E-D7D7-1FF8-424D-1946776C5BBC}"/>
+              </a:ext>
+            </a:extLst>
+          </p:cNvPr>
+          <p:cNvPicPr>
+            <a:picLocks noChangeAspect="1"/>
+          </p:cNvPicPr>
+          <p:nvPr/>
+        </p:nvPicPr>
+        <p:blipFill>
+          <a:blip r:embed="rId3">
+            <a:extLst>
+              <a:ext uri="{28A0092B-C50C-407E-A947-70E740481C1C}">
+                <a14:useLocalDpi xmlns:a14="http://schemas.microsoft.com/office/drawing/2010/main" val="0"/>
+              </a:ext>
+            </a:extLst>
+          </a:blip>
+          <a:stretch>
+            <a:fillRect/>
+          </a:stretch>
+        </p:blipFill>
+        <p:spPr>
+          <a:xfrm>
+            <a:off x="732123" y="905168"/>
+            <a:ext cx="5029763" cy="3030148"/>
+          </a:xfrm>
+          <a:prstGeom prst="rect">
+            <a:avLst/>
+          </a:prstGeom>
+        </p:spPr>
+      </p:pic>
+      <p:pic>
+        <p:nvPicPr>
+          <p:cNvPr id="10" name="Рисунок 9">
+            <a:extLst>
+              <a:ext uri="{FF2B5EF4-FFF2-40B4-BE49-F238E27FC236}">
+                <a16:creationId xmlns:a16="http://schemas.microsoft.com/office/drawing/2014/main" id="{21886FD3-BFA5-12FB-CDF8-FCD964C3D18D}"/>
+              </a:ext>
+            </a:extLst>
+          </p:cNvPr>
+          <p:cNvPicPr>
+            <a:picLocks noChangeAspect="1"/>
+          </p:cNvPicPr>
+          <p:nvPr/>
+        </p:nvPicPr>
+        <p:blipFill>
+          <a:blip r:embed="rId4">
+            <a:extLst>
+              <a:ext uri="{28A0092B-C50C-407E-A947-70E740481C1C}">
+                <a14:useLocalDpi xmlns:a14="http://schemas.microsoft.com/office/drawing/2010/main" val="0"/>
+              </a:ext>
+            </a:extLst>
+          </a:blip>
+          <a:stretch>
+            <a:fillRect/>
+          </a:stretch>
+        </p:blipFill>
+        <p:spPr>
+          <a:xfrm>
+            <a:off x="6430114" y="905168"/>
+            <a:ext cx="5029763" cy="3030148"/>
+          </a:xfrm>
+          <a:prstGeom prst="rect">
+            <a:avLst/>
+          </a:prstGeom>
+        </p:spPr>
+      </p:pic>
     </p:spTree>
     <p:extLst>
       <p:ext uri="{BB962C8B-B14F-4D97-AF65-F5344CB8AC3E}">
-        <p14:creationId xmlns:p14="http://schemas.microsoft.com/office/powerpoint/2010/main" val="691814135"/>
+        <p14:creationId xmlns:p14="http://schemas.microsoft.com/office/powerpoint/2010/main" val="540495309"/>
       </p:ext>
     </p:extLst>
   </p:cSld>
@@ -4755,7 +6898,7 @@
           <p:cNvPr id="2" name="Заголовок 1">
             <a:extLst>
               <a:ext uri="{FF2B5EF4-FFF2-40B4-BE49-F238E27FC236}">
-                <a16:creationId xmlns:a16="http://schemas.microsoft.com/office/drawing/2014/main" id="{18E61C09-41FB-EDEF-8772-01403898B058}"/>
+                <a16:creationId xmlns:a16="http://schemas.microsoft.com/office/drawing/2014/main" id="{C096CDE3-18BD-BD46-044F-56BEB58AEB23}"/>
               </a:ext>
             </a:extLst>
           </p:cNvPr>
@@ -4768,8 +6911,8 @@
         </p:nvSpPr>
         <p:spPr>
           <a:xfrm>
-            <a:off x="650310" y="286512"/>
-            <a:ext cx="10515600" cy="887478"/>
+            <a:off x="173181" y="132484"/>
+            <a:ext cx="10515600" cy="1325563"/>
           </a:xfrm>
         </p:spPr>
         <p:txBody>
@@ -4778,7 +6921,7 @@
           <a:p>
             <a:r>
               <a:rPr lang="ru-RU" dirty="0"/>
-              <a:t>Структура ПО</a:t>
+              <a:t>Средние значения критериев</a:t>
             </a:r>
           </a:p>
         </p:txBody>
@@ -4788,7 +6931,7 @@
           <p:cNvPr id="6" name="Объект 5">
             <a:extLst>
               <a:ext uri="{FF2B5EF4-FFF2-40B4-BE49-F238E27FC236}">
-                <a16:creationId xmlns:a16="http://schemas.microsoft.com/office/drawing/2014/main" id="{5E69109B-47CD-BBEA-259E-6CC514E30E12}"/>
+                <a16:creationId xmlns:a16="http://schemas.microsoft.com/office/drawing/2014/main" id="{6A468BBC-5D54-838B-673D-1DA90D1561A5}"/>
               </a:ext>
             </a:extLst>
           </p:cNvPr>
@@ -4813,17 +6956,17 @@
         </p:blipFill>
         <p:spPr>
           <a:xfrm>
-            <a:off x="650310" y="1491685"/>
-            <a:ext cx="7355074" cy="4546969"/>
+            <a:off x="381531" y="1458047"/>
+            <a:ext cx="6773809" cy="4044020"/>
           </a:xfrm>
         </p:spPr>
       </p:pic>
       <p:sp>
         <p:nvSpPr>
-          <p:cNvPr id="3" name="Номер слайда 2">
-            <a:extLst>
-              <a:ext uri="{FF2B5EF4-FFF2-40B4-BE49-F238E27FC236}">
-                <a16:creationId xmlns:a16="http://schemas.microsoft.com/office/drawing/2014/main" id="{1AF9E109-AC00-A52F-F359-158934ADEA13}"/>
+          <p:cNvPr id="4" name="Номер слайда 3">
+            <a:extLst>
+              <a:ext uri="{FF2B5EF4-FFF2-40B4-BE49-F238E27FC236}">
+                <a16:creationId xmlns:a16="http://schemas.microsoft.com/office/drawing/2014/main" id="{6F1D9BEE-FB89-B848-E26F-4CD7B632C53F}"/>
               </a:ext>
             </a:extLst>
           </p:cNvPr>
@@ -4841,77 +6984,246 @@
           <a:p>
             <a:fld id="{EB2452EA-49EB-437E-AEAF-228AB19C4ED2}" type="slidenum">
               <a:rPr lang="ru-RU" smtClean="0"/>
+              <a:pPr/>
               <a:t>13</a:t>
             </a:fld>
-            <a:endParaRPr lang="ru-RU"/>
-          </a:p>
-        </p:txBody>
-      </p:sp>
-      <p:sp>
-        <p:nvSpPr>
-          <p:cNvPr id="4" name="TextBox 3">
-            <a:extLst>
-              <a:ext uri="{FF2B5EF4-FFF2-40B4-BE49-F238E27FC236}">
-                <a16:creationId xmlns:a16="http://schemas.microsoft.com/office/drawing/2014/main" id="{3D9F6196-D7B8-CE77-D9D7-36B43237D4DA}"/>
-              </a:ext>
-            </a:extLst>
-          </p:cNvPr>
-          <p:cNvSpPr txBox="1"/>
-          <p:nvPr/>
-        </p:nvSpPr>
-        <p:spPr>
-          <a:xfrm>
-            <a:off x="8281423" y="4407438"/>
-            <a:ext cx="3494762" cy="1631216"/>
-          </a:xfrm>
-          <a:prstGeom prst="rect">
-            <a:avLst/>
-          </a:prstGeom>
-          <a:noFill/>
-        </p:spPr>
-        <p:txBody>
-          <a:bodyPr wrap="square" rtlCol="0">
-            <a:spAutoFit/>
-          </a:bodyPr>
-          <a:lstStyle/>
-          <a:p>
-            <a:r>
-              <a:rPr lang="ru-RU" sz="2000" dirty="0">
-                <a:latin typeface="+mj-lt"/>
-              </a:rPr>
-              <a:t>Примечание: При проектировании использовался шаблон  </a:t>
-            </a:r>
-            <a:r>
-              <a:rPr lang="en-US" sz="2000" dirty="0">
-                <a:latin typeface="+mj-lt"/>
-              </a:rPr>
-              <a:t>MVC – </a:t>
-            </a:r>
-            <a:r>
-              <a:rPr lang="ru-RU" sz="2000" dirty="0">
-                <a:latin typeface="+mj-lt"/>
-              </a:rPr>
-              <a:t>модель-представление</a:t>
-            </a:r>
-            <a:r>
-              <a:rPr lang="en-US" sz="2000" dirty="0">
-                <a:latin typeface="+mj-lt"/>
-              </a:rPr>
-              <a:t>-</a:t>
-            </a:r>
-            <a:r>
-              <a:rPr lang="ru-RU" sz="2000" dirty="0">
-                <a:latin typeface="+mj-lt"/>
-              </a:rPr>
-              <a:t>контролер</a:t>
-            </a:r>
-          </a:p>
-        </p:txBody>
-      </p:sp>
+            <a:endParaRPr lang="ru-RU" dirty="0"/>
+          </a:p>
+        </p:txBody>
+      </p:sp>
+      <p:graphicFrame>
+        <p:nvGraphicFramePr>
+          <p:cNvPr id="7" name="Таблица 7">
+            <a:extLst>
+              <a:ext uri="{FF2B5EF4-FFF2-40B4-BE49-F238E27FC236}">
+                <a16:creationId xmlns:a16="http://schemas.microsoft.com/office/drawing/2014/main" id="{CD7F5270-F1E7-D665-414F-9AB3F8BDA255}"/>
+              </a:ext>
+            </a:extLst>
+          </p:cNvPr>
+          <p:cNvGraphicFramePr>
+            <a:graphicFrameLocks noGrp="1"/>
+          </p:cNvGraphicFramePr>
+          <p:nvPr>
+            <p:extLst>
+              <p:ext uri="{D42A27DB-BD31-4B8C-83A1-F6EECF244321}">
+                <p14:modId xmlns:p14="http://schemas.microsoft.com/office/powerpoint/2010/main" val="2747116155"/>
+              </p:ext>
+            </p:extLst>
+          </p:nvPr>
+        </p:nvGraphicFramePr>
+        <p:xfrm>
+          <a:off x="7363690" y="1458047"/>
+          <a:ext cx="2507674" cy="3131386"/>
+        </p:xfrm>
+        <a:graphic>
+          <a:graphicData uri="http://schemas.openxmlformats.org/drawingml/2006/table">
+            <a:tbl>
+              <a:tblPr firstRow="1" bandRow="1">
+                <a:tableStyleId>{5C22544A-7EE6-4342-B048-85BDC9FD1C3A}</a:tableStyleId>
+              </a:tblPr>
+              <a:tblGrid>
+                <a:gridCol w="1435485">
+                  <a:extLst>
+                    <a:ext uri="{9D8B030D-6E8A-4147-A177-3AD203B41FA5}">
+                      <a16:colId xmlns:a16="http://schemas.microsoft.com/office/drawing/2014/main" val="1224759174"/>
+                    </a:ext>
+                  </a:extLst>
+                </a:gridCol>
+                <a:gridCol w="566498">
+                  <a:extLst>
+                    <a:ext uri="{9D8B030D-6E8A-4147-A177-3AD203B41FA5}">
+                      <a16:colId xmlns:a16="http://schemas.microsoft.com/office/drawing/2014/main" val="3915079474"/>
+                    </a:ext>
+                  </a:extLst>
+                </a:gridCol>
+                <a:gridCol w="505691">
+                  <a:extLst>
+                    <a:ext uri="{9D8B030D-6E8A-4147-A177-3AD203B41FA5}">
+                      <a16:colId xmlns:a16="http://schemas.microsoft.com/office/drawing/2014/main" val="2463428845"/>
+                    </a:ext>
+                  </a:extLst>
+                </a:gridCol>
+              </a:tblGrid>
+              <a:tr h="2033298">
+                <a:tc>
+                  <a:txBody>
+                    <a:bodyPr/>
+                    <a:lstStyle/>
+                    <a:p>
+                      <a:pPr algn="ctr"/>
+                      <a:endParaRPr lang="ru-RU" dirty="0"/>
+                    </a:p>
+                  </a:txBody>
+                  <a:tcPr vert="vert" anchor="ctr"/>
+                </a:tc>
+                <a:tc>
+                  <a:txBody>
+                    <a:bodyPr/>
+                    <a:lstStyle/>
+                    <a:p>
+                      <a:pPr algn="ctr"/>
+                      <a:r>
+                        <a:rPr lang="ru-RU" dirty="0"/>
+                        <a:t>Положительный %</a:t>
+                      </a:r>
+                    </a:p>
+                  </a:txBody>
+                  <a:tcPr vert="vert" anchor="ctr"/>
+                </a:tc>
+                <a:tc>
+                  <a:txBody>
+                    <a:bodyPr/>
+                    <a:lstStyle/>
+                    <a:p>
+                      <a:pPr algn="ctr"/>
+                      <a:r>
+                        <a:rPr lang="ru-RU" dirty="0"/>
+                        <a:t>Отрицательный %</a:t>
+                      </a:r>
+                    </a:p>
+                  </a:txBody>
+                  <a:tcPr vert="vert" anchor="ctr"/>
+                </a:tc>
+                <a:extLst>
+                  <a:ext uri="{0D108BD9-81ED-4DB2-BD59-A6C34878D82A}">
+                    <a16:rowId xmlns:a16="http://schemas.microsoft.com/office/drawing/2014/main" val="106782782"/>
+                  </a:ext>
+                </a:extLst>
+              </a:tr>
+              <a:tr h="356870">
+                <a:tc>
+                  <a:txBody>
+                    <a:bodyPr/>
+                    <a:lstStyle/>
+                    <a:p>
+                      <a:pPr algn="l"/>
+                      <a:r>
+                        <a:rPr lang="en-US" dirty="0" err="1"/>
+                        <a:t>Yake</a:t>
+                      </a:r>
+                      <a:endParaRPr lang="ru-RU" dirty="0"/>
+                    </a:p>
+                  </a:txBody>
+                  <a:tcPr/>
+                </a:tc>
+                <a:tc>
+                  <a:txBody>
+                    <a:bodyPr/>
+                    <a:lstStyle/>
+                    <a:p>
+                      <a:endParaRPr lang="ru-RU" dirty="0"/>
+                    </a:p>
+                  </a:txBody>
+                  <a:tcPr vert="vert"/>
+                </a:tc>
+                <a:tc>
+                  <a:txBody>
+                    <a:bodyPr/>
+                    <a:lstStyle/>
+                    <a:p>
+                      <a:endParaRPr lang="ru-RU"/>
+                    </a:p>
+                  </a:txBody>
+                  <a:tcPr vert="vert"/>
+                </a:tc>
+                <a:extLst>
+                  <a:ext uri="{0D108BD9-81ED-4DB2-BD59-A6C34878D82A}">
+                    <a16:rowId xmlns:a16="http://schemas.microsoft.com/office/drawing/2014/main" val="1010736138"/>
+                  </a:ext>
+                </a:extLst>
+              </a:tr>
+              <a:tr h="330546">
+                <a:tc>
+                  <a:txBody>
+                    <a:bodyPr/>
+                    <a:lstStyle/>
+                    <a:p>
+                      <a:pPr algn="l"/>
+                      <a:r>
+                        <a:rPr lang="en-US" dirty="0"/>
+                        <a:t>Rake</a:t>
+                      </a:r>
+                      <a:endParaRPr lang="ru-RU" dirty="0"/>
+                    </a:p>
+                  </a:txBody>
+                  <a:tcPr/>
+                </a:tc>
+                <a:tc>
+                  <a:txBody>
+                    <a:bodyPr/>
+                    <a:lstStyle/>
+                    <a:p>
+                      <a:endParaRPr lang="ru-RU" dirty="0"/>
+                    </a:p>
+                  </a:txBody>
+                  <a:tcPr vert="vert"/>
+                </a:tc>
+                <a:tc>
+                  <a:txBody>
+                    <a:bodyPr/>
+                    <a:lstStyle/>
+                    <a:p>
+                      <a:endParaRPr lang="ru-RU"/>
+                    </a:p>
+                  </a:txBody>
+                  <a:tcPr vert="vert"/>
+                </a:tc>
+                <a:extLst>
+                  <a:ext uri="{0D108BD9-81ED-4DB2-BD59-A6C34878D82A}">
+                    <a16:rowId xmlns:a16="http://schemas.microsoft.com/office/drawing/2014/main" val="1871428474"/>
+                  </a:ext>
+                </a:extLst>
+              </a:tr>
+              <a:tr h="366568">
+                <a:tc>
+                  <a:txBody>
+                    <a:bodyPr/>
+                    <a:lstStyle/>
+                    <a:p>
+                      <a:pPr algn="l"/>
+                      <a:r>
+                        <a:rPr lang="en-US" dirty="0" err="1"/>
+                        <a:t>Textrank</a:t>
+                      </a:r>
+                      <a:endParaRPr lang="ru-RU" dirty="0"/>
+                    </a:p>
+                  </a:txBody>
+                  <a:tcPr/>
+                </a:tc>
+                <a:tc>
+                  <a:txBody>
+                    <a:bodyPr/>
+                    <a:lstStyle/>
+                    <a:p>
+                      <a:endParaRPr lang="ru-RU"/>
+                    </a:p>
+                  </a:txBody>
+                  <a:tcPr vert="vert"/>
+                </a:tc>
+                <a:tc>
+                  <a:txBody>
+                    <a:bodyPr/>
+                    <a:lstStyle/>
+                    <a:p>
+                      <a:endParaRPr lang="ru-RU" dirty="0"/>
+                    </a:p>
+                  </a:txBody>
+                  <a:tcPr vert="vert"/>
+                </a:tc>
+                <a:extLst>
+                  <a:ext uri="{0D108BD9-81ED-4DB2-BD59-A6C34878D82A}">
+                    <a16:rowId xmlns:a16="http://schemas.microsoft.com/office/drawing/2014/main" val="802800378"/>
+                  </a:ext>
+                </a:extLst>
+              </a:tr>
+            </a:tbl>
+          </a:graphicData>
+        </a:graphic>
+      </p:graphicFrame>
     </p:spTree>
     <p:extLst>
       <p:ext uri="{BB962C8B-B14F-4D97-AF65-F5344CB8AC3E}">
-        <p14:creationId xmlns:p14="http://schemas.microsoft.com/office/powerpoint/2010/main" val="278425043"/>
+        <p14:creationId xmlns:p14="http://schemas.microsoft.com/office/powerpoint/2010/main" val="3302392881"/>
       </p:ext>
     </p:extLst>
   </p:cSld>
@@ -4943,7 +7255,7 @@
           <p:cNvPr id="2" name="Заголовок 1">
             <a:extLst>
               <a:ext uri="{FF2B5EF4-FFF2-40B4-BE49-F238E27FC236}">
-                <a16:creationId xmlns:a16="http://schemas.microsoft.com/office/drawing/2014/main" id="{8EC2828D-B112-33D2-D748-6696FAEFD065}"/>
+                <a16:creationId xmlns:a16="http://schemas.microsoft.com/office/drawing/2014/main" id="{7BE03E72-BAFC-F454-5B33-34DE962C4C5F}"/>
               </a:ext>
             </a:extLst>
           </p:cNvPr>
@@ -4961,17 +7273,33 @@
           <a:p>
             <a:r>
               <a:rPr lang="ru-RU" dirty="0"/>
-              <a:t>Исследование характеристик метода</a:t>
-            </a:r>
-          </a:p>
-        </p:txBody>
-      </p:sp>
-      <p:sp>
-        <p:nvSpPr>
-          <p:cNvPr id="7" name="Объект 6">
-            <a:extLst>
-              <a:ext uri="{FF2B5EF4-FFF2-40B4-BE49-F238E27FC236}">
-                <a16:creationId xmlns:a16="http://schemas.microsoft.com/office/drawing/2014/main" id="{0FFD8056-94AB-11F4-C167-C983F333EBC9}"/>
+              <a:t>Исследование влияния </a:t>
+            </a:r>
+            <a:r>
+              <a:rPr lang="en-US" dirty="0"/>
+              <a:t>n-</a:t>
+            </a:r>
+            <a:r>
+              <a:rPr lang="ru-RU" dirty="0"/>
+              <a:t>грамм на </a:t>
+            </a:r>
+            <a:r>
+              <a:rPr lang="ru-RU" dirty="0" err="1"/>
+              <a:t>результ</a:t>
+            </a:r>
+            <a:r>
+              <a:rPr lang="ru-RU" dirty="0"/>
+              <a:t> работы метода</a:t>
+            </a:r>
+          </a:p>
+        </p:txBody>
+      </p:sp>
+      <p:sp>
+        <p:nvSpPr>
+          <p:cNvPr id="3" name="Объект 2">
+            <a:extLst>
+              <a:ext uri="{FF2B5EF4-FFF2-40B4-BE49-F238E27FC236}">
+                <a16:creationId xmlns:a16="http://schemas.microsoft.com/office/drawing/2014/main" id="{F0C20C32-EEF7-DF2A-4A9A-5F76FA2FB909}"/>
               </a:ext>
             </a:extLst>
           </p:cNvPr>
@@ -4979,711 +7307,112 @@
             <a:spLocks noGrp="1"/>
           </p:cNvSpPr>
           <p:nvPr>
-            <p:ph sz="half" idx="1"/>
+            <p:ph idx="1"/>
           </p:nvPr>
         </p:nvSpPr>
         <p:spPr>
           <a:xfrm>
-            <a:off x="838199" y="1825624"/>
-            <a:ext cx="5457825" cy="4860925"/>
+            <a:off x="838200" y="1847850"/>
+            <a:ext cx="10515600" cy="4351338"/>
           </a:xfrm>
         </p:spPr>
         <p:txBody>
           <a:bodyPr>
-            <a:normAutofit/>
+            <a:normAutofit lnSpcReduction="10000"/>
           </a:bodyPr>
           <a:lstStyle/>
           <a:p>
-            <a:r>
-              <a:rPr lang="ru-RU" sz="2400" dirty="0">
+            <a:pPr marL="0" indent="0">
+              <a:buNone/>
+            </a:pPr>
+            <a:r>
+              <a:rPr lang="ru-RU" b="1" dirty="0">
                 <a:latin typeface="+mj-lt"/>
               </a:rPr>
-              <a:t>Выборка:</a:t>
-            </a:r>
-          </a:p>
-          <a:p>
-            <a:pPr lvl="1"/>
-            <a:r>
-              <a:rPr lang="ru-RU" sz="2000" dirty="0">
-                <a:latin typeface="+mj-lt"/>
-              </a:rPr>
-              <a:t>30 электронных документов</a:t>
-            </a:r>
-          </a:p>
-          <a:p>
-            <a:pPr marL="457200" lvl="1" indent="0">
-              <a:buNone/>
-            </a:pPr>
-            <a:endParaRPr lang="ru-RU" sz="2000" dirty="0">
-              <a:latin typeface="+mj-lt"/>
-            </a:endParaRPr>
-          </a:p>
-          <a:p>
+              <a:t>Документ</a:t>
+            </a:r>
             <a:r>
               <a:rPr lang="ru-RU" dirty="0">
                 <a:latin typeface="+mj-lt"/>
               </a:rPr>
-              <a:t>Критерии оценки</a:t>
-            </a:r>
-          </a:p>
-          <a:p>
-            <a:pPr lvl="1"/>
-            <a:r>
-              <a:rPr lang="ru-RU" sz="2000" dirty="0">
+              <a:t>: Идентификация личности по фрактальной размерности отпечатков пальцев и системы контроля и управления доступом</a:t>
+            </a:r>
+            <a:endParaRPr lang="en-US" dirty="0">
+              <a:latin typeface="+mj-lt"/>
+            </a:endParaRPr>
+          </a:p>
+          <a:p>
+            <a:pPr marL="0" indent="0">
+              <a:buNone/>
+            </a:pPr>
+            <a:r>
+              <a:rPr lang="ru-RU" dirty="0">
                 <a:latin typeface="+mj-lt"/>
               </a:rPr>
-              <a:t>Процент пересечения авторских ключевых слов с КС полученными от методов</a:t>
-            </a:r>
-          </a:p>
-          <a:p>
-            <a:r>
-              <a:rPr lang="ru-RU" sz="2400" dirty="0">
+              <a:t> </a:t>
+            </a:r>
+          </a:p>
+          <a:p>
+            <a:pPr marL="0" indent="0">
+              <a:buNone/>
+            </a:pPr>
+            <a:r>
+              <a:rPr lang="ru-RU" b="1" dirty="0">
                 <a:latin typeface="+mj-lt"/>
               </a:rPr>
-              <a:t>Ограничения:</a:t>
-            </a:r>
-          </a:p>
-          <a:p>
-            <a:pPr lvl="1"/>
-            <a:r>
-              <a:rPr lang="ru-RU" sz="2000" dirty="0">
+              <a:t>Ссылка на документ</a:t>
+            </a:r>
+            <a:r>
+              <a:rPr lang="ru-RU" dirty="0">
                 <a:latin typeface="+mj-lt"/>
               </a:rPr>
-              <a:t>Текст документа содержит в себе только одну тему</a:t>
-            </a:r>
-          </a:p>
-          <a:p>
-            <a:pPr lvl="1"/>
-            <a:r>
-              <a:rPr lang="ru-RU" sz="2000" dirty="0">
+              <a:t>: </a:t>
+            </a:r>
+            <a:r>
+              <a:rPr lang="en-US" dirty="0">
+                <a:latin typeface="+mj-lt"/>
+                <a:hlinkClick r:id="rId2"/>
+              </a:rPr>
+              <a:t>https://cyberleninka.ru/article/n/identifikatsiya-lichnosti-po-fraktalnoy-razmernosti-otpechatkov-paltsev-i-sistemy-kontrolya-i-upravleniya-dostupom.pdf</a:t>
+            </a:r>
+            <a:endParaRPr lang="en-US" dirty="0">
+              <a:latin typeface="+mj-lt"/>
+            </a:endParaRPr>
+          </a:p>
+          <a:p>
+            <a:pPr marL="0" indent="0">
+              <a:buNone/>
+            </a:pPr>
+            <a:endParaRPr lang="en-US" dirty="0">
+              <a:latin typeface="+mj-lt"/>
+            </a:endParaRPr>
+          </a:p>
+          <a:p>
+            <a:pPr marL="0" indent="0">
+              <a:buNone/>
+            </a:pPr>
+            <a:r>
+              <a:rPr lang="ru-RU" dirty="0">
                 <a:latin typeface="+mj-lt"/>
               </a:rPr>
-              <a:t>Документ написан на русском языке</a:t>
-            </a:r>
-          </a:p>
-          <a:p>
-            <a:pPr lvl="1"/>
-            <a:r>
-              <a:rPr lang="ru-RU" sz="2000" dirty="0">
-                <a:latin typeface="+mj-lt"/>
-              </a:rPr>
-              <a:t>Документ формата </a:t>
-            </a:r>
-            <a:r>
-              <a:rPr lang="en-US" sz="2000" dirty="0">
-                <a:latin typeface="+mj-lt"/>
-              </a:rPr>
-              <a:t>PDF</a:t>
-            </a:r>
-            <a:endParaRPr lang="ru-RU" sz="2000" dirty="0">
+              <a:t>Ключевые слова выделенные автором: биометрия, отпечаток пальца, фрактал, фрактальная размерность, идентификация и аутентификация личности, СКУД</a:t>
+            </a:r>
+            <a:r>
+              <a:rPr lang="ru-RU" dirty="0"/>
+              <a:t>.</a:t>
+            </a:r>
+            <a:endParaRPr lang="ru-RU" dirty="0">
               <a:latin typeface="+mj-lt"/>
             </a:endParaRPr>
           </a:p>
-          <a:p>
-            <a:pPr lvl="1"/>
-            <a:r>
-              <a:rPr lang="ru-RU" sz="2000" dirty="0">
-                <a:latin typeface="+mj-lt"/>
-              </a:rPr>
-              <a:t>Текст должен содержать не менее 50 слов</a:t>
-            </a:r>
-          </a:p>
-          <a:p>
-            <a:pPr lvl="1"/>
-            <a:endParaRPr lang="ru-RU" sz="2000" dirty="0">
-              <a:latin typeface="+mj-lt"/>
-            </a:endParaRPr>
-          </a:p>
-        </p:txBody>
-      </p:sp>
-      <mc:AlternateContent xmlns:mc="http://schemas.openxmlformats.org/markup-compatibility/2006" xmlns:a14="http://schemas.microsoft.com/office/drawing/2010/main">
-        <mc:Choice Requires="a14">
-          <p:sp>
-            <p:nvSpPr>
-              <p:cNvPr id="11" name="Объект 10">
-                <a:extLst>
-                  <a:ext uri="{FF2B5EF4-FFF2-40B4-BE49-F238E27FC236}">
-                    <a16:creationId xmlns:a16="http://schemas.microsoft.com/office/drawing/2014/main" id="{D3F6C295-938F-1598-404E-BB93341AB3AC}"/>
-                  </a:ext>
-                </a:extLst>
-              </p:cNvPr>
-              <p:cNvSpPr>
-                <a:spLocks noGrp="1"/>
-              </p:cNvSpPr>
-              <p:nvPr>
-                <p:ph sz="half" idx="2"/>
-              </p:nvPr>
-            </p:nvSpPr>
-            <p:spPr/>
-            <p:txBody>
-              <a:bodyPr>
-                <a:normAutofit/>
-              </a:bodyPr>
-              <a:lstStyle/>
-              <a:p>
-                <a:pPr marL="0" indent="0" algn="ctr">
-                  <a:buNone/>
-                </a:pPr>
-                <a14:m>
-                  <m:oMath xmlns:m="http://schemas.openxmlformats.org/officeDocument/2006/math">
-                    <m:r>
-                      <a:rPr lang="en-US" b="0" i="1" smtClean="0">
-                        <a:latin typeface="Cambria Math" panose="02040503050406030204" pitchFamily="18" charset="0"/>
-                      </a:rPr>
-                      <m:t>𝑅</m:t>
-                    </m:r>
-                    <m:r>
-                      <a:rPr lang="en-US" b="0" i="1" smtClean="0">
-                        <a:latin typeface="Cambria Math" panose="02040503050406030204" pitchFamily="18" charset="0"/>
-                      </a:rPr>
-                      <m:t>= </m:t>
-                    </m:r>
-                    <m:f>
-                      <m:fPr>
-                        <m:ctrlPr>
-                          <a:rPr lang="en-US" b="0" i="1" smtClean="0">
-                            <a:latin typeface="Cambria Math" panose="02040503050406030204" pitchFamily="18" charset="0"/>
-                          </a:rPr>
-                        </m:ctrlPr>
-                      </m:fPr>
-                      <m:num>
-                        <m:sSub>
-                          <m:sSubPr>
-                            <m:ctrlPr>
-                              <a:rPr lang="en-US" b="0" i="1" smtClean="0">
-                                <a:latin typeface="Cambria Math" panose="02040503050406030204" pitchFamily="18" charset="0"/>
-                              </a:rPr>
-                            </m:ctrlPr>
-                          </m:sSubPr>
-                          <m:e>
-                            <m:r>
-                              <a:rPr lang="en-US" b="0" i="1" smtClean="0">
-                                <a:latin typeface="Cambria Math" panose="02040503050406030204" pitchFamily="18" charset="0"/>
-                              </a:rPr>
-                              <m:t>𝑁</m:t>
-                            </m:r>
-                          </m:e>
-                          <m:sub>
-                            <m:r>
-                              <a:rPr lang="en-US" b="0" i="1" smtClean="0">
-                                <a:latin typeface="Cambria Math" panose="02040503050406030204" pitchFamily="18" charset="0"/>
-                              </a:rPr>
-                              <m:t>𝑑𝑜𝑐</m:t>
-                            </m:r>
-                          </m:sub>
-                        </m:sSub>
-                      </m:num>
-                      <m:den>
-                        <m:sSub>
-                          <m:sSubPr>
-                            <m:ctrlPr>
-                              <a:rPr lang="en-US" b="0" i="1" smtClean="0">
-                                <a:latin typeface="Cambria Math" panose="02040503050406030204" pitchFamily="18" charset="0"/>
-                              </a:rPr>
-                            </m:ctrlPr>
-                          </m:sSubPr>
-                          <m:e>
-                            <m:r>
-                              <a:rPr lang="en-US" b="0" i="1" smtClean="0">
-                                <a:latin typeface="Cambria Math" panose="02040503050406030204" pitchFamily="18" charset="0"/>
-                              </a:rPr>
-                              <m:t>𝑁</m:t>
-                            </m:r>
-                          </m:e>
-                          <m:sub>
-                            <m:r>
-                              <a:rPr lang="en-US" b="0" i="1" smtClean="0">
-                                <a:latin typeface="Cambria Math" panose="02040503050406030204" pitchFamily="18" charset="0"/>
-                              </a:rPr>
-                              <m:t>𝑐𝑟𝑜𝑠𝑠</m:t>
-                            </m:r>
-                          </m:sub>
-                        </m:sSub>
-                      </m:den>
-                    </m:f>
-                  </m:oMath>
-                </a14:m>
-                <a:r>
-                  <a:rPr lang="en-US" dirty="0">
-                    <a:latin typeface="+mj-lt"/>
-                  </a:rPr>
-                  <a:t> </a:t>
-                </a:r>
-                <a:r>
-                  <a:rPr lang="ru-RU" dirty="0">
-                    <a:latin typeface="+mj-lt"/>
-                  </a:rPr>
-                  <a:t>  (1)</a:t>
-                </a:r>
-                <a:endParaRPr lang="en-US" dirty="0">
-                  <a:latin typeface="+mj-lt"/>
-                </a:endParaRPr>
-              </a:p>
-              <a:p>
-                <a:pPr marL="0" indent="0" algn="ctr">
-                  <a:buNone/>
-                </a:pPr>
-                <a:endParaRPr lang="en-US" b="0" i="1" dirty="0">
-                  <a:latin typeface="+mj-lt"/>
-                </a:endParaRPr>
-              </a:p>
-              <a:p>
-                <a:pPr marL="0" indent="0" algn="ctr">
-                  <a:buNone/>
-                </a:pPr>
-                <a:r>
-                  <a:rPr lang="en-US" b="0" dirty="0">
-                    <a:latin typeface="+mj-lt"/>
-                  </a:rPr>
-                  <a:t> </a:t>
-                </a:r>
-                <a14:m>
-                  <m:oMath xmlns:m="http://schemas.openxmlformats.org/officeDocument/2006/math">
-                    <m:sSub>
-                      <m:sSubPr>
-                        <m:ctrlPr>
-                          <a:rPr lang="en-US" b="0" i="1" smtClean="0">
-                            <a:latin typeface="Cambria Math" panose="02040503050406030204" pitchFamily="18" charset="0"/>
-                          </a:rPr>
-                        </m:ctrlPr>
-                      </m:sSubPr>
-                      <m:e>
-                        <m:r>
-                          <a:rPr lang="en-US" b="0" i="1" smtClean="0">
-                            <a:latin typeface="Cambria Math" panose="02040503050406030204" pitchFamily="18" charset="0"/>
-                          </a:rPr>
-                          <m:t>𝑅</m:t>
-                        </m:r>
-                      </m:e>
-                      <m:sub>
-                        <m:r>
-                          <a:rPr lang="en-US" b="0" i="1" smtClean="0">
-                            <a:latin typeface="Cambria Math" panose="02040503050406030204" pitchFamily="18" charset="0"/>
-                          </a:rPr>
-                          <m:t>𝑚𝑖𝑑</m:t>
-                        </m:r>
-                      </m:sub>
-                    </m:sSub>
-                    <m:r>
-                      <a:rPr lang="en-US" b="0" i="1" smtClean="0">
-                        <a:latin typeface="Cambria Math" panose="02040503050406030204" pitchFamily="18" charset="0"/>
-                      </a:rPr>
-                      <m:t>= </m:t>
-                    </m:r>
-                    <m:f>
-                      <m:fPr>
-                        <m:ctrlPr>
-                          <a:rPr lang="en-US" b="0" i="1" smtClean="0">
-                            <a:latin typeface="Cambria Math" panose="02040503050406030204" pitchFamily="18" charset="0"/>
-                          </a:rPr>
-                        </m:ctrlPr>
-                      </m:fPr>
-                      <m:num>
-                        <m:nary>
-                          <m:naryPr>
-                            <m:chr m:val="∑"/>
-                            <m:ctrlPr>
-                              <a:rPr lang="en-US" b="0" i="1" smtClean="0">
-                                <a:latin typeface="Cambria Math" panose="02040503050406030204" pitchFamily="18" charset="0"/>
-                              </a:rPr>
-                            </m:ctrlPr>
-                          </m:naryPr>
-                          <m:sub>
-                            <m:r>
-                              <m:rPr>
-                                <m:brk m:alnAt="23"/>
-                              </m:rPr>
-                              <a:rPr lang="en-US" b="0" i="1" smtClean="0">
-                                <a:latin typeface="Cambria Math" panose="02040503050406030204" pitchFamily="18" charset="0"/>
-                              </a:rPr>
-                              <m:t>0</m:t>
-                            </m:r>
-                          </m:sub>
-                          <m:sup>
-                            <m:r>
-                              <a:rPr lang="en-US" b="0" i="1" smtClean="0">
-                                <a:latin typeface="Cambria Math" panose="02040503050406030204" pitchFamily="18" charset="0"/>
-                              </a:rPr>
-                              <m:t>𝑁</m:t>
-                            </m:r>
-                          </m:sup>
-                          <m:e>
-                            <m:r>
-                              <a:rPr lang="en-US" b="0" i="1" smtClean="0">
-                                <a:latin typeface="Cambria Math" panose="02040503050406030204" pitchFamily="18" charset="0"/>
-                              </a:rPr>
-                              <m:t>𝑅</m:t>
-                            </m:r>
-                          </m:e>
-                        </m:nary>
-                      </m:num>
-                      <m:den>
-                        <m:r>
-                          <a:rPr lang="en-US" b="0" i="1" smtClean="0">
-                            <a:latin typeface="Cambria Math" panose="02040503050406030204" pitchFamily="18" charset="0"/>
-                          </a:rPr>
-                          <m:t>𝑁</m:t>
-                        </m:r>
-                      </m:den>
-                    </m:f>
-                  </m:oMath>
-                </a14:m>
-                <a:r>
-                  <a:rPr lang="en-US" dirty="0">
-                    <a:latin typeface="+mj-lt"/>
-                  </a:rPr>
-                  <a:t> </a:t>
-                </a:r>
-                <a:r>
-                  <a:rPr lang="ru-RU" dirty="0">
-                    <a:latin typeface="+mj-lt"/>
-                  </a:rPr>
-                  <a:t>  (2)</a:t>
-                </a:r>
-                <a:endParaRPr lang="en-US" dirty="0">
-                  <a:latin typeface="+mj-lt"/>
-                </a:endParaRPr>
-              </a:p>
-              <a:p>
-                <a:pPr marL="0" indent="0" algn="ctr">
-                  <a:buNone/>
-                </a:pPr>
-                <a:endParaRPr lang="en-US" b="0" i="1" dirty="0">
-                  <a:latin typeface="+mj-lt"/>
-                </a:endParaRPr>
-              </a:p>
-              <a:p>
-                <a:pPr marL="0" indent="0" algn="ctr">
-                  <a:buNone/>
-                </a:pPr>
-                <a14:m>
-                  <m:oMath xmlns:m="http://schemas.openxmlformats.org/officeDocument/2006/math">
-                    <m:sSub>
-                      <m:sSubPr>
-                        <m:ctrlPr>
-                          <a:rPr lang="en-US" b="0" i="1" smtClean="0">
-                            <a:latin typeface="Cambria Math" panose="02040503050406030204" pitchFamily="18" charset="0"/>
-                          </a:rPr>
-                        </m:ctrlPr>
-                      </m:sSubPr>
-                      <m:e>
-                        <m:r>
-                          <a:rPr lang="en-US" b="0" i="1" smtClean="0">
-                            <a:latin typeface="Cambria Math" panose="02040503050406030204" pitchFamily="18" charset="0"/>
-                          </a:rPr>
-                          <m:t>𝑅</m:t>
-                        </m:r>
-                      </m:e>
-                      <m:sub>
-                        <m:r>
-                          <a:rPr lang="en-US" b="0" i="1" smtClean="0">
-                            <a:latin typeface="Cambria Math" panose="02040503050406030204" pitchFamily="18" charset="0"/>
-                          </a:rPr>
-                          <m:t>𝑚𝑖𝑛</m:t>
-                        </m:r>
-                      </m:sub>
-                    </m:sSub>
-                    <m:r>
-                      <a:rPr lang="en-US" b="0" i="1" smtClean="0">
-                        <a:latin typeface="Cambria Math" panose="02040503050406030204" pitchFamily="18" charset="0"/>
-                      </a:rPr>
-                      <m:t>= </m:t>
-                    </m:r>
-                    <m:func>
-                      <m:funcPr>
-                        <m:ctrlPr>
-                          <a:rPr lang="en-US" b="0" i="1" smtClean="0">
-                            <a:latin typeface="Cambria Math" panose="02040503050406030204" pitchFamily="18" charset="0"/>
-                          </a:rPr>
-                        </m:ctrlPr>
-                      </m:funcPr>
-                      <m:fName>
-                        <m:limLow>
-                          <m:limLowPr>
-                            <m:ctrlPr>
-                              <a:rPr lang="en-US" b="0" i="1" smtClean="0">
-                                <a:latin typeface="Cambria Math" panose="02040503050406030204" pitchFamily="18" charset="0"/>
-                              </a:rPr>
-                            </m:ctrlPr>
-                          </m:limLowPr>
-                          <m:e>
-                            <m:r>
-                              <m:rPr>
-                                <m:sty m:val="p"/>
-                              </m:rPr>
-                              <a:rPr lang="en-US" b="0" i="0" smtClean="0">
-                                <a:latin typeface="Cambria Math" panose="02040503050406030204" pitchFamily="18" charset="0"/>
-                              </a:rPr>
-                              <m:t>min</m:t>
-                            </m:r>
-                          </m:e>
-                          <m:lim>
-                            <m:r>
-                              <a:rPr lang="en-US" b="0" i="1" smtClean="0">
-                                <a:latin typeface="Cambria Math" panose="02040503050406030204" pitchFamily="18" charset="0"/>
-                              </a:rPr>
-                              <m:t>𝑛</m:t>
-                            </m:r>
-                            <m:r>
-                              <a:rPr lang="en-US" b="0" i="1" smtClean="0">
-                                <a:latin typeface="Cambria Math" panose="02040503050406030204" pitchFamily="18" charset="0"/>
-                              </a:rPr>
-                              <m:t> →</m:t>
-                            </m:r>
-                            <m:r>
-                              <a:rPr lang="en-US" b="0" i="1" smtClean="0">
-                                <a:latin typeface="Cambria Math" panose="02040503050406030204" pitchFamily="18" charset="0"/>
-                              </a:rPr>
-                              <m:t>𝑁</m:t>
-                            </m:r>
-                          </m:lim>
-                        </m:limLow>
-                      </m:fName>
-                      <m:e>
-                        <m:r>
-                          <a:rPr lang="en-US" b="0" i="1" smtClean="0">
-                            <a:latin typeface="Cambria Math" panose="02040503050406030204" pitchFamily="18" charset="0"/>
-                          </a:rPr>
-                          <m:t>(</m:t>
-                        </m:r>
-                        <m:sSub>
-                          <m:sSubPr>
-                            <m:ctrlPr>
-                              <a:rPr lang="en-US" b="0" i="1" smtClean="0">
-                                <a:latin typeface="Cambria Math" panose="02040503050406030204" pitchFamily="18" charset="0"/>
-                              </a:rPr>
-                            </m:ctrlPr>
-                          </m:sSubPr>
-                          <m:e>
-                            <m:r>
-                              <a:rPr lang="en-US" b="0" i="1" smtClean="0">
-                                <a:latin typeface="Cambria Math" panose="02040503050406030204" pitchFamily="18" charset="0"/>
-                              </a:rPr>
-                              <m:t>𝑅</m:t>
-                            </m:r>
-                          </m:e>
-                          <m:sub>
-                            <m:r>
-                              <a:rPr lang="en-US" b="0" i="1" smtClean="0">
-                                <a:latin typeface="Cambria Math" panose="02040503050406030204" pitchFamily="18" charset="0"/>
-                              </a:rPr>
-                              <m:t>𝑛</m:t>
-                            </m:r>
-                          </m:sub>
-                        </m:sSub>
-                        <m:r>
-                          <a:rPr lang="en-US" b="0" i="1" smtClean="0">
-                            <a:latin typeface="Cambria Math" panose="02040503050406030204" pitchFamily="18" charset="0"/>
-                          </a:rPr>
-                          <m:t>)</m:t>
-                        </m:r>
-                      </m:e>
-                    </m:func>
-                  </m:oMath>
-                </a14:m>
-                <a:r>
-                  <a:rPr lang="ru-RU" dirty="0">
-                    <a:latin typeface="+mj-lt"/>
-                  </a:rPr>
-                  <a:t>  (3)</a:t>
-                </a:r>
-                <a:endParaRPr lang="en-US" dirty="0">
-                  <a:latin typeface="+mj-lt"/>
-                </a:endParaRPr>
-              </a:p>
-              <a:p>
-                <a:pPr marL="0" indent="0" algn="ctr">
-                  <a:buNone/>
-                </a:pPr>
-                <a:endParaRPr lang="en-US" dirty="0">
-                  <a:latin typeface="+mj-lt"/>
-                </a:endParaRPr>
-              </a:p>
-              <a:p>
-                <a:pPr marL="0" indent="0" algn="ctr">
-                  <a:buNone/>
-                </a:pPr>
-                <a14:m>
-                  <m:oMath xmlns:m="http://schemas.openxmlformats.org/officeDocument/2006/math">
-                    <m:sSub>
-                      <m:sSubPr>
-                        <m:ctrlPr>
-                          <a:rPr lang="ru-RU" i="1" smtClean="0">
-                            <a:latin typeface="Cambria Math" panose="02040503050406030204" pitchFamily="18" charset="0"/>
-                          </a:rPr>
-                        </m:ctrlPr>
-                      </m:sSubPr>
-                      <m:e>
-                        <m:r>
-                          <a:rPr lang="en-US" b="0" i="1" smtClean="0">
-                            <a:latin typeface="Cambria Math" panose="02040503050406030204" pitchFamily="18" charset="0"/>
-                          </a:rPr>
-                          <m:t>𝑅</m:t>
-                        </m:r>
-                      </m:e>
-                      <m:sub>
-                        <m:r>
-                          <a:rPr lang="en-US" b="0" i="1" smtClean="0">
-                            <a:latin typeface="Cambria Math" panose="02040503050406030204" pitchFamily="18" charset="0"/>
-                          </a:rPr>
-                          <m:t>𝑚𝑎𝑥</m:t>
-                        </m:r>
-                      </m:sub>
-                    </m:sSub>
-                    <m:r>
-                      <a:rPr lang="en-US" b="0" i="0" smtClean="0">
-                        <a:latin typeface="Cambria Math" panose="02040503050406030204" pitchFamily="18" charset="0"/>
-                      </a:rPr>
-                      <m:t>= </m:t>
-                    </m:r>
-                    <m:func>
-                      <m:funcPr>
-                        <m:ctrlPr>
-                          <a:rPr lang="en-US" b="0" i="1" smtClean="0">
-                            <a:latin typeface="Cambria Math" panose="02040503050406030204" pitchFamily="18" charset="0"/>
-                          </a:rPr>
-                        </m:ctrlPr>
-                      </m:funcPr>
-                      <m:fName>
-                        <m:limLow>
-                          <m:limLowPr>
-                            <m:ctrlPr>
-                              <a:rPr lang="en-US" b="0" i="1" smtClean="0">
-                                <a:latin typeface="Cambria Math" panose="02040503050406030204" pitchFamily="18" charset="0"/>
-                              </a:rPr>
-                            </m:ctrlPr>
-                          </m:limLowPr>
-                          <m:e>
-                            <m:r>
-                              <m:rPr>
-                                <m:sty m:val="p"/>
-                              </m:rPr>
-                              <a:rPr lang="en-US" b="0" i="0" smtClean="0">
-                                <a:latin typeface="Cambria Math" panose="02040503050406030204" pitchFamily="18" charset="0"/>
-                              </a:rPr>
-                              <m:t>max</m:t>
-                            </m:r>
-                          </m:e>
-                          <m:lim>
-                            <m:r>
-                              <a:rPr lang="en-US" b="0" i="1" smtClean="0">
-                                <a:latin typeface="Cambria Math" panose="02040503050406030204" pitchFamily="18" charset="0"/>
-                              </a:rPr>
-                              <m:t>𝑛</m:t>
-                            </m:r>
-                            <m:r>
-                              <a:rPr lang="en-US" b="0" i="1" smtClean="0">
-                                <a:latin typeface="Cambria Math" panose="02040503050406030204" pitchFamily="18" charset="0"/>
-                              </a:rPr>
-                              <m:t> →</m:t>
-                            </m:r>
-                            <m:r>
-                              <a:rPr lang="en-US" b="0" i="1" smtClean="0">
-                                <a:latin typeface="Cambria Math" panose="02040503050406030204" pitchFamily="18" charset="0"/>
-                              </a:rPr>
-                              <m:t>𝑁</m:t>
-                            </m:r>
-                          </m:lim>
-                        </m:limLow>
-                      </m:fName>
-                      <m:e>
-                        <m:r>
-                          <a:rPr lang="en-US" b="0" i="1" smtClean="0">
-                            <a:latin typeface="Cambria Math" panose="02040503050406030204" pitchFamily="18" charset="0"/>
-                          </a:rPr>
-                          <m:t>(</m:t>
-                        </m:r>
-                        <m:sSub>
-                          <m:sSubPr>
-                            <m:ctrlPr>
-                              <a:rPr lang="en-US" b="0" i="1" smtClean="0">
-                                <a:latin typeface="Cambria Math" panose="02040503050406030204" pitchFamily="18" charset="0"/>
-                              </a:rPr>
-                            </m:ctrlPr>
-                          </m:sSubPr>
-                          <m:e>
-                            <m:r>
-                              <a:rPr lang="en-US" b="0" i="1" smtClean="0">
-                                <a:latin typeface="Cambria Math" panose="02040503050406030204" pitchFamily="18" charset="0"/>
-                              </a:rPr>
-                              <m:t>𝑅</m:t>
-                            </m:r>
-                          </m:e>
-                          <m:sub>
-                            <m:r>
-                              <a:rPr lang="en-US" b="0" i="1" smtClean="0">
-                                <a:latin typeface="Cambria Math" panose="02040503050406030204" pitchFamily="18" charset="0"/>
-                              </a:rPr>
-                              <m:t>𝑛</m:t>
-                            </m:r>
-                          </m:sub>
-                        </m:sSub>
-                        <m:r>
-                          <a:rPr lang="en-US" b="0" i="1" smtClean="0">
-                            <a:latin typeface="Cambria Math" panose="02040503050406030204" pitchFamily="18" charset="0"/>
-                          </a:rPr>
-                          <m:t>)</m:t>
-                        </m:r>
-                      </m:e>
-                    </m:func>
-                  </m:oMath>
-                </a14:m>
-                <a:r>
-                  <a:rPr lang="ru-RU" dirty="0">
-                    <a:latin typeface="+mj-lt"/>
-                  </a:rPr>
-                  <a:t>  (4)</a:t>
-                </a:r>
-              </a:p>
-            </p:txBody>
-          </p:sp>
-        </mc:Choice>
-        <mc:Fallback xmlns="">
-          <p:sp>
-            <p:nvSpPr>
-              <p:cNvPr id="11" name="Объект 10">
-                <a:extLst>
-                  <a:ext uri="{FF2B5EF4-FFF2-40B4-BE49-F238E27FC236}">
-                    <a16:creationId xmlns:a16="http://schemas.microsoft.com/office/drawing/2014/main" id="{D3F6C295-938F-1598-404E-BB93341AB3AC}"/>
-                  </a:ext>
-                </a:extLst>
-              </p:cNvPr>
-              <p:cNvSpPr>
-                <a:spLocks noGrp="1" noRot="1" noChangeAspect="1" noMove="1" noResize="1" noEditPoints="1" noAdjustHandles="1" noChangeArrowheads="1" noChangeShapeType="1" noTextEdit="1"/>
-              </p:cNvSpPr>
-              <p:nvPr>
-                <p:ph sz="half" idx="2"/>
-              </p:nvPr>
-            </p:nvSpPr>
-            <p:spPr>
-              <a:blipFill>
-                <a:blip r:embed="rId2"/>
-                <a:stretch>
-                  <a:fillRect t="-560"/>
-                </a:stretch>
-              </a:blipFill>
-            </p:spPr>
-            <p:txBody>
-              <a:bodyPr/>
-              <a:lstStyle/>
-              <a:p>
-                <a:r>
-                  <a:rPr lang="ru-RU">
-                    <a:noFill/>
-                  </a:rPr>
-                  <a:t> </a:t>
-                </a:r>
-              </a:p>
-            </p:txBody>
-          </p:sp>
-        </mc:Fallback>
-      </mc:AlternateContent>
-      <p:sp>
-        <p:nvSpPr>
-          <p:cNvPr id="13" name="Номер слайда 12">
-            <a:extLst>
-              <a:ext uri="{FF2B5EF4-FFF2-40B4-BE49-F238E27FC236}">
-                <a16:creationId xmlns:a16="http://schemas.microsoft.com/office/drawing/2014/main" id="{7FD424FA-8E97-85DE-2BD1-9AAF8D24CAB8}"/>
+        </p:txBody>
+      </p:sp>
+      <p:sp>
+        <p:nvSpPr>
+          <p:cNvPr id="4" name="Номер слайда 3">
+            <a:extLst>
+              <a:ext uri="{FF2B5EF4-FFF2-40B4-BE49-F238E27FC236}">
+                <a16:creationId xmlns:a16="http://schemas.microsoft.com/office/drawing/2014/main" id="{A09B5D25-03A3-D7F2-D005-CAFAE126F18C}"/>
               </a:ext>
             </a:extLst>
           </p:cNvPr>
@@ -5710,7 +7439,7 @@
     </p:spTree>
     <p:extLst>
       <p:ext uri="{BB962C8B-B14F-4D97-AF65-F5344CB8AC3E}">
-        <p14:creationId xmlns:p14="http://schemas.microsoft.com/office/powerpoint/2010/main" val="1769878857"/>
+        <p14:creationId xmlns:p14="http://schemas.microsoft.com/office/powerpoint/2010/main" val="1344736449"/>
       </p:ext>
     </p:extLst>
   </p:cSld>
@@ -5737,48 +7466,12 @@
           <a:chExt cx="0" cy="0"/>
         </a:xfrm>
       </p:grpSpPr>
-      <p:pic>
-        <p:nvPicPr>
-          <p:cNvPr id="8" name="Рисунок 7">
-            <a:extLst>
-              <a:ext uri="{FF2B5EF4-FFF2-40B4-BE49-F238E27FC236}">
-                <a16:creationId xmlns:a16="http://schemas.microsoft.com/office/drawing/2014/main" id="{8AB99809-5DB6-34BC-7441-041B3EBD6A77}"/>
-              </a:ext>
-            </a:extLst>
-          </p:cNvPr>
-          <p:cNvPicPr>
-            <a:picLocks noChangeAspect="1"/>
-          </p:cNvPicPr>
-          <p:nvPr/>
-        </p:nvPicPr>
-        <p:blipFill>
-          <a:blip r:embed="rId2">
-            <a:extLst>
-              <a:ext uri="{28A0092B-C50C-407E-A947-70E740481C1C}">
-                <a14:useLocalDpi xmlns:a14="http://schemas.microsoft.com/office/drawing/2010/main" val="0"/>
-              </a:ext>
-            </a:extLst>
-          </a:blip>
-          <a:stretch>
-            <a:fillRect/>
-          </a:stretch>
-        </p:blipFill>
-        <p:spPr>
-          <a:xfrm>
-            <a:off x="1221039" y="1383677"/>
-            <a:ext cx="9644186" cy="5502032"/>
-          </a:xfrm>
-          <a:prstGeom prst="rect">
-            <a:avLst/>
-          </a:prstGeom>
-        </p:spPr>
-      </p:pic>
       <p:sp>
         <p:nvSpPr>
           <p:cNvPr id="2" name="Заголовок 1">
             <a:extLst>
               <a:ext uri="{FF2B5EF4-FFF2-40B4-BE49-F238E27FC236}">
-                <a16:creationId xmlns:a16="http://schemas.microsoft.com/office/drawing/2014/main" id="{907AFC14-9E51-17E9-5B21-C771F4039419}"/>
+                <a16:creationId xmlns:a16="http://schemas.microsoft.com/office/drawing/2014/main" id="{66178A0F-B661-5B45-34D2-566CD5683002}"/>
               </a:ext>
             </a:extLst>
           </p:cNvPr>
@@ -5791,17 +7484,27 @@
         </p:nvSpPr>
         <p:spPr>
           <a:xfrm>
-            <a:off x="838200" y="245596"/>
-            <a:ext cx="10515600" cy="1325563"/>
+            <a:off x="600075" y="136525"/>
+            <a:ext cx="11198412" cy="842682"/>
           </a:xfrm>
         </p:spPr>
         <p:txBody>
-          <a:bodyPr/>
+          <a:bodyPr>
+            <a:normAutofit fontScale="90000"/>
+          </a:bodyPr>
           <a:lstStyle/>
           <a:p>
             <a:r>
               <a:rPr lang="ru-RU" dirty="0"/>
-              <a:t>Сравнение с другими алгоритмами</a:t>
+              <a:t>Выделенные КС при использовании различных </a:t>
+            </a:r>
+            <a:r>
+              <a:rPr lang="en-US" dirty="0"/>
+              <a:t>n-</a:t>
+            </a:r>
+            <a:r>
+              <a:rPr lang="ru-RU" dirty="0"/>
+              <a:t>грамм</a:t>
             </a:r>
           </a:p>
         </p:txBody>
@@ -5811,7 +7514,7 @@
           <p:cNvPr id="4" name="Номер слайда 3">
             <a:extLst>
               <a:ext uri="{FF2B5EF4-FFF2-40B4-BE49-F238E27FC236}">
-                <a16:creationId xmlns:a16="http://schemas.microsoft.com/office/drawing/2014/main" id="{DC4A8792-F28C-21D1-4A2D-0FB1D7A26912}"/>
+                <a16:creationId xmlns:a16="http://schemas.microsoft.com/office/drawing/2014/main" id="{6FBBB7FA-A4B6-A75C-AF80-84A2B437012F}"/>
               </a:ext>
             </a:extLst>
           </p:cNvPr>
@@ -5822,806 +7525,6 @@
             <p:ph type="sldNum" sz="quarter" idx="12"/>
           </p:nvPr>
         </p:nvSpPr>
-        <p:spPr/>
-        <p:txBody>
-          <a:bodyPr/>
-          <a:lstStyle/>
-          <a:p>
-            <a:fld id="{EB2452EA-49EB-437E-AEAF-228AB19C4ED2}" type="slidenum">
-              <a:rPr lang="ru-RU" smtClean="0"/>
-              <a:t>15</a:t>
-            </a:fld>
-            <a:endParaRPr lang="ru-RU"/>
-          </a:p>
-        </p:txBody>
-      </p:sp>
-    </p:spTree>
-    <p:extLst>
-      <p:ext uri="{BB962C8B-B14F-4D97-AF65-F5344CB8AC3E}">
-        <p14:creationId xmlns:p14="http://schemas.microsoft.com/office/powerpoint/2010/main" val="540495309"/>
-      </p:ext>
-    </p:extLst>
-  </p:cSld>
-  <p:clrMapOvr>
-    <a:masterClrMapping/>
-  </p:clrMapOvr>
-</p:sld>
-</file>
-
-<file path=ppt/slides/slide16.xml><?xml version="1.0" encoding="utf-8"?>
-<p:sld xmlns:a="http://schemas.openxmlformats.org/drawingml/2006/main" xmlns:r="http://schemas.openxmlformats.org/officeDocument/2006/relationships" xmlns:p="http://schemas.openxmlformats.org/presentationml/2006/main">
-  <p:cSld>
-    <p:spTree>
-      <p:nvGrpSpPr>
-        <p:cNvPr id="1" name=""/>
-        <p:cNvGrpSpPr/>
-        <p:nvPr/>
-      </p:nvGrpSpPr>
-      <p:grpSpPr>
-        <a:xfrm>
-          <a:off x="0" y="0"/>
-          <a:ext cx="0" cy="0"/>
-          <a:chOff x="0" y="0"/>
-          <a:chExt cx="0" cy="0"/>
-        </a:xfrm>
-      </p:grpSpPr>
-      <p:sp>
-        <p:nvSpPr>
-          <p:cNvPr id="2" name="Заголовок 1">
-            <a:extLst>
-              <a:ext uri="{FF2B5EF4-FFF2-40B4-BE49-F238E27FC236}">
-                <a16:creationId xmlns:a16="http://schemas.microsoft.com/office/drawing/2014/main" id="{1A58A737-B8F5-A4B0-1353-CDB7B59ABE89}"/>
-              </a:ext>
-            </a:extLst>
-          </p:cNvPr>
-          <p:cNvSpPr>
-            <a:spLocks noGrp="1"/>
-          </p:cNvSpPr>
-          <p:nvPr>
-            <p:ph type="title"/>
-          </p:nvPr>
-        </p:nvSpPr>
-        <p:spPr/>
-        <p:txBody>
-          <a:bodyPr/>
-          <a:lstStyle/>
-          <a:p>
-            <a:r>
-              <a:rPr lang="ru-RU" dirty="0"/>
-              <a:t>Результаты сравнения методов</a:t>
-            </a:r>
-          </a:p>
-        </p:txBody>
-      </p:sp>
-      <p:sp>
-        <p:nvSpPr>
-          <p:cNvPr id="4" name="Номер слайда 3">
-            <a:extLst>
-              <a:ext uri="{FF2B5EF4-FFF2-40B4-BE49-F238E27FC236}">
-                <a16:creationId xmlns:a16="http://schemas.microsoft.com/office/drawing/2014/main" id="{CBD0CAF0-D958-6CDD-0935-9125F802FC24}"/>
-              </a:ext>
-            </a:extLst>
-          </p:cNvPr>
-          <p:cNvSpPr>
-            <a:spLocks noGrp="1"/>
-          </p:cNvSpPr>
-          <p:nvPr>
-            <p:ph type="sldNum" sz="quarter" idx="12"/>
-          </p:nvPr>
-        </p:nvSpPr>
-        <p:spPr/>
-        <p:txBody>
-          <a:bodyPr/>
-          <a:lstStyle/>
-          <a:p>
-            <a:fld id="{EB2452EA-49EB-437E-AEAF-228AB19C4ED2}" type="slidenum">
-              <a:rPr lang="ru-RU" smtClean="0"/>
-              <a:t>16</a:t>
-            </a:fld>
-            <a:endParaRPr lang="ru-RU"/>
-          </a:p>
-        </p:txBody>
-      </p:sp>
-      <p:graphicFrame>
-        <p:nvGraphicFramePr>
-          <p:cNvPr id="5" name="Таблица 5">
-            <a:extLst>
-              <a:ext uri="{FF2B5EF4-FFF2-40B4-BE49-F238E27FC236}">
-                <a16:creationId xmlns:a16="http://schemas.microsoft.com/office/drawing/2014/main" id="{D5833081-6A83-A245-7DE3-3995D9BDCF3E}"/>
-              </a:ext>
-            </a:extLst>
-          </p:cNvPr>
-          <p:cNvGraphicFramePr>
-            <a:graphicFrameLocks noGrp="1"/>
-          </p:cNvGraphicFramePr>
-          <p:nvPr>
-            <p:extLst>
-              <p:ext uri="{D42A27DB-BD31-4B8C-83A1-F6EECF244321}">
-                <p14:modId xmlns:p14="http://schemas.microsoft.com/office/powerpoint/2010/main" val="2899696070"/>
-              </p:ext>
-            </p:extLst>
-          </p:nvPr>
-        </p:nvGraphicFramePr>
-        <p:xfrm>
-          <a:off x="701632" y="1974943"/>
-          <a:ext cx="10652168" cy="3006364"/>
-        </p:xfrm>
-        <a:graphic>
-          <a:graphicData uri="http://schemas.openxmlformats.org/drawingml/2006/table">
-            <a:tbl>
-              <a:tblPr firstRow="1" bandRow="1">
-                <a:tableStyleId>{5940675A-B579-460E-94D1-54222C63F5DA}</a:tableStyleId>
-              </a:tblPr>
-              <a:tblGrid>
-                <a:gridCol w="3811979">
-                  <a:extLst>
-                    <a:ext uri="{9D8B030D-6E8A-4147-A177-3AD203B41FA5}">
-                      <a16:colId xmlns:a16="http://schemas.microsoft.com/office/drawing/2014/main" val="2263731447"/>
-                    </a:ext>
-                  </a:extLst>
-                </a:gridCol>
-                <a:gridCol w="1887189">
-                  <a:extLst>
-                    <a:ext uri="{9D8B030D-6E8A-4147-A177-3AD203B41FA5}">
-                      <a16:colId xmlns:a16="http://schemas.microsoft.com/office/drawing/2014/main" val="1769883018"/>
-                    </a:ext>
-                  </a:extLst>
-                </a:gridCol>
-                <a:gridCol w="2289958">
-                  <a:extLst>
-                    <a:ext uri="{9D8B030D-6E8A-4147-A177-3AD203B41FA5}">
-                      <a16:colId xmlns:a16="http://schemas.microsoft.com/office/drawing/2014/main" val="1258743605"/>
-                    </a:ext>
-                  </a:extLst>
-                </a:gridCol>
-                <a:gridCol w="2663042">
-                  <a:extLst>
-                    <a:ext uri="{9D8B030D-6E8A-4147-A177-3AD203B41FA5}">
-                      <a16:colId xmlns:a16="http://schemas.microsoft.com/office/drawing/2014/main" val="372106726"/>
-                    </a:ext>
-                  </a:extLst>
-                </a:gridCol>
-              </a:tblGrid>
-              <a:tr h="585987">
-                <a:tc>
-                  <a:txBody>
-                    <a:bodyPr/>
-                    <a:lstStyle/>
-                    <a:p>
-                      <a:r>
-                        <a:rPr lang="ru-RU" sz="2400" dirty="0">
-                          <a:latin typeface="+mj-lt"/>
-                        </a:rPr>
-                        <a:t>Метрики</a:t>
-                      </a:r>
-                    </a:p>
-                  </a:txBody>
-                  <a:tcPr/>
-                </a:tc>
-                <a:tc>
-                  <a:txBody>
-                    <a:bodyPr/>
-                    <a:lstStyle/>
-                    <a:p>
-                      <a:pPr algn="ctr"/>
-                      <a:r>
-                        <a:rPr lang="en-US" sz="2400" dirty="0" err="1">
-                          <a:latin typeface="+mj-lt"/>
-                        </a:rPr>
-                        <a:t>Yake</a:t>
-                      </a:r>
-                      <a:r>
-                        <a:rPr lang="en-US" sz="2400" dirty="0">
-                          <a:latin typeface="+mj-lt"/>
-                        </a:rPr>
-                        <a:t>(mod)</a:t>
-                      </a:r>
-                      <a:endParaRPr lang="ru-RU" sz="2400" dirty="0">
-                        <a:latin typeface="+mj-lt"/>
-                      </a:endParaRPr>
-                    </a:p>
-                  </a:txBody>
-                  <a:tcPr/>
-                </a:tc>
-                <a:tc>
-                  <a:txBody>
-                    <a:bodyPr/>
-                    <a:lstStyle/>
-                    <a:p>
-                      <a:pPr algn="ctr"/>
-                      <a:r>
-                        <a:rPr lang="en-US" sz="2400" dirty="0" err="1">
-                          <a:latin typeface="+mj-lt"/>
-                        </a:rPr>
-                        <a:t>Textrank</a:t>
-                      </a:r>
-                      <a:endParaRPr lang="ru-RU" sz="2400" dirty="0">
-                        <a:latin typeface="+mj-lt"/>
-                      </a:endParaRPr>
-                    </a:p>
-                  </a:txBody>
-                  <a:tcPr/>
-                </a:tc>
-                <a:tc>
-                  <a:txBody>
-                    <a:bodyPr/>
-                    <a:lstStyle/>
-                    <a:p>
-                      <a:pPr algn="ctr"/>
-                      <a:r>
-                        <a:rPr lang="en-US" sz="2400" dirty="0">
-                          <a:latin typeface="+mj-lt"/>
-                        </a:rPr>
-                        <a:t>Rake</a:t>
-                      </a:r>
-                      <a:endParaRPr lang="ru-RU" sz="2400" dirty="0">
-                        <a:latin typeface="+mj-lt"/>
-                      </a:endParaRPr>
-                    </a:p>
-                  </a:txBody>
-                  <a:tcPr/>
-                </a:tc>
-                <a:extLst>
-                  <a:ext uri="{0D108BD9-81ED-4DB2-BD59-A6C34878D82A}">
-                    <a16:rowId xmlns:a16="http://schemas.microsoft.com/office/drawing/2014/main" val="677834813"/>
-                  </a:ext>
-                </a:extLst>
-              </a:tr>
-              <a:tr h="1011430">
-                <a:tc>
-                  <a:txBody>
-                    <a:bodyPr/>
-                    <a:lstStyle/>
-                    <a:p>
-                      <a:pPr algn="l"/>
-                      <a:r>
-                        <a:rPr lang="ru-RU" sz="2400" dirty="0">
-                          <a:latin typeface="+mj-lt"/>
-                        </a:rPr>
-                        <a:t>Максимальный </a:t>
-                      </a:r>
-                      <a:r>
-                        <a:rPr lang="en-US" sz="2400" dirty="0">
-                          <a:latin typeface="+mj-lt"/>
-                        </a:rPr>
-                        <a:t>% </a:t>
-                      </a:r>
-                      <a:r>
-                        <a:rPr lang="ru-RU" sz="2400" dirty="0">
-                          <a:latin typeface="+mj-lt"/>
-                        </a:rPr>
-                        <a:t>пересечения</a:t>
-                      </a:r>
-                    </a:p>
-                  </a:txBody>
-                  <a:tcPr anchor="ctr"/>
-                </a:tc>
-                <a:tc>
-                  <a:txBody>
-                    <a:bodyPr/>
-                    <a:lstStyle/>
-                    <a:p>
-                      <a:pPr algn="ctr"/>
-                      <a:r>
-                        <a:rPr lang="en-US" sz="2400" dirty="0">
-                          <a:latin typeface="+mj-lt"/>
-                        </a:rPr>
-                        <a:t>100%</a:t>
-                      </a:r>
-                    </a:p>
-                  </a:txBody>
-                  <a:tcPr anchor="ctr"/>
-                </a:tc>
-                <a:tc>
-                  <a:txBody>
-                    <a:bodyPr/>
-                    <a:lstStyle/>
-                    <a:p>
-                      <a:pPr algn="ctr"/>
-                      <a:r>
-                        <a:rPr lang="en-US" sz="2400" dirty="0">
-                          <a:latin typeface="+mj-lt"/>
-                        </a:rPr>
-                        <a:t>71%</a:t>
-                      </a:r>
-                      <a:endParaRPr lang="ru-RU" sz="2400" dirty="0">
-                        <a:latin typeface="+mj-lt"/>
-                      </a:endParaRPr>
-                    </a:p>
-                  </a:txBody>
-                  <a:tcPr anchor="ctr"/>
-                </a:tc>
-                <a:tc>
-                  <a:txBody>
-                    <a:bodyPr/>
-                    <a:lstStyle/>
-                    <a:p>
-                      <a:pPr algn="ctr"/>
-                      <a:r>
-                        <a:rPr lang="en-US" sz="2400" dirty="0">
-                          <a:latin typeface="+mj-lt"/>
-                        </a:rPr>
-                        <a:t>50%</a:t>
-                      </a:r>
-                      <a:endParaRPr lang="ru-RU" sz="2400" dirty="0">
-                        <a:latin typeface="+mj-lt"/>
-                      </a:endParaRPr>
-                    </a:p>
-                  </a:txBody>
-                  <a:tcPr anchor="ctr"/>
-                </a:tc>
-                <a:extLst>
-                  <a:ext uri="{0D108BD9-81ED-4DB2-BD59-A6C34878D82A}">
-                    <a16:rowId xmlns:a16="http://schemas.microsoft.com/office/drawing/2014/main" val="3832295917"/>
-                  </a:ext>
-                </a:extLst>
-              </a:tr>
-              <a:tr h="585987">
-                <a:tc>
-                  <a:txBody>
-                    <a:bodyPr/>
-                    <a:lstStyle/>
-                    <a:p>
-                      <a:pPr algn="l"/>
-                      <a:r>
-                        <a:rPr lang="ru-RU" sz="2400" dirty="0">
-                          <a:latin typeface="+mj-lt"/>
-                        </a:rPr>
-                        <a:t>Средний % пересечения</a:t>
-                      </a:r>
-                    </a:p>
-                  </a:txBody>
-                  <a:tcPr anchor="ctr"/>
-                </a:tc>
-                <a:tc>
-                  <a:txBody>
-                    <a:bodyPr/>
-                    <a:lstStyle/>
-                    <a:p>
-                      <a:pPr algn="ctr"/>
-                      <a:r>
-                        <a:rPr lang="en-US" sz="2400" dirty="0">
-                          <a:latin typeface="+mj-lt"/>
-                        </a:rPr>
-                        <a:t>42%</a:t>
-                      </a:r>
-                      <a:endParaRPr lang="ru-RU" sz="2400" dirty="0">
-                        <a:latin typeface="+mj-lt"/>
-                      </a:endParaRPr>
-                    </a:p>
-                  </a:txBody>
-                  <a:tcPr anchor="ctr"/>
-                </a:tc>
-                <a:tc>
-                  <a:txBody>
-                    <a:bodyPr/>
-                    <a:lstStyle/>
-                    <a:p>
-                      <a:pPr algn="ctr"/>
-                      <a:r>
-                        <a:rPr lang="en-US" sz="2400" dirty="0">
-                          <a:latin typeface="+mj-lt"/>
-                        </a:rPr>
-                        <a:t>25%</a:t>
-                      </a:r>
-                      <a:endParaRPr lang="ru-RU" sz="2400" dirty="0">
-                        <a:latin typeface="+mj-lt"/>
-                      </a:endParaRPr>
-                    </a:p>
-                  </a:txBody>
-                  <a:tcPr anchor="ctr"/>
-                </a:tc>
-                <a:tc>
-                  <a:txBody>
-                    <a:bodyPr/>
-                    <a:lstStyle/>
-                    <a:p>
-                      <a:pPr algn="ctr"/>
-                      <a:r>
-                        <a:rPr lang="en-US" sz="2400" dirty="0">
-                          <a:latin typeface="+mj-lt"/>
-                        </a:rPr>
-                        <a:t>2%</a:t>
-                      </a:r>
-                      <a:endParaRPr lang="ru-RU" sz="2400" dirty="0">
-                        <a:latin typeface="+mj-lt"/>
-                      </a:endParaRPr>
-                    </a:p>
-                  </a:txBody>
-                  <a:tcPr anchor="ctr"/>
-                </a:tc>
-                <a:extLst>
-                  <a:ext uri="{0D108BD9-81ED-4DB2-BD59-A6C34878D82A}">
-                    <a16:rowId xmlns:a16="http://schemas.microsoft.com/office/drawing/2014/main" val="2855745523"/>
-                  </a:ext>
-                </a:extLst>
-              </a:tr>
-              <a:tr h="585987">
-                <a:tc>
-                  <a:txBody>
-                    <a:bodyPr/>
-                    <a:lstStyle/>
-                    <a:p>
-                      <a:pPr algn="l"/>
-                      <a:r>
-                        <a:rPr lang="ru-RU" sz="2400" dirty="0">
-                          <a:latin typeface="+mj-lt"/>
-                        </a:rPr>
-                        <a:t>Минимальный % пересечения</a:t>
-                      </a:r>
-                    </a:p>
-                  </a:txBody>
-                  <a:tcPr anchor="ctr"/>
-                </a:tc>
-                <a:tc>
-                  <a:txBody>
-                    <a:bodyPr/>
-                    <a:lstStyle/>
-                    <a:p>
-                      <a:pPr algn="ctr"/>
-                      <a:r>
-                        <a:rPr lang="en-US" sz="2400" dirty="0">
-                          <a:latin typeface="+mj-lt"/>
-                        </a:rPr>
-                        <a:t>0%</a:t>
-                      </a:r>
-                      <a:endParaRPr lang="ru-RU" sz="2400" dirty="0">
-                        <a:latin typeface="+mj-lt"/>
-                      </a:endParaRPr>
-                    </a:p>
-                  </a:txBody>
-                  <a:tcPr anchor="ctr"/>
-                </a:tc>
-                <a:tc>
-                  <a:txBody>
-                    <a:bodyPr/>
-                    <a:lstStyle/>
-                    <a:p>
-                      <a:pPr algn="ctr"/>
-                      <a:r>
-                        <a:rPr lang="en-US" sz="2400" dirty="0">
-                          <a:latin typeface="+mj-lt"/>
-                        </a:rPr>
-                        <a:t>0%</a:t>
-                      </a:r>
-                    </a:p>
-                  </a:txBody>
-                  <a:tcPr anchor="ctr"/>
-                </a:tc>
-                <a:tc>
-                  <a:txBody>
-                    <a:bodyPr/>
-                    <a:lstStyle/>
-                    <a:p>
-                      <a:pPr algn="ctr"/>
-                      <a:r>
-                        <a:rPr lang="en-US" sz="2400" dirty="0">
-                          <a:latin typeface="+mj-lt"/>
-                        </a:rPr>
-                        <a:t>0%</a:t>
-                      </a:r>
-                      <a:endParaRPr lang="ru-RU" sz="2400" dirty="0">
-                        <a:latin typeface="+mj-lt"/>
-                      </a:endParaRPr>
-                    </a:p>
-                  </a:txBody>
-                  <a:tcPr anchor="ctr"/>
-                </a:tc>
-                <a:extLst>
-                  <a:ext uri="{0D108BD9-81ED-4DB2-BD59-A6C34878D82A}">
-                    <a16:rowId xmlns:a16="http://schemas.microsoft.com/office/drawing/2014/main" val="1228029477"/>
-                  </a:ext>
-                </a:extLst>
-              </a:tr>
-            </a:tbl>
-          </a:graphicData>
-        </a:graphic>
-      </p:graphicFrame>
-    </p:spTree>
-    <p:extLst>
-      <p:ext uri="{BB962C8B-B14F-4D97-AF65-F5344CB8AC3E}">
-        <p14:creationId xmlns:p14="http://schemas.microsoft.com/office/powerpoint/2010/main" val="2774872132"/>
-      </p:ext>
-    </p:extLst>
-  </p:cSld>
-  <p:clrMapOvr>
-    <a:masterClrMapping/>
-  </p:clrMapOvr>
-</p:sld>
-</file>
-
-<file path=ppt/slides/slide17.xml><?xml version="1.0" encoding="utf-8"?>
-<p:sld xmlns:a="http://schemas.openxmlformats.org/drawingml/2006/main" xmlns:r="http://schemas.openxmlformats.org/officeDocument/2006/relationships" xmlns:p="http://schemas.openxmlformats.org/presentationml/2006/main">
-  <p:cSld>
-    <p:spTree>
-      <p:nvGrpSpPr>
-        <p:cNvPr id="1" name=""/>
-        <p:cNvGrpSpPr/>
-        <p:nvPr/>
-      </p:nvGrpSpPr>
-      <p:grpSpPr>
-        <a:xfrm>
-          <a:off x="0" y="0"/>
-          <a:ext cx="0" cy="0"/>
-          <a:chOff x="0" y="0"/>
-          <a:chExt cx="0" cy="0"/>
-        </a:xfrm>
-      </p:grpSpPr>
-      <p:sp>
-        <p:nvSpPr>
-          <p:cNvPr id="2" name="Заголовок 1">
-            <a:extLst>
-              <a:ext uri="{FF2B5EF4-FFF2-40B4-BE49-F238E27FC236}">
-                <a16:creationId xmlns:a16="http://schemas.microsoft.com/office/drawing/2014/main" id="{7BE03E72-BAFC-F454-5B33-34DE962C4C5F}"/>
-              </a:ext>
-            </a:extLst>
-          </p:cNvPr>
-          <p:cNvSpPr>
-            <a:spLocks noGrp="1"/>
-          </p:cNvSpPr>
-          <p:nvPr>
-            <p:ph type="title"/>
-          </p:nvPr>
-        </p:nvSpPr>
-        <p:spPr/>
-        <p:txBody>
-          <a:bodyPr/>
-          <a:lstStyle/>
-          <a:p>
-            <a:r>
-              <a:rPr lang="ru-RU" dirty="0"/>
-              <a:t>Исследование влияния </a:t>
-            </a:r>
-            <a:r>
-              <a:rPr lang="en-US" dirty="0"/>
-              <a:t>n-</a:t>
-            </a:r>
-            <a:r>
-              <a:rPr lang="ru-RU" dirty="0"/>
-              <a:t>грамм на </a:t>
-            </a:r>
-            <a:r>
-              <a:rPr lang="ru-RU" dirty="0" err="1"/>
-              <a:t>результ</a:t>
-            </a:r>
-            <a:r>
-              <a:rPr lang="ru-RU" dirty="0"/>
-              <a:t> работы метода</a:t>
-            </a:r>
-          </a:p>
-        </p:txBody>
-      </p:sp>
-      <p:sp>
-        <p:nvSpPr>
-          <p:cNvPr id="3" name="Объект 2">
-            <a:extLst>
-              <a:ext uri="{FF2B5EF4-FFF2-40B4-BE49-F238E27FC236}">
-                <a16:creationId xmlns:a16="http://schemas.microsoft.com/office/drawing/2014/main" id="{F0C20C32-EEF7-DF2A-4A9A-5F76FA2FB909}"/>
-              </a:ext>
-            </a:extLst>
-          </p:cNvPr>
-          <p:cNvSpPr>
-            <a:spLocks noGrp="1"/>
-          </p:cNvSpPr>
-          <p:nvPr>
-            <p:ph idx="1"/>
-          </p:nvPr>
-        </p:nvSpPr>
-        <p:spPr>
-          <a:xfrm>
-            <a:off x="838200" y="1847850"/>
-            <a:ext cx="10515600" cy="4351338"/>
-          </a:xfrm>
-        </p:spPr>
-        <p:txBody>
-          <a:bodyPr>
-            <a:normAutofit lnSpcReduction="10000"/>
-          </a:bodyPr>
-          <a:lstStyle/>
-          <a:p>
-            <a:pPr marL="0" indent="0">
-              <a:buNone/>
-            </a:pPr>
-            <a:r>
-              <a:rPr lang="ru-RU" b="1" dirty="0">
-                <a:latin typeface="+mj-lt"/>
-              </a:rPr>
-              <a:t>Документ</a:t>
-            </a:r>
-            <a:r>
-              <a:rPr lang="ru-RU" dirty="0">
-                <a:latin typeface="+mj-lt"/>
-              </a:rPr>
-              <a:t>: Идентификация личности по фрактальной размерности отпечатков пальцев и системы контроля и управления доступом</a:t>
-            </a:r>
-            <a:endParaRPr lang="en-US" dirty="0">
-              <a:latin typeface="+mj-lt"/>
-            </a:endParaRPr>
-          </a:p>
-          <a:p>
-            <a:pPr marL="0" indent="0">
-              <a:buNone/>
-            </a:pPr>
-            <a:r>
-              <a:rPr lang="ru-RU" dirty="0">
-                <a:latin typeface="+mj-lt"/>
-              </a:rPr>
-              <a:t> </a:t>
-            </a:r>
-          </a:p>
-          <a:p>
-            <a:pPr marL="0" indent="0">
-              <a:buNone/>
-            </a:pPr>
-            <a:r>
-              <a:rPr lang="ru-RU" b="1" dirty="0">
-                <a:latin typeface="+mj-lt"/>
-              </a:rPr>
-              <a:t>Ссылка на документ</a:t>
-            </a:r>
-            <a:r>
-              <a:rPr lang="ru-RU" dirty="0">
-                <a:latin typeface="+mj-lt"/>
-              </a:rPr>
-              <a:t>: </a:t>
-            </a:r>
-            <a:r>
-              <a:rPr lang="en-US" dirty="0">
-                <a:latin typeface="+mj-lt"/>
-                <a:hlinkClick r:id="rId2"/>
-              </a:rPr>
-              <a:t>https://cyberleninka.ru/article/n/identifikatsiya-lichnosti-po-fraktalnoy-razmernosti-otpechatkov-paltsev-i-sistemy-kontrolya-i-upravleniya-dostupom.pdf</a:t>
-            </a:r>
-            <a:endParaRPr lang="en-US" dirty="0">
-              <a:latin typeface="+mj-lt"/>
-            </a:endParaRPr>
-          </a:p>
-          <a:p>
-            <a:pPr marL="0" indent="0">
-              <a:buNone/>
-            </a:pPr>
-            <a:endParaRPr lang="en-US" dirty="0">
-              <a:latin typeface="+mj-lt"/>
-            </a:endParaRPr>
-          </a:p>
-          <a:p>
-            <a:pPr marL="0" indent="0">
-              <a:buNone/>
-            </a:pPr>
-            <a:r>
-              <a:rPr lang="ru-RU" dirty="0">
-                <a:latin typeface="+mj-lt"/>
-              </a:rPr>
-              <a:t>Ключевые слова выделенные автором: биометрия, отпечаток пальца, фрактал, фрактальная размерность, идентификация и аутентификация личности, СКУД</a:t>
-            </a:r>
-            <a:r>
-              <a:rPr lang="ru-RU" dirty="0"/>
-              <a:t>.</a:t>
-            </a:r>
-            <a:endParaRPr lang="ru-RU" dirty="0">
-              <a:latin typeface="+mj-lt"/>
-            </a:endParaRPr>
-          </a:p>
-        </p:txBody>
-      </p:sp>
-      <p:sp>
-        <p:nvSpPr>
-          <p:cNvPr id="4" name="Номер слайда 3">
-            <a:extLst>
-              <a:ext uri="{FF2B5EF4-FFF2-40B4-BE49-F238E27FC236}">
-                <a16:creationId xmlns:a16="http://schemas.microsoft.com/office/drawing/2014/main" id="{A09B5D25-03A3-D7F2-D005-CAFAE126F18C}"/>
-              </a:ext>
-            </a:extLst>
-          </p:cNvPr>
-          <p:cNvSpPr>
-            <a:spLocks noGrp="1"/>
-          </p:cNvSpPr>
-          <p:nvPr>
-            <p:ph type="sldNum" sz="quarter" idx="12"/>
-          </p:nvPr>
-        </p:nvSpPr>
-        <p:spPr/>
-        <p:txBody>
-          <a:bodyPr/>
-          <a:lstStyle/>
-          <a:p>
-            <a:fld id="{EB2452EA-49EB-437E-AEAF-228AB19C4ED2}" type="slidenum">
-              <a:rPr lang="ru-RU" smtClean="0"/>
-              <a:t>17</a:t>
-            </a:fld>
-            <a:endParaRPr lang="ru-RU"/>
-          </a:p>
-        </p:txBody>
-      </p:sp>
-    </p:spTree>
-    <p:extLst>
-      <p:ext uri="{BB962C8B-B14F-4D97-AF65-F5344CB8AC3E}">
-        <p14:creationId xmlns:p14="http://schemas.microsoft.com/office/powerpoint/2010/main" val="1344736449"/>
-      </p:ext>
-    </p:extLst>
-  </p:cSld>
-  <p:clrMapOvr>
-    <a:masterClrMapping/>
-  </p:clrMapOvr>
-</p:sld>
-</file>
-
-<file path=ppt/slides/slide18.xml><?xml version="1.0" encoding="utf-8"?>
-<p:sld xmlns:a="http://schemas.openxmlformats.org/drawingml/2006/main" xmlns:r="http://schemas.openxmlformats.org/officeDocument/2006/relationships" xmlns:p="http://schemas.openxmlformats.org/presentationml/2006/main">
-  <p:cSld>
-    <p:spTree>
-      <p:nvGrpSpPr>
-        <p:cNvPr id="1" name=""/>
-        <p:cNvGrpSpPr/>
-        <p:nvPr/>
-      </p:nvGrpSpPr>
-      <p:grpSpPr>
-        <a:xfrm>
-          <a:off x="0" y="0"/>
-          <a:ext cx="0" cy="0"/>
-          <a:chOff x="0" y="0"/>
-          <a:chExt cx="0" cy="0"/>
-        </a:xfrm>
-      </p:grpSpPr>
-      <p:sp>
-        <p:nvSpPr>
-          <p:cNvPr id="2" name="Заголовок 1">
-            <a:extLst>
-              <a:ext uri="{FF2B5EF4-FFF2-40B4-BE49-F238E27FC236}">
-                <a16:creationId xmlns:a16="http://schemas.microsoft.com/office/drawing/2014/main" id="{66178A0F-B661-5B45-34D2-566CD5683002}"/>
-              </a:ext>
-            </a:extLst>
-          </p:cNvPr>
-          <p:cNvSpPr>
-            <a:spLocks noGrp="1"/>
-          </p:cNvSpPr>
-          <p:nvPr>
-            <p:ph type="title"/>
-          </p:nvPr>
-        </p:nvSpPr>
-        <p:spPr>
-          <a:xfrm>
-            <a:off x="600075" y="136525"/>
-            <a:ext cx="11198412" cy="842682"/>
-          </a:xfrm>
-        </p:spPr>
-        <p:txBody>
-          <a:bodyPr>
-            <a:normAutofit fontScale="90000"/>
-          </a:bodyPr>
-          <a:lstStyle/>
-          <a:p>
-            <a:r>
-              <a:rPr lang="ru-RU" dirty="0"/>
-              <a:t>Выделенные КС при использовании различных </a:t>
-            </a:r>
-            <a:r>
-              <a:rPr lang="en-US" dirty="0"/>
-              <a:t>n-</a:t>
-            </a:r>
-            <a:r>
-              <a:rPr lang="ru-RU" dirty="0"/>
-              <a:t>грамм</a:t>
-            </a:r>
-          </a:p>
-        </p:txBody>
-      </p:sp>
-      <p:sp>
-        <p:nvSpPr>
-          <p:cNvPr id="4" name="Номер слайда 3">
-            <a:extLst>
-              <a:ext uri="{FF2B5EF4-FFF2-40B4-BE49-F238E27FC236}">
-                <a16:creationId xmlns:a16="http://schemas.microsoft.com/office/drawing/2014/main" id="{6FBBB7FA-A4B6-A75C-AF80-84A2B437012F}"/>
-              </a:ext>
-            </a:extLst>
-          </p:cNvPr>
-          <p:cNvSpPr>
-            <a:spLocks noGrp="1"/>
-          </p:cNvSpPr>
-          <p:nvPr>
-            <p:ph type="sldNum" sz="quarter" idx="12"/>
-          </p:nvPr>
-        </p:nvSpPr>
         <p:spPr>
           <a:xfrm>
             <a:off x="8953500" y="6356350"/>
@@ -6634,7 +7537,7 @@
           <a:p>
             <a:fld id="{EB2452EA-49EB-437E-AEAF-228AB19C4ED2}" type="slidenum">
               <a:rPr lang="ru-RU" smtClean="0"/>
-              <a:t>18</a:t>
+              <a:t>15</a:t>
             </a:fld>
             <a:endParaRPr lang="ru-RU" dirty="0"/>
           </a:p>
@@ -6760,7 +7663,7 @@
 </p:sld>
 </file>
 
-<file path=ppt/slides/slide19.xml><?xml version="1.0" encoding="utf-8"?>
+<file path=ppt/slides/slide16.xml><?xml version="1.0" encoding="utf-8"?>
 <p:sld xmlns:a="http://schemas.openxmlformats.org/drawingml/2006/main" xmlns:r="http://schemas.openxmlformats.org/officeDocument/2006/relationships" xmlns:p="http://schemas.openxmlformats.org/presentationml/2006/main">
   <p:cSld>
     <p:spTree>
@@ -6950,7 +7853,7 @@
           <a:p>
             <a:fld id="{EB2452EA-49EB-437E-AEAF-228AB19C4ED2}" type="slidenum">
               <a:rPr lang="ru-RU" smtClean="0"/>
-              <a:t>19</a:t>
+              <a:t>16</a:t>
             </a:fld>
             <a:endParaRPr lang="ru-RU"/>
           </a:p>
@@ -7282,7 +8185,12 @@
             <p:ph type="title"/>
           </p:nvPr>
         </p:nvSpPr>
-        <p:spPr/>
+        <p:spPr>
+          <a:xfrm>
+            <a:off x="550922" y="197784"/>
+            <a:ext cx="10515600" cy="1325563"/>
+          </a:xfrm>
+        </p:spPr>
         <p:txBody>
           <a:bodyPr/>
           <a:lstStyle/>
@@ -7294,12 +8202,81 @@
           </a:p>
         </p:txBody>
       </p:sp>
-      <p:sp>
-        <p:nvSpPr>
-          <p:cNvPr id="4" name="Номер слайда 3">
-            <a:extLst>
-              <a:ext uri="{FF2B5EF4-FFF2-40B4-BE49-F238E27FC236}">
-                <a16:creationId xmlns:a16="http://schemas.microsoft.com/office/drawing/2014/main" id="{94E18092-A527-8797-9E41-3E3AB4816EA3}"/>
+      <p:graphicFrame>
+        <p:nvGraphicFramePr>
+          <p:cNvPr id="6" name="Диаграмма 5">
+            <a:extLst>
+              <a:ext uri="{FF2B5EF4-FFF2-40B4-BE49-F238E27FC236}">
+                <a16:creationId xmlns:a16="http://schemas.microsoft.com/office/drawing/2014/main" id="{64313A95-CE6D-D67C-A58C-818D1FB36B2C}"/>
+              </a:ext>
+            </a:extLst>
+          </p:cNvPr>
+          <p:cNvGraphicFramePr/>
+          <p:nvPr>
+            <p:extLst>
+              <p:ext uri="{D42A27DB-BD31-4B8C-83A1-F6EECF244321}">
+                <p14:modId xmlns:p14="http://schemas.microsoft.com/office/powerpoint/2010/main" val="3104276363"/>
+              </p:ext>
+            </p:extLst>
+          </p:nvPr>
+        </p:nvGraphicFramePr>
+        <p:xfrm>
+          <a:off x="453940" y="1363028"/>
+          <a:ext cx="8205152" cy="5086640"/>
+        </p:xfrm>
+        <a:graphic>
+          <a:graphicData uri="http://schemas.openxmlformats.org/drawingml/2006/chart">
+            <c:chart xmlns:c="http://schemas.openxmlformats.org/drawingml/2006/chart" xmlns:r="http://schemas.openxmlformats.org/officeDocument/2006/relationships" r:id="rId2"/>
+          </a:graphicData>
+        </a:graphic>
+      </p:graphicFrame>
+      <p:sp>
+        <p:nvSpPr>
+          <p:cNvPr id="8" name="TextBox 7">
+            <a:extLst>
+              <a:ext uri="{FF2B5EF4-FFF2-40B4-BE49-F238E27FC236}">
+                <a16:creationId xmlns:a16="http://schemas.microsoft.com/office/drawing/2014/main" id="{5BFC693F-D85B-012B-A007-593AD8696C5B}"/>
+              </a:ext>
+            </a:extLst>
+          </p:cNvPr>
+          <p:cNvSpPr txBox="1"/>
+          <p:nvPr/>
+        </p:nvSpPr>
+        <p:spPr>
+          <a:xfrm>
+            <a:off x="8877097" y="1669470"/>
+            <a:ext cx="2860963" cy="1200329"/>
+          </a:xfrm>
+          <a:prstGeom prst="rect">
+            <a:avLst/>
+          </a:prstGeom>
+          <a:noFill/>
+        </p:spPr>
+        <p:txBody>
+          <a:bodyPr wrap="square" rtlCol="0">
+            <a:spAutoFit/>
+          </a:bodyPr>
+          <a:lstStyle/>
+          <a:p>
+            <a:pPr marL="285750" indent="-285750">
+              <a:buFont typeface="Arial" panose="020B0604020202020204" pitchFamily="34" charset="0"/>
+              <a:buChar char="•"/>
+            </a:pPr>
+            <a:r>
+              <a:rPr lang="ru-RU" dirty="0">
+                <a:latin typeface="+mj-lt"/>
+              </a:rPr>
+              <a:t>С 2010 – 2018 количество статей издаваемых в год увеличилось в 2 раза.</a:t>
+            </a:r>
+          </a:p>
+        </p:txBody>
+      </p:sp>
+      <p:sp>
+        <p:nvSpPr>
+          <p:cNvPr id="11" name="Номер слайда 10">
+            <a:extLst>
+              <a:ext uri="{FF2B5EF4-FFF2-40B4-BE49-F238E27FC236}">
+                <a16:creationId xmlns:a16="http://schemas.microsoft.com/office/drawing/2014/main" id="{B992538F-D82E-CFCD-FF16-031A9A429BFE}"/>
               </a:ext>
             </a:extLst>
           </p:cNvPr>
@@ -7317,9 +8294,10 @@
           <a:p>
             <a:fld id="{EB2452EA-49EB-437E-AEAF-228AB19C4ED2}" type="slidenum">
               <a:rPr lang="ru-RU" smtClean="0"/>
+              <a:pPr/>
               <a:t>2</a:t>
             </a:fld>
-            <a:endParaRPr lang="ru-RU"/>
+            <a:endParaRPr lang="ru-RU" dirty="0"/>
           </a:p>
         </p:txBody>
       </p:sp>
@@ -7567,536 +8545,6 @@
       </p:grpSpPr>
       <p:sp>
         <p:nvSpPr>
-          <p:cNvPr id="2" name="Заголовок 1">
-            <a:extLst>
-              <a:ext uri="{FF2B5EF4-FFF2-40B4-BE49-F238E27FC236}">
-                <a16:creationId xmlns:a16="http://schemas.microsoft.com/office/drawing/2014/main" id="{D9F1A90E-2082-9B3D-EFE7-88F55FD2EB90}"/>
-              </a:ext>
-            </a:extLst>
-          </p:cNvPr>
-          <p:cNvSpPr>
-            <a:spLocks noGrp="1"/>
-          </p:cNvSpPr>
-          <p:nvPr>
-            <p:ph type="title"/>
-          </p:nvPr>
-        </p:nvSpPr>
-        <p:spPr>
-          <a:xfrm>
-            <a:off x="838199" y="239865"/>
-            <a:ext cx="10515600" cy="1325563"/>
-          </a:xfrm>
-        </p:spPr>
-        <p:txBody>
-          <a:bodyPr/>
-          <a:lstStyle/>
-          <a:p>
-            <a:r>
-              <a:rPr lang="ru-RU" dirty="0">
-                <a:latin typeface="Times New Roman" panose="02020603050405020304" pitchFamily="18" charset="0"/>
-                <a:cs typeface="Times New Roman" panose="02020603050405020304" pitchFamily="18" charset="0"/>
-              </a:rPr>
-              <a:t>Классификация методов извлечения КС</a:t>
-            </a:r>
-          </a:p>
-        </p:txBody>
-      </p:sp>
-      <p:graphicFrame>
-        <p:nvGraphicFramePr>
-          <p:cNvPr id="3" name="Таблица 3">
-            <a:extLst>
-              <a:ext uri="{FF2B5EF4-FFF2-40B4-BE49-F238E27FC236}">
-                <a16:creationId xmlns:a16="http://schemas.microsoft.com/office/drawing/2014/main" id="{1A91508A-E1C5-4959-627D-BD04278AE81C}"/>
-              </a:ext>
-            </a:extLst>
-          </p:cNvPr>
-          <p:cNvGraphicFramePr>
-            <a:graphicFrameLocks noGrp="1"/>
-          </p:cNvGraphicFramePr>
-          <p:nvPr>
-            <p:extLst>
-              <p:ext uri="{D42A27DB-BD31-4B8C-83A1-F6EECF244321}">
-                <p14:modId xmlns:p14="http://schemas.microsoft.com/office/powerpoint/2010/main" val="2274950918"/>
-              </p:ext>
-            </p:extLst>
-          </p:nvPr>
-        </p:nvGraphicFramePr>
-        <p:xfrm>
-          <a:off x="687885" y="1337091"/>
-          <a:ext cx="10665913" cy="4724912"/>
-        </p:xfrm>
-        <a:graphic>
-          <a:graphicData uri="http://schemas.openxmlformats.org/drawingml/2006/table">
-            <a:tbl>
-              <a:tblPr firstRow="1" bandRow="1">
-                <a:tableStyleId>{5940675A-B579-460E-94D1-54222C63F5DA}</a:tableStyleId>
-              </a:tblPr>
-              <a:tblGrid>
-                <a:gridCol w="1541978">
-                  <a:extLst>
-                    <a:ext uri="{9D8B030D-6E8A-4147-A177-3AD203B41FA5}">
-                      <a16:colId xmlns:a16="http://schemas.microsoft.com/office/drawing/2014/main" val="4236702535"/>
-                    </a:ext>
-                  </a:extLst>
-                </a:gridCol>
-                <a:gridCol w="2611882">
-                  <a:extLst>
-                    <a:ext uri="{9D8B030D-6E8A-4147-A177-3AD203B41FA5}">
-                      <a16:colId xmlns:a16="http://schemas.microsoft.com/office/drawing/2014/main" val="1240935723"/>
-                    </a:ext>
-                  </a:extLst>
-                </a:gridCol>
-                <a:gridCol w="3653986">
-                  <a:extLst>
-                    <a:ext uri="{9D8B030D-6E8A-4147-A177-3AD203B41FA5}">
-                      <a16:colId xmlns:a16="http://schemas.microsoft.com/office/drawing/2014/main" val="3061779129"/>
-                    </a:ext>
-                  </a:extLst>
-                </a:gridCol>
-                <a:gridCol w="2858067">
-                  <a:extLst>
-                    <a:ext uri="{9D8B030D-6E8A-4147-A177-3AD203B41FA5}">
-                      <a16:colId xmlns:a16="http://schemas.microsoft.com/office/drawing/2014/main" val="2434346353"/>
-                    </a:ext>
-                  </a:extLst>
-                </a:gridCol>
-              </a:tblGrid>
-              <a:tr h="906908">
-                <a:tc>
-                  <a:txBody>
-                    <a:bodyPr/>
-                    <a:lstStyle/>
-                    <a:p>
-                      <a:r>
-                        <a:rPr lang="ru-RU" sz="2200" dirty="0">
-                          <a:latin typeface="+mj-lt"/>
-                        </a:rPr>
-                        <a:t>Метод</a:t>
-                      </a:r>
-                    </a:p>
-                  </a:txBody>
-                  <a:tcPr/>
-                </a:tc>
-                <a:tc>
-                  <a:txBody>
-                    <a:bodyPr/>
-                    <a:lstStyle/>
-                    <a:p>
-                      <a:pPr algn="ctr"/>
-                      <a:r>
-                        <a:rPr lang="ru-RU" sz="2200" dirty="0">
-                          <a:latin typeface="+mj-lt"/>
-                        </a:rPr>
-                        <a:t>По обучению</a:t>
-                      </a:r>
-                      <a:endParaRPr lang="ru-RU" dirty="0">
-                        <a:solidFill>
-                          <a:srgbClr val="FF0000"/>
-                        </a:solidFill>
-                        <a:latin typeface="+mj-lt"/>
-                      </a:endParaRPr>
-                    </a:p>
-                  </a:txBody>
-                  <a:tcPr/>
-                </a:tc>
-                <a:tc>
-                  <a:txBody>
-                    <a:bodyPr/>
-                    <a:lstStyle/>
-                    <a:p>
-                      <a:pPr algn="ctr"/>
-                      <a:r>
-                        <a:rPr lang="ru-RU" sz="2200" dirty="0">
-                          <a:latin typeface="+mj-lt"/>
-                        </a:rPr>
-                        <a:t>Лингвистические ресурсы</a:t>
-                      </a:r>
-                    </a:p>
-                  </a:txBody>
-                  <a:tcPr/>
-                </a:tc>
-                <a:tc>
-                  <a:txBody>
-                    <a:bodyPr/>
-                    <a:lstStyle/>
-                    <a:p>
-                      <a:pPr algn="ctr"/>
-                      <a:r>
-                        <a:rPr lang="ru-RU" sz="2200" dirty="0">
-                          <a:latin typeface="+mj-lt"/>
-                        </a:rPr>
-                        <a:t>Мат. аппарат распознавания</a:t>
-                      </a:r>
-                    </a:p>
-                  </a:txBody>
-                  <a:tcPr/>
-                </a:tc>
-                <a:extLst>
-                  <a:ext uri="{0D108BD9-81ED-4DB2-BD59-A6C34878D82A}">
-                    <a16:rowId xmlns:a16="http://schemas.microsoft.com/office/drawing/2014/main" val="4269027383"/>
-                  </a:ext>
-                </a:extLst>
-              </a:tr>
-              <a:tr h="906908">
-                <a:tc>
-                  <a:txBody>
-                    <a:bodyPr/>
-                    <a:lstStyle/>
-                    <a:p>
-                      <a:r>
-                        <a:rPr lang="en-US" sz="2400" dirty="0" err="1">
-                          <a:latin typeface="+mj-lt"/>
-                          <a:cs typeface="Times New Roman" panose="02020603050405020304" pitchFamily="18" charset="0"/>
-                        </a:rPr>
-                        <a:t>Yake</a:t>
-                      </a:r>
-                      <a:endParaRPr lang="ru-RU" dirty="0">
-                        <a:latin typeface="+mj-lt"/>
-                        <a:cs typeface="Times New Roman" panose="02020603050405020304" pitchFamily="18" charset="0"/>
-                      </a:endParaRPr>
-                    </a:p>
-                  </a:txBody>
-                  <a:tcPr/>
-                </a:tc>
-                <a:tc>
-                  <a:txBody>
-                    <a:bodyPr/>
-                    <a:lstStyle/>
-                    <a:p>
-                      <a:pPr algn="ctr"/>
-                      <a:r>
-                        <a:rPr lang="ru-RU" sz="2200" dirty="0">
-                          <a:latin typeface="+mj-lt"/>
-                        </a:rPr>
-                        <a:t>Не требует обучения</a:t>
-                      </a:r>
-                    </a:p>
-                  </a:txBody>
-                  <a:tcPr anchor="ctr"/>
-                </a:tc>
-                <a:tc>
-                  <a:txBody>
-                    <a:bodyPr/>
-                    <a:lstStyle/>
-                    <a:p>
-                      <a:pPr algn="ctr"/>
-                      <a:r>
-                        <a:rPr lang="ru-RU" sz="2200" dirty="0">
-                          <a:latin typeface="+mj-lt"/>
-                        </a:rPr>
-                        <a:t>Не использует</a:t>
-                      </a:r>
-                    </a:p>
-                  </a:txBody>
-                  <a:tcPr anchor="ctr"/>
-                </a:tc>
-                <a:tc>
-                  <a:txBody>
-                    <a:bodyPr/>
-                    <a:lstStyle/>
-                    <a:p>
-                      <a:pPr algn="ctr"/>
-                      <a:r>
-                        <a:rPr lang="ru-RU" sz="2200" dirty="0">
-                          <a:latin typeface="+mj-lt"/>
-                        </a:rPr>
-                        <a:t>Гибридный</a:t>
-                      </a:r>
-                    </a:p>
-                  </a:txBody>
-                  <a:tcPr anchor="ctr"/>
-                </a:tc>
-                <a:extLst>
-                  <a:ext uri="{0D108BD9-81ED-4DB2-BD59-A6C34878D82A}">
-                    <a16:rowId xmlns:a16="http://schemas.microsoft.com/office/drawing/2014/main" val="4240504461"/>
-                  </a:ext>
-                </a:extLst>
-              </a:tr>
-              <a:tr h="906908">
-                <a:tc>
-                  <a:txBody>
-                    <a:bodyPr/>
-                    <a:lstStyle/>
-                    <a:p>
-                      <a:r>
-                        <a:rPr lang="en-US" sz="2400" dirty="0">
-                          <a:latin typeface="+mj-lt"/>
-                          <a:cs typeface="Times New Roman" panose="02020603050405020304" pitchFamily="18" charset="0"/>
-                        </a:rPr>
-                        <a:t>Rake</a:t>
-                      </a:r>
-                      <a:endParaRPr lang="ru-RU" dirty="0">
-                        <a:latin typeface="+mj-lt"/>
-                        <a:cs typeface="Times New Roman" panose="02020603050405020304" pitchFamily="18" charset="0"/>
-                      </a:endParaRPr>
-                    </a:p>
-                  </a:txBody>
-                  <a:tcPr/>
-                </a:tc>
-                <a:tc>
-                  <a:txBody>
-                    <a:bodyPr/>
-                    <a:lstStyle/>
-                    <a:p>
-                      <a:pPr marL="0" algn="ctr" defTabSz="914400" rtl="0" eaLnBrk="1" latinLnBrk="0" hangingPunct="1"/>
-                      <a:r>
-                        <a:rPr lang="ru-RU" sz="2200" kern="1200" dirty="0">
-                          <a:solidFill>
-                            <a:schemeClr val="tx1"/>
-                          </a:solidFill>
-                          <a:latin typeface="+mj-lt"/>
-                          <a:ea typeface="+mn-ea"/>
-                          <a:cs typeface="+mn-cs"/>
-                        </a:rPr>
-                        <a:t>Не требует обучения</a:t>
-                      </a:r>
-                    </a:p>
-                  </a:txBody>
-                  <a:tcPr anchor="ctr"/>
-                </a:tc>
-                <a:tc>
-                  <a:txBody>
-                    <a:bodyPr/>
-                    <a:lstStyle/>
-                    <a:p>
-                      <a:pPr marL="0" algn="ctr" defTabSz="914400" rtl="0" eaLnBrk="1" latinLnBrk="0" hangingPunct="1"/>
-                      <a:r>
-                        <a:rPr lang="ru-RU" sz="2200" kern="1200" dirty="0">
-                          <a:solidFill>
-                            <a:schemeClr val="tx1"/>
-                          </a:solidFill>
-                          <a:latin typeface="+mj-lt"/>
-                          <a:ea typeface="+mn-ea"/>
-                          <a:cs typeface="+mn-cs"/>
-                        </a:rPr>
-                        <a:t>Не использует</a:t>
-                      </a:r>
-                    </a:p>
-                  </a:txBody>
-                  <a:tcPr anchor="ctr"/>
-                </a:tc>
-                <a:tc>
-                  <a:txBody>
-                    <a:bodyPr/>
-                    <a:lstStyle/>
-                    <a:p>
-                      <a:pPr algn="ctr"/>
-                      <a:r>
-                        <a:rPr lang="ru-RU" sz="2200" dirty="0">
-                          <a:latin typeface="+mj-lt"/>
-                        </a:rPr>
-                        <a:t>Структурный</a:t>
-                      </a:r>
-                    </a:p>
-                    <a:p>
-                      <a:pPr algn="ctr"/>
-                      <a:r>
-                        <a:rPr lang="ru-RU" sz="2200" dirty="0">
-                          <a:latin typeface="+mj-lt"/>
-                        </a:rPr>
-                        <a:t>/</a:t>
-                      </a:r>
-                    </a:p>
-                    <a:p>
-                      <a:pPr algn="ctr"/>
-                      <a:r>
-                        <a:rPr lang="ru-RU" sz="2200" dirty="0" err="1">
-                          <a:latin typeface="+mj-lt"/>
-                        </a:rPr>
-                        <a:t>Графовый</a:t>
-                      </a:r>
-                      <a:endParaRPr lang="ru-RU" sz="2200" dirty="0">
-                        <a:latin typeface="+mj-lt"/>
-                      </a:endParaRPr>
-                    </a:p>
-                  </a:txBody>
-                  <a:tcPr anchor="ctr"/>
-                </a:tc>
-                <a:extLst>
-                  <a:ext uri="{0D108BD9-81ED-4DB2-BD59-A6C34878D82A}">
-                    <a16:rowId xmlns:a16="http://schemas.microsoft.com/office/drawing/2014/main" val="964504215"/>
-                  </a:ext>
-                </a:extLst>
-              </a:tr>
-              <a:tr h="906908">
-                <a:tc>
-                  <a:txBody>
-                    <a:bodyPr/>
-                    <a:lstStyle/>
-                    <a:p>
-                      <a:r>
-                        <a:rPr lang="en-US" sz="2400" dirty="0">
-                          <a:latin typeface="+mj-lt"/>
-                          <a:cs typeface="Times New Roman" panose="02020603050405020304" pitchFamily="18" charset="0"/>
-                        </a:rPr>
-                        <a:t>Kea</a:t>
-                      </a:r>
-                      <a:endParaRPr lang="ru-RU" dirty="0">
-                        <a:latin typeface="+mj-lt"/>
-                        <a:cs typeface="Times New Roman" panose="02020603050405020304" pitchFamily="18" charset="0"/>
-                      </a:endParaRPr>
-                    </a:p>
-                  </a:txBody>
-                  <a:tcPr/>
-                </a:tc>
-                <a:tc>
-                  <a:txBody>
-                    <a:bodyPr/>
-                    <a:lstStyle/>
-                    <a:p>
-                      <a:pPr marL="0" algn="ctr" defTabSz="914400" rtl="0" eaLnBrk="1" latinLnBrk="0" hangingPunct="1"/>
-                      <a:r>
-                        <a:rPr lang="ru-RU" sz="2200" kern="1200" dirty="0">
-                          <a:solidFill>
-                            <a:schemeClr val="tx1"/>
-                          </a:solidFill>
-                          <a:latin typeface="+mj-lt"/>
-                          <a:ea typeface="+mn-ea"/>
-                          <a:cs typeface="+mn-cs"/>
-                        </a:rPr>
-                        <a:t>Не требует обучения</a:t>
-                      </a:r>
-                    </a:p>
-                  </a:txBody>
-                  <a:tcPr anchor="ctr"/>
-                </a:tc>
-                <a:tc>
-                  <a:txBody>
-                    <a:bodyPr/>
-                    <a:lstStyle/>
-                    <a:p>
-                      <a:pPr marL="0" algn="ctr" defTabSz="914400" rtl="0" eaLnBrk="1" latinLnBrk="0" hangingPunct="1"/>
-                      <a:r>
-                        <a:rPr lang="ru-RU" sz="2200" kern="1200" dirty="0">
-                          <a:solidFill>
-                            <a:schemeClr val="tx1"/>
-                          </a:solidFill>
-                          <a:latin typeface="+mj-lt"/>
-                          <a:ea typeface="+mn-ea"/>
-                          <a:cs typeface="+mn-cs"/>
-                        </a:rPr>
-                        <a:t>На основе корпусов текстов</a:t>
-                      </a:r>
-                    </a:p>
-                  </a:txBody>
-                  <a:tcPr anchor="ctr"/>
-                </a:tc>
-                <a:tc>
-                  <a:txBody>
-                    <a:bodyPr/>
-                    <a:lstStyle/>
-                    <a:p>
-                      <a:pPr algn="ctr"/>
-                      <a:r>
-                        <a:rPr lang="ru-RU" sz="2200" dirty="0" err="1">
-                          <a:latin typeface="+mj-lt"/>
-                        </a:rPr>
-                        <a:t>Нейросетевой</a:t>
-                      </a:r>
-                      <a:endParaRPr lang="ru-RU" sz="2200" dirty="0">
-                        <a:latin typeface="+mj-lt"/>
-                      </a:endParaRPr>
-                    </a:p>
-                  </a:txBody>
-                  <a:tcPr anchor="ctr"/>
-                </a:tc>
-                <a:extLst>
-                  <a:ext uri="{0D108BD9-81ED-4DB2-BD59-A6C34878D82A}">
-                    <a16:rowId xmlns:a16="http://schemas.microsoft.com/office/drawing/2014/main" val="290469633"/>
-                  </a:ext>
-                </a:extLst>
-              </a:tr>
-              <a:tr h="906908">
-                <a:tc>
-                  <a:txBody>
-                    <a:bodyPr/>
-                    <a:lstStyle/>
-                    <a:p>
-                      <a:r>
-                        <a:rPr lang="en-US" sz="2400" dirty="0">
-                          <a:latin typeface="+mj-lt"/>
-                          <a:cs typeface="Times New Roman" panose="02020603050405020304" pitchFamily="18" charset="0"/>
-                        </a:rPr>
-                        <a:t>TF-IDF</a:t>
-                      </a:r>
-                      <a:endParaRPr lang="ru-RU" sz="2400" dirty="0">
-                        <a:latin typeface="+mj-lt"/>
-                        <a:cs typeface="Times New Roman" panose="02020603050405020304" pitchFamily="18" charset="0"/>
-                      </a:endParaRPr>
-                    </a:p>
-                  </a:txBody>
-                  <a:tcPr/>
-                </a:tc>
-                <a:tc>
-                  <a:txBody>
-                    <a:bodyPr/>
-                    <a:lstStyle/>
-                    <a:p>
-                      <a:pPr marL="0" algn="ctr" defTabSz="914400" rtl="0" eaLnBrk="1" latinLnBrk="0" hangingPunct="1"/>
-                      <a:r>
-                        <a:rPr lang="ru-RU" sz="2200" kern="1200" dirty="0">
-                          <a:solidFill>
-                            <a:schemeClr val="tx1"/>
-                          </a:solidFill>
-                          <a:latin typeface="+mj-lt"/>
-                          <a:ea typeface="+mn-ea"/>
-                          <a:cs typeface="+mn-cs"/>
-                        </a:rPr>
-                        <a:t>Не требует обучения</a:t>
-                      </a:r>
-                    </a:p>
-                  </a:txBody>
-                  <a:tcPr anchor="ctr"/>
-                </a:tc>
-                <a:tc>
-                  <a:txBody>
-                    <a:bodyPr/>
-                    <a:lstStyle/>
-                    <a:p>
-                      <a:pPr marL="0" algn="ctr" defTabSz="914400" rtl="0" eaLnBrk="1" latinLnBrk="0" hangingPunct="1"/>
-                      <a:r>
-                        <a:rPr lang="ru-RU" sz="2200" kern="1200" dirty="0">
-                          <a:solidFill>
-                            <a:schemeClr val="tx1"/>
-                          </a:solidFill>
-                          <a:latin typeface="+mj-lt"/>
-                          <a:ea typeface="+mn-ea"/>
-                          <a:cs typeface="+mn-cs"/>
-                        </a:rPr>
-                        <a:t>На основе корпусов текстов</a:t>
-                      </a:r>
-                    </a:p>
-                  </a:txBody>
-                  <a:tcPr anchor="ctr"/>
-                </a:tc>
-                <a:tc>
-                  <a:txBody>
-                    <a:bodyPr/>
-                    <a:lstStyle/>
-                    <a:p>
-                      <a:pPr algn="ctr"/>
-                      <a:r>
-                        <a:rPr lang="ru-RU" sz="2200" dirty="0">
-                          <a:latin typeface="+mj-lt"/>
-                        </a:rPr>
-                        <a:t>Статистический</a:t>
-                      </a:r>
-                    </a:p>
-                  </a:txBody>
-                  <a:tcPr anchor="ctr"/>
-                </a:tc>
-                <a:extLst>
-                  <a:ext uri="{0D108BD9-81ED-4DB2-BD59-A6C34878D82A}">
-                    <a16:rowId xmlns:a16="http://schemas.microsoft.com/office/drawing/2014/main" val="911306841"/>
-                  </a:ext>
-                </a:extLst>
-              </a:tr>
-            </a:tbl>
-          </a:graphicData>
-        </a:graphic>
-      </p:graphicFrame>
-      <p:sp>
-        <p:nvSpPr>
           <p:cNvPr id="4" name="Номер слайда 3">
             <a:extLst>
               <a:ext uri="{FF2B5EF4-FFF2-40B4-BE49-F238E27FC236}">
@@ -8121,6 +8569,499 @@
               <a:t>4</a:t>
             </a:fld>
             <a:endParaRPr lang="ru-RU"/>
+          </a:p>
+        </p:txBody>
+      </p:sp>
+      <p:sp>
+        <p:nvSpPr>
+          <p:cNvPr id="7" name="Овал 6">
+            <a:extLst>
+              <a:ext uri="{FF2B5EF4-FFF2-40B4-BE49-F238E27FC236}">
+                <a16:creationId xmlns:a16="http://schemas.microsoft.com/office/drawing/2014/main" id="{5B49AE7A-28B5-3033-77A7-67CBA29BCB72}"/>
+              </a:ext>
+            </a:extLst>
+          </p:cNvPr>
+          <p:cNvSpPr/>
+          <p:nvPr/>
+        </p:nvSpPr>
+        <p:spPr>
+          <a:xfrm>
+            <a:off x="6665335" y="3918759"/>
+            <a:ext cx="1869065" cy="757152"/>
+          </a:xfrm>
+          <a:prstGeom prst="ellipse">
+            <a:avLst/>
+          </a:prstGeom>
+          <a:noFill/>
+          <a:ln>
+            <a:noFill/>
+          </a:ln>
+        </p:spPr>
+        <p:style>
+          <a:lnRef idx="2">
+            <a:schemeClr val="dk1"/>
+          </a:lnRef>
+          <a:fillRef idx="1">
+            <a:schemeClr val="lt1"/>
+          </a:fillRef>
+          <a:effectRef idx="0">
+            <a:schemeClr val="dk1"/>
+          </a:effectRef>
+          <a:fontRef idx="minor">
+            <a:schemeClr val="dk1"/>
+          </a:fontRef>
+        </p:style>
+        <p:txBody>
+          <a:bodyPr rtlCol="0" anchor="ctr"/>
+          <a:lstStyle/>
+          <a:p>
+            <a:pPr algn="ctr"/>
+            <a:r>
+              <a:rPr lang="ru-RU" sz="1200" dirty="0">
+                <a:latin typeface="+mj-lt"/>
+              </a:rPr>
+              <a:t>Лингвистические</a:t>
+            </a:r>
+          </a:p>
+        </p:txBody>
+      </p:sp>
+      <p:sp>
+        <p:nvSpPr>
+          <p:cNvPr id="8" name="Овал 7">
+            <a:extLst>
+              <a:ext uri="{FF2B5EF4-FFF2-40B4-BE49-F238E27FC236}">
+                <a16:creationId xmlns:a16="http://schemas.microsoft.com/office/drawing/2014/main" id="{CEBADBDE-8BB8-F713-5661-022982EDA0EF}"/>
+              </a:ext>
+            </a:extLst>
+          </p:cNvPr>
+          <p:cNvSpPr/>
+          <p:nvPr/>
+        </p:nvSpPr>
+        <p:spPr>
+          <a:xfrm>
+            <a:off x="644669" y="3918759"/>
+            <a:ext cx="1904567" cy="757152"/>
+          </a:xfrm>
+          <a:prstGeom prst="ellipse">
+            <a:avLst/>
+          </a:prstGeom>
+          <a:noFill/>
+          <a:ln>
+            <a:noFill/>
+          </a:ln>
+        </p:spPr>
+        <p:style>
+          <a:lnRef idx="2">
+            <a:schemeClr val="dk1"/>
+          </a:lnRef>
+          <a:fillRef idx="1">
+            <a:schemeClr val="lt1"/>
+          </a:fillRef>
+          <a:effectRef idx="0">
+            <a:schemeClr val="dk1"/>
+          </a:effectRef>
+          <a:fontRef idx="minor">
+            <a:schemeClr val="dk1"/>
+          </a:fontRef>
+        </p:style>
+        <p:txBody>
+          <a:bodyPr rtlCol="0" anchor="ctr"/>
+          <a:lstStyle/>
+          <a:p>
+            <a:pPr algn="ctr"/>
+            <a:r>
+              <a:rPr lang="ru-RU" sz="1200" dirty="0">
+                <a:latin typeface="+mj-lt"/>
+              </a:rPr>
+              <a:t>Статистические</a:t>
+            </a:r>
+          </a:p>
+        </p:txBody>
+      </p:sp>
+      <p:sp>
+        <p:nvSpPr>
+          <p:cNvPr id="9" name="Овал 8">
+            <a:extLst>
+              <a:ext uri="{FF2B5EF4-FFF2-40B4-BE49-F238E27FC236}">
+                <a16:creationId xmlns:a16="http://schemas.microsoft.com/office/drawing/2014/main" id="{203377C0-C078-BCC4-2A61-827D69C7B549}"/>
+              </a:ext>
+            </a:extLst>
+          </p:cNvPr>
+          <p:cNvSpPr/>
+          <p:nvPr/>
+        </p:nvSpPr>
+        <p:spPr>
+          <a:xfrm>
+            <a:off x="3824287" y="3918759"/>
+            <a:ext cx="1717097" cy="757152"/>
+          </a:xfrm>
+          <a:prstGeom prst="ellipse">
+            <a:avLst/>
+          </a:prstGeom>
+          <a:noFill/>
+          <a:ln>
+            <a:noFill/>
+          </a:ln>
+        </p:spPr>
+        <p:style>
+          <a:lnRef idx="2">
+            <a:schemeClr val="dk1"/>
+          </a:lnRef>
+          <a:fillRef idx="1">
+            <a:schemeClr val="lt1"/>
+          </a:fillRef>
+          <a:effectRef idx="0">
+            <a:schemeClr val="dk1"/>
+          </a:effectRef>
+          <a:fontRef idx="minor">
+            <a:schemeClr val="dk1"/>
+          </a:fontRef>
+        </p:style>
+        <p:txBody>
+          <a:bodyPr rtlCol="0" anchor="ctr"/>
+          <a:lstStyle/>
+          <a:p>
+            <a:pPr algn="ctr"/>
+            <a:r>
+              <a:rPr lang="ru-RU" sz="1200" dirty="0">
+                <a:latin typeface="+mj-lt"/>
+              </a:rPr>
+              <a:t>Структурные </a:t>
+            </a:r>
+          </a:p>
+        </p:txBody>
+      </p:sp>
+      <p:sp>
+        <p:nvSpPr>
+          <p:cNvPr id="10" name="Овал 9">
+            <a:extLst>
+              <a:ext uri="{FF2B5EF4-FFF2-40B4-BE49-F238E27FC236}">
+                <a16:creationId xmlns:a16="http://schemas.microsoft.com/office/drawing/2014/main" id="{1C64992D-CA42-0192-6674-D7A61CD19BEC}"/>
+              </a:ext>
+            </a:extLst>
+          </p:cNvPr>
+          <p:cNvSpPr/>
+          <p:nvPr/>
+        </p:nvSpPr>
+        <p:spPr>
+          <a:xfrm>
+            <a:off x="5237451" y="1637608"/>
+            <a:ext cx="1717097" cy="757152"/>
+          </a:xfrm>
+          <a:prstGeom prst="ellipse">
+            <a:avLst/>
+          </a:prstGeom>
+          <a:noFill/>
+          <a:ln>
+            <a:noFill/>
+          </a:ln>
+        </p:spPr>
+        <p:style>
+          <a:lnRef idx="2">
+            <a:schemeClr val="dk1"/>
+          </a:lnRef>
+          <a:fillRef idx="1">
+            <a:schemeClr val="lt1"/>
+          </a:fillRef>
+          <a:effectRef idx="0">
+            <a:schemeClr val="dk1"/>
+          </a:effectRef>
+          <a:fontRef idx="minor">
+            <a:schemeClr val="dk1"/>
+          </a:fontRef>
+        </p:style>
+        <p:txBody>
+          <a:bodyPr rtlCol="0" anchor="ctr"/>
+          <a:lstStyle/>
+          <a:p>
+            <a:pPr algn="ctr"/>
+            <a:r>
+              <a:rPr lang="ru-RU" sz="1200" dirty="0">
+                <a:latin typeface="+mj-lt"/>
+              </a:rPr>
+              <a:t>Методы выделения ключевых лов</a:t>
+            </a:r>
+          </a:p>
+        </p:txBody>
+      </p:sp>
+      <p:sp>
+        <p:nvSpPr>
+          <p:cNvPr id="11" name="Овал 10">
+            <a:extLst>
+              <a:ext uri="{FF2B5EF4-FFF2-40B4-BE49-F238E27FC236}">
+                <a16:creationId xmlns:a16="http://schemas.microsoft.com/office/drawing/2014/main" id="{5833AF00-2799-B197-7D5C-E93251878D60}"/>
+              </a:ext>
+            </a:extLst>
+          </p:cNvPr>
+          <p:cNvSpPr/>
+          <p:nvPr/>
+        </p:nvSpPr>
+        <p:spPr>
+          <a:xfrm>
+            <a:off x="9506383" y="3918759"/>
+            <a:ext cx="1717097" cy="757152"/>
+          </a:xfrm>
+          <a:prstGeom prst="ellipse">
+            <a:avLst/>
+          </a:prstGeom>
+          <a:noFill/>
+          <a:ln>
+            <a:noFill/>
+          </a:ln>
+        </p:spPr>
+        <p:style>
+          <a:lnRef idx="2">
+            <a:schemeClr val="dk1"/>
+          </a:lnRef>
+          <a:fillRef idx="1">
+            <a:schemeClr val="lt1"/>
+          </a:fillRef>
+          <a:effectRef idx="0">
+            <a:schemeClr val="dk1"/>
+          </a:effectRef>
+          <a:fontRef idx="minor">
+            <a:schemeClr val="dk1"/>
+          </a:fontRef>
+        </p:style>
+        <p:txBody>
+          <a:bodyPr rtlCol="0" anchor="ctr"/>
+          <a:lstStyle/>
+          <a:p>
+            <a:pPr algn="ctr"/>
+            <a:r>
+              <a:rPr lang="ru-RU" sz="1200" dirty="0" err="1">
+                <a:latin typeface="+mj-lt"/>
+              </a:rPr>
+              <a:t>Нейросетевые</a:t>
+            </a:r>
+            <a:endParaRPr lang="ru-RU" sz="1200" dirty="0">
+              <a:latin typeface="+mj-lt"/>
+            </a:endParaRPr>
+          </a:p>
+        </p:txBody>
+      </p:sp>
+      <p:cxnSp>
+        <p:nvCxnSpPr>
+          <p:cNvPr id="13" name="Прямая со стрелкой 12">
+            <a:extLst>
+              <a:ext uri="{FF2B5EF4-FFF2-40B4-BE49-F238E27FC236}">
+                <a16:creationId xmlns:a16="http://schemas.microsoft.com/office/drawing/2014/main" id="{2972672B-1D25-3A80-ECCD-028EFBB57B38}"/>
+              </a:ext>
+            </a:extLst>
+          </p:cNvPr>
+          <p:cNvCxnSpPr>
+            <a:cxnSpLocks/>
+            <a:stCxn id="10" idx="2"/>
+          </p:cNvCxnSpPr>
+          <p:nvPr/>
+        </p:nvCxnSpPr>
+        <p:spPr>
+          <a:xfrm flipH="1">
+            <a:off x="1498264" y="2016184"/>
+            <a:ext cx="3739187" cy="1907422"/>
+          </a:xfrm>
+          <a:prstGeom prst="straightConnector1">
+            <a:avLst/>
+          </a:prstGeom>
+          <a:ln w="38100">
+            <a:tailEnd type="triangle"/>
+          </a:ln>
+        </p:spPr>
+        <p:style>
+          <a:lnRef idx="1">
+            <a:schemeClr val="dk1"/>
+          </a:lnRef>
+          <a:fillRef idx="0">
+            <a:schemeClr val="dk1"/>
+          </a:fillRef>
+          <a:effectRef idx="0">
+            <a:schemeClr val="dk1"/>
+          </a:effectRef>
+          <a:fontRef idx="minor">
+            <a:schemeClr val="tx1"/>
+          </a:fontRef>
+        </p:style>
+      </p:cxnSp>
+      <p:cxnSp>
+        <p:nvCxnSpPr>
+          <p:cNvPr id="14" name="Прямая со стрелкой 13">
+            <a:extLst>
+              <a:ext uri="{FF2B5EF4-FFF2-40B4-BE49-F238E27FC236}">
+                <a16:creationId xmlns:a16="http://schemas.microsoft.com/office/drawing/2014/main" id="{23AE6D96-9669-E877-ECC9-087F53261FA3}"/>
+              </a:ext>
+            </a:extLst>
+          </p:cNvPr>
+          <p:cNvCxnSpPr>
+            <a:cxnSpLocks/>
+            <a:stCxn id="10" idx="3"/>
+            <a:endCxn id="9" idx="0"/>
+          </p:cNvCxnSpPr>
+          <p:nvPr/>
+        </p:nvCxnSpPr>
+        <p:spPr>
+          <a:xfrm flipH="1">
+            <a:off x="4682836" y="2283878"/>
+            <a:ext cx="806078" cy="1634881"/>
+          </a:xfrm>
+          <a:prstGeom prst="straightConnector1">
+            <a:avLst/>
+          </a:prstGeom>
+          <a:ln w="38100">
+            <a:tailEnd type="triangle"/>
+          </a:ln>
+        </p:spPr>
+        <p:style>
+          <a:lnRef idx="1">
+            <a:schemeClr val="dk1"/>
+          </a:lnRef>
+          <a:fillRef idx="0">
+            <a:schemeClr val="dk1"/>
+          </a:fillRef>
+          <a:effectRef idx="0">
+            <a:schemeClr val="dk1"/>
+          </a:effectRef>
+          <a:fontRef idx="minor">
+            <a:schemeClr val="tx1"/>
+          </a:fontRef>
+        </p:style>
+      </p:cxnSp>
+      <p:cxnSp>
+        <p:nvCxnSpPr>
+          <p:cNvPr id="25" name="Прямая со стрелкой 24">
+            <a:extLst>
+              <a:ext uri="{FF2B5EF4-FFF2-40B4-BE49-F238E27FC236}">
+                <a16:creationId xmlns:a16="http://schemas.microsoft.com/office/drawing/2014/main" id="{4A58599C-8380-BA57-05D9-DB50B8F1AFE6}"/>
+              </a:ext>
+            </a:extLst>
+          </p:cNvPr>
+          <p:cNvCxnSpPr>
+            <a:cxnSpLocks/>
+            <a:stCxn id="10" idx="5"/>
+            <a:endCxn id="7" idx="0"/>
+          </p:cNvCxnSpPr>
+          <p:nvPr/>
+        </p:nvCxnSpPr>
+        <p:spPr>
+          <a:xfrm>
+            <a:off x="6703085" y="2283878"/>
+            <a:ext cx="896783" cy="1634881"/>
+          </a:xfrm>
+          <a:prstGeom prst="straightConnector1">
+            <a:avLst/>
+          </a:prstGeom>
+          <a:ln w="38100">
+            <a:tailEnd type="triangle"/>
+          </a:ln>
+        </p:spPr>
+        <p:style>
+          <a:lnRef idx="1">
+            <a:schemeClr val="dk1"/>
+          </a:lnRef>
+          <a:fillRef idx="0">
+            <a:schemeClr val="dk1"/>
+          </a:fillRef>
+          <a:effectRef idx="0">
+            <a:schemeClr val="dk1"/>
+          </a:effectRef>
+          <a:fontRef idx="minor">
+            <a:schemeClr val="tx1"/>
+          </a:fontRef>
+        </p:style>
+      </p:cxnSp>
+      <p:cxnSp>
+        <p:nvCxnSpPr>
+          <p:cNvPr id="28" name="Прямая со стрелкой 27">
+            <a:extLst>
+              <a:ext uri="{FF2B5EF4-FFF2-40B4-BE49-F238E27FC236}">
+                <a16:creationId xmlns:a16="http://schemas.microsoft.com/office/drawing/2014/main" id="{11C2A3BD-427F-6517-7D7E-4A065E2E8C2D}"/>
+              </a:ext>
+            </a:extLst>
+          </p:cNvPr>
+          <p:cNvCxnSpPr>
+            <a:cxnSpLocks/>
+            <a:stCxn id="10" idx="6"/>
+            <a:endCxn id="11" idx="0"/>
+          </p:cNvCxnSpPr>
+          <p:nvPr/>
+        </p:nvCxnSpPr>
+        <p:spPr>
+          <a:xfrm>
+            <a:off x="6954548" y="2016184"/>
+            <a:ext cx="3410384" cy="1902575"/>
+          </a:xfrm>
+          <a:prstGeom prst="straightConnector1">
+            <a:avLst/>
+          </a:prstGeom>
+          <a:ln w="38100">
+            <a:tailEnd type="triangle"/>
+          </a:ln>
+        </p:spPr>
+        <p:style>
+          <a:lnRef idx="1">
+            <a:schemeClr val="dk1"/>
+          </a:lnRef>
+          <a:fillRef idx="0">
+            <a:schemeClr val="dk1"/>
+          </a:fillRef>
+          <a:effectRef idx="0">
+            <a:schemeClr val="dk1"/>
+          </a:effectRef>
+          <a:fontRef idx="minor">
+            <a:schemeClr val="tx1"/>
+          </a:fontRef>
+        </p:style>
+      </p:cxnSp>
+      <p:sp>
+        <p:nvSpPr>
+          <p:cNvPr id="36" name="Заголовок 1">
+            <a:extLst>
+              <a:ext uri="{FF2B5EF4-FFF2-40B4-BE49-F238E27FC236}">
+                <a16:creationId xmlns:a16="http://schemas.microsoft.com/office/drawing/2014/main" id="{98240CD8-9C7A-B61B-CC79-5C04076E554C}"/>
+              </a:ext>
+            </a:extLst>
+          </p:cNvPr>
+          <p:cNvSpPr txBox="1">
+            <a:spLocks/>
+          </p:cNvSpPr>
+          <p:nvPr/>
+        </p:nvSpPr>
+        <p:spPr>
+          <a:xfrm>
+            <a:off x="-1565133" y="-163019"/>
+            <a:ext cx="11381077" cy="1325563"/>
+          </a:xfrm>
+          <a:prstGeom prst="rect">
+            <a:avLst/>
+          </a:prstGeom>
+        </p:spPr>
+        <p:txBody>
+          <a:bodyPr vert="horz" lIns="91440" tIns="45720" rIns="91440" bIns="45720" rtlCol="0" anchor="b">
+            <a:normAutofit/>
+          </a:bodyPr>
+          <a:lstStyle>
+            <a:lvl1pPr algn="ctr" defTabSz="914400" rtl="0" eaLnBrk="1" latinLnBrk="0" hangingPunct="1">
+              <a:lnSpc>
+                <a:spcPct val="90000"/>
+              </a:lnSpc>
+              <a:spcBef>
+                <a:spcPct val="0"/>
+              </a:spcBef>
+              <a:buNone/>
+              <a:defRPr sz="6000" kern="1200">
+                <a:solidFill>
+                  <a:schemeClr val="tx1"/>
+                </a:solidFill>
+                <a:latin typeface="+mj-lt"/>
+                <a:ea typeface="+mj-ea"/>
+                <a:cs typeface="+mj-cs"/>
+              </a:defRPr>
+            </a:lvl1pPr>
+          </a:lstStyle>
+          <a:p>
+            <a:r>
+              <a:rPr lang="ru-RU" dirty="0"/>
+              <a:t>Классификация методов</a:t>
+            </a:r>
           </a:p>
         </p:txBody>
       </p:sp>
@@ -8185,7 +9126,7 @@
                 <a:latin typeface="Times New Roman" panose="02020603050405020304" pitchFamily="18" charset="0"/>
                 <a:cs typeface="Times New Roman" panose="02020603050405020304" pitchFamily="18" charset="0"/>
               </a:rPr>
-              <a:t>Сравнение алгоритмов распознавания ключевых слов  </a:t>
+              <a:t>Статистические методы выделения КС</a:t>
             </a:r>
           </a:p>
         </p:txBody>
@@ -8241,14 +9182,14 @@
             <p:ph idx="1"/>
             <p:extLst>
               <p:ext uri="{D42A27DB-BD31-4B8C-83A1-F6EECF244321}">
-                <p14:modId xmlns:p14="http://schemas.microsoft.com/office/powerpoint/2010/main" val="1205383330"/>
+                <p14:modId xmlns:p14="http://schemas.microsoft.com/office/powerpoint/2010/main" val="3112070347"/>
               </p:ext>
             </p:extLst>
           </p:nvPr>
         </p:nvGraphicFramePr>
         <p:xfrm>
-          <a:off x="752476" y="1619153"/>
-          <a:ext cx="10601324" cy="4967016"/>
+          <a:off x="675361" y="1697540"/>
+          <a:ext cx="10158893" cy="4578771"/>
         </p:xfrm>
         <a:graphic>
           <a:graphicData uri="http://schemas.openxmlformats.org/drawingml/2006/table">
@@ -8257,36 +9198,43 @@
                 <a:tableStyleId>{5940675A-B579-460E-94D1-54222C63F5DA}</a:tableStyleId>
               </a:tblPr>
               <a:tblGrid>
-                <a:gridCol w="2650331">
+                <a:gridCol w="1043388">
                   <a:extLst>
                     <a:ext uri="{9D8B030D-6E8A-4147-A177-3AD203B41FA5}">
                       <a16:colId xmlns:a16="http://schemas.microsoft.com/office/drawing/2014/main" val="1923636937"/>
                     </a:ext>
                   </a:extLst>
                 </a:gridCol>
-                <a:gridCol w="2650331">
+                <a:gridCol w="1447306">
                   <a:extLst>
                     <a:ext uri="{9D8B030D-6E8A-4147-A177-3AD203B41FA5}">
                       <a16:colId xmlns:a16="http://schemas.microsoft.com/office/drawing/2014/main" val="1661300444"/>
                     </a:ext>
                   </a:extLst>
                 </a:gridCol>
-                <a:gridCol w="2929983">
+                <a:gridCol w="2338945">
                   <a:extLst>
                     <a:ext uri="{9D8B030D-6E8A-4147-A177-3AD203B41FA5}">
                       <a16:colId xmlns:a16="http://schemas.microsoft.com/office/drawing/2014/main" val="3861368304"/>
                     </a:ext>
                   </a:extLst>
                 </a:gridCol>
-                <a:gridCol w="2370679">
+                <a:gridCol w="2664627">
                   <a:extLst>
                     <a:ext uri="{9D8B030D-6E8A-4147-A177-3AD203B41FA5}">
                       <a16:colId xmlns:a16="http://schemas.microsoft.com/office/drawing/2014/main" val="2103877131"/>
                     </a:ext>
                   </a:extLst>
                 </a:gridCol>
+                <a:gridCol w="2664627">
+                  <a:extLst>
+                    <a:ext uri="{9D8B030D-6E8A-4147-A177-3AD203B41FA5}">
+                      <a16:colId xmlns:a16="http://schemas.microsoft.com/office/drawing/2014/main" val="1277769437"/>
+                    </a:ext>
+                  </a:extLst>
+                </a:gridCol>
               </a:tblGrid>
-              <a:tr h="1086440">
+              <a:tr h="1315824">
                 <a:tc>
                   <a:txBody>
                     <a:bodyPr/>
@@ -8313,7 +9261,7 @@
                           <a:latin typeface="Times New Roman" panose="02020603050405020304" pitchFamily="18" charset="0"/>
                           <a:cs typeface="Times New Roman" panose="02020603050405020304" pitchFamily="18" charset="0"/>
                         </a:rPr>
-                        <a:t>Не требует наличия корпусов текстов</a:t>
+                        <a:t>Не требует корпусов текстов</a:t>
                       </a:r>
                     </a:p>
                   </a:txBody>
@@ -8329,7 +9277,7 @@
                           <a:latin typeface="Times New Roman" panose="02020603050405020304" pitchFamily="18" charset="0"/>
                           <a:cs typeface="Times New Roman" panose="02020603050405020304" pitchFamily="18" charset="0"/>
                         </a:rPr>
-                        <a:t>Умеет извлекать многокомпонентные КС</a:t>
+                        <a:t>Работаем с многокомпонентными КС</a:t>
                       </a:r>
                     </a:p>
                   </a:txBody>
@@ -8351,13 +9299,26 @@
                   </a:txBody>
                   <a:tcPr/>
                 </a:tc>
+                <a:tc>
+                  <a:txBody>
+                    <a:bodyPr/>
+                    <a:lstStyle/>
+                    <a:p>
+                      <a:endParaRPr lang="ru-RU" sz="2400" dirty="0">
+                        <a:latin typeface="Times New Roman" panose="02020603050405020304" pitchFamily="18" charset="0"/>
+                        <a:cs typeface="Times New Roman" panose="02020603050405020304" pitchFamily="18" charset="0"/>
+                      </a:endParaRPr>
+                    </a:p>
+                  </a:txBody>
+                  <a:tcPr/>
+                </a:tc>
                 <a:extLst>
                   <a:ext uri="{0D108BD9-81ED-4DB2-BD59-A6C34878D82A}">
                     <a16:rowId xmlns:a16="http://schemas.microsoft.com/office/drawing/2014/main" val="3147054122"/>
                   </a:ext>
                 </a:extLst>
               </a:tr>
-              <a:tr h="853134">
+              <a:tr h="733777">
                 <a:tc>
                   <a:txBody>
                     <a:bodyPr/>
@@ -8444,13 +9405,31 @@
                     </a:solidFill>
                   </a:tcPr>
                 </a:tc>
+                <a:tc>
+                  <a:txBody>
+                    <a:bodyPr/>
+                    <a:lstStyle/>
+                    <a:p>
+                      <a:pPr algn="ctr"/>
+                      <a:endParaRPr lang="ru-RU" sz="2400" dirty="0">
+                        <a:latin typeface="Times New Roman" panose="02020603050405020304" pitchFamily="18" charset="0"/>
+                        <a:cs typeface="Times New Roman" panose="02020603050405020304" pitchFamily="18" charset="0"/>
+                      </a:endParaRPr>
+                    </a:p>
+                  </a:txBody>
+                  <a:tcPr anchor="ctr">
+                    <a:solidFill>
+                      <a:srgbClr val="FFFF00"/>
+                    </a:solidFill>
+                  </a:tcPr>
+                </a:tc>
                 <a:extLst>
                   <a:ext uri="{0D108BD9-81ED-4DB2-BD59-A6C34878D82A}">
                     <a16:rowId xmlns:a16="http://schemas.microsoft.com/office/drawing/2014/main" val="1511668086"/>
                   </a:ext>
                 </a:extLst>
               </a:tr>
-              <a:tr h="853134">
+              <a:tr h="733777">
                 <a:tc>
                   <a:txBody>
                     <a:bodyPr/>
@@ -8550,13 +9529,47 @@
                     </a:solidFill>
                   </a:tcPr>
                 </a:tc>
+                <a:tc>
+                  <a:txBody>
+                    <a:bodyPr/>
+                    <a:lstStyle/>
+                    <a:p>
+                      <a:pPr marL="0" marR="0" lvl="0" indent="0" algn="ctr" defTabSz="914400" rtl="0" eaLnBrk="1" fontAlgn="auto" latinLnBrk="0" hangingPunct="1">
+                        <a:lnSpc>
+                          <a:spcPct val="100000"/>
+                        </a:lnSpc>
+                        <a:spcBef>
+                          <a:spcPts val="0"/>
+                        </a:spcBef>
+                        <a:spcAft>
+                          <a:spcPts val="0"/>
+                        </a:spcAft>
+                        <a:buClrTx/>
+                        <a:buSzTx/>
+                        <a:buFontTx/>
+                        <a:buNone/>
+                        <a:tabLst/>
+                        <a:defRPr/>
+                      </a:pPr>
+                      <a:endParaRPr lang="ru-RU" sz="2400" dirty="0">
+                        <a:latin typeface="Times New Roman" panose="02020603050405020304" pitchFamily="18" charset="0"/>
+                        <a:cs typeface="Times New Roman" panose="02020603050405020304" pitchFamily="18" charset="0"/>
+                      </a:endParaRPr>
+                    </a:p>
+                  </a:txBody>
+                  <a:tcPr anchor="ctr">
+                    <a:solidFill>
+                      <a:srgbClr val="FFFF00"/>
+                    </a:solidFill>
+                  </a:tcPr>
+                </a:tc>
                 <a:extLst>
                   <a:ext uri="{0D108BD9-81ED-4DB2-BD59-A6C34878D82A}">
                     <a16:rowId xmlns:a16="http://schemas.microsoft.com/office/drawing/2014/main" val="4236089824"/>
                   </a:ext>
                 </a:extLst>
               </a:tr>
-              <a:tr h="853134">
+              <a:tr h="733777">
                 <a:tc>
                   <a:txBody>
                     <a:bodyPr/>
@@ -8662,13 +9675,34 @@
                     </a:solidFill>
                   </a:tcPr>
                 </a:tc>
+                <a:tc>
+                  <a:txBody>
+                    <a:bodyPr/>
+                    <a:lstStyle/>
+                    <a:p>
+                      <a:pPr algn="ctr"/>
+                      <a:endParaRPr lang="ru-RU" sz="2400" dirty="0">
+                        <a:latin typeface="Times New Roman" panose="02020603050405020304" pitchFamily="18" charset="0"/>
+                        <a:cs typeface="Times New Roman" panose="02020603050405020304" pitchFamily="18" charset="0"/>
+                      </a:endParaRPr>
+                    </a:p>
+                  </a:txBody>
+                  <a:tcPr anchor="ctr">
+                    <a:solidFill>
+                      <a:schemeClr val="accent6">
+                        <a:lumMod val="40000"/>
+                        <a:lumOff val="60000"/>
+                      </a:schemeClr>
+                    </a:solidFill>
+                  </a:tcPr>
+                </a:tc>
                 <a:extLst>
                   <a:ext uri="{0D108BD9-81ED-4DB2-BD59-A6C34878D82A}">
                     <a16:rowId xmlns:a16="http://schemas.microsoft.com/office/drawing/2014/main" val="320363926"/>
                   </a:ext>
                 </a:extLst>
               </a:tr>
-              <a:tr h="853134">
+              <a:tr h="733777">
                 <a:tc>
                   <a:txBody>
                     <a:bodyPr/>
@@ -8758,6 +9792,24 @@
                     </a:solidFill>
                   </a:tcPr>
                 </a:tc>
+                <a:tc>
+                  <a:txBody>
+                    <a:bodyPr/>
+                    <a:lstStyle/>
+                    <a:p>
+                      <a:pPr algn="ctr"/>
+                      <a:endParaRPr lang="ru-RU" sz="2400" dirty="0">
+                        <a:latin typeface="Times New Roman" panose="02020603050405020304" pitchFamily="18" charset="0"/>
+                        <a:cs typeface="Times New Roman" panose="02020603050405020304" pitchFamily="18" charset="0"/>
+                      </a:endParaRPr>
+                    </a:p>
+                  </a:txBody>
+                  <a:tcPr anchor="ctr">
+                    <a:solidFill>
+                      <a:srgbClr val="FFFF00"/>
+                    </a:solidFill>
+                  </a:tcPr>
+                </a:tc>
                 <a:extLst>
                   <a:ext uri="{0D108BD9-81ED-4DB2-BD59-A6C34878D82A}">
                     <a16:rowId xmlns:a16="http://schemas.microsoft.com/office/drawing/2014/main" val="463438405"/>
@@ -8782,7 +9834,7 @@
 </file>
 
 <file path=ppt/slides/slide6.xml><?xml version="1.0" encoding="utf-8"?>
-<p:sld xmlns:a="http://schemas.openxmlformats.org/drawingml/2006/main" xmlns:r="http://schemas.openxmlformats.org/officeDocument/2006/relationships" xmlns:p="http://schemas.openxmlformats.org/presentationml/2006/main" show="0">
+<p:sld xmlns:a="http://schemas.openxmlformats.org/drawingml/2006/main" xmlns:r="http://schemas.openxmlformats.org/officeDocument/2006/relationships" xmlns:p="http://schemas.openxmlformats.org/presentationml/2006/main">
   <p:cSld>
     <p:spTree>
       <p:nvGrpSpPr>
@@ -8803,7 +9855,7 @@
           <p:cNvPr id="2" name="Заголовок 1">
             <a:extLst>
               <a:ext uri="{FF2B5EF4-FFF2-40B4-BE49-F238E27FC236}">
-                <a16:creationId xmlns:a16="http://schemas.microsoft.com/office/drawing/2014/main" id="{A75C3D49-0015-579E-FF27-2AF70399516D}"/>
+                <a16:creationId xmlns:a16="http://schemas.microsoft.com/office/drawing/2014/main" id="{774E1D64-C66F-B66F-3BC4-CA32A02F5D75}"/>
               </a:ext>
             </a:extLst>
           </p:cNvPr>
@@ -8817,19 +9869,22 @@
         <p:spPr>
           <a:xfrm>
             <a:off x="838200" y="365125"/>
-            <a:ext cx="10515600" cy="701675"/>
+            <a:ext cx="10515600" cy="579157"/>
           </a:xfrm>
         </p:spPr>
         <p:txBody>
-          <a:bodyPr/>
+          <a:bodyPr>
+            <a:normAutofit fontScale="90000"/>
+          </a:bodyPr>
           <a:lstStyle/>
           <a:p>
             <a:r>
-              <a:rPr lang="ru-RU" dirty="0">
-                <a:latin typeface="Times New Roman" panose="02020603050405020304" pitchFamily="18" charset="0"/>
-                <a:cs typeface="Times New Roman" panose="02020603050405020304" pitchFamily="18" charset="0"/>
-              </a:rPr>
-              <a:t>Выбор алгоритма</a:t>
+              <a:rPr lang="en-US" dirty="0"/>
+              <a:t>N</a:t>
+            </a:r>
+            <a:r>
+              <a:rPr lang="ru-RU" dirty="0"/>
+              <a:t>-граммы</a:t>
             </a:r>
           </a:p>
         </p:txBody>
@@ -8839,7 +9894,7 @@
           <p:cNvPr id="3" name="Объект 2">
             <a:extLst>
               <a:ext uri="{FF2B5EF4-FFF2-40B4-BE49-F238E27FC236}">
-                <a16:creationId xmlns:a16="http://schemas.microsoft.com/office/drawing/2014/main" id="{CD444625-5E9A-8C4B-CE96-628B8BC4423F}"/>
+                <a16:creationId xmlns:a16="http://schemas.microsoft.com/office/drawing/2014/main" id="{8CCEED8B-3177-F4D6-13A9-FD9B08C07A92}"/>
               </a:ext>
             </a:extLst>
           </p:cNvPr>
@@ -8852,8 +9907,8 @@
         </p:nvSpPr>
         <p:spPr>
           <a:xfrm>
-            <a:off x="838200" y="1535906"/>
-            <a:ext cx="10515600" cy="3123776"/>
+            <a:off x="588818" y="1259825"/>
+            <a:ext cx="10515600" cy="838434"/>
           </a:xfrm>
         </p:spPr>
         <p:txBody>
@@ -8866,120 +9921,53 @@
               <a:buNone/>
             </a:pPr>
             <a:r>
+              <a:rPr lang="en-US" sz="2400" dirty="0">
+                <a:latin typeface="+mj-lt"/>
+              </a:rPr>
+              <a:t>N</a:t>
+            </a:r>
+            <a:r>
               <a:rPr lang="ru-RU" sz="2400" dirty="0">
-                <a:latin typeface="Times New Roman" panose="02020603050405020304" pitchFamily="18" charset="0"/>
-                <a:cs typeface="Times New Roman" panose="02020603050405020304" pitchFamily="18" charset="0"/>
+                <a:latin typeface="+mj-lt"/>
               </a:rPr>
-              <a:t>Для решения поставленной задачи был выбран метод </a:t>
-            </a:r>
-            <a:r>
-              <a:rPr lang="ru-RU" sz="2400" b="1" dirty="0">
-                <a:latin typeface="Times New Roman" panose="02020603050405020304" pitchFamily="18" charset="0"/>
-                <a:cs typeface="Times New Roman" panose="02020603050405020304" pitchFamily="18" charset="0"/>
+              <a:t>-</a:t>
+            </a:r>
+            <a:r>
+              <a:rPr lang="ru-RU" sz="2400" dirty="0" err="1">
+                <a:latin typeface="+mj-lt"/>
               </a:rPr>
-              <a:t>«</a:t>
-            </a:r>
-            <a:r>
-              <a:rPr lang="en-US" sz="2400" b="1" dirty="0" err="1">
-                <a:latin typeface="Times New Roman" panose="02020603050405020304" pitchFamily="18" charset="0"/>
-                <a:cs typeface="Times New Roman" panose="02020603050405020304" pitchFamily="18" charset="0"/>
+              <a:t>граммой</a:t>
+            </a:r>
+            <a:r>
+              <a:rPr lang="ru-RU" sz="2400" dirty="0">
+                <a:latin typeface="+mj-lt"/>
               </a:rPr>
-              <a:t>Yake</a:t>
-            </a:r>
-            <a:r>
-              <a:rPr lang="ru-RU" sz="2400" b="1" dirty="0">
-                <a:latin typeface="Times New Roman" panose="02020603050405020304" pitchFamily="18" charset="0"/>
-                <a:cs typeface="Times New Roman" panose="02020603050405020304" pitchFamily="18" charset="0"/>
+              <a:t> на алфавите </a:t>
+            </a:r>
+            <a:r>
+              <a:rPr lang="en-US" sz="2400" dirty="0">
+                <a:latin typeface="+mj-lt"/>
               </a:rPr>
-              <a:t>»</a:t>
-            </a:r>
-          </a:p>
-          <a:p>
-            <a:pPr marL="0" indent="0">
-              <a:buNone/>
-            </a:pPr>
-            <a:endParaRPr lang="ru-RU" sz="2400" b="1" dirty="0">
-              <a:latin typeface="Times New Roman" panose="02020603050405020304" pitchFamily="18" charset="0"/>
-              <a:cs typeface="Times New Roman" panose="02020603050405020304" pitchFamily="18" charset="0"/>
-            </a:endParaRPr>
-          </a:p>
-          <a:p>
-            <a:pPr marL="0" indent="0">
-              <a:buNone/>
-            </a:pPr>
-            <a:r>
-              <a:rPr lang="ru-RU" sz="2400" b="1" dirty="0">
-                <a:latin typeface="Times New Roman" panose="02020603050405020304" pitchFamily="18" charset="0"/>
-                <a:cs typeface="Times New Roman" panose="02020603050405020304" pitchFamily="18" charset="0"/>
+              <a:t>V </a:t>
+            </a:r>
+            <a:r>
+              <a:rPr lang="ru-RU" sz="2400" dirty="0">
+                <a:latin typeface="+mj-lt"/>
               </a:rPr>
-              <a:t>Преимущества: данный алгоритм позволяет учесть</a:t>
-            </a:r>
-          </a:p>
-          <a:p>
-            <a:pPr marL="457200" indent="-457200">
-              <a:buFont typeface="+mj-lt"/>
-              <a:buAutoNum type="arabicPeriod"/>
-            </a:pPr>
+              <a:t>называют произвольную цепочку длинной </a:t>
+            </a:r>
+            <a:r>
+              <a:rPr lang="en-US" sz="2400" dirty="0">
+                <a:latin typeface="+mj-lt"/>
+              </a:rPr>
+              <a:t>N</a:t>
+            </a:r>
             <a:r>
               <a:rPr lang="ru-RU" sz="2400" dirty="0">
-                <a:latin typeface="Times New Roman" panose="02020603050405020304" pitchFamily="18" charset="0"/>
-                <a:cs typeface="Times New Roman" panose="02020603050405020304" pitchFamily="18" charset="0"/>
+                <a:latin typeface="+mj-lt"/>
               </a:rPr>
-              <a:t>расположение термина-кандидата в документе;</a:t>
-            </a:r>
-          </a:p>
-          <a:p>
-            <a:pPr marL="457200" indent="-457200">
-              <a:buFont typeface="+mj-lt"/>
-              <a:buAutoNum type="arabicPeriod"/>
-            </a:pPr>
-            <a:r>
-              <a:rPr lang="ru-RU" sz="2400" dirty="0">
-                <a:latin typeface="Times New Roman" panose="02020603050405020304" pitchFamily="18" charset="0"/>
-                <a:cs typeface="Times New Roman" panose="02020603050405020304" pitchFamily="18" charset="0"/>
-              </a:rPr>
-              <a:t>связь термина с контекстом;</a:t>
-            </a:r>
-          </a:p>
-          <a:p>
-            <a:pPr marL="457200" indent="-457200">
-              <a:buFont typeface="+mj-lt"/>
-              <a:buAutoNum type="arabicPeriod"/>
-            </a:pPr>
-            <a:r>
-              <a:rPr lang="ru-RU" sz="2400" dirty="0">
-                <a:latin typeface="Times New Roman" panose="02020603050405020304" pitchFamily="18" charset="0"/>
-                <a:cs typeface="Times New Roman" panose="02020603050405020304" pitchFamily="18" charset="0"/>
-              </a:rPr>
-              <a:t>его форму написания.</a:t>
-            </a:r>
-          </a:p>
-          <a:p>
-            <a:pPr marL="0" indent="0">
-              <a:buNone/>
-            </a:pPr>
-            <a:endParaRPr lang="ru-RU" sz="2400" dirty="0">
-              <a:latin typeface="Times New Roman" panose="02020603050405020304" pitchFamily="18" charset="0"/>
-              <a:cs typeface="Times New Roman" panose="02020603050405020304" pitchFamily="18" charset="0"/>
-            </a:endParaRPr>
-          </a:p>
-          <a:p>
-            <a:pPr marL="0" indent="0">
-              <a:buNone/>
-            </a:pPr>
-            <a:endParaRPr lang="ru-RU" sz="2400" dirty="0">
-              <a:latin typeface="Times New Roman" panose="02020603050405020304" pitchFamily="18" charset="0"/>
-              <a:cs typeface="Times New Roman" panose="02020603050405020304" pitchFamily="18" charset="0"/>
-            </a:endParaRPr>
-          </a:p>
-          <a:p>
-            <a:pPr marL="0" indent="0">
-              <a:buNone/>
-            </a:pPr>
-            <a:endParaRPr lang="ru-RU" sz="2400" dirty="0">
-              <a:latin typeface="Times New Roman" panose="02020603050405020304" pitchFamily="18" charset="0"/>
-              <a:cs typeface="Times New Roman" panose="02020603050405020304" pitchFamily="18" charset="0"/>
-            </a:endParaRPr>
+              <a:t>, например  последовательность из слов или словосочетаний</a:t>
+            </a:r>
           </a:p>
         </p:txBody>
       </p:sp>
@@ -8988,7 +9976,7 @@
           <p:cNvPr id="4" name="Номер слайда 3">
             <a:extLst>
               <a:ext uri="{FF2B5EF4-FFF2-40B4-BE49-F238E27FC236}">
-                <a16:creationId xmlns:a16="http://schemas.microsoft.com/office/drawing/2014/main" id="{FEF35FCD-22AC-F41E-6CD1-33323E75DD19}"/>
+                <a16:creationId xmlns:a16="http://schemas.microsoft.com/office/drawing/2014/main" id="{918DB5A7-761E-59C7-4021-D0E9B34CBA68}"/>
               </a:ext>
             </a:extLst>
           </p:cNvPr>
@@ -9005,25 +9993,19 @@
           <a:lstStyle/>
           <a:p>
             <a:fld id="{EB2452EA-49EB-437E-AEAF-228AB19C4ED2}" type="slidenum">
-              <a:rPr lang="ru-RU" smtClean="0">
-                <a:latin typeface="Times New Roman" panose="02020603050405020304" pitchFamily="18" charset="0"/>
-                <a:cs typeface="Times New Roman" panose="02020603050405020304" pitchFamily="18" charset="0"/>
-              </a:rPr>
+              <a:rPr lang="ru-RU" smtClean="0"/>
               <a:t>6</a:t>
             </a:fld>
-            <a:endParaRPr lang="ru-RU">
-              <a:latin typeface="Times New Roman" panose="02020603050405020304" pitchFamily="18" charset="0"/>
-              <a:cs typeface="Times New Roman" panose="02020603050405020304" pitchFamily="18" charset="0"/>
-            </a:endParaRPr>
-          </a:p>
-        </p:txBody>
-      </p:sp>
-      <p:sp>
-        <p:nvSpPr>
-          <p:cNvPr id="6" name="TextBox 5">
-            <a:extLst>
-              <a:ext uri="{FF2B5EF4-FFF2-40B4-BE49-F238E27FC236}">
-                <a16:creationId xmlns:a16="http://schemas.microsoft.com/office/drawing/2014/main" id="{3701A184-E85E-8C7C-2FA5-6419B60EED8A}"/>
+            <a:endParaRPr lang="ru-RU"/>
+          </a:p>
+        </p:txBody>
+      </p:sp>
+      <p:sp>
+        <p:nvSpPr>
+          <p:cNvPr id="30" name="TextBox 29">
+            <a:extLst>
+              <a:ext uri="{FF2B5EF4-FFF2-40B4-BE49-F238E27FC236}">
+                <a16:creationId xmlns:a16="http://schemas.microsoft.com/office/drawing/2014/main" id="{B0FFA308-DA99-F5F1-17BD-A4A32BF14D96}"/>
               </a:ext>
             </a:extLst>
           </p:cNvPr>
@@ -9032,8 +10014,8 @@
         </p:nvSpPr>
         <p:spPr>
           <a:xfrm>
-            <a:off x="737992" y="4939668"/>
-            <a:ext cx="10234808" cy="1107996"/>
+            <a:off x="588818" y="2300926"/>
+            <a:ext cx="10403541" cy="461665"/>
           </a:xfrm>
           <a:prstGeom prst="rect">
             <a:avLst/>
@@ -9050,25 +10032,724 @@
               <a:rPr lang="ru-RU" sz="2400" dirty="0">
                 <a:latin typeface="+mj-lt"/>
               </a:rPr>
-              <a:t>Примечание: </a:t>
-            </a:r>
-            <a:r>
-              <a:rPr lang="ru-RU" sz="2400" dirty="0">
-                <a:latin typeface="+mj-lt"/>
-                <a:cs typeface="Times New Roman" panose="02020603050405020304" pitchFamily="18" charset="0"/>
-              </a:rPr>
-              <a:t>до этого не использовался для извлечения КС из документов на русском языке </a:t>
-            </a:r>
-          </a:p>
-          <a:p>
-            <a:endParaRPr lang="ru-RU" dirty="0"/>
+              <a:t>Исходный текст: Извлечение ключевых слов</a:t>
+            </a:r>
+          </a:p>
+        </p:txBody>
+      </p:sp>
+      <p:graphicFrame>
+        <p:nvGraphicFramePr>
+          <p:cNvPr id="5" name="Таблица 5">
+            <a:extLst>
+              <a:ext uri="{FF2B5EF4-FFF2-40B4-BE49-F238E27FC236}">
+                <a16:creationId xmlns:a16="http://schemas.microsoft.com/office/drawing/2014/main" id="{B5EF4EA0-F205-FD49-D988-8BC2A6FD273D}"/>
+              </a:ext>
+            </a:extLst>
+          </p:cNvPr>
+          <p:cNvGraphicFramePr>
+            <a:graphicFrameLocks noGrp="1"/>
+          </p:cNvGraphicFramePr>
+          <p:nvPr>
+            <p:extLst>
+              <p:ext uri="{D42A27DB-BD31-4B8C-83A1-F6EECF244321}">
+                <p14:modId xmlns:p14="http://schemas.microsoft.com/office/powerpoint/2010/main" val="4015633376"/>
+              </p:ext>
+            </p:extLst>
+          </p:nvPr>
+        </p:nvGraphicFramePr>
+        <p:xfrm>
+          <a:off x="2410691" y="3252237"/>
+          <a:ext cx="7024256" cy="2618508"/>
+        </p:xfrm>
+        <a:graphic>
+          <a:graphicData uri="http://schemas.openxmlformats.org/drawingml/2006/table">
+            <a:tbl>
+              <a:tblPr firstRow="1" bandRow="1">
+                <a:tableStyleId>{2D5ABB26-0587-4C30-8999-92F81FD0307C}</a:tableStyleId>
+              </a:tblPr>
+              <a:tblGrid>
+                <a:gridCol w="1756064">
+                  <a:extLst>
+                    <a:ext uri="{9D8B030D-6E8A-4147-A177-3AD203B41FA5}">
+                      <a16:colId xmlns:a16="http://schemas.microsoft.com/office/drawing/2014/main" val="3641150786"/>
+                    </a:ext>
+                  </a:extLst>
+                </a:gridCol>
+                <a:gridCol w="1756064">
+                  <a:extLst>
+                    <a:ext uri="{9D8B030D-6E8A-4147-A177-3AD203B41FA5}">
+                      <a16:colId xmlns:a16="http://schemas.microsoft.com/office/drawing/2014/main" val="109932248"/>
+                    </a:ext>
+                  </a:extLst>
+                </a:gridCol>
+                <a:gridCol w="1756064">
+                  <a:extLst>
+                    <a:ext uri="{9D8B030D-6E8A-4147-A177-3AD203B41FA5}">
+                      <a16:colId xmlns:a16="http://schemas.microsoft.com/office/drawing/2014/main" val="86868891"/>
+                    </a:ext>
+                  </a:extLst>
+                </a:gridCol>
+                <a:gridCol w="1756064">
+                  <a:extLst>
+                    <a:ext uri="{9D8B030D-6E8A-4147-A177-3AD203B41FA5}">
+                      <a16:colId xmlns:a16="http://schemas.microsoft.com/office/drawing/2014/main" val="2833285125"/>
+                    </a:ext>
+                  </a:extLst>
+                </a:gridCol>
+              </a:tblGrid>
+              <a:tr h="872836">
+                <a:tc>
+                  <a:txBody>
+                    <a:bodyPr/>
+                    <a:lstStyle/>
+                    <a:p>
+                      <a:r>
+                        <a:rPr lang="en-US" dirty="0"/>
+                        <a:t>N = 1</a:t>
+                      </a:r>
+                      <a:endParaRPr lang="ru-RU" dirty="0"/>
+                    </a:p>
+                  </a:txBody>
+                  <a:tcPr/>
+                </a:tc>
+                <a:tc>
+                  <a:txBody>
+                    <a:bodyPr/>
+                    <a:lstStyle/>
+                    <a:p>
+                      <a:pPr algn="ctr"/>
+                      <a:r>
+                        <a:rPr lang="ru-RU" dirty="0"/>
+                        <a:t>извлечение</a:t>
+                      </a:r>
+                    </a:p>
+                  </a:txBody>
+                  <a:tcPr/>
+                </a:tc>
+                <a:tc>
+                  <a:txBody>
+                    <a:bodyPr/>
+                    <a:lstStyle/>
+                    <a:p>
+                      <a:pPr algn="ctr"/>
+                      <a:r>
+                        <a:rPr lang="ru-RU" dirty="0"/>
+                        <a:t>ключевых</a:t>
+                      </a:r>
+                    </a:p>
+                  </a:txBody>
+                  <a:tcPr/>
+                </a:tc>
+                <a:tc>
+                  <a:txBody>
+                    <a:bodyPr/>
+                    <a:lstStyle/>
+                    <a:p>
+                      <a:pPr algn="ctr"/>
+                      <a:r>
+                        <a:rPr lang="ru-RU" dirty="0"/>
+                        <a:t>слов</a:t>
+                      </a:r>
+                    </a:p>
+                  </a:txBody>
+                  <a:tcPr/>
+                </a:tc>
+                <a:extLst>
+                  <a:ext uri="{0D108BD9-81ED-4DB2-BD59-A6C34878D82A}">
+                    <a16:rowId xmlns:a16="http://schemas.microsoft.com/office/drawing/2014/main" val="3598186554"/>
+                  </a:ext>
+                </a:extLst>
+              </a:tr>
+              <a:tr h="872836">
+                <a:tc>
+                  <a:txBody>
+                    <a:bodyPr/>
+                    <a:lstStyle/>
+                    <a:p>
+                      <a:r>
+                        <a:rPr lang="en-US" dirty="0"/>
+                        <a:t>N = 2</a:t>
+                      </a:r>
+                      <a:endParaRPr lang="ru-RU" dirty="0"/>
+                    </a:p>
+                  </a:txBody>
+                  <a:tcPr/>
+                </a:tc>
+                <a:tc>
+                  <a:txBody>
+                    <a:bodyPr/>
+                    <a:lstStyle/>
+                    <a:p>
+                      <a:pPr marL="0" marR="0" lvl="0" indent="0" algn="ctr" defTabSz="914400" rtl="0" eaLnBrk="1" fontAlgn="auto" latinLnBrk="0" hangingPunct="1">
+                        <a:lnSpc>
+                          <a:spcPct val="100000"/>
+                        </a:lnSpc>
+                        <a:spcBef>
+                          <a:spcPts val="0"/>
+                        </a:spcBef>
+                        <a:spcAft>
+                          <a:spcPts val="0"/>
+                        </a:spcAft>
+                        <a:buClrTx/>
+                        <a:buSzTx/>
+                        <a:buFontTx/>
+                        <a:buNone/>
+                        <a:tabLst/>
+                        <a:defRPr/>
+                      </a:pPr>
+                      <a:r>
+                        <a:rPr lang="ru-RU" dirty="0"/>
+                        <a:t>извлечение</a:t>
+                      </a:r>
+                    </a:p>
+                    <a:p>
+                      <a:pPr algn="ctr"/>
+                      <a:endParaRPr lang="ru-RU" dirty="0"/>
+                    </a:p>
+                  </a:txBody>
+                  <a:tcPr/>
+                </a:tc>
+                <a:tc>
+                  <a:txBody>
+                    <a:bodyPr/>
+                    <a:lstStyle/>
+                    <a:p>
+                      <a:pPr marL="0" marR="0" lvl="0" indent="0" algn="ctr" defTabSz="914400" rtl="0" eaLnBrk="1" fontAlgn="auto" latinLnBrk="0" hangingPunct="1">
+                        <a:lnSpc>
+                          <a:spcPct val="100000"/>
+                        </a:lnSpc>
+                        <a:spcBef>
+                          <a:spcPts val="0"/>
+                        </a:spcBef>
+                        <a:spcAft>
+                          <a:spcPts val="0"/>
+                        </a:spcAft>
+                        <a:buClrTx/>
+                        <a:buSzTx/>
+                        <a:buFontTx/>
+                        <a:buNone/>
+                        <a:tabLst/>
+                        <a:defRPr/>
+                      </a:pPr>
+                      <a:r>
+                        <a:rPr lang="ru-RU" dirty="0"/>
+                        <a:t>ключевых</a:t>
+                      </a:r>
+                    </a:p>
+                    <a:p>
+                      <a:pPr algn="ctr"/>
+                      <a:endParaRPr lang="ru-RU" dirty="0"/>
+                    </a:p>
+                  </a:txBody>
+                  <a:tcPr/>
+                </a:tc>
+                <a:tc>
+                  <a:txBody>
+                    <a:bodyPr/>
+                    <a:lstStyle/>
+                    <a:p>
+                      <a:pPr marL="0" marR="0" lvl="0" indent="0" algn="ctr" defTabSz="914400" rtl="0" eaLnBrk="1" fontAlgn="auto" latinLnBrk="0" hangingPunct="1">
+                        <a:lnSpc>
+                          <a:spcPct val="100000"/>
+                        </a:lnSpc>
+                        <a:spcBef>
+                          <a:spcPts val="0"/>
+                        </a:spcBef>
+                        <a:spcAft>
+                          <a:spcPts val="0"/>
+                        </a:spcAft>
+                        <a:buClrTx/>
+                        <a:buSzTx/>
+                        <a:buFontTx/>
+                        <a:buNone/>
+                        <a:tabLst/>
+                        <a:defRPr/>
+                      </a:pPr>
+                      <a:r>
+                        <a:rPr lang="ru-RU" dirty="0"/>
+                        <a:t>слов</a:t>
+                      </a:r>
+                    </a:p>
+                    <a:p>
+                      <a:pPr algn="ctr"/>
+                      <a:endParaRPr lang="ru-RU" dirty="0"/>
+                    </a:p>
+                  </a:txBody>
+                  <a:tcPr/>
+                </a:tc>
+                <a:extLst>
+                  <a:ext uri="{0D108BD9-81ED-4DB2-BD59-A6C34878D82A}">
+                    <a16:rowId xmlns:a16="http://schemas.microsoft.com/office/drawing/2014/main" val="3642977476"/>
+                  </a:ext>
+                </a:extLst>
+              </a:tr>
+              <a:tr h="872836">
+                <a:tc>
+                  <a:txBody>
+                    <a:bodyPr/>
+                    <a:lstStyle/>
+                    <a:p>
+                      <a:r>
+                        <a:rPr lang="en-US" dirty="0"/>
+                        <a:t>N = 3</a:t>
+                      </a:r>
+                      <a:endParaRPr lang="ru-RU" dirty="0"/>
+                    </a:p>
+                  </a:txBody>
+                  <a:tcPr/>
+                </a:tc>
+                <a:tc>
+                  <a:txBody>
+                    <a:bodyPr/>
+                    <a:lstStyle/>
+                    <a:p>
+                      <a:pPr marL="0" marR="0" lvl="0" indent="0" algn="ctr" defTabSz="914400" rtl="0" eaLnBrk="1" fontAlgn="auto" latinLnBrk="0" hangingPunct="1">
+                        <a:lnSpc>
+                          <a:spcPct val="100000"/>
+                        </a:lnSpc>
+                        <a:spcBef>
+                          <a:spcPts val="0"/>
+                        </a:spcBef>
+                        <a:spcAft>
+                          <a:spcPts val="0"/>
+                        </a:spcAft>
+                        <a:buClrTx/>
+                        <a:buSzTx/>
+                        <a:buFontTx/>
+                        <a:buNone/>
+                        <a:tabLst/>
+                        <a:defRPr/>
+                      </a:pPr>
+                      <a:r>
+                        <a:rPr lang="ru-RU" dirty="0"/>
+                        <a:t>извлечение</a:t>
+                      </a:r>
+                    </a:p>
+                    <a:p>
+                      <a:pPr algn="ctr"/>
+                      <a:endParaRPr lang="ru-RU" dirty="0"/>
+                    </a:p>
+                  </a:txBody>
+                  <a:tcPr/>
+                </a:tc>
+                <a:tc>
+                  <a:txBody>
+                    <a:bodyPr/>
+                    <a:lstStyle/>
+                    <a:p>
+                      <a:pPr marL="0" marR="0" lvl="0" indent="0" algn="ctr" defTabSz="914400" rtl="0" eaLnBrk="1" fontAlgn="auto" latinLnBrk="0" hangingPunct="1">
+                        <a:lnSpc>
+                          <a:spcPct val="100000"/>
+                        </a:lnSpc>
+                        <a:spcBef>
+                          <a:spcPts val="0"/>
+                        </a:spcBef>
+                        <a:spcAft>
+                          <a:spcPts val="0"/>
+                        </a:spcAft>
+                        <a:buClrTx/>
+                        <a:buSzTx/>
+                        <a:buFontTx/>
+                        <a:buNone/>
+                        <a:tabLst/>
+                        <a:defRPr/>
+                      </a:pPr>
+                      <a:r>
+                        <a:rPr lang="ru-RU" dirty="0"/>
+                        <a:t>ключевых</a:t>
+                      </a:r>
+                    </a:p>
+                    <a:p>
+                      <a:pPr algn="ctr"/>
+                      <a:endParaRPr lang="ru-RU" dirty="0"/>
+                    </a:p>
+                  </a:txBody>
+                  <a:tcPr/>
+                </a:tc>
+                <a:tc>
+                  <a:txBody>
+                    <a:bodyPr/>
+                    <a:lstStyle/>
+                    <a:p>
+                      <a:pPr marL="0" marR="0" lvl="0" indent="0" algn="ctr" defTabSz="914400" rtl="0" eaLnBrk="1" fontAlgn="auto" latinLnBrk="0" hangingPunct="1">
+                        <a:lnSpc>
+                          <a:spcPct val="100000"/>
+                        </a:lnSpc>
+                        <a:spcBef>
+                          <a:spcPts val="0"/>
+                        </a:spcBef>
+                        <a:spcAft>
+                          <a:spcPts val="0"/>
+                        </a:spcAft>
+                        <a:buClrTx/>
+                        <a:buSzTx/>
+                        <a:buFontTx/>
+                        <a:buNone/>
+                        <a:tabLst/>
+                        <a:defRPr/>
+                      </a:pPr>
+                      <a:r>
+                        <a:rPr lang="ru-RU" dirty="0"/>
+                        <a:t>слов</a:t>
+                      </a:r>
+                    </a:p>
+                    <a:p>
+                      <a:pPr algn="ctr"/>
+                      <a:endParaRPr lang="ru-RU" dirty="0"/>
+                    </a:p>
+                  </a:txBody>
+                  <a:tcPr/>
+                </a:tc>
+                <a:extLst>
+                  <a:ext uri="{0D108BD9-81ED-4DB2-BD59-A6C34878D82A}">
+                    <a16:rowId xmlns:a16="http://schemas.microsoft.com/office/drawing/2014/main" val="293927425"/>
+                  </a:ext>
+                </a:extLst>
+              </a:tr>
+            </a:tbl>
+          </a:graphicData>
+        </a:graphic>
+      </p:graphicFrame>
+      <p:sp>
+        <p:nvSpPr>
+          <p:cNvPr id="27" name="Арка 26">
+            <a:extLst>
+              <a:ext uri="{FF2B5EF4-FFF2-40B4-BE49-F238E27FC236}">
+                <a16:creationId xmlns:a16="http://schemas.microsoft.com/office/drawing/2014/main" id="{16761969-1F68-8335-7B2F-7861DF8B1085}"/>
+              </a:ext>
+            </a:extLst>
+          </p:cNvPr>
+          <p:cNvSpPr/>
+          <p:nvPr/>
+        </p:nvSpPr>
+        <p:spPr>
+          <a:xfrm>
+            <a:off x="4322618" y="3252237"/>
+            <a:ext cx="1385455" cy="176763"/>
+          </a:xfrm>
+          <a:prstGeom prst="blockArc">
+            <a:avLst/>
+          </a:prstGeom>
+          <a:noFill/>
+          <a:ln>
+            <a:solidFill>
+              <a:schemeClr val="tx1"/>
+            </a:solidFill>
+          </a:ln>
+        </p:spPr>
+        <p:style>
+          <a:lnRef idx="2">
+            <a:schemeClr val="accent1">
+              <a:shade val="50000"/>
+            </a:schemeClr>
+          </a:lnRef>
+          <a:fillRef idx="1">
+            <a:schemeClr val="accent1"/>
+          </a:fillRef>
+          <a:effectRef idx="0">
+            <a:schemeClr val="accent1"/>
+          </a:effectRef>
+          <a:fontRef idx="minor">
+            <a:schemeClr val="lt1"/>
+          </a:fontRef>
+        </p:style>
+        <p:txBody>
+          <a:bodyPr rtlCol="0" anchor="ctr"/>
+          <a:lstStyle/>
+          <a:p>
+            <a:pPr algn="ctr"/>
+            <a:endParaRPr lang="ru-RU">
+              <a:solidFill>
+                <a:schemeClr val="tx1"/>
+              </a:solidFill>
+            </a:endParaRPr>
+          </a:p>
+        </p:txBody>
+      </p:sp>
+      <p:sp>
+        <p:nvSpPr>
+          <p:cNvPr id="29" name="Арка 28">
+            <a:extLst>
+              <a:ext uri="{FF2B5EF4-FFF2-40B4-BE49-F238E27FC236}">
+                <a16:creationId xmlns:a16="http://schemas.microsoft.com/office/drawing/2014/main" id="{7140D3B4-B6B8-EA15-37CA-B0A13CA1A2A8}"/>
+              </a:ext>
+            </a:extLst>
+          </p:cNvPr>
+          <p:cNvSpPr/>
+          <p:nvPr/>
+        </p:nvSpPr>
+        <p:spPr>
+          <a:xfrm>
+            <a:off x="6096000" y="3259164"/>
+            <a:ext cx="1385455" cy="176763"/>
+          </a:xfrm>
+          <a:prstGeom prst="blockArc">
+            <a:avLst/>
+          </a:prstGeom>
+          <a:noFill/>
+          <a:ln>
+            <a:solidFill>
+              <a:schemeClr val="tx1"/>
+            </a:solidFill>
+          </a:ln>
+        </p:spPr>
+        <p:style>
+          <a:lnRef idx="2">
+            <a:schemeClr val="accent1">
+              <a:shade val="50000"/>
+            </a:schemeClr>
+          </a:lnRef>
+          <a:fillRef idx="1">
+            <a:schemeClr val="accent1"/>
+          </a:fillRef>
+          <a:effectRef idx="0">
+            <a:schemeClr val="accent1"/>
+          </a:effectRef>
+          <a:fontRef idx="minor">
+            <a:schemeClr val="lt1"/>
+          </a:fontRef>
+        </p:style>
+        <p:txBody>
+          <a:bodyPr rtlCol="0" anchor="ctr"/>
+          <a:lstStyle/>
+          <a:p>
+            <a:pPr algn="ctr"/>
+            <a:endParaRPr lang="ru-RU">
+              <a:solidFill>
+                <a:schemeClr val="tx1"/>
+              </a:solidFill>
+            </a:endParaRPr>
+          </a:p>
+        </p:txBody>
+      </p:sp>
+      <p:sp>
+        <p:nvSpPr>
+          <p:cNvPr id="31" name="Арка 30">
+            <a:extLst>
+              <a:ext uri="{FF2B5EF4-FFF2-40B4-BE49-F238E27FC236}">
+                <a16:creationId xmlns:a16="http://schemas.microsoft.com/office/drawing/2014/main" id="{A46C1FE3-AB40-7AF6-21D3-AB8ADB9E6E38}"/>
+              </a:ext>
+            </a:extLst>
+          </p:cNvPr>
+          <p:cNvSpPr/>
+          <p:nvPr/>
+        </p:nvSpPr>
+        <p:spPr>
+          <a:xfrm>
+            <a:off x="7869382" y="3266091"/>
+            <a:ext cx="1385455" cy="176763"/>
+          </a:xfrm>
+          <a:prstGeom prst="blockArc">
+            <a:avLst/>
+          </a:prstGeom>
+          <a:noFill/>
+          <a:ln>
+            <a:solidFill>
+              <a:schemeClr val="tx1"/>
+            </a:solidFill>
+          </a:ln>
+        </p:spPr>
+        <p:style>
+          <a:lnRef idx="2">
+            <a:schemeClr val="accent1">
+              <a:shade val="50000"/>
+            </a:schemeClr>
+          </a:lnRef>
+          <a:fillRef idx="1">
+            <a:schemeClr val="accent1"/>
+          </a:fillRef>
+          <a:effectRef idx="0">
+            <a:schemeClr val="accent1"/>
+          </a:effectRef>
+          <a:fontRef idx="minor">
+            <a:schemeClr val="lt1"/>
+          </a:fontRef>
+        </p:style>
+        <p:txBody>
+          <a:bodyPr rtlCol="0" anchor="ctr"/>
+          <a:lstStyle/>
+          <a:p>
+            <a:pPr algn="ctr"/>
+            <a:endParaRPr lang="ru-RU">
+              <a:solidFill>
+                <a:schemeClr val="tx1"/>
+              </a:solidFill>
+            </a:endParaRPr>
+          </a:p>
+        </p:txBody>
+      </p:sp>
+      <p:sp>
+        <p:nvSpPr>
+          <p:cNvPr id="32" name="Арка 31">
+            <a:extLst>
+              <a:ext uri="{FF2B5EF4-FFF2-40B4-BE49-F238E27FC236}">
+                <a16:creationId xmlns:a16="http://schemas.microsoft.com/office/drawing/2014/main" id="{20183C30-43D6-1A84-EA99-EE1FD8121977}"/>
+              </a:ext>
+            </a:extLst>
+          </p:cNvPr>
+          <p:cNvSpPr/>
+          <p:nvPr/>
+        </p:nvSpPr>
+        <p:spPr>
+          <a:xfrm>
+            <a:off x="4322618" y="4059383"/>
+            <a:ext cx="3158837" cy="258324"/>
+          </a:xfrm>
+          <a:prstGeom prst="blockArc">
+            <a:avLst/>
+          </a:prstGeom>
+          <a:noFill/>
+          <a:ln>
+            <a:solidFill>
+              <a:schemeClr val="tx1"/>
+            </a:solidFill>
+          </a:ln>
+        </p:spPr>
+        <p:style>
+          <a:lnRef idx="2">
+            <a:schemeClr val="accent1">
+              <a:shade val="50000"/>
+            </a:schemeClr>
+          </a:lnRef>
+          <a:fillRef idx="1">
+            <a:schemeClr val="accent1"/>
+          </a:fillRef>
+          <a:effectRef idx="0">
+            <a:schemeClr val="accent1"/>
+          </a:effectRef>
+          <a:fontRef idx="minor">
+            <a:schemeClr val="lt1"/>
+          </a:fontRef>
+        </p:style>
+        <p:txBody>
+          <a:bodyPr rtlCol="0" anchor="ctr"/>
+          <a:lstStyle/>
+          <a:p>
+            <a:pPr algn="ctr"/>
+            <a:endParaRPr lang="ru-RU">
+              <a:solidFill>
+                <a:schemeClr val="tx1"/>
+              </a:solidFill>
+            </a:endParaRPr>
+          </a:p>
+        </p:txBody>
+      </p:sp>
+      <p:sp>
+        <p:nvSpPr>
+          <p:cNvPr id="33" name="Арка 32">
+            <a:extLst>
+              <a:ext uri="{FF2B5EF4-FFF2-40B4-BE49-F238E27FC236}">
+                <a16:creationId xmlns:a16="http://schemas.microsoft.com/office/drawing/2014/main" id="{DB5F3AB8-BD2A-8942-0D15-CEA417CF825C}"/>
+              </a:ext>
+            </a:extLst>
+          </p:cNvPr>
+          <p:cNvSpPr/>
+          <p:nvPr/>
+        </p:nvSpPr>
+        <p:spPr>
+          <a:xfrm>
+            <a:off x="4322618" y="4909264"/>
+            <a:ext cx="4516582" cy="258324"/>
+          </a:xfrm>
+          <a:prstGeom prst="blockArc">
+            <a:avLst/>
+          </a:prstGeom>
+          <a:noFill/>
+          <a:ln>
+            <a:solidFill>
+              <a:schemeClr val="tx1"/>
+            </a:solidFill>
+          </a:ln>
+        </p:spPr>
+        <p:style>
+          <a:lnRef idx="2">
+            <a:schemeClr val="accent1">
+              <a:shade val="50000"/>
+            </a:schemeClr>
+          </a:lnRef>
+          <a:fillRef idx="1">
+            <a:schemeClr val="accent1"/>
+          </a:fillRef>
+          <a:effectRef idx="0">
+            <a:schemeClr val="accent1"/>
+          </a:effectRef>
+          <a:fontRef idx="minor">
+            <a:schemeClr val="lt1"/>
+          </a:fontRef>
+        </p:style>
+        <p:txBody>
+          <a:bodyPr rtlCol="0" anchor="ctr"/>
+          <a:lstStyle/>
+          <a:p>
+            <a:pPr algn="ctr"/>
+            <a:endParaRPr lang="ru-RU">
+              <a:solidFill>
+                <a:schemeClr val="tx1"/>
+              </a:solidFill>
+            </a:endParaRPr>
+          </a:p>
+        </p:txBody>
+      </p:sp>
+      <p:sp>
+        <p:nvSpPr>
+          <p:cNvPr id="34" name="Арка 33">
+            <a:extLst>
+              <a:ext uri="{FF2B5EF4-FFF2-40B4-BE49-F238E27FC236}">
+                <a16:creationId xmlns:a16="http://schemas.microsoft.com/office/drawing/2014/main" id="{8106FEC8-3406-2E2F-3B18-52FADB1BF5F1}"/>
+              </a:ext>
+            </a:extLst>
+          </p:cNvPr>
+          <p:cNvSpPr/>
+          <p:nvPr/>
+        </p:nvSpPr>
+        <p:spPr>
+          <a:xfrm flipV="1">
+            <a:off x="6096001" y="4355161"/>
+            <a:ext cx="2743200" cy="258324"/>
+          </a:xfrm>
+          <a:prstGeom prst="blockArc">
+            <a:avLst/>
+          </a:prstGeom>
+          <a:noFill/>
+          <a:ln>
+            <a:solidFill>
+              <a:schemeClr val="tx1"/>
+            </a:solidFill>
+          </a:ln>
+        </p:spPr>
+        <p:style>
+          <a:lnRef idx="2">
+            <a:schemeClr val="accent1">
+              <a:shade val="50000"/>
+            </a:schemeClr>
+          </a:lnRef>
+          <a:fillRef idx="1">
+            <a:schemeClr val="accent1"/>
+          </a:fillRef>
+          <a:effectRef idx="0">
+            <a:schemeClr val="accent1"/>
+          </a:effectRef>
+          <a:fontRef idx="minor">
+            <a:schemeClr val="lt1"/>
+          </a:fontRef>
+        </p:style>
+        <p:txBody>
+          <a:bodyPr rtlCol="0" anchor="ctr"/>
+          <a:lstStyle/>
+          <a:p>
+            <a:pPr algn="ctr"/>
+            <a:endParaRPr lang="ru-RU">
+              <a:solidFill>
+                <a:schemeClr val="tx1"/>
+              </a:solidFill>
+            </a:endParaRPr>
           </a:p>
         </p:txBody>
       </p:sp>
     </p:spTree>
     <p:extLst>
       <p:ext uri="{BB962C8B-B14F-4D97-AF65-F5344CB8AC3E}">
-        <p14:creationId xmlns:p14="http://schemas.microsoft.com/office/powerpoint/2010/main" val="3345915418"/>
+        <p14:creationId xmlns:p14="http://schemas.microsoft.com/office/powerpoint/2010/main" val="2092734810"/>
       </p:ext>
     </p:extLst>
   </p:cSld>
@@ -9095,12 +10776,48 @@
           <a:chExt cx="0" cy="0"/>
         </a:xfrm>
       </p:grpSpPr>
+      <p:pic>
+        <p:nvPicPr>
+          <p:cNvPr id="5" name="Рисунок 4">
+            <a:extLst>
+              <a:ext uri="{FF2B5EF4-FFF2-40B4-BE49-F238E27FC236}">
+                <a16:creationId xmlns:a16="http://schemas.microsoft.com/office/drawing/2014/main" id="{20208BF2-5752-159B-FDA7-C22107030CF1}"/>
+              </a:ext>
+            </a:extLst>
+          </p:cNvPr>
+          <p:cNvPicPr>
+            <a:picLocks noChangeAspect="1"/>
+          </p:cNvPicPr>
+          <p:nvPr/>
+        </p:nvPicPr>
+        <p:blipFill>
+          <a:blip r:embed="rId2">
+            <a:extLst>
+              <a:ext uri="{28A0092B-C50C-407E-A947-70E740481C1C}">
+                <a14:useLocalDpi xmlns:a14="http://schemas.microsoft.com/office/drawing/2010/main" val="0"/>
+              </a:ext>
+            </a:extLst>
+          </a:blip>
+          <a:stretch>
+            <a:fillRect/>
+          </a:stretch>
+        </p:blipFill>
+        <p:spPr>
+          <a:xfrm>
+            <a:off x="4727368" y="-16164"/>
+            <a:ext cx="7267432" cy="6858000"/>
+          </a:xfrm>
+          <a:prstGeom prst="rect">
+            <a:avLst/>
+          </a:prstGeom>
+        </p:spPr>
+      </p:pic>
       <p:sp>
         <p:nvSpPr>
           <p:cNvPr id="2" name="Заголовок 1">
             <a:extLst>
               <a:ext uri="{FF2B5EF4-FFF2-40B4-BE49-F238E27FC236}">
-                <a16:creationId xmlns:a16="http://schemas.microsoft.com/office/drawing/2014/main" id="{774E1D64-C66F-B66F-3BC4-CA32A02F5D75}"/>
+                <a16:creationId xmlns:a16="http://schemas.microsoft.com/office/drawing/2014/main" id="{44AF3655-DA27-6BE8-55EF-5C2BCFAC39B3}"/>
               </a:ext>
             </a:extLst>
           </p:cNvPr>
@@ -9113,47 +10830,8 @@
         </p:nvSpPr>
         <p:spPr>
           <a:xfrm>
-            <a:off x="838200" y="365125"/>
-            <a:ext cx="10515600" cy="579157"/>
-          </a:xfrm>
-        </p:spPr>
-        <p:txBody>
-          <a:bodyPr>
-            <a:normAutofit fontScale="90000"/>
-          </a:bodyPr>
-          <a:lstStyle/>
-          <a:p>
-            <a:r>
-              <a:rPr lang="en-US" dirty="0"/>
-              <a:t>N</a:t>
-            </a:r>
-            <a:r>
-              <a:rPr lang="ru-RU" dirty="0"/>
-              <a:t>-граммы</a:t>
-            </a:r>
-          </a:p>
-        </p:txBody>
-      </p:sp>
-      <p:sp>
-        <p:nvSpPr>
-          <p:cNvPr id="3" name="Объект 2">
-            <a:extLst>
-              <a:ext uri="{FF2B5EF4-FFF2-40B4-BE49-F238E27FC236}">
-                <a16:creationId xmlns:a16="http://schemas.microsoft.com/office/drawing/2014/main" id="{8CCEED8B-3177-F4D6-13A9-FD9B08C07A92}"/>
-              </a:ext>
-            </a:extLst>
-          </p:cNvPr>
-          <p:cNvSpPr>
-            <a:spLocks noGrp="1"/>
-          </p:cNvSpPr>
-          <p:nvPr>
-            <p:ph idx="1"/>
-          </p:nvPr>
-        </p:nvSpPr>
-        <p:spPr>
-          <a:xfrm>
-            <a:off x="838200" y="1253331"/>
-            <a:ext cx="10515600" cy="838434"/>
+            <a:off x="288365" y="245007"/>
+            <a:ext cx="3682652" cy="1325563"/>
           </a:xfrm>
         </p:spPr>
         <p:txBody>
@@ -9162,66 +10840,83 @@
           </a:bodyPr>
           <a:lstStyle/>
           <a:p>
-            <a:pPr marL="0" indent="0">
-              <a:buNone/>
-            </a:pPr>
-            <a:r>
-              <a:rPr lang="en-US" sz="2400" dirty="0">
+            <a:r>
+              <a:rPr lang="ru-RU" dirty="0"/>
+              <a:t>Постановка задачи</a:t>
+            </a:r>
+          </a:p>
+        </p:txBody>
+      </p:sp>
+      <p:sp>
+        <p:nvSpPr>
+          <p:cNvPr id="8" name="TextBox 7">
+            <a:extLst>
+              <a:ext uri="{FF2B5EF4-FFF2-40B4-BE49-F238E27FC236}">
+                <a16:creationId xmlns:a16="http://schemas.microsoft.com/office/drawing/2014/main" id="{5DEFC0A3-F005-C8EB-CEA2-5A4805B7F1F0}"/>
+              </a:ext>
+            </a:extLst>
+          </p:cNvPr>
+          <p:cNvSpPr txBox="1"/>
+          <p:nvPr/>
+        </p:nvSpPr>
+        <p:spPr>
+          <a:xfrm>
+            <a:off x="288365" y="2613392"/>
+            <a:ext cx="3682652" cy="1631216"/>
+          </a:xfrm>
+          <a:prstGeom prst="rect">
+            <a:avLst/>
+          </a:prstGeom>
+          <a:noFill/>
+        </p:spPr>
+        <p:txBody>
+          <a:bodyPr wrap="square" rtlCol="0">
+            <a:spAutoFit/>
+          </a:bodyPr>
+          <a:lstStyle/>
+          <a:p>
+            <a:r>
+              <a:rPr lang="ru-RU" sz="2000" dirty="0">
                 <a:latin typeface="+mj-lt"/>
               </a:rPr>
-              <a:t>N</a:t>
-            </a:r>
-            <a:r>
-              <a:rPr lang="ru-RU" sz="2400" dirty="0">
+              <a:t>Ограничения:</a:t>
+            </a:r>
+          </a:p>
+          <a:p>
+            <a:pPr marL="285750" indent="-285750">
+              <a:buFont typeface="Arial" panose="020B0604020202020204" pitchFamily="34" charset="0"/>
+              <a:buChar char="•"/>
+            </a:pPr>
+            <a:r>
+              <a:rPr lang="ru-RU" sz="2000" dirty="0">
                 <a:latin typeface="+mj-lt"/>
               </a:rPr>
-              <a:t>-</a:t>
-            </a:r>
-            <a:r>
-              <a:rPr lang="ru-RU" sz="2400" dirty="0" err="1">
+              <a:t>Минимальный размер теста не менее 50 слов.</a:t>
+            </a:r>
+            <a:endParaRPr lang="en-US" sz="2000" dirty="0">
+              <a:latin typeface="+mj-lt"/>
+            </a:endParaRPr>
+          </a:p>
+          <a:p>
+            <a:pPr marL="285750" indent="-285750">
+              <a:buFont typeface="Arial" panose="020B0604020202020204" pitchFamily="34" charset="0"/>
+              <a:buChar char="•"/>
+            </a:pPr>
+            <a:r>
+              <a:rPr lang="ru-RU" sz="2000" dirty="0">
                 <a:latin typeface="+mj-lt"/>
               </a:rPr>
-              <a:t>граммой</a:t>
-            </a:r>
-            <a:r>
-              <a:rPr lang="ru-RU" sz="2400" dirty="0">
-                <a:latin typeface="+mj-lt"/>
-              </a:rPr>
-              <a:t> на алфавите </a:t>
-            </a:r>
-            <a:r>
-              <a:rPr lang="en-US" sz="2400" dirty="0">
-                <a:latin typeface="+mj-lt"/>
-              </a:rPr>
-              <a:t>V </a:t>
-            </a:r>
-            <a:r>
-              <a:rPr lang="ru-RU" sz="2400" dirty="0">
-                <a:latin typeface="+mj-lt"/>
-              </a:rPr>
-              <a:t>называют произвольную цепочку длинной </a:t>
-            </a:r>
-            <a:r>
-              <a:rPr lang="en-US" sz="2400" dirty="0">
-                <a:latin typeface="+mj-lt"/>
-              </a:rPr>
-              <a:t>N</a:t>
-            </a:r>
-            <a:r>
-              <a:rPr lang="ru-RU" sz="2400" dirty="0">
-                <a:latin typeface="+mj-lt"/>
-              </a:rPr>
-              <a:t>, например  последовательность из слов или словосочетаний</a:t>
-            </a:r>
-          </a:p>
-        </p:txBody>
-      </p:sp>
-      <p:sp>
-        <p:nvSpPr>
-          <p:cNvPr id="4" name="Номер слайда 3">
-            <a:extLst>
-              <a:ext uri="{FF2B5EF4-FFF2-40B4-BE49-F238E27FC236}">
-                <a16:creationId xmlns:a16="http://schemas.microsoft.com/office/drawing/2014/main" id="{918DB5A7-761E-59C7-4021-D0E9B34CBA68}"/>
+              <a:t>Текст принадлежит одному источнику (статье)</a:t>
+            </a:r>
+          </a:p>
+        </p:txBody>
+      </p:sp>
+      <p:sp>
+        <p:nvSpPr>
+          <p:cNvPr id="3" name="Номер слайда 2">
+            <a:extLst>
+              <a:ext uri="{FF2B5EF4-FFF2-40B4-BE49-F238E27FC236}">
+                <a16:creationId xmlns:a16="http://schemas.microsoft.com/office/drawing/2014/main" id="{AA88E569-1089-BC22-F584-22F564BEF316}"/>
               </a:ext>
             </a:extLst>
           </p:cNvPr>
@@ -9247,10 +10942,10 @@
       </p:sp>
       <p:sp>
         <p:nvSpPr>
-          <p:cNvPr id="30" name="TextBox 29">
-            <a:extLst>
-              <a:ext uri="{FF2B5EF4-FFF2-40B4-BE49-F238E27FC236}">
-                <a16:creationId xmlns:a16="http://schemas.microsoft.com/office/drawing/2014/main" id="{B0FFA308-DA99-F5F1-17BD-A4A32BF14D96}"/>
+          <p:cNvPr id="4" name="TextBox 3">
+            <a:extLst>
+              <a:ext uri="{FF2B5EF4-FFF2-40B4-BE49-F238E27FC236}">
+                <a16:creationId xmlns:a16="http://schemas.microsoft.com/office/drawing/2014/main" id="{7A4A855E-7B40-DCA8-7D24-2DEF3583C2B1}"/>
               </a:ext>
             </a:extLst>
           </p:cNvPr>
@@ -9259,8 +10954,8 @@
         </p:nvSpPr>
         <p:spPr>
           <a:xfrm>
-            <a:off x="724791" y="2197160"/>
-            <a:ext cx="10403541" cy="4616648"/>
+            <a:off x="461818" y="5966662"/>
+            <a:ext cx="3148981" cy="646331"/>
           </a:xfrm>
           <a:prstGeom prst="rect">
             <a:avLst/>
@@ -9274,175 +10969,16 @@
           <a:lstStyle/>
           <a:p>
             <a:r>
-              <a:rPr lang="ru-RU" sz="2400" dirty="0">
-                <a:latin typeface="+mj-lt"/>
-              </a:rPr>
-              <a:t>Исходный текст: Автоматическое извлечение ключевых слов</a:t>
-            </a:r>
-          </a:p>
-          <a:p>
-            <a:endParaRPr lang="ru-RU" sz="2400" dirty="0">
-              <a:latin typeface="+mj-lt"/>
-            </a:endParaRPr>
-          </a:p>
-          <a:p>
-            <a:r>
-              <a:rPr lang="ru-RU" sz="2400" dirty="0">
-                <a:latin typeface="+mj-lt"/>
-              </a:rPr>
-              <a:t>Примеры </a:t>
-            </a:r>
-            <a:r>
-              <a:rPr lang="en-US" sz="2400" dirty="0">
-                <a:latin typeface="+mj-lt"/>
-              </a:rPr>
-              <a:t>N</a:t>
-            </a:r>
-            <a:r>
-              <a:rPr lang="ru-RU" sz="2400" dirty="0">
-                <a:latin typeface="+mj-lt"/>
-              </a:rPr>
-              <a:t>-грамм:</a:t>
-            </a:r>
-          </a:p>
-          <a:p>
-            <a:endParaRPr lang="ru-RU" sz="1200" dirty="0">
-              <a:latin typeface="+mj-lt"/>
-            </a:endParaRPr>
-          </a:p>
-          <a:p>
-            <a:pPr marL="285750" indent="-285750">
-              <a:buFont typeface="Arial" panose="020B0604020202020204" pitchFamily="34" charset="0"/>
-              <a:buChar char="•"/>
-            </a:pPr>
-            <a:r>
-              <a:rPr lang="ru-RU" sz="2400" dirty="0" err="1">
-                <a:latin typeface="+mj-lt"/>
-              </a:rPr>
-              <a:t>Униграмма</a:t>
-            </a:r>
-            <a:r>
-              <a:rPr lang="ru-RU" sz="2400" dirty="0">
-                <a:latin typeface="+mj-lt"/>
-              </a:rPr>
-              <a:t>: </a:t>
-            </a:r>
-            <a:endParaRPr lang="en-US" sz="2400" dirty="0">
-              <a:latin typeface="+mj-lt"/>
-            </a:endParaRPr>
-          </a:p>
-          <a:p>
-            <a:pPr lvl="1"/>
-            <a:r>
-              <a:rPr lang="ru-RU" sz="2400" dirty="0">
-                <a:latin typeface="+mj-lt"/>
-              </a:rPr>
-              <a:t>Автоматическое</a:t>
-            </a:r>
-            <a:r>
-              <a:rPr lang="en-US" sz="2400" dirty="0">
-                <a:latin typeface="+mj-lt"/>
-              </a:rPr>
-              <a:t>, </a:t>
-            </a:r>
-            <a:r>
-              <a:rPr lang="ru-RU" sz="2400" dirty="0">
-                <a:latin typeface="+mj-lt"/>
-              </a:rPr>
-              <a:t>извлечение, ключевых, слов;</a:t>
-            </a:r>
-          </a:p>
-          <a:p>
-            <a:pPr marL="285750" indent="-285750">
-              <a:buFont typeface="Arial" panose="020B0604020202020204" pitchFamily="34" charset="0"/>
-              <a:buChar char="•"/>
-            </a:pPr>
-            <a:r>
-              <a:rPr lang="ru-RU" sz="2400" dirty="0">
-                <a:latin typeface="+mj-lt"/>
-              </a:rPr>
-              <a:t>Биграмма:</a:t>
-            </a:r>
-          </a:p>
-          <a:p>
-            <a:pPr lvl="1"/>
-            <a:r>
-              <a:rPr lang="ru-RU" sz="2400" dirty="0">
-                <a:latin typeface="+mj-lt"/>
-              </a:rPr>
-              <a:t>Автоматическое извлечение, извлечение ключевых, ключевых слов;</a:t>
-            </a:r>
-          </a:p>
-          <a:p>
-            <a:pPr marL="285750" indent="-285750">
-              <a:buFont typeface="Arial" panose="020B0604020202020204" pitchFamily="34" charset="0"/>
-              <a:buChar char="•"/>
-            </a:pPr>
-            <a:r>
-              <a:rPr lang="ru-RU" sz="2400" dirty="0">
-                <a:latin typeface="+mj-lt"/>
-              </a:rPr>
-              <a:t>Триграммы:</a:t>
-            </a:r>
-          </a:p>
-          <a:p>
-            <a:pPr lvl="1"/>
-            <a:r>
-              <a:rPr lang="ru-RU" sz="2400" dirty="0">
-                <a:latin typeface="+mj-lt"/>
-              </a:rPr>
-              <a:t>Автоматическое извлечение ключевых, извлечение ключевых слов;</a:t>
-            </a:r>
-          </a:p>
-          <a:p>
-            <a:pPr marL="285750" indent="-285750">
-              <a:buFont typeface="Arial" panose="020B0604020202020204" pitchFamily="34" charset="0"/>
-              <a:buChar char="•"/>
-            </a:pPr>
-            <a:r>
-              <a:rPr lang="en-US" sz="2400" dirty="0">
-                <a:latin typeface="+mj-lt"/>
-              </a:rPr>
-              <a:t>N</a:t>
-            </a:r>
-            <a:r>
-              <a:rPr lang="ru-RU" sz="2400" dirty="0">
-                <a:latin typeface="+mj-lt"/>
-              </a:rPr>
-              <a:t> – грамма (</a:t>
-            </a:r>
-            <a:r>
-              <a:rPr lang="en-US" sz="2400" dirty="0">
-                <a:latin typeface="+mj-lt"/>
-              </a:rPr>
-              <a:t>n</a:t>
-            </a:r>
-            <a:r>
-              <a:rPr lang="ru-RU" sz="2400" dirty="0">
-                <a:latin typeface="+mj-lt"/>
-              </a:rPr>
-              <a:t> = 4)</a:t>
-            </a:r>
-          </a:p>
-          <a:p>
-            <a:pPr lvl="1"/>
-            <a:r>
-              <a:rPr lang="ru-RU" sz="2400" dirty="0">
-                <a:latin typeface="+mj-lt"/>
-              </a:rPr>
-              <a:t>Автоматическое извлечение ключевых слов.</a:t>
-            </a:r>
-            <a:endParaRPr lang="en-US" dirty="0"/>
-          </a:p>
-          <a:p>
-            <a:endParaRPr lang="ru-RU" dirty="0"/>
+              <a:rPr lang="ru-RU" dirty="0"/>
+              <a:t>А0 крупнее (блока и шрифт в нем)</a:t>
+            </a:r>
           </a:p>
         </p:txBody>
       </p:sp>
     </p:spTree>
     <p:extLst>
       <p:ext uri="{BB962C8B-B14F-4D97-AF65-F5344CB8AC3E}">
-        <p14:creationId xmlns:p14="http://schemas.microsoft.com/office/powerpoint/2010/main" val="2092734810"/>
+        <p14:creationId xmlns:p14="http://schemas.microsoft.com/office/powerpoint/2010/main" val="1676049502"/>
       </p:ext>
     </p:extLst>
   </p:cSld>
@@ -9469,48 +11005,12 @@
           <a:chExt cx="0" cy="0"/>
         </a:xfrm>
       </p:grpSpPr>
-      <p:pic>
-        <p:nvPicPr>
-          <p:cNvPr id="5" name="Рисунок 4">
-            <a:extLst>
-              <a:ext uri="{FF2B5EF4-FFF2-40B4-BE49-F238E27FC236}">
-                <a16:creationId xmlns:a16="http://schemas.microsoft.com/office/drawing/2014/main" id="{20208BF2-5752-159B-FDA7-C22107030CF1}"/>
-              </a:ext>
-            </a:extLst>
-          </p:cNvPr>
-          <p:cNvPicPr>
-            <a:picLocks noChangeAspect="1"/>
-          </p:cNvPicPr>
-          <p:nvPr/>
-        </p:nvPicPr>
-        <p:blipFill>
-          <a:blip r:embed="rId2">
-            <a:extLst>
-              <a:ext uri="{28A0092B-C50C-407E-A947-70E740481C1C}">
-                <a14:useLocalDpi xmlns:a14="http://schemas.microsoft.com/office/drawing/2010/main" val="0"/>
-              </a:ext>
-            </a:extLst>
-          </a:blip>
-          <a:stretch>
-            <a:fillRect/>
-          </a:stretch>
-        </p:blipFill>
-        <p:spPr>
-          <a:xfrm>
-            <a:off x="4727368" y="-16164"/>
-            <a:ext cx="7267432" cy="6858000"/>
-          </a:xfrm>
-          <a:prstGeom prst="rect">
-            <a:avLst/>
-          </a:prstGeom>
-        </p:spPr>
-      </p:pic>
       <p:sp>
         <p:nvSpPr>
           <p:cNvPr id="2" name="Заголовок 1">
             <a:extLst>
               <a:ext uri="{FF2B5EF4-FFF2-40B4-BE49-F238E27FC236}">
-                <a16:creationId xmlns:a16="http://schemas.microsoft.com/office/drawing/2014/main" id="{44AF3655-DA27-6BE8-55EF-5C2BCFAC39B3}"/>
+                <a16:creationId xmlns:a16="http://schemas.microsoft.com/office/drawing/2014/main" id="{2A95EC68-4529-7E8E-2310-7EB201B6A849}"/>
               </a:ext>
             </a:extLst>
           </p:cNvPr>
@@ -9523,83 +11023,17 @@
         </p:nvSpPr>
         <p:spPr>
           <a:xfrm>
-            <a:off x="288365" y="245007"/>
-            <a:ext cx="3682652" cy="1325563"/>
+            <a:off x="407894" y="58831"/>
+            <a:ext cx="5496859" cy="1325563"/>
           </a:xfrm>
         </p:spPr>
         <p:txBody>
-          <a:bodyPr>
-            <a:normAutofit/>
-          </a:bodyPr>
+          <a:bodyPr/>
           <a:lstStyle/>
           <a:p>
             <a:r>
               <a:rPr lang="ru-RU" dirty="0"/>
-              <a:t>Постановка задачи</a:t>
-            </a:r>
-          </a:p>
-        </p:txBody>
-      </p:sp>
-      <p:sp>
-        <p:nvSpPr>
-          <p:cNvPr id="8" name="TextBox 7">
-            <a:extLst>
-              <a:ext uri="{FF2B5EF4-FFF2-40B4-BE49-F238E27FC236}">
-                <a16:creationId xmlns:a16="http://schemas.microsoft.com/office/drawing/2014/main" id="{5DEFC0A3-F005-C8EB-CEA2-5A4805B7F1F0}"/>
-              </a:ext>
-            </a:extLst>
-          </p:cNvPr>
-          <p:cNvSpPr txBox="1"/>
-          <p:nvPr/>
-        </p:nvSpPr>
-        <p:spPr>
-          <a:xfrm>
-            <a:off x="288365" y="2236687"/>
-            <a:ext cx="3682652" cy="1631216"/>
-          </a:xfrm>
-          <a:prstGeom prst="rect">
-            <a:avLst/>
-          </a:prstGeom>
-          <a:noFill/>
-        </p:spPr>
-        <p:txBody>
-          <a:bodyPr wrap="square" rtlCol="0">
-            <a:spAutoFit/>
-          </a:bodyPr>
-          <a:lstStyle/>
-          <a:p>
-            <a:r>
-              <a:rPr lang="ru-RU" sz="2000" dirty="0">
-                <a:latin typeface="+mj-lt"/>
-              </a:rPr>
-              <a:t>Ограничения:</a:t>
-            </a:r>
-          </a:p>
-          <a:p>
-            <a:pPr marL="285750" indent="-285750">
-              <a:buFont typeface="Arial" panose="020B0604020202020204" pitchFamily="34" charset="0"/>
-              <a:buChar char="•"/>
-            </a:pPr>
-            <a:r>
-              <a:rPr lang="ru-RU" sz="2000" dirty="0">
-                <a:latin typeface="+mj-lt"/>
-              </a:rPr>
-              <a:t>Минимальный размер теста не менее 50 слов.</a:t>
-            </a:r>
-            <a:endParaRPr lang="en-US" sz="2000" dirty="0">
-              <a:latin typeface="+mj-lt"/>
-            </a:endParaRPr>
-          </a:p>
-          <a:p>
-            <a:pPr marL="285750" indent="-285750">
-              <a:buFont typeface="Arial" panose="020B0604020202020204" pitchFamily="34" charset="0"/>
-              <a:buChar char="•"/>
-            </a:pPr>
-            <a:r>
-              <a:rPr lang="ru-RU" sz="2000" dirty="0">
-                <a:latin typeface="+mj-lt"/>
-              </a:rPr>
-              <a:t>Текст принадлежит одному источнику (статье)</a:t>
+              <a:t>Метод извлечения КС</a:t>
             </a:r>
           </a:p>
         </p:txBody>
@@ -9609,7 +11043,7 @@
           <p:cNvPr id="3" name="Номер слайда 2">
             <a:extLst>
               <a:ext uri="{FF2B5EF4-FFF2-40B4-BE49-F238E27FC236}">
-                <a16:creationId xmlns:a16="http://schemas.microsoft.com/office/drawing/2014/main" id="{AA88E569-1089-BC22-F584-22F564BEF316}"/>
+                <a16:creationId xmlns:a16="http://schemas.microsoft.com/office/drawing/2014/main" id="{E1C5FE42-DE99-4BC2-08E3-00667A524548}"/>
               </a:ext>
             </a:extLst>
           </p:cNvPr>
@@ -9628,133 +11062,6 @@
             <a:fld id="{EB2452EA-49EB-437E-AEAF-228AB19C4ED2}" type="slidenum">
               <a:rPr lang="ru-RU" smtClean="0"/>
               <a:t>8</a:t>
-            </a:fld>
-            <a:endParaRPr lang="ru-RU"/>
-          </a:p>
-        </p:txBody>
-      </p:sp>
-      <p:sp>
-        <p:nvSpPr>
-          <p:cNvPr id="4" name="TextBox 3">
-            <a:extLst>
-              <a:ext uri="{FF2B5EF4-FFF2-40B4-BE49-F238E27FC236}">
-                <a16:creationId xmlns:a16="http://schemas.microsoft.com/office/drawing/2014/main" id="{7A4A855E-7B40-DCA8-7D24-2DEF3583C2B1}"/>
-              </a:ext>
-            </a:extLst>
-          </p:cNvPr>
-          <p:cNvSpPr txBox="1"/>
-          <p:nvPr/>
-        </p:nvSpPr>
-        <p:spPr>
-          <a:xfrm>
-            <a:off x="822036" y="4701309"/>
-            <a:ext cx="3148981" cy="646331"/>
-          </a:xfrm>
-          <a:prstGeom prst="rect">
-            <a:avLst/>
-          </a:prstGeom>
-          <a:noFill/>
-        </p:spPr>
-        <p:txBody>
-          <a:bodyPr wrap="square" rtlCol="0">
-            <a:spAutoFit/>
-          </a:bodyPr>
-          <a:lstStyle/>
-          <a:p>
-            <a:r>
-              <a:rPr lang="ru-RU" dirty="0"/>
-              <a:t>А0 крупнее (блока и шрифт в нем)</a:t>
-            </a:r>
-          </a:p>
-        </p:txBody>
-      </p:sp>
-    </p:spTree>
-    <p:extLst>
-      <p:ext uri="{BB962C8B-B14F-4D97-AF65-F5344CB8AC3E}">
-        <p14:creationId xmlns:p14="http://schemas.microsoft.com/office/powerpoint/2010/main" val="1676049502"/>
-      </p:ext>
-    </p:extLst>
-  </p:cSld>
-  <p:clrMapOvr>
-    <a:masterClrMapping/>
-  </p:clrMapOvr>
-</p:sld>
-</file>
-
-<file path=ppt/slides/slide9.xml><?xml version="1.0" encoding="utf-8"?>
-<p:sld xmlns:a="http://schemas.openxmlformats.org/drawingml/2006/main" xmlns:r="http://schemas.openxmlformats.org/officeDocument/2006/relationships" xmlns:p="http://schemas.openxmlformats.org/presentationml/2006/main">
-  <p:cSld>
-    <p:spTree>
-      <p:nvGrpSpPr>
-        <p:cNvPr id="1" name=""/>
-        <p:cNvGrpSpPr/>
-        <p:nvPr/>
-      </p:nvGrpSpPr>
-      <p:grpSpPr>
-        <a:xfrm>
-          <a:off x="0" y="0"/>
-          <a:ext cx="0" cy="0"/>
-          <a:chOff x="0" y="0"/>
-          <a:chExt cx="0" cy="0"/>
-        </a:xfrm>
-      </p:grpSpPr>
-      <p:sp>
-        <p:nvSpPr>
-          <p:cNvPr id="2" name="Заголовок 1">
-            <a:extLst>
-              <a:ext uri="{FF2B5EF4-FFF2-40B4-BE49-F238E27FC236}">
-                <a16:creationId xmlns:a16="http://schemas.microsoft.com/office/drawing/2014/main" id="{2A95EC68-4529-7E8E-2310-7EB201B6A849}"/>
-              </a:ext>
-            </a:extLst>
-          </p:cNvPr>
-          <p:cNvSpPr>
-            <a:spLocks noGrp="1"/>
-          </p:cNvSpPr>
-          <p:nvPr>
-            <p:ph type="title"/>
-          </p:nvPr>
-        </p:nvSpPr>
-        <p:spPr>
-          <a:xfrm>
-            <a:off x="407894" y="58831"/>
-            <a:ext cx="5496859" cy="1325563"/>
-          </a:xfrm>
-        </p:spPr>
-        <p:txBody>
-          <a:bodyPr/>
-          <a:lstStyle/>
-          <a:p>
-            <a:r>
-              <a:rPr lang="ru-RU" dirty="0"/>
-              <a:t>Метод извлечения КС</a:t>
-            </a:r>
-          </a:p>
-        </p:txBody>
-      </p:sp>
-      <p:sp>
-        <p:nvSpPr>
-          <p:cNvPr id="3" name="Номер слайда 2">
-            <a:extLst>
-              <a:ext uri="{FF2B5EF4-FFF2-40B4-BE49-F238E27FC236}">
-                <a16:creationId xmlns:a16="http://schemas.microsoft.com/office/drawing/2014/main" id="{E1C5FE42-DE99-4BC2-08E3-00667A524548}"/>
-              </a:ext>
-            </a:extLst>
-          </p:cNvPr>
-          <p:cNvSpPr>
-            <a:spLocks noGrp="1"/>
-          </p:cNvSpPr>
-          <p:nvPr>
-            <p:ph type="sldNum" sz="quarter" idx="12"/>
-          </p:nvPr>
-        </p:nvSpPr>
-        <p:spPr/>
-        <p:txBody>
-          <a:bodyPr/>
-          <a:lstStyle/>
-          <a:p>
-            <a:fld id="{EB2452EA-49EB-437E-AEAF-228AB19C4ED2}" type="slidenum">
-              <a:rPr lang="ru-RU" smtClean="0"/>
-              <a:t>9</a:t>
             </a:fld>
             <a:endParaRPr lang="ru-RU"/>
           </a:p>
@@ -9858,6 +11165,226 @@
     <p:extLst>
       <p:ext uri="{BB962C8B-B14F-4D97-AF65-F5344CB8AC3E}">
         <p14:creationId xmlns:p14="http://schemas.microsoft.com/office/powerpoint/2010/main" val="2182106132"/>
+      </p:ext>
+    </p:extLst>
+  </p:cSld>
+  <p:clrMapOvr>
+    <a:masterClrMapping/>
+  </p:clrMapOvr>
+</p:sld>
+</file>
+
+<file path=ppt/slides/slide9.xml><?xml version="1.0" encoding="utf-8"?>
+<p:sld xmlns:a="http://schemas.openxmlformats.org/drawingml/2006/main" xmlns:r="http://schemas.openxmlformats.org/officeDocument/2006/relationships" xmlns:p="http://schemas.openxmlformats.org/presentationml/2006/main">
+  <p:cSld>
+    <p:spTree>
+      <p:nvGrpSpPr>
+        <p:cNvPr id="1" name=""/>
+        <p:cNvGrpSpPr/>
+        <p:nvPr/>
+      </p:nvGrpSpPr>
+      <p:grpSpPr>
+        <a:xfrm>
+          <a:off x="0" y="0"/>
+          <a:ext cx="0" cy="0"/>
+          <a:chOff x="0" y="0"/>
+          <a:chExt cx="0" cy="0"/>
+        </a:xfrm>
+      </p:grpSpPr>
+      <p:sp>
+        <p:nvSpPr>
+          <p:cNvPr id="2" name="Заголовок 1">
+            <a:extLst>
+              <a:ext uri="{FF2B5EF4-FFF2-40B4-BE49-F238E27FC236}">
+                <a16:creationId xmlns:a16="http://schemas.microsoft.com/office/drawing/2014/main" id="{160DA3B1-32A7-077F-36CC-640F0BAC647E}"/>
+              </a:ext>
+            </a:extLst>
+          </p:cNvPr>
+          <p:cNvSpPr>
+            <a:spLocks noGrp="1"/>
+          </p:cNvSpPr>
+          <p:nvPr>
+            <p:ph type="title"/>
+          </p:nvPr>
+        </p:nvSpPr>
+        <p:spPr>
+          <a:xfrm>
+            <a:off x="273248" y="0"/>
+            <a:ext cx="11645503" cy="1325563"/>
+          </a:xfrm>
+        </p:spPr>
+        <p:txBody>
+          <a:bodyPr/>
+          <a:lstStyle/>
+          <a:p>
+            <a:r>
+              <a:rPr lang="ru-RU" dirty="0"/>
+              <a:t>Подсчет оценки термина и выделение </a:t>
+            </a:r>
+            <a:r>
+              <a:rPr lang="en-US" dirty="0"/>
+              <a:t>N-</a:t>
+            </a:r>
+            <a:r>
+              <a:rPr lang="ru-RU" dirty="0"/>
+              <a:t>грамм</a:t>
+            </a:r>
+          </a:p>
+        </p:txBody>
+      </p:sp>
+      <p:sp>
+        <p:nvSpPr>
+          <p:cNvPr id="4" name="Номер слайда 3">
+            <a:extLst>
+              <a:ext uri="{FF2B5EF4-FFF2-40B4-BE49-F238E27FC236}">
+                <a16:creationId xmlns:a16="http://schemas.microsoft.com/office/drawing/2014/main" id="{C3EFF87C-ED1A-4179-CD1D-76F7F8862445}"/>
+              </a:ext>
+            </a:extLst>
+          </p:cNvPr>
+          <p:cNvSpPr>
+            <a:spLocks noGrp="1"/>
+          </p:cNvSpPr>
+          <p:nvPr>
+            <p:ph type="sldNum" sz="quarter" idx="12"/>
+          </p:nvPr>
+        </p:nvSpPr>
+        <p:spPr/>
+        <p:txBody>
+          <a:bodyPr/>
+          <a:lstStyle/>
+          <a:p>
+            <a:fld id="{EB2452EA-49EB-437E-AEAF-228AB19C4ED2}" type="slidenum">
+              <a:rPr lang="ru-RU" smtClean="0"/>
+              <a:t>9</a:t>
+            </a:fld>
+            <a:endParaRPr lang="ru-RU"/>
+          </a:p>
+        </p:txBody>
+      </p:sp>
+      <p:pic>
+        <p:nvPicPr>
+          <p:cNvPr id="5" name="Рисунок 4">
+            <a:extLst>
+              <a:ext uri="{FF2B5EF4-FFF2-40B4-BE49-F238E27FC236}">
+                <a16:creationId xmlns:a16="http://schemas.microsoft.com/office/drawing/2014/main" id="{3D0E592D-B8D7-44F4-2BE4-8DCED0DB10C0}"/>
+              </a:ext>
+            </a:extLst>
+          </p:cNvPr>
+          <p:cNvPicPr>
+            <a:picLocks noChangeAspect="1"/>
+          </p:cNvPicPr>
+          <p:nvPr/>
+        </p:nvPicPr>
+        <p:blipFill>
+          <a:blip r:embed="rId2">
+            <a:extLst>
+              <a:ext uri="{28A0092B-C50C-407E-A947-70E740481C1C}">
+                <a14:useLocalDpi xmlns:a14="http://schemas.microsoft.com/office/drawing/2010/main" val="0"/>
+              </a:ext>
+            </a:extLst>
+          </a:blip>
+          <a:stretch>
+            <a:fillRect/>
+          </a:stretch>
+        </p:blipFill>
+        <p:spPr>
+          <a:xfrm>
+            <a:off x="1467825" y="1116784"/>
+            <a:ext cx="4828420" cy="5353617"/>
+          </a:xfrm>
+          <a:prstGeom prst="rect">
+            <a:avLst/>
+          </a:prstGeom>
+        </p:spPr>
+      </p:pic>
+      <p:pic>
+        <p:nvPicPr>
+          <p:cNvPr id="7" name="Рисунок 6">
+            <a:extLst>
+              <a:ext uri="{FF2B5EF4-FFF2-40B4-BE49-F238E27FC236}">
+                <a16:creationId xmlns:a16="http://schemas.microsoft.com/office/drawing/2014/main" id="{5076BA7B-84FE-0C47-186B-DA09D041450E}"/>
+              </a:ext>
+            </a:extLst>
+          </p:cNvPr>
+          <p:cNvPicPr>
+            <a:picLocks noChangeAspect="1"/>
+          </p:cNvPicPr>
+          <p:nvPr/>
+        </p:nvPicPr>
+        <p:blipFill>
+          <a:blip r:embed="rId3">
+            <a:extLst>
+              <a:ext uri="{28A0092B-C50C-407E-A947-70E740481C1C}">
+                <a14:useLocalDpi xmlns:a14="http://schemas.microsoft.com/office/drawing/2010/main" val="0"/>
+              </a:ext>
+            </a:extLst>
+          </a:blip>
+          <a:stretch>
+            <a:fillRect/>
+          </a:stretch>
+        </p:blipFill>
+        <p:spPr>
+          <a:xfrm>
+            <a:off x="6462500" y="1116784"/>
+            <a:ext cx="4704265" cy="4355761"/>
+          </a:xfrm>
+          <a:prstGeom prst="rect">
+            <a:avLst/>
+          </a:prstGeom>
+        </p:spPr>
+      </p:pic>
+      <p:sp>
+        <p:nvSpPr>
+          <p:cNvPr id="11" name="Прямоугольник 10">
+            <a:extLst>
+              <a:ext uri="{FF2B5EF4-FFF2-40B4-BE49-F238E27FC236}">
+                <a16:creationId xmlns:a16="http://schemas.microsoft.com/office/drawing/2014/main" id="{5ED02C0D-65EA-CE03-C252-2530DD328B79}"/>
+              </a:ext>
+            </a:extLst>
+          </p:cNvPr>
+          <p:cNvSpPr/>
+          <p:nvPr/>
+        </p:nvSpPr>
+        <p:spPr>
+          <a:xfrm>
+            <a:off x="3913909" y="969818"/>
+            <a:ext cx="7495309" cy="5583382"/>
+          </a:xfrm>
+          <a:prstGeom prst="rect">
+            <a:avLst/>
+          </a:prstGeom>
+          <a:noFill/>
+          <a:ln w="38100"/>
+        </p:spPr>
+        <p:style>
+          <a:lnRef idx="2">
+            <a:schemeClr val="accent1">
+              <a:shade val="50000"/>
+            </a:schemeClr>
+          </a:lnRef>
+          <a:fillRef idx="1">
+            <a:schemeClr val="accent1"/>
+          </a:fillRef>
+          <a:effectRef idx="0">
+            <a:schemeClr val="accent1"/>
+          </a:effectRef>
+          <a:fontRef idx="minor">
+            <a:schemeClr val="lt1"/>
+          </a:fontRef>
+        </p:style>
+        <p:txBody>
+          <a:bodyPr rtlCol="0" anchor="ctr"/>
+          <a:lstStyle/>
+          <a:p>
+            <a:pPr algn="ctr"/>
+            <a:endParaRPr lang="ru-RU"/>
+          </a:p>
+        </p:txBody>
+      </p:sp>
+    </p:spTree>
+    <p:extLst>
+      <p:ext uri="{BB962C8B-B14F-4D97-AF65-F5344CB8AC3E}">
+        <p14:creationId xmlns:p14="http://schemas.microsoft.com/office/powerpoint/2010/main" val="3140787192"/>
       </p:ext>
     </p:extLst>
   </p:cSld>

--- a/Защита/Презентация_кор.pptx
+++ b/Защита/Презентация_кор.pptx
@@ -125,7 +125,7 @@
   <p:extLst>
     <p:ext uri="{EFAFB233-063F-42B5-8137-9DF3F51BA10A}">
       <p15:sldGuideLst xmlns:p15="http://schemas.microsoft.com/office/powerpoint/2012/main">
-        <p15:guide id="1" orient="horz" pos="2160" userDrawn="1">
+        <p15:guide id="1" orient="horz" pos="2137" userDrawn="1">
           <p15:clr>
             <a:srgbClr val="A4A3A4"/>
           </p15:clr>
@@ -817,7 +817,17 @@
               </a:p>
               <a:p>
                 <a:pPr>
-                  <a:defRPr/>
+                  <a:defRPr sz="1330" b="0" i="0" u="none" strike="noStrike" kern="1200" baseline="0">
+                    <a:solidFill>
+                      <a:schemeClr val="tx1">
+                        <a:lumMod val="65000"/>
+                        <a:lumOff val="35000"/>
+                      </a:schemeClr>
+                    </a:solidFill>
+                    <a:latin typeface="+mn-lt"/>
+                    <a:ea typeface="+mn-ea"/>
+                    <a:cs typeface="+mn-cs"/>
+                  </a:defRPr>
                 </a:pPr>
                 <a:endParaRPr lang="ru-RU" dirty="0"/>
               </a:p>
@@ -5938,14 +5948,19 @@
             <p:ph type="title"/>
           </p:nvPr>
         </p:nvSpPr>
-        <p:spPr/>
+        <p:spPr>
+          <a:xfrm>
+            <a:off x="838199" y="122237"/>
+            <a:ext cx="10515600" cy="1325563"/>
+          </a:xfrm>
+        </p:spPr>
         <p:txBody>
           <a:bodyPr/>
           <a:lstStyle/>
           <a:p>
             <a:r>
               <a:rPr lang="ru-RU" dirty="0"/>
-              <a:t>Исследование характеристик метода</a:t>
+              <a:t>Характеристики метода</a:t>
             </a:r>
           </a:p>
         </p:txBody>
@@ -6115,8 +6130,8 @@
           </a:p>
         </p:txBody>
       </p:sp>
-      <mc:AlternateContent xmlns:mc="http://schemas.openxmlformats.org/markup-compatibility/2006">
-        <mc:Choice xmlns:a14="http://schemas.microsoft.com/office/drawing/2010/main" Requires="a14">
+      <mc:AlternateContent xmlns:mc="http://schemas.openxmlformats.org/markup-compatibility/2006" xmlns:a14="http://schemas.microsoft.com/office/drawing/2010/main">
+        <mc:Choice Requires="a14">
           <p:sp>
             <p:nvSpPr>
               <p:cNvPr id="11" name="Объект 10">
@@ -6154,14 +6169,14 @@
                       <m:sSubPr>
                         <m:ctrlPr>
                           <a:rPr lang="en-US" b="0" i="1" smtClean="0">
-                            <a:latin typeface="+mj-lt"/>
+                            <a:latin typeface="Cambria Math" panose="02040503050406030204" pitchFamily="18" charset="0"/>
                           </a:rPr>
                         </m:ctrlPr>
                       </m:sSubPr>
                       <m:e>
                         <m:r>
                           <a:rPr lang="en-US" b="0" i="1" smtClean="0">
-                            <a:latin typeface="+mj-lt"/>
+                            <a:latin typeface="Cambria Math" panose="02040503050406030204" pitchFamily="18" charset="0"/>
                           </a:rPr>
                           <m:t>𝑅</m:t>
                         </m:r>
@@ -6169,7 +6184,7 @@
                       <m:sub>
                         <m:r>
                           <a:rPr lang="en-US" b="0" i="1" smtClean="0">
-                            <a:latin typeface="+mj-lt"/>
+                            <a:latin typeface="Cambria Math" panose="02040503050406030204" pitchFamily="18" charset="0"/>
                           </a:rPr>
                           <m:t>𝑡𝑟𝑢𝑒</m:t>
                         </m:r>
@@ -6177,7 +6192,7 @@
                     </m:sSub>
                     <m:r>
                       <a:rPr lang="en-US" b="0" i="1" smtClean="0">
-                        <a:latin typeface="+mj-lt"/>
+                        <a:latin typeface="Cambria Math" panose="02040503050406030204" pitchFamily="18" charset="0"/>
                       </a:rPr>
                       <m:t>= </m:t>
                     </m:r>
@@ -6185,7 +6200,7 @@
                       <m:fPr>
                         <m:ctrlPr>
                           <a:rPr lang="en-US" b="0" i="1" smtClean="0">
-                            <a:latin typeface="+mj-lt"/>
+                            <a:latin typeface="Cambria Math" panose="02040503050406030204" pitchFamily="18" charset="0"/>
                           </a:rPr>
                         </m:ctrlPr>
                       </m:fPr>
@@ -6194,14 +6209,14 @@
                           <m:sSubPr>
                             <m:ctrlPr>
                               <a:rPr lang="en-US" b="0" i="1" smtClean="0">
-                                <a:latin typeface="+mj-lt"/>
+                                <a:latin typeface="Cambria Math" panose="02040503050406030204" pitchFamily="18" charset="0"/>
                               </a:rPr>
                             </m:ctrlPr>
                           </m:sSubPr>
                           <m:e>
                             <m:r>
                               <a:rPr lang="en-US" b="0" i="1" smtClean="0">
-                                <a:latin typeface="+mj-lt"/>
+                                <a:latin typeface="Cambria Math" panose="02040503050406030204" pitchFamily="18" charset="0"/>
                               </a:rPr>
                               <m:t>𝑁</m:t>
                             </m:r>
@@ -6209,7 +6224,7 @@
                           <m:sub>
                             <m:r>
                               <a:rPr lang="en-US" b="0" i="1" smtClean="0">
-                                <a:latin typeface="+mj-lt"/>
+                                <a:latin typeface="Cambria Math" panose="02040503050406030204" pitchFamily="18" charset="0"/>
                               </a:rPr>
                               <m:t>𝑟𝑒𝑠</m:t>
                             </m:r>
@@ -6221,14 +6236,14 @@
                           <m:sSubPr>
                             <m:ctrlPr>
                               <a:rPr lang="en-US" b="0" i="1" smtClean="0">
-                                <a:latin typeface="+mj-lt"/>
+                                <a:latin typeface="Cambria Math" panose="02040503050406030204" pitchFamily="18" charset="0"/>
                               </a:rPr>
                             </m:ctrlPr>
                           </m:sSubPr>
                           <m:e>
                             <m:r>
                               <a:rPr lang="en-US" b="0" i="1" smtClean="0">
-                                <a:latin typeface="+mj-lt"/>
+                                <a:latin typeface="Cambria Math" panose="02040503050406030204" pitchFamily="18" charset="0"/>
                               </a:rPr>
                               <m:t>𝑁</m:t>
                             </m:r>
@@ -6236,7 +6251,7 @@
                           <m:sub>
                             <m:r>
                               <a:rPr lang="en-US" b="0" i="1" smtClean="0">
-                                <a:latin typeface="+mj-lt"/>
+                                <a:latin typeface="Cambria Math" panose="02040503050406030204" pitchFamily="18" charset="0"/>
                               </a:rPr>
                               <m:t>𝑚𝑒𝑡h𝑜𝑑</m:t>
                             </m:r>
@@ -6581,7 +6596,7 @@
             </p:txBody>
           </p:sp>
         </mc:Choice>
-        <mc:Fallback>
+        <mc:Fallback xmlns="">
           <p:sp>
             <p:nvSpPr>
               <p:cNvPr id="11" name="Объект 10">
@@ -6711,8 +6726,8 @@
         </p:nvSpPr>
         <p:spPr>
           <a:xfrm>
-            <a:off x="583343" y="-79145"/>
-            <a:ext cx="10515600" cy="1325563"/>
+            <a:off x="439907" y="-83671"/>
+            <a:ext cx="7329504" cy="1174700"/>
           </a:xfrm>
         </p:spPr>
         <p:txBody>
@@ -6956,7 +6971,7 @@
         </p:blipFill>
         <p:spPr>
           <a:xfrm>
-            <a:off x="381531" y="1458047"/>
+            <a:off x="333720" y="1458047"/>
             <a:ext cx="6773809" cy="4044020"/>
           </a:xfrm>
         </p:spPr>
@@ -7006,37 +7021,37 @@
           <p:nvPr>
             <p:extLst>
               <p:ext uri="{D42A27DB-BD31-4B8C-83A1-F6EECF244321}">
-                <p14:modId xmlns:p14="http://schemas.microsoft.com/office/powerpoint/2010/main" val="2747116155"/>
+                <p14:modId xmlns:p14="http://schemas.microsoft.com/office/powerpoint/2010/main" val="164638330"/>
               </p:ext>
             </p:extLst>
           </p:nvPr>
         </p:nvGraphicFramePr>
         <p:xfrm>
-          <a:off x="7363690" y="1458047"/>
-          <a:ext cx="2507674" cy="3131386"/>
+          <a:off x="7321992" y="3623332"/>
+          <a:ext cx="4660969" cy="1805109"/>
         </p:xfrm>
         <a:graphic>
           <a:graphicData uri="http://schemas.openxmlformats.org/drawingml/2006/table">
             <a:tbl>
               <a:tblPr firstRow="1" bandRow="1">
-                <a:tableStyleId>{5C22544A-7EE6-4342-B048-85BDC9FD1C3A}</a:tableStyleId>
+                <a:tableStyleId>{5940675A-B579-460E-94D1-54222C63F5DA}</a:tableStyleId>
               </a:tblPr>
               <a:tblGrid>
-                <a:gridCol w="1435485">
+                <a:gridCol w="2668110">
                   <a:extLst>
                     <a:ext uri="{9D8B030D-6E8A-4147-A177-3AD203B41FA5}">
                       <a16:colId xmlns:a16="http://schemas.microsoft.com/office/drawing/2014/main" val="1224759174"/>
                     </a:ext>
                   </a:extLst>
                 </a:gridCol>
-                <a:gridCol w="566498">
+                <a:gridCol w="1052940">
                   <a:extLst>
                     <a:ext uri="{9D8B030D-6E8A-4147-A177-3AD203B41FA5}">
                       <a16:colId xmlns:a16="http://schemas.microsoft.com/office/drawing/2014/main" val="3915079474"/>
                     </a:ext>
                   </a:extLst>
                 </a:gridCol>
-                <a:gridCol w="505691">
+                <a:gridCol w="939919">
                   <a:extLst>
                     <a:ext uri="{9D8B030D-6E8A-4147-A177-3AD203B41FA5}">
                       <a16:colId xmlns:a16="http://schemas.microsoft.com/office/drawing/2014/main" val="2463428845"/>
@@ -7044,17 +7059,19 @@
                   </a:extLst>
                 </a:gridCol>
               </a:tblGrid>
-              <a:tr h="2033298">
+              <a:tr h="781455">
                 <a:tc>
                   <a:txBody>
                     <a:bodyPr/>
                     <a:lstStyle/>
                     <a:p>
                       <a:pPr algn="ctr"/>
-                      <a:endParaRPr lang="ru-RU" dirty="0"/>
+                      <a:endParaRPr lang="ru-RU" sz="1600" dirty="0">
+                        <a:latin typeface="+mj-lt"/>
+                      </a:endParaRPr>
                     </a:p>
                   </a:txBody>
-                  <a:tcPr vert="vert" anchor="ctr"/>
+                  <a:tcPr anchor="ctr"/>
                 </a:tc>
                 <a:tc>
                   <a:txBody>
@@ -7063,12 +7080,17 @@
                     <a:p>
                       <a:pPr algn="ctr"/>
                       <a:r>
-                        <a:rPr lang="ru-RU" dirty="0"/>
-                        <a:t>Положительный %</a:t>
+                        <a:rPr lang="en-US" sz="1600" dirty="0">
+                          <a:latin typeface="+mj-lt"/>
+                        </a:rPr>
+                        <a:t>+%</a:t>
                       </a:r>
+                      <a:endParaRPr lang="ru-RU" sz="1600" dirty="0">
+                        <a:latin typeface="+mj-lt"/>
+                      </a:endParaRPr>
                     </a:p>
                   </a:txBody>
-                  <a:tcPr vert="vert" anchor="ctr"/>
+                  <a:tcPr anchor="ctr"/>
                 </a:tc>
                 <a:tc>
                   <a:txBody>
@@ -7077,12 +7099,17 @@
                     <a:p>
                       <a:pPr algn="ctr"/>
                       <a:r>
-                        <a:rPr lang="ru-RU" dirty="0"/>
-                        <a:t>Отрицательный %</a:t>
+                        <a:rPr lang="en-US" sz="1600" dirty="0">
+                          <a:latin typeface="+mj-lt"/>
+                        </a:rPr>
+                        <a:t>-%</a:t>
                       </a:r>
+                      <a:endParaRPr lang="ru-RU" sz="1600" dirty="0">
+                        <a:latin typeface="+mj-lt"/>
+                      </a:endParaRPr>
                     </a:p>
                   </a:txBody>
-                  <a:tcPr vert="vert" anchor="ctr"/>
+                  <a:tcPr anchor="ctr"/>
                 </a:tc>
                 <a:extLst>
                   <a:ext uri="{0D108BD9-81ED-4DB2-BD59-A6C34878D82A}">
@@ -7090,7 +7117,7 @@
                   </a:ext>
                 </a:extLst>
               </a:tr>
-              <a:tr h="356870">
+              <a:tr h="353094">
                 <a:tc>
                   <a:txBody>
                     <a:bodyPr/>
@@ -7098,10 +7125,14 @@
                     <a:p>
                       <a:pPr algn="l"/>
                       <a:r>
-                        <a:rPr lang="en-US" dirty="0" err="1"/>
+                        <a:rPr lang="en-US" sz="1600" dirty="0" err="1">
+                          <a:latin typeface="+mj-lt"/>
+                        </a:rPr>
                         <a:t>Yake</a:t>
                       </a:r>
-                      <a:endParaRPr lang="ru-RU" dirty="0"/>
+                      <a:endParaRPr lang="ru-RU" sz="1600" dirty="0">
+                        <a:latin typeface="+mj-lt"/>
+                      </a:endParaRPr>
                     </a:p>
                   </a:txBody>
                   <a:tcPr/>
@@ -7111,39 +7142,16 @@
                     <a:bodyPr/>
                     <a:lstStyle/>
                     <a:p>
-                      <a:endParaRPr lang="ru-RU" dirty="0"/>
-                    </a:p>
-                  </a:txBody>
-                  <a:tcPr vert="vert"/>
-                </a:tc>
-                <a:tc>
-                  <a:txBody>
-                    <a:bodyPr/>
-                    <a:lstStyle/>
-                    <a:p>
-                      <a:endParaRPr lang="ru-RU"/>
-                    </a:p>
-                  </a:txBody>
-                  <a:tcPr vert="vert"/>
-                </a:tc>
-                <a:extLst>
-                  <a:ext uri="{0D108BD9-81ED-4DB2-BD59-A6C34878D82A}">
-                    <a16:rowId xmlns:a16="http://schemas.microsoft.com/office/drawing/2014/main" val="1010736138"/>
-                  </a:ext>
-                </a:extLst>
-              </a:tr>
-              <a:tr h="330546">
-                <a:tc>
-                  <a:txBody>
-                    <a:bodyPr/>
-                    <a:lstStyle/>
-                    <a:p>
-                      <a:pPr algn="l"/>
+                      <a:pPr algn="ctr"/>
                       <a:r>
-                        <a:rPr lang="en-US" dirty="0"/>
-                        <a:t>Rake</a:t>
+                        <a:rPr lang="en-US" sz="1600" dirty="0">
+                          <a:latin typeface="+mj-lt"/>
+                        </a:rPr>
+                        <a:t>26.67%</a:t>
                       </a:r>
-                      <a:endParaRPr lang="ru-RU" dirty="0"/>
+                      <a:endParaRPr lang="ru-RU" sz="1600" dirty="0">
+                        <a:latin typeface="+mj-lt"/>
+                      </a:endParaRPr>
                     </a:p>
                   </a:txBody>
                   <a:tcPr/>
@@ -7153,28 +7161,27 @@
                     <a:bodyPr/>
                     <a:lstStyle/>
                     <a:p>
-                      <a:endParaRPr lang="ru-RU" dirty="0"/>
+                      <a:pPr algn="ctr"/>
+                      <a:r>
+                        <a:rPr lang="en-US" sz="1600" dirty="0">
+                          <a:latin typeface="+mj-lt"/>
+                        </a:rPr>
+                        <a:t>73.33%</a:t>
+                      </a:r>
+                      <a:endParaRPr lang="ru-RU" sz="1600" dirty="0">
+                        <a:latin typeface="+mj-lt"/>
+                      </a:endParaRPr>
                     </a:p>
                   </a:txBody>
-                  <a:tcPr vert="vert"/>
-                </a:tc>
-                <a:tc>
-                  <a:txBody>
-                    <a:bodyPr/>
-                    <a:lstStyle/>
-                    <a:p>
-                      <a:endParaRPr lang="ru-RU"/>
-                    </a:p>
-                  </a:txBody>
-                  <a:tcPr vert="vert"/>
+                  <a:tcPr/>
                 </a:tc>
                 <a:extLst>
                   <a:ext uri="{0D108BD9-81ED-4DB2-BD59-A6C34878D82A}">
-                    <a16:rowId xmlns:a16="http://schemas.microsoft.com/office/drawing/2014/main" val="1871428474"/>
+                    <a16:rowId xmlns:a16="http://schemas.microsoft.com/office/drawing/2014/main" val="1010736138"/>
                   </a:ext>
                 </a:extLst>
               </a:tr>
-              <a:tr h="366568">
+              <a:tr h="312582">
                 <a:tc>
                   <a:txBody>
                     <a:bodyPr/>
@@ -7182,10 +7189,14 @@
                     <a:p>
                       <a:pPr algn="l"/>
                       <a:r>
-                        <a:rPr lang="en-US" dirty="0" err="1"/>
-                        <a:t>Textrank</a:t>
+                        <a:rPr lang="en-US" sz="1600" dirty="0">
+                          <a:latin typeface="+mj-lt"/>
+                        </a:rPr>
+                        <a:t>Rake</a:t>
                       </a:r>
-                      <a:endParaRPr lang="ru-RU" dirty="0"/>
+                      <a:endParaRPr lang="ru-RU" sz="1600" dirty="0">
+                        <a:latin typeface="+mj-lt"/>
+                      </a:endParaRPr>
                     </a:p>
                   </a:txBody>
                   <a:tcPr/>
@@ -7195,20 +7206,102 @@
                     <a:bodyPr/>
                     <a:lstStyle/>
                     <a:p>
-                      <a:endParaRPr lang="ru-RU"/>
+                      <a:pPr algn="ctr"/>
+                      <a:r>
+                        <a:rPr lang="en-US" sz="1600" dirty="0">
+                          <a:latin typeface="+mj-lt"/>
+                        </a:rPr>
+                        <a:t>3.33%</a:t>
+                      </a:r>
+                      <a:endParaRPr lang="ru-RU" sz="1600" dirty="0">
+                        <a:latin typeface="+mj-lt"/>
+                      </a:endParaRPr>
                     </a:p>
                   </a:txBody>
-                  <a:tcPr vert="vert"/>
+                  <a:tcPr/>
                 </a:tc>
                 <a:tc>
                   <a:txBody>
                     <a:bodyPr/>
                     <a:lstStyle/>
                     <a:p>
-                      <a:endParaRPr lang="ru-RU" dirty="0"/>
+                      <a:pPr algn="ctr"/>
+                      <a:r>
+                        <a:rPr lang="en-US" sz="1600" dirty="0">
+                          <a:latin typeface="+mj-lt"/>
+                        </a:rPr>
+                        <a:t>96.67%</a:t>
+                      </a:r>
+                      <a:endParaRPr lang="ru-RU" sz="1600" dirty="0">
+                        <a:latin typeface="+mj-lt"/>
+                      </a:endParaRPr>
                     </a:p>
                   </a:txBody>
-                  <a:tcPr vert="vert"/>
+                  <a:tcPr/>
+                </a:tc>
+                <a:extLst>
+                  <a:ext uri="{0D108BD9-81ED-4DB2-BD59-A6C34878D82A}">
+                    <a16:rowId xmlns:a16="http://schemas.microsoft.com/office/drawing/2014/main" val="1871428474"/>
+                  </a:ext>
+                </a:extLst>
+              </a:tr>
+              <a:tr h="312582">
+                <a:tc>
+                  <a:txBody>
+                    <a:bodyPr/>
+                    <a:lstStyle/>
+                    <a:p>
+                      <a:pPr algn="l"/>
+                      <a:r>
+                        <a:rPr lang="en-US" sz="1600" dirty="0" err="1">
+                          <a:latin typeface="+mj-lt"/>
+                        </a:rPr>
+                        <a:t>Textrank</a:t>
+                      </a:r>
+                      <a:endParaRPr lang="ru-RU" sz="1600" dirty="0">
+                        <a:latin typeface="+mj-lt"/>
+                      </a:endParaRPr>
+                    </a:p>
+                  </a:txBody>
+                  <a:tcPr/>
+                </a:tc>
+                <a:tc>
+                  <a:txBody>
+                    <a:bodyPr/>
+                    <a:lstStyle/>
+                    <a:p>
+                      <a:pPr algn="ctr"/>
+                      <a:r>
+                        <a:rPr lang="en-US" sz="1600" dirty="0">
+                          <a:latin typeface="+mj-lt"/>
+                        </a:rPr>
+                        <a:t>20%</a:t>
+                      </a:r>
+                      <a:endParaRPr lang="ru-RU" sz="1600" dirty="0">
+                        <a:latin typeface="+mj-lt"/>
+                      </a:endParaRPr>
+                    </a:p>
+                  </a:txBody>
+                  <a:tcPr/>
+                </a:tc>
+                <a:tc>
+                  <a:txBody>
+                    <a:bodyPr/>
+                    <a:lstStyle/>
+                    <a:p>
+                      <a:pPr algn="ctr"/>
+                      <a:r>
+                        <a:rPr lang="en-US" sz="1600" dirty="0">
+                          <a:latin typeface="+mj-lt"/>
+                        </a:rPr>
+                        <a:t>80%</a:t>
+                      </a:r>
+                      <a:endParaRPr lang="ru-RU" sz="1600" dirty="0">
+                        <a:latin typeface="+mj-lt"/>
+                      </a:endParaRPr>
+                    </a:p>
+                  </a:txBody>
+                  <a:tcPr/>
                 </a:tc>
                 <a:extLst>
                   <a:ext uri="{0D108BD9-81ED-4DB2-BD59-A6C34878D82A}">
@@ -7220,6 +7313,53 @@
           </a:graphicData>
         </a:graphic>
       </p:graphicFrame>
+      <p:sp>
+        <p:nvSpPr>
+          <p:cNvPr id="3" name="TextBox 2">
+            <a:extLst>
+              <a:ext uri="{FF2B5EF4-FFF2-40B4-BE49-F238E27FC236}">
+                <a16:creationId xmlns:a16="http://schemas.microsoft.com/office/drawing/2014/main" id="{33CEB7F4-5019-3E2D-70CC-C9C652415CBB}"/>
+              </a:ext>
+            </a:extLst>
+          </p:cNvPr>
+          <p:cNvSpPr txBox="1"/>
+          <p:nvPr/>
+        </p:nvSpPr>
+        <p:spPr>
+          <a:xfrm>
+            <a:off x="333720" y="6118136"/>
+            <a:ext cx="8415833" cy="646331"/>
+          </a:xfrm>
+          <a:prstGeom prst="rect">
+            <a:avLst/>
+          </a:prstGeom>
+          <a:noFill/>
+        </p:spPr>
+        <p:txBody>
+          <a:bodyPr wrap="square" rtlCol="0">
+            <a:spAutoFit/>
+          </a:bodyPr>
+          <a:lstStyle/>
+          <a:p>
+            <a:r>
+              <a:rPr lang="en-US" dirty="0"/>
+              <a:t>*+% - </a:t>
+            </a:r>
+            <a:r>
+              <a:rPr lang="ru-RU" dirty="0"/>
+              <a:t>процент от количества слов попавших в пересечение</a:t>
+            </a:r>
+            <a:r>
+              <a:rPr lang="en-US" dirty="0"/>
+              <a:t>; -% - </a:t>
+            </a:r>
+            <a:r>
+              <a:rPr lang="ru-RU" dirty="0"/>
+              <a:t>процент слов не попавших в пересечение</a:t>
+            </a:r>
+          </a:p>
+        </p:txBody>
+      </p:sp>
     </p:spTree>
     <p:extLst>
       <p:ext uri="{BB962C8B-B14F-4D97-AF65-F5344CB8AC3E}">
@@ -8245,7 +8385,7 @@
         <p:spPr>
           <a:xfrm>
             <a:off x="8877097" y="1669470"/>
-            <a:ext cx="2860963" cy="1200329"/>
+            <a:ext cx="2860963" cy="2585323"/>
           </a:xfrm>
           <a:prstGeom prst="rect">
             <a:avLst/>
@@ -8267,6 +8407,30 @@
                 <a:latin typeface="+mj-lt"/>
               </a:rPr>
               <a:t>С 2010 – 2018 количество статей издаваемых в год увеличилось в 2 раза.</a:t>
+            </a:r>
+            <a:endParaRPr lang="en-US" dirty="0">
+              <a:latin typeface="+mj-lt"/>
+            </a:endParaRPr>
+          </a:p>
+          <a:p>
+            <a:pPr marL="285750" indent="-285750">
+              <a:buFont typeface="Arial" panose="020B0604020202020204" pitchFamily="34" charset="0"/>
+              <a:buChar char="•"/>
+            </a:pPr>
+            <a:endParaRPr lang="en-US" dirty="0">
+              <a:latin typeface="+mj-lt"/>
+            </a:endParaRPr>
+          </a:p>
+          <a:p>
+            <a:pPr marL="285750" indent="-285750">
+              <a:buFont typeface="Arial" panose="020B0604020202020204" pitchFamily="34" charset="0"/>
+              <a:buChar char="•"/>
+            </a:pPr>
+            <a:r>
+              <a:rPr lang="ru-RU" dirty="0">
+                <a:latin typeface="+mj-lt"/>
+              </a:rPr>
+              <a:t>Растет сложность программных решений в области обработки текстов</a:t>
             </a:r>
           </a:p>
         </p:txBody>
@@ -8586,7 +8750,7 @@
         </p:nvSpPr>
         <p:spPr>
           <a:xfrm>
-            <a:off x="6665335" y="3918759"/>
+            <a:off x="6641113" y="3918759"/>
             <a:ext cx="1869065" cy="757152"/>
           </a:xfrm>
           <a:prstGeom prst="ellipse">
@@ -8692,7 +8856,7 @@
         </p:nvSpPr>
         <p:spPr>
           <a:xfrm>
-            <a:off x="3824287" y="3918759"/>
+            <a:off x="3800065" y="3918759"/>
             <a:ext cx="1717097" cy="757152"/>
           </a:xfrm>
           <a:prstGeom prst="ellipse">
@@ -8745,7 +8909,7 @@
         </p:nvSpPr>
         <p:spPr>
           <a:xfrm>
-            <a:off x="5237451" y="1637608"/>
+            <a:off x="5213229" y="1637608"/>
             <a:ext cx="1717097" cy="757152"/>
           </a:xfrm>
           <a:prstGeom prst="ellipse">
@@ -8798,7 +8962,7 @@
         </p:nvSpPr>
         <p:spPr>
           <a:xfrm>
-            <a:off x="9506383" y="3918759"/>
+            <a:off x="9482161" y="3918759"/>
             <a:ext cx="1717097" cy="757152"/>
           </a:xfrm>
           <a:prstGeom prst="ellipse">
@@ -8851,14 +9015,13 @@
           </p:cNvPr>
           <p:cNvCxnSpPr>
             <a:cxnSpLocks/>
-            <a:stCxn id="10" idx="2"/>
           </p:cNvCxnSpPr>
           <p:nvPr/>
         </p:nvCxnSpPr>
         <p:spPr>
           <a:xfrm flipH="1">
-            <a:off x="1498264" y="2016184"/>
-            <a:ext cx="3739187" cy="1907422"/>
+            <a:off x="1733751" y="2337473"/>
+            <a:ext cx="4304138" cy="1895412"/>
           </a:xfrm>
           <a:prstGeom prst="straightConnector1">
             <a:avLst/>
@@ -8893,15 +9056,13 @@
           </p:cNvPr>
           <p:cNvCxnSpPr>
             <a:cxnSpLocks/>
-            <a:stCxn id="10" idx="3"/>
-            <a:endCxn id="9" idx="0"/>
           </p:cNvCxnSpPr>
           <p:nvPr/>
         </p:nvCxnSpPr>
         <p:spPr>
           <a:xfrm flipH="1">
-            <a:off x="4682836" y="2283878"/>
-            <a:ext cx="806078" cy="1634881"/>
+            <a:off x="4687057" y="2332626"/>
+            <a:ext cx="1384720" cy="1900259"/>
           </a:xfrm>
           <a:prstGeom prst="straightConnector1">
             <a:avLst/>
@@ -8936,15 +9097,13 @@
           </p:cNvPr>
           <p:cNvCxnSpPr>
             <a:cxnSpLocks/>
-            <a:stCxn id="10" idx="5"/>
-            <a:endCxn id="7" idx="0"/>
           </p:cNvCxnSpPr>
           <p:nvPr/>
         </p:nvCxnSpPr>
         <p:spPr>
           <a:xfrm>
-            <a:off x="6703085" y="2283878"/>
-            <a:ext cx="896783" cy="1634881"/>
+            <a:off x="6096000" y="2337473"/>
+            <a:ext cx="1491703" cy="1895412"/>
           </a:xfrm>
           <a:prstGeom prst="straightConnector1">
             <a:avLst/>
@@ -8979,15 +9138,13 @@
           </p:cNvPr>
           <p:cNvCxnSpPr>
             <a:cxnSpLocks/>
-            <a:stCxn id="10" idx="6"/>
-            <a:endCxn id="11" idx="0"/>
           </p:cNvCxnSpPr>
           <p:nvPr/>
         </p:nvCxnSpPr>
         <p:spPr>
           <a:xfrm>
-            <a:off x="6954548" y="2016184"/>
-            <a:ext cx="3410384" cy="1902575"/>
+            <a:off x="6096000" y="2337473"/>
+            <a:ext cx="4339868" cy="1895412"/>
           </a:xfrm>
           <a:prstGeom prst="straightConnector1">
             <a:avLst/>
@@ -9027,7 +9184,7 @@
         </p:nvSpPr>
         <p:spPr>
           <a:xfrm>
-            <a:off x="-1565133" y="-163019"/>
+            <a:off x="-1171517" y="-117560"/>
             <a:ext cx="11381077" cy="1325563"/>
           </a:xfrm>
           <a:prstGeom prst="rect">
@@ -9065,6 +9222,820 @@
           </a:p>
         </p:txBody>
       </p:sp>
+      <p:sp>
+        <p:nvSpPr>
+          <p:cNvPr id="15" name="Овал 14">
+            <a:extLst>
+              <a:ext uri="{FF2B5EF4-FFF2-40B4-BE49-F238E27FC236}">
+                <a16:creationId xmlns:a16="http://schemas.microsoft.com/office/drawing/2014/main" id="{80358348-7B75-97A3-E056-C124216C5415}"/>
+              </a:ext>
+            </a:extLst>
+          </p:cNvPr>
+          <p:cNvSpPr/>
+          <p:nvPr/>
+        </p:nvSpPr>
+        <p:spPr>
+          <a:xfrm>
+            <a:off x="-360567" y="4770343"/>
+            <a:ext cx="1904567" cy="764055"/>
+          </a:xfrm>
+          <a:prstGeom prst="ellipse">
+            <a:avLst/>
+          </a:prstGeom>
+          <a:noFill/>
+          <a:ln>
+            <a:noFill/>
+          </a:ln>
+        </p:spPr>
+        <p:style>
+          <a:lnRef idx="2">
+            <a:schemeClr val="dk1"/>
+          </a:lnRef>
+          <a:fillRef idx="1">
+            <a:schemeClr val="lt1"/>
+          </a:fillRef>
+          <a:effectRef idx="0">
+            <a:schemeClr val="dk1"/>
+          </a:effectRef>
+          <a:fontRef idx="minor">
+            <a:schemeClr val="dk1"/>
+          </a:fontRef>
+        </p:style>
+        <p:txBody>
+          <a:bodyPr rtlCol="0" anchor="ctr"/>
+          <a:lstStyle/>
+          <a:p>
+            <a:pPr algn="ctr"/>
+            <a:r>
+              <a:rPr lang="en-US" sz="1200" dirty="0">
+                <a:latin typeface="+mj-lt"/>
+              </a:rPr>
+              <a:t>TD-IDF</a:t>
+            </a:r>
+          </a:p>
+        </p:txBody>
+      </p:sp>
+      <p:sp>
+        <p:nvSpPr>
+          <p:cNvPr id="17" name="Овал 16">
+            <a:extLst>
+              <a:ext uri="{FF2B5EF4-FFF2-40B4-BE49-F238E27FC236}">
+                <a16:creationId xmlns:a16="http://schemas.microsoft.com/office/drawing/2014/main" id="{DBA3FF9D-8AEA-2B96-4A22-00E8EB7F1468}"/>
+              </a:ext>
+            </a:extLst>
+          </p:cNvPr>
+          <p:cNvSpPr/>
+          <p:nvPr/>
+        </p:nvSpPr>
+        <p:spPr>
+          <a:xfrm>
+            <a:off x="1366298" y="4777246"/>
+            <a:ext cx="1904567" cy="757152"/>
+          </a:xfrm>
+          <a:prstGeom prst="ellipse">
+            <a:avLst/>
+          </a:prstGeom>
+          <a:noFill/>
+          <a:ln>
+            <a:noFill/>
+          </a:ln>
+        </p:spPr>
+        <p:style>
+          <a:lnRef idx="2">
+            <a:schemeClr val="dk1"/>
+          </a:lnRef>
+          <a:fillRef idx="1">
+            <a:schemeClr val="lt1"/>
+          </a:fillRef>
+          <a:effectRef idx="0">
+            <a:schemeClr val="dk1"/>
+          </a:effectRef>
+          <a:fontRef idx="minor">
+            <a:schemeClr val="dk1"/>
+          </a:fontRef>
+        </p:style>
+        <p:txBody>
+          <a:bodyPr rtlCol="0" anchor="ctr"/>
+          <a:lstStyle/>
+          <a:p>
+            <a:pPr algn="ctr"/>
+            <a:r>
+              <a:rPr lang="en-US" sz="1200" dirty="0" err="1">
+                <a:latin typeface="+mj-lt"/>
+              </a:rPr>
+              <a:t>Yake</a:t>
+            </a:r>
+            <a:endParaRPr lang="en-US" sz="1200" dirty="0">
+              <a:latin typeface="+mj-lt"/>
+            </a:endParaRPr>
+          </a:p>
+        </p:txBody>
+      </p:sp>
+      <p:sp>
+        <p:nvSpPr>
+          <p:cNvPr id="18" name="Овал 17">
+            <a:extLst>
+              <a:ext uri="{FF2B5EF4-FFF2-40B4-BE49-F238E27FC236}">
+                <a16:creationId xmlns:a16="http://schemas.microsoft.com/office/drawing/2014/main" id="{4D710A93-CAE9-7362-DFF9-D60D83B284F3}"/>
+              </a:ext>
+            </a:extLst>
+          </p:cNvPr>
+          <p:cNvSpPr/>
+          <p:nvPr/>
+        </p:nvSpPr>
+        <p:spPr>
+          <a:xfrm>
+            <a:off x="2703547" y="4758978"/>
+            <a:ext cx="1904567" cy="757152"/>
+          </a:xfrm>
+          <a:prstGeom prst="ellipse">
+            <a:avLst/>
+          </a:prstGeom>
+          <a:noFill/>
+          <a:ln>
+            <a:noFill/>
+          </a:ln>
+        </p:spPr>
+        <p:style>
+          <a:lnRef idx="2">
+            <a:schemeClr val="dk1"/>
+          </a:lnRef>
+          <a:fillRef idx="1">
+            <a:schemeClr val="lt1"/>
+          </a:fillRef>
+          <a:effectRef idx="0">
+            <a:schemeClr val="dk1"/>
+          </a:effectRef>
+          <a:fontRef idx="minor">
+            <a:schemeClr val="dk1"/>
+          </a:fontRef>
+        </p:style>
+        <p:txBody>
+          <a:bodyPr rtlCol="0" anchor="ctr"/>
+          <a:lstStyle/>
+          <a:p>
+            <a:pPr algn="ctr"/>
+            <a:r>
+              <a:rPr lang="en-US" sz="1200" dirty="0">
+                <a:latin typeface="+mj-lt"/>
+              </a:rPr>
+              <a:t>Rake</a:t>
+            </a:r>
+          </a:p>
+        </p:txBody>
+      </p:sp>
+      <p:sp>
+        <p:nvSpPr>
+          <p:cNvPr id="19" name="Овал 18">
+            <a:extLst>
+              <a:ext uri="{FF2B5EF4-FFF2-40B4-BE49-F238E27FC236}">
+                <a16:creationId xmlns:a16="http://schemas.microsoft.com/office/drawing/2014/main" id="{DD45DCFF-1550-CF32-10C2-B49EE937FCB2}"/>
+              </a:ext>
+            </a:extLst>
+          </p:cNvPr>
+          <p:cNvSpPr/>
+          <p:nvPr/>
+        </p:nvSpPr>
+        <p:spPr>
+          <a:xfrm>
+            <a:off x="8610600" y="4758978"/>
+            <a:ext cx="1904567" cy="757152"/>
+          </a:xfrm>
+          <a:prstGeom prst="ellipse">
+            <a:avLst/>
+          </a:prstGeom>
+          <a:noFill/>
+          <a:ln>
+            <a:noFill/>
+          </a:ln>
+        </p:spPr>
+        <p:style>
+          <a:lnRef idx="2">
+            <a:schemeClr val="dk1"/>
+          </a:lnRef>
+          <a:fillRef idx="1">
+            <a:schemeClr val="lt1"/>
+          </a:fillRef>
+          <a:effectRef idx="0">
+            <a:schemeClr val="dk1"/>
+          </a:effectRef>
+          <a:fontRef idx="minor">
+            <a:schemeClr val="dk1"/>
+          </a:fontRef>
+        </p:style>
+        <p:txBody>
+          <a:bodyPr rtlCol="0" anchor="ctr"/>
+          <a:lstStyle/>
+          <a:p>
+            <a:pPr algn="ctr"/>
+            <a:r>
+              <a:rPr lang="en-US" sz="1200" dirty="0">
+                <a:latin typeface="+mj-lt"/>
+              </a:rPr>
+              <a:t>KEA</a:t>
+            </a:r>
+          </a:p>
+        </p:txBody>
+      </p:sp>
+      <p:sp>
+        <p:nvSpPr>
+          <p:cNvPr id="20" name="Овал 19">
+            <a:extLst>
+              <a:ext uri="{FF2B5EF4-FFF2-40B4-BE49-F238E27FC236}">
+                <a16:creationId xmlns:a16="http://schemas.microsoft.com/office/drawing/2014/main" id="{B1CC55DA-74E4-7742-6EF3-08269E377F2B}"/>
+              </a:ext>
+            </a:extLst>
+          </p:cNvPr>
+          <p:cNvSpPr/>
+          <p:nvPr/>
+        </p:nvSpPr>
+        <p:spPr>
+          <a:xfrm>
+            <a:off x="10900133" y="4770343"/>
+            <a:ext cx="1123897" cy="757152"/>
+          </a:xfrm>
+          <a:prstGeom prst="ellipse">
+            <a:avLst/>
+          </a:prstGeom>
+          <a:noFill/>
+          <a:ln>
+            <a:noFill/>
+          </a:ln>
+        </p:spPr>
+        <p:style>
+          <a:lnRef idx="2">
+            <a:schemeClr val="dk1"/>
+          </a:lnRef>
+          <a:fillRef idx="1">
+            <a:schemeClr val="lt1"/>
+          </a:fillRef>
+          <a:effectRef idx="0">
+            <a:schemeClr val="dk1"/>
+          </a:effectRef>
+          <a:fontRef idx="minor">
+            <a:schemeClr val="dk1"/>
+          </a:fontRef>
+        </p:style>
+        <p:txBody>
+          <a:bodyPr rtlCol="0" anchor="ctr"/>
+          <a:lstStyle/>
+          <a:p>
+            <a:pPr algn="ctr"/>
+            <a:r>
+              <a:rPr lang="en-US" sz="1200" dirty="0">
+                <a:latin typeface="+mj-lt"/>
+              </a:rPr>
+              <a:t>BERT</a:t>
+            </a:r>
+          </a:p>
+        </p:txBody>
+      </p:sp>
+      <p:sp>
+        <p:nvSpPr>
+          <p:cNvPr id="21" name="Овал 20">
+            <a:extLst>
+              <a:ext uri="{FF2B5EF4-FFF2-40B4-BE49-F238E27FC236}">
+                <a16:creationId xmlns:a16="http://schemas.microsoft.com/office/drawing/2014/main" id="{EE442E36-CF7A-183A-0EE6-579B9D23E082}"/>
+              </a:ext>
+            </a:extLst>
+          </p:cNvPr>
+          <p:cNvSpPr/>
+          <p:nvPr/>
+        </p:nvSpPr>
+        <p:spPr>
+          <a:xfrm>
+            <a:off x="6665743" y="4758978"/>
+            <a:ext cx="1904567" cy="757152"/>
+          </a:xfrm>
+          <a:prstGeom prst="ellipse">
+            <a:avLst/>
+          </a:prstGeom>
+          <a:noFill/>
+          <a:ln>
+            <a:noFill/>
+          </a:ln>
+        </p:spPr>
+        <p:style>
+          <a:lnRef idx="2">
+            <a:schemeClr val="dk1"/>
+          </a:lnRef>
+          <a:fillRef idx="1">
+            <a:schemeClr val="lt1"/>
+          </a:fillRef>
+          <a:effectRef idx="0">
+            <a:schemeClr val="dk1"/>
+          </a:effectRef>
+          <a:fontRef idx="minor">
+            <a:schemeClr val="dk1"/>
+          </a:fontRef>
+        </p:style>
+        <p:txBody>
+          <a:bodyPr rtlCol="0" anchor="ctr"/>
+          <a:lstStyle/>
+          <a:p>
+            <a:pPr algn="ctr"/>
+            <a:r>
+              <a:rPr lang="en-US" sz="1200" dirty="0" err="1">
+                <a:latin typeface="+mj-lt"/>
+              </a:rPr>
+              <a:t>LanAKey_Ru</a:t>
+            </a:r>
+            <a:endParaRPr lang="en-US" sz="1200" dirty="0">
+              <a:latin typeface="+mj-lt"/>
+            </a:endParaRPr>
+          </a:p>
+        </p:txBody>
+      </p:sp>
+      <p:sp>
+        <p:nvSpPr>
+          <p:cNvPr id="22" name="Овал 21">
+            <a:extLst>
+              <a:ext uri="{FF2B5EF4-FFF2-40B4-BE49-F238E27FC236}">
+                <a16:creationId xmlns:a16="http://schemas.microsoft.com/office/drawing/2014/main" id="{D8615B93-8FDC-A47C-D55C-95DE9251C45D}"/>
+              </a:ext>
+            </a:extLst>
+          </p:cNvPr>
+          <p:cNvSpPr/>
+          <p:nvPr/>
+        </p:nvSpPr>
+        <p:spPr>
+          <a:xfrm>
+            <a:off x="3732361" y="4740710"/>
+            <a:ext cx="1904567" cy="757152"/>
+          </a:xfrm>
+          <a:prstGeom prst="ellipse">
+            <a:avLst/>
+          </a:prstGeom>
+          <a:noFill/>
+          <a:ln>
+            <a:noFill/>
+          </a:ln>
+        </p:spPr>
+        <p:style>
+          <a:lnRef idx="2">
+            <a:schemeClr val="dk1"/>
+          </a:lnRef>
+          <a:fillRef idx="1">
+            <a:schemeClr val="lt1"/>
+          </a:fillRef>
+          <a:effectRef idx="0">
+            <a:schemeClr val="dk1"/>
+          </a:effectRef>
+          <a:fontRef idx="minor">
+            <a:schemeClr val="dk1"/>
+          </a:fontRef>
+        </p:style>
+        <p:txBody>
+          <a:bodyPr rtlCol="0" anchor="ctr"/>
+          <a:lstStyle/>
+          <a:p>
+            <a:pPr algn="ctr"/>
+            <a:r>
+              <a:rPr lang="en-US" sz="1200" dirty="0" err="1">
+                <a:latin typeface="+mj-lt"/>
+              </a:rPr>
+              <a:t>PositionRank</a:t>
+            </a:r>
+            <a:endParaRPr lang="en-US" sz="1200" dirty="0">
+              <a:latin typeface="+mj-lt"/>
+            </a:endParaRPr>
+          </a:p>
+        </p:txBody>
+      </p:sp>
+      <p:sp>
+        <p:nvSpPr>
+          <p:cNvPr id="23" name="Овал 22">
+            <a:extLst>
+              <a:ext uri="{FF2B5EF4-FFF2-40B4-BE49-F238E27FC236}">
+                <a16:creationId xmlns:a16="http://schemas.microsoft.com/office/drawing/2014/main" id="{9556F43A-E256-1A2C-97A2-E9A8BAF6960D}"/>
+              </a:ext>
+            </a:extLst>
+          </p:cNvPr>
+          <p:cNvSpPr/>
+          <p:nvPr/>
+        </p:nvSpPr>
+        <p:spPr>
+          <a:xfrm>
+            <a:off x="2904393" y="5630886"/>
+            <a:ext cx="1904567" cy="757152"/>
+          </a:xfrm>
+          <a:prstGeom prst="ellipse">
+            <a:avLst/>
+          </a:prstGeom>
+          <a:noFill/>
+          <a:ln>
+            <a:noFill/>
+          </a:ln>
+        </p:spPr>
+        <p:style>
+          <a:lnRef idx="2">
+            <a:schemeClr val="dk1"/>
+          </a:lnRef>
+          <a:fillRef idx="1">
+            <a:schemeClr val="lt1"/>
+          </a:fillRef>
+          <a:effectRef idx="0">
+            <a:schemeClr val="dk1"/>
+          </a:effectRef>
+          <a:fontRef idx="minor">
+            <a:schemeClr val="dk1"/>
+          </a:fontRef>
+        </p:style>
+        <p:txBody>
+          <a:bodyPr rtlCol="0" anchor="ctr"/>
+          <a:lstStyle/>
+          <a:p>
+            <a:pPr algn="ctr"/>
+            <a:endParaRPr lang="en-US" sz="1200" dirty="0">
+              <a:latin typeface="+mj-lt"/>
+            </a:endParaRPr>
+          </a:p>
+        </p:txBody>
+      </p:sp>
+      <p:sp>
+        <p:nvSpPr>
+          <p:cNvPr id="24" name="Овал 23">
+            <a:extLst>
+              <a:ext uri="{FF2B5EF4-FFF2-40B4-BE49-F238E27FC236}">
+                <a16:creationId xmlns:a16="http://schemas.microsoft.com/office/drawing/2014/main" id="{1CCDFE3E-7161-3526-C701-A0FA3E4561C0}"/>
+              </a:ext>
+            </a:extLst>
+          </p:cNvPr>
+          <p:cNvSpPr/>
+          <p:nvPr/>
+        </p:nvSpPr>
+        <p:spPr>
+          <a:xfrm>
+            <a:off x="4774296" y="4735863"/>
+            <a:ext cx="1904567" cy="757152"/>
+          </a:xfrm>
+          <a:prstGeom prst="ellipse">
+            <a:avLst/>
+          </a:prstGeom>
+          <a:noFill/>
+          <a:ln>
+            <a:noFill/>
+          </a:ln>
+        </p:spPr>
+        <p:style>
+          <a:lnRef idx="2">
+            <a:schemeClr val="dk1"/>
+          </a:lnRef>
+          <a:fillRef idx="1">
+            <a:schemeClr val="lt1"/>
+          </a:fillRef>
+          <a:effectRef idx="0">
+            <a:schemeClr val="dk1"/>
+          </a:effectRef>
+          <a:fontRef idx="minor">
+            <a:schemeClr val="dk1"/>
+          </a:fontRef>
+        </p:style>
+        <p:txBody>
+          <a:bodyPr rtlCol="0" anchor="ctr"/>
+          <a:lstStyle/>
+          <a:p>
+            <a:pPr algn="ctr"/>
+            <a:r>
+              <a:rPr lang="en-US" sz="1200" dirty="0" err="1">
+                <a:latin typeface="+mj-lt"/>
+              </a:rPr>
+              <a:t>TextRank</a:t>
+            </a:r>
+            <a:endParaRPr lang="en-US" sz="1200" dirty="0">
+              <a:latin typeface="+mj-lt"/>
+            </a:endParaRPr>
+          </a:p>
+        </p:txBody>
+      </p:sp>
+      <p:cxnSp>
+        <p:nvCxnSpPr>
+          <p:cNvPr id="26" name="Прямая со стрелкой 25">
+            <a:extLst>
+              <a:ext uri="{FF2B5EF4-FFF2-40B4-BE49-F238E27FC236}">
+                <a16:creationId xmlns:a16="http://schemas.microsoft.com/office/drawing/2014/main" id="{6CB414FF-D33F-BB88-6D63-213DF1E3814C}"/>
+              </a:ext>
+            </a:extLst>
+          </p:cNvPr>
+          <p:cNvCxnSpPr>
+            <a:cxnSpLocks/>
+          </p:cNvCxnSpPr>
+          <p:nvPr/>
+        </p:nvCxnSpPr>
+        <p:spPr>
+          <a:xfrm flipH="1">
+            <a:off x="720620" y="4390331"/>
+            <a:ext cx="884122" cy="654008"/>
+          </a:xfrm>
+          <a:prstGeom prst="straightConnector1">
+            <a:avLst/>
+          </a:prstGeom>
+          <a:ln w="38100">
+            <a:tailEnd type="triangle"/>
+          </a:ln>
+        </p:spPr>
+        <p:style>
+          <a:lnRef idx="1">
+            <a:schemeClr val="dk1"/>
+          </a:lnRef>
+          <a:fillRef idx="0">
+            <a:schemeClr val="dk1"/>
+          </a:fillRef>
+          <a:effectRef idx="0">
+            <a:schemeClr val="dk1"/>
+          </a:effectRef>
+          <a:fontRef idx="minor">
+            <a:schemeClr val="tx1"/>
+          </a:fontRef>
+        </p:style>
+      </p:cxnSp>
+      <p:cxnSp>
+        <p:nvCxnSpPr>
+          <p:cNvPr id="35" name="Прямая со стрелкой 34">
+            <a:extLst>
+              <a:ext uri="{FF2B5EF4-FFF2-40B4-BE49-F238E27FC236}">
+                <a16:creationId xmlns:a16="http://schemas.microsoft.com/office/drawing/2014/main" id="{C4822E29-01A8-1388-C962-F61512589396}"/>
+              </a:ext>
+            </a:extLst>
+          </p:cNvPr>
+          <p:cNvCxnSpPr>
+            <a:cxnSpLocks/>
+          </p:cNvCxnSpPr>
+          <p:nvPr/>
+        </p:nvCxnSpPr>
+        <p:spPr>
+          <a:xfrm>
+            <a:off x="1604742" y="4390331"/>
+            <a:ext cx="744842" cy="654008"/>
+          </a:xfrm>
+          <a:prstGeom prst="straightConnector1">
+            <a:avLst/>
+          </a:prstGeom>
+          <a:ln w="38100">
+            <a:tailEnd type="triangle"/>
+          </a:ln>
+        </p:spPr>
+        <p:style>
+          <a:lnRef idx="1">
+            <a:schemeClr val="dk1"/>
+          </a:lnRef>
+          <a:fillRef idx="0">
+            <a:schemeClr val="dk1"/>
+          </a:fillRef>
+          <a:effectRef idx="0">
+            <a:schemeClr val="dk1"/>
+          </a:effectRef>
+          <a:fontRef idx="minor">
+            <a:schemeClr val="tx1"/>
+          </a:fontRef>
+        </p:style>
+      </p:cxnSp>
+      <p:cxnSp>
+        <p:nvCxnSpPr>
+          <p:cNvPr id="38" name="Прямая со стрелкой 37">
+            <a:extLst>
+              <a:ext uri="{FF2B5EF4-FFF2-40B4-BE49-F238E27FC236}">
+                <a16:creationId xmlns:a16="http://schemas.microsoft.com/office/drawing/2014/main" id="{681E2ACD-F866-6D8C-DFEB-2E1918EB5801}"/>
+              </a:ext>
+            </a:extLst>
+          </p:cNvPr>
+          <p:cNvCxnSpPr>
+            <a:cxnSpLocks/>
+          </p:cNvCxnSpPr>
+          <p:nvPr/>
+        </p:nvCxnSpPr>
+        <p:spPr>
+          <a:xfrm flipH="1">
+            <a:off x="3687878" y="4432517"/>
+            <a:ext cx="920236" cy="654008"/>
+          </a:xfrm>
+          <a:prstGeom prst="straightConnector1">
+            <a:avLst/>
+          </a:prstGeom>
+          <a:ln w="38100">
+            <a:tailEnd type="triangle"/>
+          </a:ln>
+        </p:spPr>
+        <p:style>
+          <a:lnRef idx="1">
+            <a:schemeClr val="dk1"/>
+          </a:lnRef>
+          <a:fillRef idx="0">
+            <a:schemeClr val="dk1"/>
+          </a:fillRef>
+          <a:effectRef idx="0">
+            <a:schemeClr val="dk1"/>
+          </a:effectRef>
+          <a:fontRef idx="minor">
+            <a:schemeClr val="tx1"/>
+          </a:fontRef>
+        </p:style>
+      </p:cxnSp>
+      <p:cxnSp>
+        <p:nvCxnSpPr>
+          <p:cNvPr id="43" name="Прямая со стрелкой 42">
+            <a:extLst>
+              <a:ext uri="{FF2B5EF4-FFF2-40B4-BE49-F238E27FC236}">
+                <a16:creationId xmlns:a16="http://schemas.microsoft.com/office/drawing/2014/main" id="{0292E19B-8EAB-DA86-E0D3-4E4F1723F164}"/>
+              </a:ext>
+            </a:extLst>
+          </p:cNvPr>
+          <p:cNvCxnSpPr>
+            <a:cxnSpLocks/>
+          </p:cNvCxnSpPr>
+          <p:nvPr/>
+        </p:nvCxnSpPr>
+        <p:spPr>
+          <a:xfrm>
+            <a:off x="4617913" y="4414249"/>
+            <a:ext cx="0" cy="588123"/>
+          </a:xfrm>
+          <a:prstGeom prst="straightConnector1">
+            <a:avLst/>
+          </a:prstGeom>
+          <a:ln w="38100">
+            <a:tailEnd type="triangle"/>
+          </a:ln>
+        </p:spPr>
+        <p:style>
+          <a:lnRef idx="1">
+            <a:schemeClr val="dk1"/>
+          </a:lnRef>
+          <a:fillRef idx="0">
+            <a:schemeClr val="dk1"/>
+          </a:fillRef>
+          <a:effectRef idx="0">
+            <a:schemeClr val="dk1"/>
+          </a:effectRef>
+          <a:fontRef idx="minor">
+            <a:schemeClr val="tx1"/>
+          </a:fontRef>
+        </p:style>
+      </p:cxnSp>
+      <p:cxnSp>
+        <p:nvCxnSpPr>
+          <p:cNvPr id="46" name="Прямая со стрелкой 45">
+            <a:extLst>
+              <a:ext uri="{FF2B5EF4-FFF2-40B4-BE49-F238E27FC236}">
+                <a16:creationId xmlns:a16="http://schemas.microsoft.com/office/drawing/2014/main" id="{4794E7B7-1E9A-0569-6BE4-119461A0ED9E}"/>
+              </a:ext>
+            </a:extLst>
+          </p:cNvPr>
+          <p:cNvCxnSpPr>
+            <a:cxnSpLocks/>
+          </p:cNvCxnSpPr>
+          <p:nvPr/>
+        </p:nvCxnSpPr>
+        <p:spPr>
+          <a:xfrm>
+            <a:off x="4617913" y="4432517"/>
+            <a:ext cx="1080434" cy="569855"/>
+          </a:xfrm>
+          <a:prstGeom prst="straightConnector1">
+            <a:avLst/>
+          </a:prstGeom>
+          <a:ln w="38100">
+            <a:tailEnd type="triangle"/>
+          </a:ln>
+        </p:spPr>
+        <p:style>
+          <a:lnRef idx="1">
+            <a:schemeClr val="dk1"/>
+          </a:lnRef>
+          <a:fillRef idx="0">
+            <a:schemeClr val="dk1"/>
+          </a:fillRef>
+          <a:effectRef idx="0">
+            <a:schemeClr val="dk1"/>
+          </a:effectRef>
+          <a:fontRef idx="minor">
+            <a:schemeClr val="tx1"/>
+          </a:fontRef>
+        </p:style>
+      </p:cxnSp>
+      <p:cxnSp>
+        <p:nvCxnSpPr>
+          <p:cNvPr id="53" name="Прямая со стрелкой 52">
+            <a:extLst>
+              <a:ext uri="{FF2B5EF4-FFF2-40B4-BE49-F238E27FC236}">
+                <a16:creationId xmlns:a16="http://schemas.microsoft.com/office/drawing/2014/main" id="{158F728B-119E-3471-D3B9-7044620A835A}"/>
+              </a:ext>
+            </a:extLst>
+          </p:cNvPr>
+          <p:cNvCxnSpPr>
+            <a:cxnSpLocks/>
+          </p:cNvCxnSpPr>
+          <p:nvPr/>
+        </p:nvCxnSpPr>
+        <p:spPr>
+          <a:xfrm>
+            <a:off x="7587703" y="4385285"/>
+            <a:ext cx="0" cy="659054"/>
+          </a:xfrm>
+          <a:prstGeom prst="straightConnector1">
+            <a:avLst/>
+          </a:prstGeom>
+          <a:ln w="38100">
+            <a:tailEnd type="triangle"/>
+          </a:ln>
+        </p:spPr>
+        <p:style>
+          <a:lnRef idx="1">
+            <a:schemeClr val="dk1"/>
+          </a:lnRef>
+          <a:fillRef idx="0">
+            <a:schemeClr val="dk1"/>
+          </a:fillRef>
+          <a:effectRef idx="0">
+            <a:schemeClr val="dk1"/>
+          </a:effectRef>
+          <a:fontRef idx="minor">
+            <a:schemeClr val="tx1"/>
+          </a:fontRef>
+        </p:style>
+      </p:cxnSp>
+      <p:cxnSp>
+        <p:nvCxnSpPr>
+          <p:cNvPr id="56" name="Прямая со стрелкой 55">
+            <a:extLst>
+              <a:ext uri="{FF2B5EF4-FFF2-40B4-BE49-F238E27FC236}">
+                <a16:creationId xmlns:a16="http://schemas.microsoft.com/office/drawing/2014/main" id="{D79CB746-25F5-5CC6-2A5F-2DF7FF549E8E}"/>
+              </a:ext>
+            </a:extLst>
+          </p:cNvPr>
+          <p:cNvCxnSpPr>
+            <a:cxnSpLocks/>
+          </p:cNvCxnSpPr>
+          <p:nvPr/>
+        </p:nvCxnSpPr>
+        <p:spPr>
+          <a:xfrm flipH="1">
+            <a:off x="9609168" y="4414249"/>
+            <a:ext cx="764125" cy="630090"/>
+          </a:xfrm>
+          <a:prstGeom prst="straightConnector1">
+            <a:avLst/>
+          </a:prstGeom>
+          <a:ln w="38100">
+            <a:tailEnd type="triangle"/>
+          </a:ln>
+        </p:spPr>
+        <p:style>
+          <a:lnRef idx="1">
+            <a:schemeClr val="dk1"/>
+          </a:lnRef>
+          <a:fillRef idx="0">
+            <a:schemeClr val="dk1"/>
+          </a:fillRef>
+          <a:effectRef idx="0">
+            <a:schemeClr val="dk1"/>
+          </a:effectRef>
+          <a:fontRef idx="minor">
+            <a:schemeClr val="tx1"/>
+          </a:fontRef>
+        </p:style>
+      </p:cxnSp>
+      <p:cxnSp>
+        <p:nvCxnSpPr>
+          <p:cNvPr id="59" name="Прямая со стрелкой 58">
+            <a:extLst>
+              <a:ext uri="{FF2B5EF4-FFF2-40B4-BE49-F238E27FC236}">
+                <a16:creationId xmlns:a16="http://schemas.microsoft.com/office/drawing/2014/main" id="{C8B83CA9-4B31-F168-7B9B-8A22B4AE7B29}"/>
+              </a:ext>
+            </a:extLst>
+          </p:cNvPr>
+          <p:cNvCxnSpPr>
+            <a:cxnSpLocks/>
+          </p:cNvCxnSpPr>
+          <p:nvPr/>
+        </p:nvCxnSpPr>
+        <p:spPr>
+          <a:xfrm>
+            <a:off x="10373293" y="4414249"/>
+            <a:ext cx="926511" cy="588123"/>
+          </a:xfrm>
+          <a:prstGeom prst="straightConnector1">
+            <a:avLst/>
+          </a:prstGeom>
+          <a:ln w="38100">
+            <a:tailEnd type="triangle"/>
+          </a:ln>
+        </p:spPr>
+        <p:style>
+          <a:lnRef idx="1">
+            <a:schemeClr val="dk1"/>
+          </a:lnRef>
+          <a:fillRef idx="0">
+            <a:schemeClr val="dk1"/>
+          </a:fillRef>
+          <a:effectRef idx="0">
+            <a:schemeClr val="dk1"/>
+          </a:effectRef>
+          <a:fontRef idx="minor">
+            <a:schemeClr val="tx1"/>
+          </a:fontRef>
+        </p:style>
+      </p:cxnSp>
     </p:spTree>
     <p:extLst>
       <p:ext uri="{BB962C8B-B14F-4D97-AF65-F5344CB8AC3E}">
@@ -9182,14 +10153,14 @@
             <p:ph idx="1"/>
             <p:extLst>
               <p:ext uri="{D42A27DB-BD31-4B8C-83A1-F6EECF244321}">
-                <p14:modId xmlns:p14="http://schemas.microsoft.com/office/powerpoint/2010/main" val="3112070347"/>
+                <p14:modId xmlns:p14="http://schemas.microsoft.com/office/powerpoint/2010/main" val="3008871510"/>
               </p:ext>
             </p:extLst>
           </p:nvPr>
         </p:nvGraphicFramePr>
         <p:xfrm>
-          <a:off x="675361" y="1697540"/>
-          <a:ext cx="10158893" cy="4578771"/>
+          <a:off x="675362" y="1692437"/>
+          <a:ext cx="10703837" cy="4667954"/>
         </p:xfrm>
         <a:graphic>
           <a:graphicData uri="http://schemas.openxmlformats.org/drawingml/2006/table">
@@ -9198,38 +10169,38 @@
                 <a:tableStyleId>{5940675A-B579-460E-94D1-54222C63F5DA}</a:tableStyleId>
               </a:tblPr>
               <a:tblGrid>
-                <a:gridCol w="1043388">
+                <a:gridCol w="1321618">
                   <a:extLst>
                     <a:ext uri="{9D8B030D-6E8A-4147-A177-3AD203B41FA5}">
                       <a16:colId xmlns:a16="http://schemas.microsoft.com/office/drawing/2014/main" val="1923636937"/>
                     </a:ext>
                   </a:extLst>
                 </a:gridCol>
-                <a:gridCol w="1447306">
+                <a:gridCol w="1628860">
                   <a:extLst>
                     <a:ext uri="{9D8B030D-6E8A-4147-A177-3AD203B41FA5}">
                       <a16:colId xmlns:a16="http://schemas.microsoft.com/office/drawing/2014/main" val="1661300444"/>
                     </a:ext>
                   </a:extLst>
                 </a:gridCol>
-                <a:gridCol w="2338945">
-                  <a:extLst>
-                    <a:ext uri="{9D8B030D-6E8A-4147-A177-3AD203B41FA5}">
-                      <a16:colId xmlns:a16="http://schemas.microsoft.com/office/drawing/2014/main" val="3861368304"/>
-                    </a:ext>
-                  </a:extLst>
-                </a:gridCol>
-                <a:gridCol w="2664627">
+                <a:gridCol w="2584453">
                   <a:extLst>
                     <a:ext uri="{9D8B030D-6E8A-4147-A177-3AD203B41FA5}">
                       <a16:colId xmlns:a16="http://schemas.microsoft.com/office/drawing/2014/main" val="2103877131"/>
                     </a:ext>
                   </a:extLst>
                 </a:gridCol>
-                <a:gridCol w="2664627">
+                <a:gridCol w="2584453">
                   <a:extLst>
                     <a:ext uri="{9D8B030D-6E8A-4147-A177-3AD203B41FA5}">
                       <a16:colId xmlns:a16="http://schemas.microsoft.com/office/drawing/2014/main" val="1277769437"/>
+                    </a:ext>
+                  </a:extLst>
+                </a:gridCol>
+                <a:gridCol w="2584453">
+                  <a:extLst>
+                    <a:ext uri="{9D8B030D-6E8A-4147-A177-3AD203B41FA5}">
+                      <a16:colId xmlns:a16="http://schemas.microsoft.com/office/drawing/2014/main" val="1453843610"/>
                     </a:ext>
                   </a:extLst>
                 </a:gridCol>
@@ -9277,7 +10248,7 @@
                           <a:latin typeface="Times New Roman" panose="02020603050405020304" pitchFamily="18" charset="0"/>
                           <a:cs typeface="Times New Roman" panose="02020603050405020304" pitchFamily="18" charset="0"/>
                         </a:rPr>
-                        <a:t>Работаем с многокомпонентными КС</a:t>
+                        <a:t>Не привязан к предметной области применения</a:t>
                       </a:r>
                     </a:p>
                   </a:txBody>
@@ -9293,7 +10264,7 @@
                           <a:latin typeface="Times New Roman" panose="02020603050405020304" pitchFamily="18" charset="0"/>
                           <a:cs typeface="Times New Roman" panose="02020603050405020304" pitchFamily="18" charset="0"/>
                         </a:rPr>
-                        <a:t>Не привязан к предметной области применения</a:t>
+                        <a:t>Не использует словари, антологии</a:t>
                       </a:r>
                     </a:p>
                   </a:txBody>
@@ -9304,10 +10275,13 @@
                     <a:bodyPr/>
                     <a:lstStyle/>
                     <a:p>
-                      <a:endParaRPr lang="ru-RU" sz="2400" dirty="0">
-                        <a:latin typeface="Times New Roman" panose="02020603050405020304" pitchFamily="18" charset="0"/>
-                        <a:cs typeface="Times New Roman" panose="02020603050405020304" pitchFamily="18" charset="0"/>
-                      </a:endParaRPr>
+                      <a:r>
+                        <a:rPr lang="ru-RU" sz="2400" dirty="0">
+                          <a:latin typeface="Times New Roman" panose="02020603050405020304" pitchFamily="18" charset="0"/>
+                          <a:cs typeface="Times New Roman" panose="02020603050405020304" pitchFamily="18" charset="0"/>
+                        </a:rPr>
+                        <a:t>Учитывает схожесть терминов</a:t>
+                      </a:r>
                     </a:p>
                   </a:txBody>
                   <a:tcPr/>
@@ -9371,16 +10345,13 @@
                           <a:latin typeface="Times New Roman" panose="02020603050405020304" pitchFamily="18" charset="0"/>
                           <a:cs typeface="Times New Roman" panose="02020603050405020304" pitchFamily="18" charset="0"/>
                         </a:rPr>
-                        <a:t>-</a:t>
+                        <a:t>+</a:t>
                       </a:r>
                     </a:p>
                   </a:txBody>
                   <a:tcPr anchor="ctr">
                     <a:solidFill>
-                      <a:schemeClr val="accent6">
-                        <a:lumMod val="40000"/>
-                        <a:lumOff val="60000"/>
-                      </a:schemeClr>
+                      <a:srgbClr val="FFFF00"/>
                     </a:solidFill>
                   </a:tcPr>
                 </a:tc>
@@ -9411,10 +10382,13 @@
                     <a:lstStyle/>
                     <a:p>
                       <a:pPr algn="ctr"/>
-                      <a:endParaRPr lang="ru-RU" sz="2400" dirty="0">
-                        <a:latin typeface="Times New Roman" panose="02020603050405020304" pitchFamily="18" charset="0"/>
-                        <a:cs typeface="Times New Roman" panose="02020603050405020304" pitchFamily="18" charset="0"/>
-                      </a:endParaRPr>
+                      <a:r>
+                        <a:rPr lang="ru-RU" sz="2400" dirty="0">
+                          <a:latin typeface="Times New Roman" panose="02020603050405020304" pitchFamily="18" charset="0"/>
+                          <a:cs typeface="Times New Roman" panose="02020603050405020304" pitchFamily="18" charset="0"/>
+                        </a:rPr>
+                        <a:t>+</a:t>
+                      </a:r>
                     </a:p>
                   </a:txBody>
                   <a:tcPr anchor="ctr">
@@ -9449,27 +10423,6 @@
                     </a:p>
                   </a:txBody>
                   <a:tcPr/>
-                </a:tc>
-                <a:tc>
-                  <a:txBody>
-                    <a:bodyPr/>
-                    <a:lstStyle/>
-                    <a:p>
-                      <a:pPr algn="ctr"/>
-                      <a:r>
-                        <a:rPr lang="ru-RU" sz="2400" dirty="0">
-                          <a:latin typeface="Times New Roman" panose="02020603050405020304" pitchFamily="18" charset="0"/>
-                          <a:cs typeface="Times New Roman" panose="02020603050405020304" pitchFamily="18" charset="0"/>
-                        </a:rPr>
-                        <a:t>+</a:t>
-                      </a:r>
-                    </a:p>
-                  </a:txBody>
-                  <a:tcPr anchor="ctr">
-                    <a:solidFill>
-                      <a:srgbClr val="FFFF00"/>
-                    </a:solidFill>
-                  </a:tcPr>
                 </a:tc>
                 <a:tc>
                   <a:txBody>
@@ -9551,6 +10504,32 @@
                         <a:tabLst/>
                         <a:defRPr/>
                       </a:pPr>
+                      <a:r>
+                        <a:rPr lang="ru-RU" sz="2400" dirty="0">
+                          <a:latin typeface="Times New Roman" panose="02020603050405020304" pitchFamily="18" charset="0"/>
+                          <a:cs typeface="Times New Roman" panose="02020603050405020304" pitchFamily="18" charset="0"/>
+                        </a:rPr>
+                        <a:t>+</a:t>
+                      </a:r>
+                    </a:p>
+                    <a:p>
+                      <a:pPr marL="0" marR="0" lvl="0" indent="0" algn="ctr" defTabSz="914400" rtl="0" eaLnBrk="1" fontAlgn="auto" latinLnBrk="0" hangingPunct="1">
+                        <a:lnSpc>
+                          <a:spcPct val="100000"/>
+                        </a:lnSpc>
+                        <a:spcBef>
+                          <a:spcPts val="0"/>
+                        </a:spcBef>
+                        <a:spcAft>
+                          <a:spcPts val="0"/>
+                        </a:spcAft>
+                        <a:buClrTx/>
+                        <a:buSzTx/>
+                        <a:buFontTx/>
+                        <a:buNone/>
+                        <a:tabLst/>
+                        <a:defRPr/>
+                      </a:pPr>
                       <a:endParaRPr lang="ru-RU" sz="2400" dirty="0">
                         <a:latin typeface="Times New Roman" panose="02020603050405020304" pitchFamily="18" charset="0"/>
                         <a:cs typeface="Times New Roman" panose="02020603050405020304" pitchFamily="18" charset="0"/>
@@ -9562,33 +10541,6 @@
                       <a:srgbClr val="FFFF00"/>
                     </a:solidFill>
                   </a:tcPr>
-                </a:tc>
-                <a:extLst>
-                  <a:ext uri="{0D108BD9-81ED-4DB2-BD59-A6C34878D82A}">
-                    <a16:rowId xmlns:a16="http://schemas.microsoft.com/office/drawing/2014/main" val="4236089824"/>
-                  </a:ext>
-                </a:extLst>
-              </a:tr>
-              <a:tr h="733777">
-                <a:tc>
-                  <a:txBody>
-                    <a:bodyPr/>
-                    <a:lstStyle/>
-                    <a:p>
-                      <a:r>
-                        <a:rPr lang="en-US" sz="2400" dirty="0">
-                          <a:latin typeface="Times New Roman" panose="02020603050405020304" pitchFamily="18" charset="0"/>
-                          <a:cs typeface="Times New Roman" panose="02020603050405020304" pitchFamily="18" charset="0"/>
-                        </a:rPr>
-                        <a:t>Kea</a:t>
-                      </a:r>
-                      <a:endParaRPr lang="ru-RU" sz="2400" dirty="0">
-                        <a:latin typeface="Times New Roman" panose="02020603050405020304" pitchFamily="18" charset="0"/>
-                        <a:cs typeface="Times New Roman" panose="02020603050405020304" pitchFamily="18" charset="0"/>
-                      </a:endParaRPr>
-                    </a:p>
-                  </a:txBody>
-                  <a:tcPr/>
                 </a:tc>
                 <a:tc>
                   <a:txBody>
@@ -9630,12 +10582,121 @@
                     </a:solidFill>
                   </a:tcPr>
                 </a:tc>
+                <a:extLst>
+                  <a:ext uri="{0D108BD9-81ED-4DB2-BD59-A6C34878D82A}">
+                    <a16:rowId xmlns:a16="http://schemas.microsoft.com/office/drawing/2014/main" val="4236089824"/>
+                  </a:ext>
+                </a:extLst>
+              </a:tr>
+              <a:tr h="733777">
+                <a:tc>
+                  <a:txBody>
+                    <a:bodyPr/>
+                    <a:lstStyle/>
+                    <a:p>
+                      <a:r>
+                        <a:rPr lang="en-US" sz="2400" dirty="0" err="1">
+                          <a:latin typeface="Times New Roman" panose="02020603050405020304" pitchFamily="18" charset="0"/>
+                          <a:cs typeface="Times New Roman" panose="02020603050405020304" pitchFamily="18" charset="0"/>
+                        </a:rPr>
+                        <a:t>textrank</a:t>
+                      </a:r>
+                      <a:endParaRPr lang="ru-RU" sz="2400" dirty="0">
+                        <a:latin typeface="Times New Roman" panose="02020603050405020304" pitchFamily="18" charset="0"/>
+                        <a:cs typeface="Times New Roman" panose="02020603050405020304" pitchFamily="18" charset="0"/>
+                      </a:endParaRPr>
+                    </a:p>
+                  </a:txBody>
+                  <a:tcPr/>
+                </a:tc>
+                <a:tc>
+                  <a:txBody>
+                    <a:bodyPr/>
+                    <a:lstStyle/>
+                    <a:p>
+                      <a:pPr marL="0" marR="0" lvl="0" indent="0" algn="ctr" defTabSz="914400" rtl="0" eaLnBrk="1" fontAlgn="auto" latinLnBrk="0" hangingPunct="1">
+                        <a:lnSpc>
+                          <a:spcPct val="100000"/>
+                        </a:lnSpc>
+                        <a:spcBef>
+                          <a:spcPts val="0"/>
+                        </a:spcBef>
+                        <a:spcAft>
+                          <a:spcPts val="0"/>
+                        </a:spcAft>
+                        <a:buClrTx/>
+                        <a:buSzTx/>
+                        <a:buFontTx/>
+                        <a:buNone/>
+                        <a:tabLst/>
+                        <a:defRPr/>
+                      </a:pPr>
+                      <a:r>
+                        <a:rPr lang="en-US" sz="2400" dirty="0">
+                          <a:latin typeface="Times New Roman" panose="02020603050405020304" pitchFamily="18" charset="0"/>
+                          <a:cs typeface="Times New Roman" panose="02020603050405020304" pitchFamily="18" charset="0"/>
+                        </a:rPr>
+                        <a:t>+</a:t>
+                      </a:r>
+                      <a:endParaRPr lang="ru-RU" sz="2400" dirty="0">
+                        <a:latin typeface="Times New Roman" panose="02020603050405020304" pitchFamily="18" charset="0"/>
+                        <a:cs typeface="Times New Roman" panose="02020603050405020304" pitchFamily="18" charset="0"/>
+                      </a:endParaRPr>
+                    </a:p>
+                  </a:txBody>
+                  <a:tcPr anchor="ctr">
+                    <a:solidFill>
+                      <a:srgbClr val="FFFF00"/>
+                    </a:solidFill>
+                  </a:tcPr>
+                </a:tc>
                 <a:tc>
                   <a:txBody>
                     <a:bodyPr/>
                     <a:lstStyle/>
                     <a:p>
                       <a:pPr algn="ctr"/>
+                      <a:r>
+                        <a:rPr lang="en-US" sz="2400" dirty="0">
+                          <a:latin typeface="Times New Roman" panose="02020603050405020304" pitchFamily="18" charset="0"/>
+                          <a:cs typeface="Times New Roman" panose="02020603050405020304" pitchFamily="18" charset="0"/>
+                        </a:rPr>
+                        <a:t>+</a:t>
+                      </a:r>
+                      <a:endParaRPr lang="ru-RU" sz="2400" dirty="0">
+                        <a:latin typeface="Times New Roman" panose="02020603050405020304" pitchFamily="18" charset="0"/>
+                        <a:cs typeface="Times New Roman" panose="02020603050405020304" pitchFamily="18" charset="0"/>
+                      </a:endParaRPr>
+                    </a:p>
+                  </a:txBody>
+                  <a:tcPr anchor="ctr">
+                    <a:solidFill>
+                      <a:srgbClr val="FFFF00"/>
+                    </a:solidFill>
+                  </a:tcPr>
+                </a:tc>
+                <a:tc>
+                  <a:txBody>
+                    <a:bodyPr/>
+                    <a:lstStyle/>
+                    <a:p>
+                      <a:pPr marL="0" marR="0" lvl="0" indent="0" algn="ctr" defTabSz="914400" rtl="0" eaLnBrk="1" fontAlgn="auto" latinLnBrk="0" hangingPunct="1">
+                        <a:lnSpc>
+                          <a:spcPct val="100000"/>
+                        </a:lnSpc>
+                        <a:spcBef>
+                          <a:spcPts val="0"/>
+                        </a:spcBef>
+                        <a:spcAft>
+                          <a:spcPts val="0"/>
+                        </a:spcAft>
+                        <a:buClrTx/>
+                        <a:buSzTx/>
+                        <a:buFontTx/>
+                        <a:buNone/>
+                        <a:tabLst/>
+                        <a:defRPr/>
+                      </a:pPr>
                       <a:r>
                         <a:rPr lang="ru-RU" sz="2400" dirty="0">
                           <a:latin typeface="Times New Roman" panose="02020603050405020304" pitchFamily="18" charset="0"/>
@@ -9656,7 +10717,23 @@
                     <a:bodyPr/>
                     <a:lstStyle/>
                     <a:p>
-                      <a:pPr algn="ctr"/>
+                      <a:pPr marL="0" marR="0" lvl="0" indent="0" algn="ctr" defTabSz="914400" rtl="0" eaLnBrk="1" fontAlgn="auto" latinLnBrk="0" hangingPunct="1">
+                        <a:lnSpc>
+                          <a:spcPct val="100000"/>
+                        </a:lnSpc>
+                        <a:spcBef>
+                          <a:spcPts val="0"/>
+                        </a:spcBef>
+                        <a:spcAft>
+                          <a:spcPts val="0"/>
+                        </a:spcAft>
+                        <a:buClrTx/>
+                        <a:buSzTx/>
+                        <a:buFontTx/>
+                        <a:buNone/>
+                        <a:tabLst/>
+                        <a:defRPr/>
+                      </a:pPr>
                       <a:r>
                         <a:rPr lang="ru-RU" sz="2400" dirty="0">
                           <a:latin typeface="Times New Roman" panose="02020603050405020304" pitchFamily="18" charset="0"/>
@@ -9664,27 +10741,6 @@
                         </a:rPr>
                         <a:t>-</a:t>
                       </a:r>
-                    </a:p>
-                  </a:txBody>
-                  <a:tcPr anchor="ctr">
-                    <a:solidFill>
-                      <a:schemeClr val="accent6">
-                        <a:lumMod val="40000"/>
-                        <a:lumOff val="60000"/>
-                      </a:schemeClr>
-                    </a:solidFill>
-                  </a:tcPr>
-                </a:tc>
-                <a:tc>
-                  <a:txBody>
-                    <a:bodyPr/>
-                    <a:lstStyle/>
-                    <a:p>
-                      <a:pPr algn="ctr"/>
-                      <a:endParaRPr lang="ru-RU" sz="2400" dirty="0">
-                        <a:latin typeface="Times New Roman" panose="02020603050405020304" pitchFamily="18" charset="0"/>
-                        <a:cs typeface="Times New Roman" panose="02020603050405020304" pitchFamily="18" charset="0"/>
-                      </a:endParaRPr>
                     </a:p>
                   </a:txBody>
                   <a:tcPr anchor="ctr">
@@ -9758,30 +10814,6 @@
                           <a:latin typeface="Times New Roman" panose="02020603050405020304" pitchFamily="18" charset="0"/>
                           <a:cs typeface="Times New Roman" panose="02020603050405020304" pitchFamily="18" charset="0"/>
                         </a:rPr>
-                        <a:t>-</a:t>
-                      </a:r>
-                    </a:p>
-                  </a:txBody>
-                  <a:tcPr anchor="ctr">
-                    <a:solidFill>
-                      <a:schemeClr val="accent6">
-                        <a:lumMod val="40000"/>
-                        <a:lumOff val="60000"/>
-                      </a:schemeClr>
-                    </a:solidFill>
-                  </a:tcPr>
-                </a:tc>
-                <a:tc>
-                  <a:txBody>
-                    <a:bodyPr/>
-                    <a:lstStyle/>
-                    <a:p>
-                      <a:pPr algn="ctr"/>
-                      <a:r>
-                        <a:rPr lang="ru-RU" sz="2400" dirty="0">
-                          <a:latin typeface="Times New Roman" panose="02020603050405020304" pitchFamily="18" charset="0"/>
-                          <a:cs typeface="Times New Roman" panose="02020603050405020304" pitchFamily="18" charset="0"/>
-                        </a:rPr>
                         <a:t>+</a:t>
                       </a:r>
                     </a:p>
@@ -9797,6 +10829,32 @@
                     <a:bodyPr/>
                     <a:lstStyle/>
                     <a:p>
+                      <a:pPr marL="0" marR="0" lvl="0" indent="0" algn="ctr" defTabSz="914400" rtl="0" eaLnBrk="1" fontAlgn="auto" latinLnBrk="0" hangingPunct="1">
+                        <a:lnSpc>
+                          <a:spcPct val="100000"/>
+                        </a:lnSpc>
+                        <a:spcBef>
+                          <a:spcPts val="0"/>
+                        </a:spcBef>
+                        <a:spcAft>
+                          <a:spcPts val="0"/>
+                        </a:spcAft>
+                        <a:buClrTx/>
+                        <a:buSzTx/>
+                        <a:buFontTx/>
+                        <a:buNone/>
+                        <a:tabLst/>
+                        <a:defRPr/>
+                      </a:pPr>
+                      <a:r>
+                        <a:rPr lang="ru-RU" sz="2400" dirty="0">
+                          <a:latin typeface="Times New Roman" panose="02020603050405020304" pitchFamily="18" charset="0"/>
+                          <a:cs typeface="Times New Roman" panose="02020603050405020304" pitchFamily="18" charset="0"/>
+                        </a:rPr>
+                        <a:t>+</a:t>
+                      </a:r>
+                    </a:p>
+                    <a:p>
                       <a:pPr algn="ctr"/>
                       <a:endParaRPr lang="ru-RU" sz="2400" dirty="0">
                         <a:latin typeface="Times New Roman" panose="02020603050405020304" pitchFamily="18" charset="0"/>
@@ -9807,6 +10865,30 @@
                   <a:tcPr anchor="ctr">
                     <a:solidFill>
                       <a:srgbClr val="FFFF00"/>
+                    </a:solidFill>
+                  </a:tcPr>
+                </a:tc>
+                <a:tc>
+                  <a:txBody>
+                    <a:bodyPr/>
+                    <a:lstStyle/>
+                    <a:p>
+                      <a:pPr algn="ctr"/>
+                      <a:r>
+                        <a:rPr lang="ru-RU" sz="2400" dirty="0">
+                          <a:latin typeface="Times New Roman" panose="02020603050405020304" pitchFamily="18" charset="0"/>
+                          <a:cs typeface="Times New Roman" panose="02020603050405020304" pitchFamily="18" charset="0"/>
+                        </a:rPr>
+                        <a:t>-</a:t>
+                      </a:r>
+                    </a:p>
+                  </a:txBody>
+                  <a:tcPr anchor="ctr">
+                    <a:solidFill>
+                      <a:schemeClr val="accent6">
+                        <a:lumMod val="40000"/>
+                        <a:lumOff val="60000"/>
+                      </a:schemeClr>
                     </a:solidFill>
                   </a:tcPr>
                 </a:tc>
@@ -10776,42 +11858,6 @@
           <a:chExt cx="0" cy="0"/>
         </a:xfrm>
       </p:grpSpPr>
-      <p:pic>
-        <p:nvPicPr>
-          <p:cNvPr id="5" name="Рисунок 4">
-            <a:extLst>
-              <a:ext uri="{FF2B5EF4-FFF2-40B4-BE49-F238E27FC236}">
-                <a16:creationId xmlns:a16="http://schemas.microsoft.com/office/drawing/2014/main" id="{20208BF2-5752-159B-FDA7-C22107030CF1}"/>
-              </a:ext>
-            </a:extLst>
-          </p:cNvPr>
-          <p:cNvPicPr>
-            <a:picLocks noChangeAspect="1"/>
-          </p:cNvPicPr>
-          <p:nvPr/>
-        </p:nvPicPr>
-        <p:blipFill>
-          <a:blip r:embed="rId2">
-            <a:extLst>
-              <a:ext uri="{28A0092B-C50C-407E-A947-70E740481C1C}">
-                <a14:useLocalDpi xmlns:a14="http://schemas.microsoft.com/office/drawing/2010/main" val="0"/>
-              </a:ext>
-            </a:extLst>
-          </a:blip>
-          <a:stretch>
-            <a:fillRect/>
-          </a:stretch>
-        </p:blipFill>
-        <p:spPr>
-          <a:xfrm>
-            <a:off x="4727368" y="-16164"/>
-            <a:ext cx="7267432" cy="6858000"/>
-          </a:xfrm>
-          <a:prstGeom prst="rect">
-            <a:avLst/>
-          </a:prstGeom>
-        </p:spPr>
-      </p:pic>
       <p:sp>
         <p:nvSpPr>
           <p:cNvPr id="2" name="Заголовок 1">
@@ -10940,38 +11986,102 @@
           </a:p>
         </p:txBody>
       </p:sp>
-      <p:sp>
-        <p:nvSpPr>
-          <p:cNvPr id="4" name="TextBox 3">
-            <a:extLst>
-              <a:ext uri="{FF2B5EF4-FFF2-40B4-BE49-F238E27FC236}">
-                <a16:creationId xmlns:a16="http://schemas.microsoft.com/office/drawing/2014/main" id="{7A4A855E-7B40-DCA8-7D24-2DEF3583C2B1}"/>
-              </a:ext>
-            </a:extLst>
-          </p:cNvPr>
-          <p:cNvSpPr txBox="1"/>
+      <p:pic>
+        <p:nvPicPr>
+          <p:cNvPr id="10" name="Рисунок 9">
+            <a:extLst>
+              <a:ext uri="{FF2B5EF4-FFF2-40B4-BE49-F238E27FC236}">
+                <a16:creationId xmlns:a16="http://schemas.microsoft.com/office/drawing/2014/main" id="{4AF3E86B-5D51-8969-3E7C-53673B19360A}"/>
+              </a:ext>
+            </a:extLst>
+          </p:cNvPr>
+          <p:cNvPicPr>
+            <a:picLocks noChangeAspect="1"/>
+          </p:cNvPicPr>
           <p:nvPr/>
-        </p:nvSpPr>
+        </p:nvPicPr>
+        <p:blipFill>
+          <a:blip r:embed="rId2">
+            <a:extLst>
+              <a:ext uri="{28A0092B-C50C-407E-A947-70E740481C1C}">
+                <a14:useLocalDpi xmlns:a14="http://schemas.microsoft.com/office/drawing/2010/main" val="0"/>
+              </a:ext>
+            </a:extLst>
+          </a:blip>
+          <a:stretch>
+            <a:fillRect/>
+          </a:stretch>
+        </p:blipFill>
         <p:spPr>
           <a:xfrm>
-            <a:off x="461818" y="5966662"/>
-            <a:ext cx="3148981" cy="646331"/>
+            <a:off x="3971017" y="1063811"/>
+            <a:ext cx="7548652" cy="4959852"/>
           </a:xfrm>
           <a:prstGeom prst="rect">
             <a:avLst/>
           </a:prstGeom>
-          <a:noFill/>
         </p:spPr>
-        <p:txBody>
-          <a:bodyPr wrap="square" rtlCol="0">
-            <a:spAutoFit/>
-          </a:bodyPr>
+      </p:pic>
+      <p:sp>
+        <p:nvSpPr>
+          <p:cNvPr id="11" name="Прямоугольник 10">
+            <a:extLst>
+              <a:ext uri="{FF2B5EF4-FFF2-40B4-BE49-F238E27FC236}">
+                <a16:creationId xmlns:a16="http://schemas.microsoft.com/office/drawing/2014/main" id="{737442E6-949D-F541-65FF-147B16FBB44B}"/>
+              </a:ext>
+            </a:extLst>
+          </p:cNvPr>
+          <p:cNvSpPr/>
+          <p:nvPr/>
+        </p:nvSpPr>
+        <p:spPr>
+          <a:xfrm>
+            <a:off x="11205882" y="3000187"/>
+            <a:ext cx="454211" cy="776941"/>
+          </a:xfrm>
+          <a:prstGeom prst="rect">
+            <a:avLst/>
+          </a:prstGeom>
+          <a:solidFill>
+            <a:schemeClr val="bg1"/>
+          </a:solidFill>
+          <a:ln>
+            <a:solidFill>
+              <a:schemeClr val="bg1"/>
+            </a:solidFill>
+          </a:ln>
+        </p:spPr>
+        <p:style>
+          <a:lnRef idx="2">
+            <a:schemeClr val="accent1">
+              <a:shade val="50000"/>
+            </a:schemeClr>
+          </a:lnRef>
+          <a:fillRef idx="1">
+            <a:schemeClr val="accent1"/>
+          </a:fillRef>
+          <a:effectRef idx="0">
+            <a:schemeClr val="accent1"/>
+          </a:effectRef>
+          <a:fontRef idx="minor">
+            <a:schemeClr val="lt1"/>
+          </a:fontRef>
+        </p:style>
+        <p:txBody>
+          <a:bodyPr rtlCol="0" anchor="ctr"/>
           <a:lstStyle/>
           <a:p>
-            <a:r>
-              <a:rPr lang="ru-RU" dirty="0"/>
-              <a:t>А0 крупнее (блока и шрифт в нем)</a:t>
-            </a:r>
+            <a:pPr algn="ctr"/>
+            <a:endParaRPr lang="ru-RU">
+              <a:ln>
+                <a:solidFill>
+                  <a:schemeClr val="bg1"/>
+                </a:solidFill>
+              </a:ln>
+              <a:solidFill>
+                <a:schemeClr val="bg1"/>
+              </a:solidFill>
+            </a:endParaRPr>
           </a:p>
         </p:txBody>
       </p:sp>
@@ -11005,83 +12115,19 @@
           <a:chExt cx="0" cy="0"/>
         </a:xfrm>
       </p:grpSpPr>
-      <p:sp>
-        <p:nvSpPr>
-          <p:cNvPr id="2" name="Заголовок 1">
-            <a:extLst>
-              <a:ext uri="{FF2B5EF4-FFF2-40B4-BE49-F238E27FC236}">
-                <a16:creationId xmlns:a16="http://schemas.microsoft.com/office/drawing/2014/main" id="{2A95EC68-4529-7E8E-2310-7EB201B6A849}"/>
-              </a:ext>
-            </a:extLst>
-          </p:cNvPr>
-          <p:cNvSpPr>
-            <a:spLocks noGrp="1"/>
-          </p:cNvSpPr>
-          <p:nvPr>
-            <p:ph type="title"/>
-          </p:nvPr>
-        </p:nvSpPr>
-        <p:spPr>
-          <a:xfrm>
-            <a:off x="407894" y="58831"/>
-            <a:ext cx="5496859" cy="1325563"/>
-          </a:xfrm>
-        </p:spPr>
-        <p:txBody>
-          <a:bodyPr/>
-          <a:lstStyle/>
-          <a:p>
-            <a:r>
-              <a:rPr lang="ru-RU" dirty="0"/>
-              <a:t>Метод извлечения КС</a:t>
-            </a:r>
-          </a:p>
-        </p:txBody>
-      </p:sp>
-      <p:sp>
-        <p:nvSpPr>
-          <p:cNvPr id="3" name="Номер слайда 2">
-            <a:extLst>
-              <a:ext uri="{FF2B5EF4-FFF2-40B4-BE49-F238E27FC236}">
-                <a16:creationId xmlns:a16="http://schemas.microsoft.com/office/drawing/2014/main" id="{E1C5FE42-DE99-4BC2-08E3-00667A524548}"/>
-              </a:ext>
-            </a:extLst>
-          </p:cNvPr>
-          <p:cNvSpPr>
-            <a:spLocks noGrp="1"/>
-          </p:cNvSpPr>
-          <p:nvPr>
-            <p:ph type="sldNum" sz="quarter" idx="12"/>
-          </p:nvPr>
-        </p:nvSpPr>
-        <p:spPr/>
-        <p:txBody>
-          <a:bodyPr/>
-          <a:lstStyle/>
-          <a:p>
-            <a:fld id="{EB2452EA-49EB-437E-AEAF-228AB19C4ED2}" type="slidenum">
-              <a:rPr lang="ru-RU" smtClean="0"/>
-              <a:t>8</a:t>
-            </a:fld>
-            <a:endParaRPr lang="ru-RU"/>
-          </a:p>
-        </p:txBody>
-      </p:sp>
       <p:pic>
         <p:nvPicPr>
-          <p:cNvPr id="9" name="Объект 8">
-            <a:extLst>
-              <a:ext uri="{FF2B5EF4-FFF2-40B4-BE49-F238E27FC236}">
-                <a16:creationId xmlns:a16="http://schemas.microsoft.com/office/drawing/2014/main" id="{F70EBEC5-0123-B943-FD60-6C6F7033B0AE}"/>
+          <p:cNvPr id="7" name="Рисунок 6">
+            <a:extLst>
+              <a:ext uri="{FF2B5EF4-FFF2-40B4-BE49-F238E27FC236}">
+                <a16:creationId xmlns:a16="http://schemas.microsoft.com/office/drawing/2014/main" id="{896BBDCA-5210-487F-21F5-9D9EA0A69DD7}"/>
               </a:ext>
             </a:extLst>
           </p:cNvPr>
           <p:cNvPicPr>
-            <a:picLocks noGrp="1" noChangeAspect="1"/>
+            <a:picLocks noChangeAspect="1"/>
           </p:cNvPicPr>
-          <p:nvPr>
-            <p:ph idx="1"/>
-          </p:nvPr>
+          <p:nvPr/>
         </p:nvPicPr>
         <p:blipFill>
           <a:blip r:embed="rId2">
@@ -11097,11 +12143,76 @@
         </p:blipFill>
         <p:spPr>
           <a:xfrm>
-            <a:off x="841226" y="1279653"/>
-            <a:ext cx="10127054" cy="5378135"/>
+            <a:off x="407894" y="1060292"/>
+            <a:ext cx="10727764" cy="5665224"/>
+          </a:xfrm>
+          <a:prstGeom prst="rect">
+            <a:avLst/>
+          </a:prstGeom>
+        </p:spPr>
+      </p:pic>
+      <p:sp>
+        <p:nvSpPr>
+          <p:cNvPr id="2" name="Заголовок 1">
+            <a:extLst>
+              <a:ext uri="{FF2B5EF4-FFF2-40B4-BE49-F238E27FC236}">
+                <a16:creationId xmlns:a16="http://schemas.microsoft.com/office/drawing/2014/main" id="{2A95EC68-4529-7E8E-2310-7EB201B6A849}"/>
+              </a:ext>
+            </a:extLst>
+          </p:cNvPr>
+          <p:cNvSpPr>
+            <a:spLocks noGrp="1"/>
+          </p:cNvSpPr>
+          <p:nvPr>
+            <p:ph type="title"/>
+          </p:nvPr>
+        </p:nvSpPr>
+        <p:spPr>
+          <a:xfrm>
+            <a:off x="407894" y="58831"/>
+            <a:ext cx="5496859" cy="1325563"/>
           </a:xfrm>
         </p:spPr>
-      </p:pic>
+        <p:txBody>
+          <a:bodyPr/>
+          <a:lstStyle/>
+          <a:p>
+            <a:r>
+              <a:rPr lang="ru-RU" dirty="0"/>
+              <a:t>Метод извлечения КС</a:t>
+            </a:r>
+          </a:p>
+        </p:txBody>
+      </p:sp>
+      <p:sp>
+        <p:nvSpPr>
+          <p:cNvPr id="3" name="Номер слайда 2">
+            <a:extLst>
+              <a:ext uri="{FF2B5EF4-FFF2-40B4-BE49-F238E27FC236}">
+                <a16:creationId xmlns:a16="http://schemas.microsoft.com/office/drawing/2014/main" id="{E1C5FE42-DE99-4BC2-08E3-00667A524548}"/>
+              </a:ext>
+            </a:extLst>
+          </p:cNvPr>
+          <p:cNvSpPr>
+            <a:spLocks noGrp="1"/>
+          </p:cNvSpPr>
+          <p:nvPr>
+            <p:ph type="sldNum" sz="quarter" idx="12"/>
+          </p:nvPr>
+        </p:nvSpPr>
+        <p:spPr/>
+        <p:txBody>
+          <a:bodyPr/>
+          <a:lstStyle/>
+          <a:p>
+            <a:fld id="{EB2452EA-49EB-437E-AEAF-228AB19C4ED2}" type="slidenum">
+              <a:rPr lang="ru-RU" smtClean="0"/>
+              <a:t>8</a:t>
+            </a:fld>
+            <a:endParaRPr lang="ru-RU"/>
+          </a:p>
+        </p:txBody>
+      </p:sp>
       <p:sp>
         <p:nvSpPr>
           <p:cNvPr id="11" name="Прямоугольник 10">
@@ -11116,7 +12227,7 @@
         </p:nvSpPr>
         <p:spPr>
           <a:xfrm>
-            <a:off x="6329082" y="3429000"/>
+            <a:off x="6239436" y="3617471"/>
             <a:ext cx="5236960" cy="3001682"/>
           </a:xfrm>
           <a:prstGeom prst="rect">
@@ -11289,8 +12400,8 @@
         </p:blipFill>
         <p:spPr>
           <a:xfrm>
-            <a:off x="1467825" y="1116784"/>
-            <a:ext cx="4828420" cy="5353617"/>
+            <a:off x="1467825" y="1116785"/>
+            <a:ext cx="4485142" cy="4973000"/>
           </a:xfrm>
           <a:prstGeom prst="rect">
             <a:avLst/>
@@ -11347,8 +12458,8 @@
         </p:nvSpPr>
         <p:spPr>
           <a:xfrm>
-            <a:off x="3913909" y="969818"/>
-            <a:ext cx="7495309" cy="5583382"/>
+            <a:off x="3747247" y="969818"/>
+            <a:ext cx="7661971" cy="5119967"/>
           </a:xfrm>
           <a:prstGeom prst="rect">
             <a:avLst/>
@@ -11378,6 +12489,157 @@
           <a:p>
             <a:pPr algn="ctr"/>
             <a:endParaRPr lang="ru-RU"/>
+          </a:p>
+        </p:txBody>
+      </p:sp>
+      <p:sp>
+        <p:nvSpPr>
+          <p:cNvPr id="3" name="TextBox 2">
+            <a:extLst>
+              <a:ext uri="{FF2B5EF4-FFF2-40B4-BE49-F238E27FC236}">
+                <a16:creationId xmlns:a16="http://schemas.microsoft.com/office/drawing/2014/main" id="{A76388F5-2DD3-764E-CBEA-586C9B882B0A}"/>
+              </a:ext>
+            </a:extLst>
+          </p:cNvPr>
+          <p:cNvSpPr txBox="1"/>
+          <p:nvPr/>
+        </p:nvSpPr>
+        <p:spPr>
+          <a:xfrm>
+            <a:off x="273248" y="6244516"/>
+            <a:ext cx="11231458" cy="523220"/>
+          </a:xfrm>
+          <a:prstGeom prst="rect">
+            <a:avLst/>
+          </a:prstGeom>
+          <a:noFill/>
+        </p:spPr>
+        <p:txBody>
+          <a:bodyPr wrap="square" rtlCol="0">
+            <a:spAutoFit/>
+          </a:bodyPr>
+          <a:lstStyle/>
+          <a:p>
+            <a:r>
+              <a:rPr lang="en-US" sz="1400" dirty="0">
+                <a:latin typeface="+mj-lt"/>
+              </a:rPr>
+              <a:t>*</a:t>
+            </a:r>
+            <a:r>
+              <a:rPr lang="en-US" sz="1400" dirty="0" err="1">
+                <a:latin typeface="+mj-lt"/>
+              </a:rPr>
+              <a:t>w_case</a:t>
+            </a:r>
+            <a:r>
+              <a:rPr lang="en-US" sz="1400" dirty="0">
+                <a:latin typeface="+mj-lt"/>
+              </a:rPr>
+              <a:t> –</a:t>
+            </a:r>
+            <a:r>
+              <a:rPr lang="ru-RU" sz="1400" dirty="0">
+                <a:latin typeface="+mj-lt"/>
+              </a:rPr>
+              <a:t> вес</a:t>
+            </a:r>
+            <a:r>
+              <a:rPr lang="en-US" sz="1400" dirty="0">
+                <a:latin typeface="+mj-lt"/>
+              </a:rPr>
+              <a:t> </a:t>
+            </a:r>
+            <a:r>
+              <a:rPr lang="ru-RU" sz="1400" dirty="0">
+                <a:latin typeface="+mj-lt"/>
+              </a:rPr>
+              <a:t>связанный с регистром термина, </a:t>
+            </a:r>
+            <a:r>
+              <a:rPr lang="en-US" sz="1400" dirty="0" err="1">
+                <a:latin typeface="+mj-lt"/>
+              </a:rPr>
+              <a:t>w_pose</a:t>
+            </a:r>
+            <a:r>
+              <a:rPr lang="en-US" sz="1400" dirty="0">
+                <a:latin typeface="+mj-lt"/>
+              </a:rPr>
+              <a:t> – </a:t>
+            </a:r>
+            <a:r>
+              <a:rPr lang="ru-RU" sz="1400" dirty="0">
+                <a:latin typeface="+mj-lt"/>
+              </a:rPr>
+              <a:t>вес связанный с позицией в тексте, </a:t>
+            </a:r>
+            <a:r>
+              <a:rPr lang="en-US" sz="1400" dirty="0" err="1">
+                <a:latin typeface="+mj-lt"/>
+              </a:rPr>
+              <a:t>w_spread</a:t>
+            </a:r>
+            <a:r>
+              <a:rPr lang="en-US" sz="1400" dirty="0">
+                <a:latin typeface="+mj-lt"/>
+              </a:rPr>
+              <a:t> – </a:t>
+            </a:r>
+            <a:r>
+              <a:rPr lang="ru-RU" sz="1400" dirty="0">
+                <a:latin typeface="+mj-lt"/>
+              </a:rPr>
+              <a:t>вес связанный с </a:t>
+            </a:r>
+            <a:r>
+              <a:rPr lang="ru-RU" sz="1400" dirty="0" err="1">
+                <a:latin typeface="+mj-lt"/>
+              </a:rPr>
+              <a:t>рапспространением</a:t>
+            </a:r>
+            <a:r>
+              <a:rPr lang="ru-RU" sz="1400" dirty="0">
+                <a:latin typeface="+mj-lt"/>
+              </a:rPr>
+              <a:t> термина, </a:t>
+            </a:r>
+            <a:r>
+              <a:rPr lang="en-US" sz="1400" dirty="0" err="1">
+                <a:latin typeface="+mj-lt"/>
+              </a:rPr>
+              <a:t>w_rel</a:t>
+            </a:r>
+            <a:r>
+              <a:rPr lang="en-US" sz="1400" dirty="0">
+                <a:latin typeface="+mj-lt"/>
+              </a:rPr>
+              <a:t> – </a:t>
+            </a:r>
+            <a:r>
+              <a:rPr lang="ru-RU" sz="1400" dirty="0">
+                <a:latin typeface="+mj-lt"/>
+              </a:rPr>
+              <a:t>вес показывающий связь термина с контекстом, </a:t>
+            </a:r>
+            <a:r>
+              <a:rPr lang="en-US" sz="1400" dirty="0" err="1">
+                <a:latin typeface="+mj-lt"/>
+              </a:rPr>
+              <a:t>w_freq</a:t>
+            </a:r>
+            <a:r>
+              <a:rPr lang="en-US" sz="1400" dirty="0">
+                <a:latin typeface="+mj-lt"/>
+              </a:rPr>
+              <a:t> – </a:t>
+            </a:r>
+            <a:r>
+              <a:rPr lang="ru-RU" sz="1400" dirty="0">
+                <a:latin typeface="+mj-lt"/>
+              </a:rPr>
+              <a:t>вес корректирующий частоту</a:t>
+            </a:r>
           </a:p>
         </p:txBody>
       </p:sp>
